--- a/BeYu Pitch Deck_small.pptx
+++ b/BeYu Pitch Deck_small.pptx
@@ -4,9 +4,13 @@
   <p:sldMasterIdLst>
     <p:sldMasterId id="2147483648" r:id="rId2"/>
     <p:sldMasterId id="2147483661" r:id="rId3"/>
+    <p:sldMasterId id="2147483674" r:id="rId4"/>
   </p:sldMasterIdLst>
   <p:sldIdLst>
-    <p:sldId id="256" r:id="rId4"/>
+    <p:sldId id="256" r:id="rId5"/>
+    <p:sldId id="257" r:id="rId6"/>
+    <p:sldId id="258" r:id="rId7"/>
+    <p:sldId id="259" r:id="rId8"/>
   </p:sldIdLst>
   <p:sldSz cx="12192000" cy="6858000"/>
   <p:notesSz cx="7559675" cy="10691812"/>
@@ -1994,6 +1998,361 @@
 </p:sldLayout>
 </file>
 
+<file path=ppt/slideLayouts/slideLayout25.xml><?xml version="1.0" encoding="utf-8"?>
+<p:sldLayout xmlns:a="http://schemas.openxmlformats.org/drawingml/2006/main" xmlns:p="http://schemas.openxmlformats.org/presentationml/2006/main" xmlns:r="http://schemas.openxmlformats.org/officeDocument/2006/relationships" xmlns:p14="http://schemas.microsoft.com/office/powerpoint/2010/main" xmlns:p15="http://schemas.microsoft.com/office/powerpoint/2012/main" xmlns:mc="http://schemas.openxmlformats.org/markup-compatibility/2006" type="blank" preserve="1">
+  <p:cSld name="Blank Slide">
+    <p:spTree>
+      <p:nvGrpSpPr>
+        <p:cNvPr id="1" name=""/>
+        <p:cNvGrpSpPr/>
+        <p:nvPr/>
+      </p:nvGrpSpPr>
+      <p:grpSpPr>
+        <a:xfrm>
+          <a:off x="0" y="0"/>
+          <a:ext cx="0" cy="0"/>
+          <a:chOff x="0" y="0"/>
+          <a:chExt cx="0" cy="0"/>
+        </a:xfrm>
+      </p:grpSpPr>
+    </p:spTree>
+  </p:cSld>
+</p:sldLayout>
+</file>
+
+<file path=ppt/slideLayouts/slideLayout26.xml><?xml version="1.0" encoding="utf-8"?>
+<p:sldLayout xmlns:a="http://schemas.openxmlformats.org/drawingml/2006/main" xmlns:p="http://schemas.openxmlformats.org/presentationml/2006/main" xmlns:r="http://schemas.openxmlformats.org/officeDocument/2006/relationships" xmlns:p14="http://schemas.microsoft.com/office/powerpoint/2010/main" xmlns:p15="http://schemas.microsoft.com/office/powerpoint/2012/main" xmlns:mc="http://schemas.openxmlformats.org/markup-compatibility/2006" type="tx" preserve="1">
+  <p:cSld name="Title Slide">
+    <p:spTree>
+      <p:nvGrpSpPr>
+        <p:cNvPr id="1" name=""/>
+        <p:cNvGrpSpPr/>
+        <p:nvPr/>
+      </p:nvGrpSpPr>
+      <p:grpSpPr>
+        <a:xfrm>
+          <a:off x="0" y="0"/>
+          <a:ext cx="0" cy="0"/>
+          <a:chOff x="0" y="0"/>
+          <a:chExt cx="0" cy="0"/>
+        </a:xfrm>
+      </p:grpSpPr>
+      <p:sp>
+        <p:nvSpPr>
+          <p:cNvPr id="76" name="PlaceHolder 1"/>
+          <p:cNvSpPr>
+            <a:spLocks noGrp="1"/>
+          </p:cNvSpPr>
+          <p:nvPr>
+            <p:ph type="title"/>
+          </p:nvPr>
+        </p:nvSpPr>
+        <p:spPr>
+          <a:xfrm>
+            <a:off x="609480" y="273600"/>
+            <a:ext cx="10972440" cy="1144800"/>
+          </a:xfrm>
+          <a:prstGeom prst="rect">
+            <a:avLst/>
+          </a:prstGeom>
+        </p:spPr>
+        <p:txBody>
+          <a:bodyPr lIns="0" rIns="0" tIns="0" bIns="0" anchor="ctr">
+            <a:noAutofit/>
+          </a:bodyPr>
+          <a:p>
+            <a:pPr algn="ctr"/>
+            <a:endParaRPr b="0" lang="en-IN" sz="4400" spc="-1" strike="noStrike">
+              <a:latin typeface="Arial"/>
+            </a:endParaRPr>
+          </a:p>
+        </p:txBody>
+      </p:sp>
+      <p:sp>
+        <p:nvSpPr>
+          <p:cNvPr id="77" name="PlaceHolder 2"/>
+          <p:cNvSpPr>
+            <a:spLocks noGrp="1"/>
+          </p:cNvSpPr>
+          <p:nvPr>
+            <p:ph type="subTitle"/>
+          </p:nvPr>
+        </p:nvSpPr>
+        <p:spPr>
+          <a:xfrm>
+            <a:off x="609480" y="1604520"/>
+            <a:ext cx="10972440" cy="3977280"/>
+          </a:xfrm>
+          <a:prstGeom prst="rect">
+            <a:avLst/>
+          </a:prstGeom>
+        </p:spPr>
+        <p:txBody>
+          <a:bodyPr lIns="0" rIns="0" tIns="0" bIns="0" anchor="ctr">
+            <a:noAutofit/>
+          </a:bodyPr>
+          <a:p>
+            <a:pPr algn="ctr"/>
+            <a:endParaRPr b="0" lang="en-IN" sz="3200" spc="-1" strike="noStrike">
+              <a:latin typeface="Arial"/>
+            </a:endParaRPr>
+          </a:p>
+        </p:txBody>
+      </p:sp>
+    </p:spTree>
+  </p:cSld>
+</p:sldLayout>
+</file>
+
+<file path=ppt/slideLayouts/slideLayout27.xml><?xml version="1.0" encoding="utf-8"?>
+<p:sldLayout xmlns:a="http://schemas.openxmlformats.org/drawingml/2006/main" xmlns:p="http://schemas.openxmlformats.org/presentationml/2006/main" xmlns:r="http://schemas.openxmlformats.org/officeDocument/2006/relationships" xmlns:p14="http://schemas.microsoft.com/office/powerpoint/2010/main" xmlns:p15="http://schemas.microsoft.com/office/powerpoint/2012/main" xmlns:mc="http://schemas.openxmlformats.org/markup-compatibility/2006" type="obj" preserve="1">
+  <p:cSld name="Title, Content">
+    <p:spTree>
+      <p:nvGrpSpPr>
+        <p:cNvPr id="1" name=""/>
+        <p:cNvGrpSpPr/>
+        <p:nvPr/>
+      </p:nvGrpSpPr>
+      <p:grpSpPr>
+        <a:xfrm>
+          <a:off x="0" y="0"/>
+          <a:ext cx="0" cy="0"/>
+          <a:chOff x="0" y="0"/>
+          <a:chExt cx="0" cy="0"/>
+        </a:xfrm>
+      </p:grpSpPr>
+      <p:sp>
+        <p:nvSpPr>
+          <p:cNvPr id="78" name="PlaceHolder 1"/>
+          <p:cNvSpPr>
+            <a:spLocks noGrp="1"/>
+          </p:cNvSpPr>
+          <p:nvPr>
+            <p:ph type="title"/>
+          </p:nvPr>
+        </p:nvSpPr>
+        <p:spPr>
+          <a:xfrm>
+            <a:off x="609480" y="273600"/>
+            <a:ext cx="10972440" cy="1144800"/>
+          </a:xfrm>
+          <a:prstGeom prst="rect">
+            <a:avLst/>
+          </a:prstGeom>
+        </p:spPr>
+        <p:txBody>
+          <a:bodyPr lIns="0" rIns="0" tIns="0" bIns="0" anchor="ctr">
+            <a:noAutofit/>
+          </a:bodyPr>
+          <a:p>
+            <a:pPr algn="ctr"/>
+            <a:endParaRPr b="0" lang="en-IN" sz="4400" spc="-1" strike="noStrike">
+              <a:latin typeface="Arial"/>
+            </a:endParaRPr>
+          </a:p>
+        </p:txBody>
+      </p:sp>
+      <p:sp>
+        <p:nvSpPr>
+          <p:cNvPr id="79" name="PlaceHolder 2"/>
+          <p:cNvSpPr>
+            <a:spLocks noGrp="1"/>
+          </p:cNvSpPr>
+          <p:nvPr>
+            <p:ph type="body"/>
+          </p:nvPr>
+        </p:nvSpPr>
+        <p:spPr>
+          <a:xfrm>
+            <a:off x="609480" y="1604520"/>
+            <a:ext cx="10972440" cy="3977280"/>
+          </a:xfrm>
+          <a:prstGeom prst="rect">
+            <a:avLst/>
+          </a:prstGeom>
+        </p:spPr>
+        <p:txBody>
+          <a:bodyPr lIns="0" rIns="0" tIns="0" bIns="0">
+            <a:normAutofit/>
+          </a:bodyPr>
+          <a:p>
+            <a:endParaRPr b="0" lang="en-IN" sz="3200" spc="-1" strike="noStrike">
+              <a:latin typeface="Arial"/>
+            </a:endParaRPr>
+          </a:p>
+        </p:txBody>
+      </p:sp>
+    </p:spTree>
+  </p:cSld>
+</p:sldLayout>
+</file>
+
+<file path=ppt/slideLayouts/slideLayout28.xml><?xml version="1.0" encoding="utf-8"?>
+<p:sldLayout xmlns:a="http://schemas.openxmlformats.org/drawingml/2006/main" xmlns:p="http://schemas.openxmlformats.org/presentationml/2006/main" xmlns:r="http://schemas.openxmlformats.org/officeDocument/2006/relationships" xmlns:p14="http://schemas.microsoft.com/office/powerpoint/2010/main" xmlns:p15="http://schemas.microsoft.com/office/powerpoint/2012/main" xmlns:mc="http://schemas.openxmlformats.org/markup-compatibility/2006" type="twoObj" preserve="1">
+  <p:cSld name="Title, 2 Content">
+    <p:spTree>
+      <p:nvGrpSpPr>
+        <p:cNvPr id="1" name=""/>
+        <p:cNvGrpSpPr/>
+        <p:nvPr/>
+      </p:nvGrpSpPr>
+      <p:grpSpPr>
+        <a:xfrm>
+          <a:off x="0" y="0"/>
+          <a:ext cx="0" cy="0"/>
+          <a:chOff x="0" y="0"/>
+          <a:chExt cx="0" cy="0"/>
+        </a:xfrm>
+      </p:grpSpPr>
+      <p:sp>
+        <p:nvSpPr>
+          <p:cNvPr id="80" name="PlaceHolder 1"/>
+          <p:cNvSpPr>
+            <a:spLocks noGrp="1"/>
+          </p:cNvSpPr>
+          <p:nvPr>
+            <p:ph type="title"/>
+          </p:nvPr>
+        </p:nvSpPr>
+        <p:spPr>
+          <a:xfrm>
+            <a:off x="609480" y="273600"/>
+            <a:ext cx="10972440" cy="1144800"/>
+          </a:xfrm>
+          <a:prstGeom prst="rect">
+            <a:avLst/>
+          </a:prstGeom>
+        </p:spPr>
+        <p:txBody>
+          <a:bodyPr lIns="0" rIns="0" tIns="0" bIns="0" anchor="ctr">
+            <a:noAutofit/>
+          </a:bodyPr>
+          <a:p>
+            <a:pPr algn="ctr"/>
+            <a:endParaRPr b="0" lang="en-IN" sz="4400" spc="-1" strike="noStrike">
+              <a:latin typeface="Arial"/>
+            </a:endParaRPr>
+          </a:p>
+        </p:txBody>
+      </p:sp>
+      <p:sp>
+        <p:nvSpPr>
+          <p:cNvPr id="81" name="PlaceHolder 2"/>
+          <p:cNvSpPr>
+            <a:spLocks noGrp="1"/>
+          </p:cNvSpPr>
+          <p:nvPr>
+            <p:ph type="body"/>
+          </p:nvPr>
+        </p:nvSpPr>
+        <p:spPr>
+          <a:xfrm>
+            <a:off x="609480" y="1604520"/>
+            <a:ext cx="5354280" cy="3977280"/>
+          </a:xfrm>
+          <a:prstGeom prst="rect">
+            <a:avLst/>
+          </a:prstGeom>
+        </p:spPr>
+        <p:txBody>
+          <a:bodyPr lIns="0" rIns="0" tIns="0" bIns="0">
+            <a:normAutofit/>
+          </a:bodyPr>
+          <a:p>
+            <a:endParaRPr b="0" lang="en-IN" sz="3200" spc="-1" strike="noStrike">
+              <a:latin typeface="Arial"/>
+            </a:endParaRPr>
+          </a:p>
+        </p:txBody>
+      </p:sp>
+      <p:sp>
+        <p:nvSpPr>
+          <p:cNvPr id="82" name="PlaceHolder 3"/>
+          <p:cNvSpPr>
+            <a:spLocks noGrp="1"/>
+          </p:cNvSpPr>
+          <p:nvPr>
+            <p:ph type="body"/>
+          </p:nvPr>
+        </p:nvSpPr>
+        <p:spPr>
+          <a:xfrm>
+            <a:off x="6231960" y="1604520"/>
+            <a:ext cx="5354280" cy="3977280"/>
+          </a:xfrm>
+          <a:prstGeom prst="rect">
+            <a:avLst/>
+          </a:prstGeom>
+        </p:spPr>
+        <p:txBody>
+          <a:bodyPr lIns="0" rIns="0" tIns="0" bIns="0">
+            <a:normAutofit/>
+          </a:bodyPr>
+          <a:p>
+            <a:endParaRPr b="0" lang="en-IN" sz="3200" spc="-1" strike="noStrike">
+              <a:latin typeface="Arial"/>
+            </a:endParaRPr>
+          </a:p>
+        </p:txBody>
+      </p:sp>
+    </p:spTree>
+  </p:cSld>
+</p:sldLayout>
+</file>
+
+<file path=ppt/slideLayouts/slideLayout29.xml><?xml version="1.0" encoding="utf-8"?>
+<p:sldLayout xmlns:a="http://schemas.openxmlformats.org/drawingml/2006/main" xmlns:p="http://schemas.openxmlformats.org/presentationml/2006/main" xmlns:r="http://schemas.openxmlformats.org/officeDocument/2006/relationships" xmlns:p14="http://schemas.microsoft.com/office/powerpoint/2010/main" xmlns:p15="http://schemas.microsoft.com/office/powerpoint/2012/main" xmlns:mc="http://schemas.openxmlformats.org/markup-compatibility/2006" type="titleOnly" preserve="1">
+  <p:cSld name="Title Only">
+    <p:spTree>
+      <p:nvGrpSpPr>
+        <p:cNvPr id="1" name=""/>
+        <p:cNvGrpSpPr/>
+        <p:nvPr/>
+      </p:nvGrpSpPr>
+      <p:grpSpPr>
+        <a:xfrm>
+          <a:off x="0" y="0"/>
+          <a:ext cx="0" cy="0"/>
+          <a:chOff x="0" y="0"/>
+          <a:chExt cx="0" cy="0"/>
+        </a:xfrm>
+      </p:grpSpPr>
+      <p:sp>
+        <p:nvSpPr>
+          <p:cNvPr id="83" name="PlaceHolder 1"/>
+          <p:cNvSpPr>
+            <a:spLocks noGrp="1"/>
+          </p:cNvSpPr>
+          <p:nvPr>
+            <p:ph type="title"/>
+          </p:nvPr>
+        </p:nvSpPr>
+        <p:spPr>
+          <a:xfrm>
+            <a:off x="609480" y="273600"/>
+            <a:ext cx="10972440" cy="1144800"/>
+          </a:xfrm>
+          <a:prstGeom prst="rect">
+            <a:avLst/>
+          </a:prstGeom>
+        </p:spPr>
+        <p:txBody>
+          <a:bodyPr lIns="0" rIns="0" tIns="0" bIns="0" anchor="ctr">
+            <a:noAutofit/>
+          </a:bodyPr>
+          <a:p>
+            <a:pPr algn="ctr"/>
+            <a:endParaRPr b="0" lang="en-IN" sz="4400" spc="-1" strike="noStrike">
+              <a:latin typeface="Arial"/>
+            </a:endParaRPr>
+          </a:p>
+        </p:txBody>
+      </p:sp>
+    </p:spTree>
+  </p:cSld>
+</p:sldLayout>
+</file>
+
 <file path=ppt/slideLayouts/slideLayout3.xml><?xml version="1.0" encoding="utf-8"?>
 <p:sldLayout xmlns:a="http://schemas.openxmlformats.org/drawingml/2006/main" xmlns:p="http://schemas.openxmlformats.org/presentationml/2006/main" xmlns:r="http://schemas.openxmlformats.org/officeDocument/2006/relationships" xmlns:p14="http://schemas.microsoft.com/office/powerpoint/2010/main" xmlns:p15="http://schemas.microsoft.com/office/powerpoint/2012/main" xmlns:mc="http://schemas.openxmlformats.org/markup-compatibility/2006" type="obj" preserve="1">
   <p:cSld name="Title, Content">
@@ -2056,6 +2415,1007 @@
           <a:xfrm>
             <a:off x="609480" y="1604520"/>
             <a:ext cx="10972440" cy="3977280"/>
+          </a:xfrm>
+          <a:prstGeom prst="rect">
+            <a:avLst/>
+          </a:prstGeom>
+        </p:spPr>
+        <p:txBody>
+          <a:bodyPr lIns="0" rIns="0" tIns="0" bIns="0">
+            <a:normAutofit/>
+          </a:bodyPr>
+          <a:p>
+            <a:endParaRPr b="0" lang="en-IN" sz="3200" spc="-1" strike="noStrike">
+              <a:latin typeface="Arial"/>
+            </a:endParaRPr>
+          </a:p>
+        </p:txBody>
+      </p:sp>
+    </p:spTree>
+  </p:cSld>
+</p:sldLayout>
+</file>
+
+<file path=ppt/slideLayouts/slideLayout30.xml><?xml version="1.0" encoding="utf-8"?>
+<p:sldLayout xmlns:a="http://schemas.openxmlformats.org/drawingml/2006/main" xmlns:p="http://schemas.openxmlformats.org/presentationml/2006/main" xmlns:r="http://schemas.openxmlformats.org/officeDocument/2006/relationships" xmlns:p14="http://schemas.microsoft.com/office/powerpoint/2010/main" xmlns:p15="http://schemas.microsoft.com/office/powerpoint/2012/main" xmlns:mc="http://schemas.openxmlformats.org/markup-compatibility/2006" type="objOnly" preserve="1">
+  <p:cSld name="Centered Text">
+    <p:spTree>
+      <p:nvGrpSpPr>
+        <p:cNvPr id="1" name=""/>
+        <p:cNvGrpSpPr/>
+        <p:nvPr/>
+      </p:nvGrpSpPr>
+      <p:grpSpPr>
+        <a:xfrm>
+          <a:off x="0" y="0"/>
+          <a:ext cx="0" cy="0"/>
+          <a:chOff x="0" y="0"/>
+          <a:chExt cx="0" cy="0"/>
+        </a:xfrm>
+      </p:grpSpPr>
+      <p:sp>
+        <p:nvSpPr>
+          <p:cNvPr id="84" name="PlaceHolder 1"/>
+          <p:cNvSpPr>
+            <a:spLocks noGrp="1"/>
+          </p:cNvSpPr>
+          <p:nvPr>
+            <p:ph type="subTitle"/>
+          </p:nvPr>
+        </p:nvSpPr>
+        <p:spPr>
+          <a:xfrm>
+            <a:off x="609480" y="273600"/>
+            <a:ext cx="10972440" cy="5307840"/>
+          </a:xfrm>
+          <a:prstGeom prst="rect">
+            <a:avLst/>
+          </a:prstGeom>
+        </p:spPr>
+        <p:txBody>
+          <a:bodyPr lIns="0" rIns="0" tIns="0" bIns="0" anchor="ctr">
+            <a:noAutofit/>
+          </a:bodyPr>
+          <a:p>
+            <a:pPr algn="ctr"/>
+            <a:endParaRPr b="0" lang="en-IN" sz="3200" spc="-1" strike="noStrike">
+              <a:latin typeface="Arial"/>
+            </a:endParaRPr>
+          </a:p>
+        </p:txBody>
+      </p:sp>
+    </p:spTree>
+  </p:cSld>
+</p:sldLayout>
+</file>
+
+<file path=ppt/slideLayouts/slideLayout31.xml><?xml version="1.0" encoding="utf-8"?>
+<p:sldLayout xmlns:a="http://schemas.openxmlformats.org/drawingml/2006/main" xmlns:p="http://schemas.openxmlformats.org/presentationml/2006/main" xmlns:r="http://schemas.openxmlformats.org/officeDocument/2006/relationships" xmlns:p14="http://schemas.microsoft.com/office/powerpoint/2010/main" xmlns:p15="http://schemas.microsoft.com/office/powerpoint/2012/main" xmlns:mc="http://schemas.openxmlformats.org/markup-compatibility/2006" type="twoObjAndObj" preserve="1">
+  <p:cSld name="Title, 2 Content and Content">
+    <p:spTree>
+      <p:nvGrpSpPr>
+        <p:cNvPr id="1" name=""/>
+        <p:cNvGrpSpPr/>
+        <p:nvPr/>
+      </p:nvGrpSpPr>
+      <p:grpSpPr>
+        <a:xfrm>
+          <a:off x="0" y="0"/>
+          <a:ext cx="0" cy="0"/>
+          <a:chOff x="0" y="0"/>
+          <a:chExt cx="0" cy="0"/>
+        </a:xfrm>
+      </p:grpSpPr>
+      <p:sp>
+        <p:nvSpPr>
+          <p:cNvPr id="85" name="PlaceHolder 1"/>
+          <p:cNvSpPr>
+            <a:spLocks noGrp="1"/>
+          </p:cNvSpPr>
+          <p:nvPr>
+            <p:ph type="title"/>
+          </p:nvPr>
+        </p:nvSpPr>
+        <p:spPr>
+          <a:xfrm>
+            <a:off x="609480" y="273600"/>
+            <a:ext cx="10972440" cy="1144800"/>
+          </a:xfrm>
+          <a:prstGeom prst="rect">
+            <a:avLst/>
+          </a:prstGeom>
+        </p:spPr>
+        <p:txBody>
+          <a:bodyPr lIns="0" rIns="0" tIns="0" bIns="0" anchor="ctr">
+            <a:noAutofit/>
+          </a:bodyPr>
+          <a:p>
+            <a:pPr algn="ctr"/>
+            <a:endParaRPr b="0" lang="en-IN" sz="4400" spc="-1" strike="noStrike">
+              <a:latin typeface="Arial"/>
+            </a:endParaRPr>
+          </a:p>
+        </p:txBody>
+      </p:sp>
+      <p:sp>
+        <p:nvSpPr>
+          <p:cNvPr id="86" name="PlaceHolder 2"/>
+          <p:cNvSpPr>
+            <a:spLocks noGrp="1"/>
+          </p:cNvSpPr>
+          <p:nvPr>
+            <p:ph type="body"/>
+          </p:nvPr>
+        </p:nvSpPr>
+        <p:spPr>
+          <a:xfrm>
+            <a:off x="609480" y="1604520"/>
+            <a:ext cx="5354280" cy="1896840"/>
+          </a:xfrm>
+          <a:prstGeom prst="rect">
+            <a:avLst/>
+          </a:prstGeom>
+        </p:spPr>
+        <p:txBody>
+          <a:bodyPr lIns="0" rIns="0" tIns="0" bIns="0">
+            <a:normAutofit/>
+          </a:bodyPr>
+          <a:p>
+            <a:endParaRPr b="0" lang="en-IN" sz="3200" spc="-1" strike="noStrike">
+              <a:latin typeface="Arial"/>
+            </a:endParaRPr>
+          </a:p>
+        </p:txBody>
+      </p:sp>
+      <p:sp>
+        <p:nvSpPr>
+          <p:cNvPr id="87" name="PlaceHolder 3"/>
+          <p:cNvSpPr>
+            <a:spLocks noGrp="1"/>
+          </p:cNvSpPr>
+          <p:nvPr>
+            <p:ph type="body"/>
+          </p:nvPr>
+        </p:nvSpPr>
+        <p:spPr>
+          <a:xfrm>
+            <a:off x="6231960" y="1604520"/>
+            <a:ext cx="5354280" cy="3977280"/>
+          </a:xfrm>
+          <a:prstGeom prst="rect">
+            <a:avLst/>
+          </a:prstGeom>
+        </p:spPr>
+        <p:txBody>
+          <a:bodyPr lIns="0" rIns="0" tIns="0" bIns="0">
+            <a:normAutofit/>
+          </a:bodyPr>
+          <a:p>
+            <a:endParaRPr b="0" lang="en-IN" sz="3200" spc="-1" strike="noStrike">
+              <a:latin typeface="Arial"/>
+            </a:endParaRPr>
+          </a:p>
+        </p:txBody>
+      </p:sp>
+      <p:sp>
+        <p:nvSpPr>
+          <p:cNvPr id="88" name="PlaceHolder 4"/>
+          <p:cNvSpPr>
+            <a:spLocks noGrp="1"/>
+          </p:cNvSpPr>
+          <p:nvPr>
+            <p:ph type="body"/>
+          </p:nvPr>
+        </p:nvSpPr>
+        <p:spPr>
+          <a:xfrm>
+            <a:off x="609480" y="3682080"/>
+            <a:ext cx="5354280" cy="1896840"/>
+          </a:xfrm>
+          <a:prstGeom prst="rect">
+            <a:avLst/>
+          </a:prstGeom>
+        </p:spPr>
+        <p:txBody>
+          <a:bodyPr lIns="0" rIns="0" tIns="0" bIns="0">
+            <a:normAutofit/>
+          </a:bodyPr>
+          <a:p>
+            <a:endParaRPr b="0" lang="en-IN" sz="3200" spc="-1" strike="noStrike">
+              <a:latin typeface="Arial"/>
+            </a:endParaRPr>
+          </a:p>
+        </p:txBody>
+      </p:sp>
+    </p:spTree>
+  </p:cSld>
+</p:sldLayout>
+</file>
+
+<file path=ppt/slideLayouts/slideLayout32.xml><?xml version="1.0" encoding="utf-8"?>
+<p:sldLayout xmlns:a="http://schemas.openxmlformats.org/drawingml/2006/main" xmlns:p="http://schemas.openxmlformats.org/presentationml/2006/main" xmlns:r="http://schemas.openxmlformats.org/officeDocument/2006/relationships" xmlns:p14="http://schemas.microsoft.com/office/powerpoint/2010/main" xmlns:p15="http://schemas.microsoft.com/office/powerpoint/2012/main" xmlns:mc="http://schemas.openxmlformats.org/markup-compatibility/2006" type="objAndTwoObj" preserve="1">
+  <p:cSld name="Title Content and 2 Content">
+    <p:spTree>
+      <p:nvGrpSpPr>
+        <p:cNvPr id="1" name=""/>
+        <p:cNvGrpSpPr/>
+        <p:nvPr/>
+      </p:nvGrpSpPr>
+      <p:grpSpPr>
+        <a:xfrm>
+          <a:off x="0" y="0"/>
+          <a:ext cx="0" cy="0"/>
+          <a:chOff x="0" y="0"/>
+          <a:chExt cx="0" cy="0"/>
+        </a:xfrm>
+      </p:grpSpPr>
+      <p:sp>
+        <p:nvSpPr>
+          <p:cNvPr id="89" name="PlaceHolder 1"/>
+          <p:cNvSpPr>
+            <a:spLocks noGrp="1"/>
+          </p:cNvSpPr>
+          <p:nvPr>
+            <p:ph type="title"/>
+          </p:nvPr>
+        </p:nvSpPr>
+        <p:spPr>
+          <a:xfrm>
+            <a:off x="609480" y="273600"/>
+            <a:ext cx="10972440" cy="1144800"/>
+          </a:xfrm>
+          <a:prstGeom prst="rect">
+            <a:avLst/>
+          </a:prstGeom>
+        </p:spPr>
+        <p:txBody>
+          <a:bodyPr lIns="0" rIns="0" tIns="0" bIns="0" anchor="ctr">
+            <a:noAutofit/>
+          </a:bodyPr>
+          <a:p>
+            <a:pPr algn="ctr"/>
+            <a:endParaRPr b="0" lang="en-IN" sz="4400" spc="-1" strike="noStrike">
+              <a:latin typeface="Arial"/>
+            </a:endParaRPr>
+          </a:p>
+        </p:txBody>
+      </p:sp>
+      <p:sp>
+        <p:nvSpPr>
+          <p:cNvPr id="90" name="PlaceHolder 2"/>
+          <p:cNvSpPr>
+            <a:spLocks noGrp="1"/>
+          </p:cNvSpPr>
+          <p:nvPr>
+            <p:ph type="body"/>
+          </p:nvPr>
+        </p:nvSpPr>
+        <p:spPr>
+          <a:xfrm>
+            <a:off x="609480" y="1604520"/>
+            <a:ext cx="5354280" cy="3977280"/>
+          </a:xfrm>
+          <a:prstGeom prst="rect">
+            <a:avLst/>
+          </a:prstGeom>
+        </p:spPr>
+        <p:txBody>
+          <a:bodyPr lIns="0" rIns="0" tIns="0" bIns="0">
+            <a:normAutofit/>
+          </a:bodyPr>
+          <a:p>
+            <a:endParaRPr b="0" lang="en-IN" sz="3200" spc="-1" strike="noStrike">
+              <a:latin typeface="Arial"/>
+            </a:endParaRPr>
+          </a:p>
+        </p:txBody>
+      </p:sp>
+      <p:sp>
+        <p:nvSpPr>
+          <p:cNvPr id="91" name="PlaceHolder 3"/>
+          <p:cNvSpPr>
+            <a:spLocks noGrp="1"/>
+          </p:cNvSpPr>
+          <p:nvPr>
+            <p:ph type="body"/>
+          </p:nvPr>
+        </p:nvSpPr>
+        <p:spPr>
+          <a:xfrm>
+            <a:off x="6231960" y="1604520"/>
+            <a:ext cx="5354280" cy="1896840"/>
+          </a:xfrm>
+          <a:prstGeom prst="rect">
+            <a:avLst/>
+          </a:prstGeom>
+        </p:spPr>
+        <p:txBody>
+          <a:bodyPr lIns="0" rIns="0" tIns="0" bIns="0">
+            <a:normAutofit/>
+          </a:bodyPr>
+          <a:p>
+            <a:endParaRPr b="0" lang="en-IN" sz="3200" spc="-1" strike="noStrike">
+              <a:latin typeface="Arial"/>
+            </a:endParaRPr>
+          </a:p>
+        </p:txBody>
+      </p:sp>
+      <p:sp>
+        <p:nvSpPr>
+          <p:cNvPr id="92" name="PlaceHolder 4"/>
+          <p:cNvSpPr>
+            <a:spLocks noGrp="1"/>
+          </p:cNvSpPr>
+          <p:nvPr>
+            <p:ph type="body"/>
+          </p:nvPr>
+        </p:nvSpPr>
+        <p:spPr>
+          <a:xfrm>
+            <a:off x="6231960" y="3682080"/>
+            <a:ext cx="5354280" cy="1896840"/>
+          </a:xfrm>
+          <a:prstGeom prst="rect">
+            <a:avLst/>
+          </a:prstGeom>
+        </p:spPr>
+        <p:txBody>
+          <a:bodyPr lIns="0" rIns="0" tIns="0" bIns="0">
+            <a:normAutofit/>
+          </a:bodyPr>
+          <a:p>
+            <a:endParaRPr b="0" lang="en-IN" sz="3200" spc="-1" strike="noStrike">
+              <a:latin typeface="Arial"/>
+            </a:endParaRPr>
+          </a:p>
+        </p:txBody>
+      </p:sp>
+    </p:spTree>
+  </p:cSld>
+</p:sldLayout>
+</file>
+
+<file path=ppt/slideLayouts/slideLayout33.xml><?xml version="1.0" encoding="utf-8"?>
+<p:sldLayout xmlns:a="http://schemas.openxmlformats.org/drawingml/2006/main" xmlns:p="http://schemas.openxmlformats.org/presentationml/2006/main" xmlns:r="http://schemas.openxmlformats.org/officeDocument/2006/relationships" xmlns:p14="http://schemas.microsoft.com/office/powerpoint/2010/main" xmlns:p15="http://schemas.microsoft.com/office/powerpoint/2012/main" xmlns:mc="http://schemas.openxmlformats.org/markup-compatibility/2006" type="twoObjOverTx" preserve="1">
+  <p:cSld name="Title, 2 Content over Content">
+    <p:spTree>
+      <p:nvGrpSpPr>
+        <p:cNvPr id="1" name=""/>
+        <p:cNvGrpSpPr/>
+        <p:nvPr/>
+      </p:nvGrpSpPr>
+      <p:grpSpPr>
+        <a:xfrm>
+          <a:off x="0" y="0"/>
+          <a:ext cx="0" cy="0"/>
+          <a:chOff x="0" y="0"/>
+          <a:chExt cx="0" cy="0"/>
+        </a:xfrm>
+      </p:grpSpPr>
+      <p:sp>
+        <p:nvSpPr>
+          <p:cNvPr id="93" name="PlaceHolder 1"/>
+          <p:cNvSpPr>
+            <a:spLocks noGrp="1"/>
+          </p:cNvSpPr>
+          <p:nvPr>
+            <p:ph type="title"/>
+          </p:nvPr>
+        </p:nvSpPr>
+        <p:spPr>
+          <a:xfrm>
+            <a:off x="609480" y="273600"/>
+            <a:ext cx="10972440" cy="1144800"/>
+          </a:xfrm>
+          <a:prstGeom prst="rect">
+            <a:avLst/>
+          </a:prstGeom>
+        </p:spPr>
+        <p:txBody>
+          <a:bodyPr lIns="0" rIns="0" tIns="0" bIns="0" anchor="ctr">
+            <a:noAutofit/>
+          </a:bodyPr>
+          <a:p>
+            <a:pPr algn="ctr"/>
+            <a:endParaRPr b="0" lang="en-IN" sz="4400" spc="-1" strike="noStrike">
+              <a:latin typeface="Arial"/>
+            </a:endParaRPr>
+          </a:p>
+        </p:txBody>
+      </p:sp>
+      <p:sp>
+        <p:nvSpPr>
+          <p:cNvPr id="94" name="PlaceHolder 2"/>
+          <p:cNvSpPr>
+            <a:spLocks noGrp="1"/>
+          </p:cNvSpPr>
+          <p:nvPr>
+            <p:ph type="body"/>
+          </p:nvPr>
+        </p:nvSpPr>
+        <p:spPr>
+          <a:xfrm>
+            <a:off x="609480" y="1604520"/>
+            <a:ext cx="5354280" cy="1896840"/>
+          </a:xfrm>
+          <a:prstGeom prst="rect">
+            <a:avLst/>
+          </a:prstGeom>
+        </p:spPr>
+        <p:txBody>
+          <a:bodyPr lIns="0" rIns="0" tIns="0" bIns="0">
+            <a:normAutofit/>
+          </a:bodyPr>
+          <a:p>
+            <a:endParaRPr b="0" lang="en-IN" sz="3200" spc="-1" strike="noStrike">
+              <a:latin typeface="Arial"/>
+            </a:endParaRPr>
+          </a:p>
+        </p:txBody>
+      </p:sp>
+      <p:sp>
+        <p:nvSpPr>
+          <p:cNvPr id="95" name="PlaceHolder 3"/>
+          <p:cNvSpPr>
+            <a:spLocks noGrp="1"/>
+          </p:cNvSpPr>
+          <p:nvPr>
+            <p:ph type="body"/>
+          </p:nvPr>
+        </p:nvSpPr>
+        <p:spPr>
+          <a:xfrm>
+            <a:off x="6231960" y="1604520"/>
+            <a:ext cx="5354280" cy="1896840"/>
+          </a:xfrm>
+          <a:prstGeom prst="rect">
+            <a:avLst/>
+          </a:prstGeom>
+        </p:spPr>
+        <p:txBody>
+          <a:bodyPr lIns="0" rIns="0" tIns="0" bIns="0">
+            <a:normAutofit/>
+          </a:bodyPr>
+          <a:p>
+            <a:endParaRPr b="0" lang="en-IN" sz="3200" spc="-1" strike="noStrike">
+              <a:latin typeface="Arial"/>
+            </a:endParaRPr>
+          </a:p>
+        </p:txBody>
+      </p:sp>
+      <p:sp>
+        <p:nvSpPr>
+          <p:cNvPr id="96" name="PlaceHolder 4"/>
+          <p:cNvSpPr>
+            <a:spLocks noGrp="1"/>
+          </p:cNvSpPr>
+          <p:nvPr>
+            <p:ph type="body"/>
+          </p:nvPr>
+        </p:nvSpPr>
+        <p:spPr>
+          <a:xfrm>
+            <a:off x="609480" y="3682080"/>
+            <a:ext cx="10972440" cy="1896840"/>
+          </a:xfrm>
+          <a:prstGeom prst="rect">
+            <a:avLst/>
+          </a:prstGeom>
+        </p:spPr>
+        <p:txBody>
+          <a:bodyPr lIns="0" rIns="0" tIns="0" bIns="0">
+            <a:normAutofit/>
+          </a:bodyPr>
+          <a:p>
+            <a:endParaRPr b="0" lang="en-IN" sz="3200" spc="-1" strike="noStrike">
+              <a:latin typeface="Arial"/>
+            </a:endParaRPr>
+          </a:p>
+        </p:txBody>
+      </p:sp>
+    </p:spTree>
+  </p:cSld>
+</p:sldLayout>
+</file>
+
+<file path=ppt/slideLayouts/slideLayout34.xml><?xml version="1.0" encoding="utf-8"?>
+<p:sldLayout xmlns:a="http://schemas.openxmlformats.org/drawingml/2006/main" xmlns:p="http://schemas.openxmlformats.org/presentationml/2006/main" xmlns:r="http://schemas.openxmlformats.org/officeDocument/2006/relationships" xmlns:p14="http://schemas.microsoft.com/office/powerpoint/2010/main" xmlns:p15="http://schemas.microsoft.com/office/powerpoint/2012/main" xmlns:mc="http://schemas.openxmlformats.org/markup-compatibility/2006" type="objOverTx" preserve="1">
+  <p:cSld name="Title, Content over Content">
+    <p:spTree>
+      <p:nvGrpSpPr>
+        <p:cNvPr id="1" name=""/>
+        <p:cNvGrpSpPr/>
+        <p:nvPr/>
+      </p:nvGrpSpPr>
+      <p:grpSpPr>
+        <a:xfrm>
+          <a:off x="0" y="0"/>
+          <a:ext cx="0" cy="0"/>
+          <a:chOff x="0" y="0"/>
+          <a:chExt cx="0" cy="0"/>
+        </a:xfrm>
+      </p:grpSpPr>
+      <p:sp>
+        <p:nvSpPr>
+          <p:cNvPr id="97" name="PlaceHolder 1"/>
+          <p:cNvSpPr>
+            <a:spLocks noGrp="1"/>
+          </p:cNvSpPr>
+          <p:nvPr>
+            <p:ph type="title"/>
+          </p:nvPr>
+        </p:nvSpPr>
+        <p:spPr>
+          <a:xfrm>
+            <a:off x="609480" y="273600"/>
+            <a:ext cx="10972440" cy="1144800"/>
+          </a:xfrm>
+          <a:prstGeom prst="rect">
+            <a:avLst/>
+          </a:prstGeom>
+        </p:spPr>
+        <p:txBody>
+          <a:bodyPr lIns="0" rIns="0" tIns="0" bIns="0" anchor="ctr">
+            <a:noAutofit/>
+          </a:bodyPr>
+          <a:p>
+            <a:pPr algn="ctr"/>
+            <a:endParaRPr b="0" lang="en-IN" sz="4400" spc="-1" strike="noStrike">
+              <a:latin typeface="Arial"/>
+            </a:endParaRPr>
+          </a:p>
+        </p:txBody>
+      </p:sp>
+      <p:sp>
+        <p:nvSpPr>
+          <p:cNvPr id="98" name="PlaceHolder 2"/>
+          <p:cNvSpPr>
+            <a:spLocks noGrp="1"/>
+          </p:cNvSpPr>
+          <p:nvPr>
+            <p:ph type="body"/>
+          </p:nvPr>
+        </p:nvSpPr>
+        <p:spPr>
+          <a:xfrm>
+            <a:off x="609480" y="1604520"/>
+            <a:ext cx="10972440" cy="1896840"/>
+          </a:xfrm>
+          <a:prstGeom prst="rect">
+            <a:avLst/>
+          </a:prstGeom>
+        </p:spPr>
+        <p:txBody>
+          <a:bodyPr lIns="0" rIns="0" tIns="0" bIns="0">
+            <a:normAutofit/>
+          </a:bodyPr>
+          <a:p>
+            <a:endParaRPr b="0" lang="en-IN" sz="3200" spc="-1" strike="noStrike">
+              <a:latin typeface="Arial"/>
+            </a:endParaRPr>
+          </a:p>
+        </p:txBody>
+      </p:sp>
+      <p:sp>
+        <p:nvSpPr>
+          <p:cNvPr id="99" name="PlaceHolder 3"/>
+          <p:cNvSpPr>
+            <a:spLocks noGrp="1"/>
+          </p:cNvSpPr>
+          <p:nvPr>
+            <p:ph type="body"/>
+          </p:nvPr>
+        </p:nvSpPr>
+        <p:spPr>
+          <a:xfrm>
+            <a:off x="609480" y="3682080"/>
+            <a:ext cx="10972440" cy="1896840"/>
+          </a:xfrm>
+          <a:prstGeom prst="rect">
+            <a:avLst/>
+          </a:prstGeom>
+        </p:spPr>
+        <p:txBody>
+          <a:bodyPr lIns="0" rIns="0" tIns="0" bIns="0">
+            <a:normAutofit/>
+          </a:bodyPr>
+          <a:p>
+            <a:endParaRPr b="0" lang="en-IN" sz="3200" spc="-1" strike="noStrike">
+              <a:latin typeface="Arial"/>
+            </a:endParaRPr>
+          </a:p>
+        </p:txBody>
+      </p:sp>
+    </p:spTree>
+  </p:cSld>
+</p:sldLayout>
+</file>
+
+<file path=ppt/slideLayouts/slideLayout35.xml><?xml version="1.0" encoding="utf-8"?>
+<p:sldLayout xmlns:a="http://schemas.openxmlformats.org/drawingml/2006/main" xmlns:p="http://schemas.openxmlformats.org/presentationml/2006/main" xmlns:r="http://schemas.openxmlformats.org/officeDocument/2006/relationships" xmlns:p14="http://schemas.microsoft.com/office/powerpoint/2010/main" xmlns:p15="http://schemas.microsoft.com/office/powerpoint/2012/main" xmlns:mc="http://schemas.openxmlformats.org/markup-compatibility/2006" type="fourObj" preserve="1">
+  <p:cSld name="Title, 4 Content">
+    <p:spTree>
+      <p:nvGrpSpPr>
+        <p:cNvPr id="1" name=""/>
+        <p:cNvGrpSpPr/>
+        <p:nvPr/>
+      </p:nvGrpSpPr>
+      <p:grpSpPr>
+        <a:xfrm>
+          <a:off x="0" y="0"/>
+          <a:ext cx="0" cy="0"/>
+          <a:chOff x="0" y="0"/>
+          <a:chExt cx="0" cy="0"/>
+        </a:xfrm>
+      </p:grpSpPr>
+      <p:sp>
+        <p:nvSpPr>
+          <p:cNvPr id="100" name="PlaceHolder 1"/>
+          <p:cNvSpPr>
+            <a:spLocks noGrp="1"/>
+          </p:cNvSpPr>
+          <p:nvPr>
+            <p:ph type="title"/>
+          </p:nvPr>
+        </p:nvSpPr>
+        <p:spPr>
+          <a:xfrm>
+            <a:off x="609480" y="273600"/>
+            <a:ext cx="10972440" cy="1144800"/>
+          </a:xfrm>
+          <a:prstGeom prst="rect">
+            <a:avLst/>
+          </a:prstGeom>
+        </p:spPr>
+        <p:txBody>
+          <a:bodyPr lIns="0" rIns="0" tIns="0" bIns="0" anchor="ctr">
+            <a:noAutofit/>
+          </a:bodyPr>
+          <a:p>
+            <a:pPr algn="ctr"/>
+            <a:endParaRPr b="0" lang="en-IN" sz="4400" spc="-1" strike="noStrike">
+              <a:latin typeface="Arial"/>
+            </a:endParaRPr>
+          </a:p>
+        </p:txBody>
+      </p:sp>
+      <p:sp>
+        <p:nvSpPr>
+          <p:cNvPr id="101" name="PlaceHolder 2"/>
+          <p:cNvSpPr>
+            <a:spLocks noGrp="1"/>
+          </p:cNvSpPr>
+          <p:nvPr>
+            <p:ph type="body"/>
+          </p:nvPr>
+        </p:nvSpPr>
+        <p:spPr>
+          <a:xfrm>
+            <a:off x="609480" y="1604520"/>
+            <a:ext cx="5354280" cy="1896840"/>
+          </a:xfrm>
+          <a:prstGeom prst="rect">
+            <a:avLst/>
+          </a:prstGeom>
+        </p:spPr>
+        <p:txBody>
+          <a:bodyPr lIns="0" rIns="0" tIns="0" bIns="0">
+            <a:normAutofit/>
+          </a:bodyPr>
+          <a:p>
+            <a:endParaRPr b="0" lang="en-IN" sz="3200" spc="-1" strike="noStrike">
+              <a:latin typeface="Arial"/>
+            </a:endParaRPr>
+          </a:p>
+        </p:txBody>
+      </p:sp>
+      <p:sp>
+        <p:nvSpPr>
+          <p:cNvPr id="102" name="PlaceHolder 3"/>
+          <p:cNvSpPr>
+            <a:spLocks noGrp="1"/>
+          </p:cNvSpPr>
+          <p:nvPr>
+            <p:ph type="body"/>
+          </p:nvPr>
+        </p:nvSpPr>
+        <p:spPr>
+          <a:xfrm>
+            <a:off x="6231960" y="1604520"/>
+            <a:ext cx="5354280" cy="1896840"/>
+          </a:xfrm>
+          <a:prstGeom prst="rect">
+            <a:avLst/>
+          </a:prstGeom>
+        </p:spPr>
+        <p:txBody>
+          <a:bodyPr lIns="0" rIns="0" tIns="0" bIns="0">
+            <a:normAutofit/>
+          </a:bodyPr>
+          <a:p>
+            <a:endParaRPr b="0" lang="en-IN" sz="3200" spc="-1" strike="noStrike">
+              <a:latin typeface="Arial"/>
+            </a:endParaRPr>
+          </a:p>
+        </p:txBody>
+      </p:sp>
+      <p:sp>
+        <p:nvSpPr>
+          <p:cNvPr id="103" name="PlaceHolder 4"/>
+          <p:cNvSpPr>
+            <a:spLocks noGrp="1"/>
+          </p:cNvSpPr>
+          <p:nvPr>
+            <p:ph type="body"/>
+          </p:nvPr>
+        </p:nvSpPr>
+        <p:spPr>
+          <a:xfrm>
+            <a:off x="609480" y="3682080"/>
+            <a:ext cx="5354280" cy="1896840"/>
+          </a:xfrm>
+          <a:prstGeom prst="rect">
+            <a:avLst/>
+          </a:prstGeom>
+        </p:spPr>
+        <p:txBody>
+          <a:bodyPr lIns="0" rIns="0" tIns="0" bIns="0">
+            <a:normAutofit/>
+          </a:bodyPr>
+          <a:p>
+            <a:endParaRPr b="0" lang="en-IN" sz="3200" spc="-1" strike="noStrike">
+              <a:latin typeface="Arial"/>
+            </a:endParaRPr>
+          </a:p>
+        </p:txBody>
+      </p:sp>
+      <p:sp>
+        <p:nvSpPr>
+          <p:cNvPr id="104" name="PlaceHolder 5"/>
+          <p:cNvSpPr>
+            <a:spLocks noGrp="1"/>
+          </p:cNvSpPr>
+          <p:nvPr>
+            <p:ph type="body"/>
+          </p:nvPr>
+        </p:nvSpPr>
+        <p:spPr>
+          <a:xfrm>
+            <a:off x="6231960" y="3682080"/>
+            <a:ext cx="5354280" cy="1896840"/>
+          </a:xfrm>
+          <a:prstGeom prst="rect">
+            <a:avLst/>
+          </a:prstGeom>
+        </p:spPr>
+        <p:txBody>
+          <a:bodyPr lIns="0" rIns="0" tIns="0" bIns="0">
+            <a:normAutofit/>
+          </a:bodyPr>
+          <a:p>
+            <a:endParaRPr b="0" lang="en-IN" sz="3200" spc="-1" strike="noStrike">
+              <a:latin typeface="Arial"/>
+            </a:endParaRPr>
+          </a:p>
+        </p:txBody>
+      </p:sp>
+    </p:spTree>
+  </p:cSld>
+</p:sldLayout>
+</file>
+
+<file path=ppt/slideLayouts/slideLayout36.xml><?xml version="1.0" encoding="utf-8"?>
+<p:sldLayout xmlns:a="http://schemas.openxmlformats.org/drawingml/2006/main" xmlns:p="http://schemas.openxmlformats.org/presentationml/2006/main" xmlns:r="http://schemas.openxmlformats.org/officeDocument/2006/relationships" xmlns:p14="http://schemas.microsoft.com/office/powerpoint/2010/main" xmlns:p15="http://schemas.microsoft.com/office/powerpoint/2012/main" xmlns:mc="http://schemas.openxmlformats.org/markup-compatibility/2006" type="blank" preserve="1">
+  <p:cSld name="Title, 6 Content">
+    <p:spTree>
+      <p:nvGrpSpPr>
+        <p:cNvPr id="1" name=""/>
+        <p:cNvGrpSpPr/>
+        <p:nvPr/>
+      </p:nvGrpSpPr>
+      <p:grpSpPr>
+        <a:xfrm>
+          <a:off x="0" y="0"/>
+          <a:ext cx="0" cy="0"/>
+          <a:chOff x="0" y="0"/>
+          <a:chExt cx="0" cy="0"/>
+        </a:xfrm>
+      </p:grpSpPr>
+      <p:sp>
+        <p:nvSpPr>
+          <p:cNvPr id="105" name="PlaceHolder 1"/>
+          <p:cNvSpPr>
+            <a:spLocks noGrp="1"/>
+          </p:cNvSpPr>
+          <p:nvPr>
+            <p:ph type="title"/>
+          </p:nvPr>
+        </p:nvSpPr>
+        <p:spPr>
+          <a:xfrm>
+            <a:off x="609480" y="273600"/>
+            <a:ext cx="10972440" cy="1144800"/>
+          </a:xfrm>
+          <a:prstGeom prst="rect">
+            <a:avLst/>
+          </a:prstGeom>
+        </p:spPr>
+        <p:txBody>
+          <a:bodyPr lIns="0" rIns="0" tIns="0" bIns="0" anchor="ctr">
+            <a:noAutofit/>
+          </a:bodyPr>
+          <a:p>
+            <a:pPr algn="ctr"/>
+            <a:endParaRPr b="0" lang="en-IN" sz="4400" spc="-1" strike="noStrike">
+              <a:latin typeface="Arial"/>
+            </a:endParaRPr>
+          </a:p>
+        </p:txBody>
+      </p:sp>
+      <p:sp>
+        <p:nvSpPr>
+          <p:cNvPr id="106" name="PlaceHolder 2"/>
+          <p:cNvSpPr>
+            <a:spLocks noGrp="1"/>
+          </p:cNvSpPr>
+          <p:nvPr>
+            <p:ph type="body"/>
+          </p:nvPr>
+        </p:nvSpPr>
+        <p:spPr>
+          <a:xfrm>
+            <a:off x="609480" y="1604520"/>
+            <a:ext cx="3533040" cy="1896840"/>
+          </a:xfrm>
+          <a:prstGeom prst="rect">
+            <a:avLst/>
+          </a:prstGeom>
+        </p:spPr>
+        <p:txBody>
+          <a:bodyPr lIns="0" rIns="0" tIns="0" bIns="0">
+            <a:normAutofit/>
+          </a:bodyPr>
+          <a:p>
+            <a:endParaRPr b="0" lang="en-IN" sz="3200" spc="-1" strike="noStrike">
+              <a:latin typeface="Arial"/>
+            </a:endParaRPr>
+          </a:p>
+        </p:txBody>
+      </p:sp>
+      <p:sp>
+        <p:nvSpPr>
+          <p:cNvPr id="107" name="PlaceHolder 3"/>
+          <p:cNvSpPr>
+            <a:spLocks noGrp="1"/>
+          </p:cNvSpPr>
+          <p:nvPr>
+            <p:ph type="body"/>
+          </p:nvPr>
+        </p:nvSpPr>
+        <p:spPr>
+          <a:xfrm>
+            <a:off x="4319640" y="1604520"/>
+            <a:ext cx="3533040" cy="1896840"/>
+          </a:xfrm>
+          <a:prstGeom prst="rect">
+            <a:avLst/>
+          </a:prstGeom>
+        </p:spPr>
+        <p:txBody>
+          <a:bodyPr lIns="0" rIns="0" tIns="0" bIns="0">
+            <a:normAutofit/>
+          </a:bodyPr>
+          <a:p>
+            <a:endParaRPr b="0" lang="en-IN" sz="3200" spc="-1" strike="noStrike">
+              <a:latin typeface="Arial"/>
+            </a:endParaRPr>
+          </a:p>
+        </p:txBody>
+      </p:sp>
+      <p:sp>
+        <p:nvSpPr>
+          <p:cNvPr id="108" name="PlaceHolder 4"/>
+          <p:cNvSpPr>
+            <a:spLocks noGrp="1"/>
+          </p:cNvSpPr>
+          <p:nvPr>
+            <p:ph type="body"/>
+          </p:nvPr>
+        </p:nvSpPr>
+        <p:spPr>
+          <a:xfrm>
+            <a:off x="8029800" y="1604520"/>
+            <a:ext cx="3533040" cy="1896840"/>
+          </a:xfrm>
+          <a:prstGeom prst="rect">
+            <a:avLst/>
+          </a:prstGeom>
+        </p:spPr>
+        <p:txBody>
+          <a:bodyPr lIns="0" rIns="0" tIns="0" bIns="0">
+            <a:normAutofit/>
+          </a:bodyPr>
+          <a:p>
+            <a:endParaRPr b="0" lang="en-IN" sz="3200" spc="-1" strike="noStrike">
+              <a:latin typeface="Arial"/>
+            </a:endParaRPr>
+          </a:p>
+        </p:txBody>
+      </p:sp>
+      <p:sp>
+        <p:nvSpPr>
+          <p:cNvPr id="109" name="PlaceHolder 5"/>
+          <p:cNvSpPr>
+            <a:spLocks noGrp="1"/>
+          </p:cNvSpPr>
+          <p:nvPr>
+            <p:ph type="body"/>
+          </p:nvPr>
+        </p:nvSpPr>
+        <p:spPr>
+          <a:xfrm>
+            <a:off x="609480" y="3682080"/>
+            <a:ext cx="3533040" cy="1896840"/>
+          </a:xfrm>
+          <a:prstGeom prst="rect">
+            <a:avLst/>
+          </a:prstGeom>
+        </p:spPr>
+        <p:txBody>
+          <a:bodyPr lIns="0" rIns="0" tIns="0" bIns="0">
+            <a:normAutofit/>
+          </a:bodyPr>
+          <a:p>
+            <a:endParaRPr b="0" lang="en-IN" sz="3200" spc="-1" strike="noStrike">
+              <a:latin typeface="Arial"/>
+            </a:endParaRPr>
+          </a:p>
+        </p:txBody>
+      </p:sp>
+      <p:sp>
+        <p:nvSpPr>
+          <p:cNvPr id="110" name="PlaceHolder 6"/>
+          <p:cNvSpPr>
+            <a:spLocks noGrp="1"/>
+          </p:cNvSpPr>
+          <p:nvPr>
+            <p:ph type="body"/>
+          </p:nvPr>
+        </p:nvSpPr>
+        <p:spPr>
+          <a:xfrm>
+            <a:off x="4319640" y="3682080"/>
+            <a:ext cx="3533040" cy="1896840"/>
+          </a:xfrm>
+          <a:prstGeom prst="rect">
+            <a:avLst/>
+          </a:prstGeom>
+        </p:spPr>
+        <p:txBody>
+          <a:bodyPr lIns="0" rIns="0" tIns="0" bIns="0">
+            <a:normAutofit/>
+          </a:bodyPr>
+          <a:p>
+            <a:endParaRPr b="0" lang="en-IN" sz="3200" spc="-1" strike="noStrike">
+              <a:latin typeface="Arial"/>
+            </a:endParaRPr>
+          </a:p>
+        </p:txBody>
+      </p:sp>
+      <p:sp>
+        <p:nvSpPr>
+          <p:cNvPr id="111" name="PlaceHolder 7"/>
+          <p:cNvSpPr>
+            <a:spLocks noGrp="1"/>
+          </p:cNvSpPr>
+          <p:nvPr>
+            <p:ph type="body"/>
+          </p:nvPr>
+        </p:nvSpPr>
+        <p:spPr>
+          <a:xfrm>
+            <a:off x="8029800" y="3682080"/>
+            <a:ext cx="3533040" cy="1896840"/>
           </a:xfrm>
           <a:prstGeom prst="rect">
             <a:avLst/>
@@ -2778,19 +4138,7 @@
               <a:rPr b="0" lang="en-IN" sz="4400" spc="-1" strike="noStrike">
                 <a:latin typeface="Arial"/>
               </a:rPr>
-              <a:t>Click to edit </a:t>
-            </a:r>
-            <a:r>
-              <a:rPr b="0" lang="en-IN" sz="4400" spc="-1" strike="noStrike">
-                <a:latin typeface="Arial"/>
-              </a:rPr>
-              <a:t>the title text </a:t>
-            </a:r>
-            <a:r>
-              <a:rPr b="0" lang="en-IN" sz="4400" spc="-1" strike="noStrike">
-                <a:latin typeface="Arial"/>
-              </a:rPr>
-              <a:t>format</a:t>
+              <a:t>Click to edit the title text format</a:t>
             </a:r>
             <a:endParaRPr b="0" lang="en-IN" sz="4400" spc="-1" strike="noStrike">
               <a:latin typeface="Arial"/>
@@ -3050,19 +4398,7 @@
               <a:rPr b="0" lang="en-IN" sz="4400" spc="-1" strike="noStrike">
                 <a:latin typeface="Arial"/>
               </a:rPr>
-              <a:t>Click to edit </a:t>
-            </a:r>
-            <a:r>
-              <a:rPr b="0" lang="en-IN" sz="4400" spc="-1" strike="noStrike">
-                <a:latin typeface="Arial"/>
-              </a:rPr>
-              <a:t>the title text </a:t>
-            </a:r>
-            <a:r>
-              <a:rPr b="0" lang="en-IN" sz="4400" spc="-1" strike="noStrike">
-                <a:latin typeface="Arial"/>
-              </a:rPr>
-              <a:t>format</a:t>
+              <a:t>Click to edit the title text format</a:t>
             </a:r>
             <a:endParaRPr b="0" lang="en-IN" sz="4400" spc="-1" strike="noStrike">
               <a:latin typeface="Arial"/>
@@ -3265,6 +4601,50 @@
     <p:sldLayoutId id="2147483671" r:id="rId11"/>
     <p:sldLayoutId id="2147483672" r:id="rId12"/>
     <p:sldLayoutId id="2147483673" r:id="rId13"/>
+  </p:sldLayoutIdLst>
+</p:sldMaster>
+</file>
+
+<file path=ppt/slideMasters/slideMaster3.xml><?xml version="1.0" encoding="utf-8"?>
+<p:sldMaster xmlns:a="http://schemas.openxmlformats.org/drawingml/2006/main" xmlns:p="http://schemas.openxmlformats.org/presentationml/2006/main" xmlns:r="http://schemas.openxmlformats.org/officeDocument/2006/relationships" xmlns:p14="http://schemas.microsoft.com/office/powerpoint/2010/main" xmlns:p15="http://schemas.microsoft.com/office/powerpoint/2012/main" xmlns:mc="http://schemas.openxmlformats.org/markup-compatibility/2006">
+  <p:cSld>
+    <p:bg>
+      <p:bgPr>
+        <a:solidFill>
+          <a:srgbClr val="ffffff"/>
+        </a:solidFill>
+      </p:bgPr>
+    </p:bg>
+    <p:spTree>
+      <p:nvGrpSpPr>
+        <p:cNvPr id="1" name=""/>
+        <p:cNvGrpSpPr/>
+        <p:nvPr/>
+      </p:nvGrpSpPr>
+      <p:grpSpPr>
+        <a:xfrm>
+          <a:off x="0" y="0"/>
+          <a:ext cx="0" cy="0"/>
+          <a:chOff x="0" y="0"/>
+          <a:chExt cx="0" cy="0"/>
+        </a:xfrm>
+      </p:grpSpPr>
+    </p:spTree>
+  </p:cSld>
+  <p:clrMap bg1="lt1" bg2="lt2" tx1="dk1" tx2="dk2" accent1="accent1" accent2="accent2" accent3="accent3" accent4="accent4" accent5="accent5" accent6="accent6" hlink="hlink" folHlink="folHlink"/>
+  <p:sldLayoutIdLst>
+    <p:sldLayoutId id="2147483675" r:id="rId2"/>
+    <p:sldLayoutId id="2147483676" r:id="rId3"/>
+    <p:sldLayoutId id="2147483677" r:id="rId4"/>
+    <p:sldLayoutId id="2147483678" r:id="rId5"/>
+    <p:sldLayoutId id="2147483679" r:id="rId6"/>
+    <p:sldLayoutId id="2147483680" r:id="rId7"/>
+    <p:sldLayoutId id="2147483681" r:id="rId8"/>
+    <p:sldLayoutId id="2147483682" r:id="rId9"/>
+    <p:sldLayoutId id="2147483683" r:id="rId10"/>
+    <p:sldLayoutId id="2147483684" r:id="rId11"/>
+    <p:sldLayoutId id="2147483685" r:id="rId12"/>
+    <p:sldLayoutId id="2147483686" r:id="rId13"/>
   </p:sldLayoutIdLst>
 </p:sldMaster>
 </file>
@@ -3288,7 +4668,7 @@
       </p:grpSpPr>
       <p:pic>
         <p:nvPicPr>
-          <p:cNvPr id="76" name="object 2" descr=""/>
+          <p:cNvPr id="112" name="object 2" descr=""/>
           <p:cNvPicPr/>
           <p:nvPr/>
         </p:nvPicPr>
@@ -3299,7 +4679,7 @@
         <p:spPr>
           <a:xfrm>
             <a:off x="4779360" y="1170360"/>
-            <a:ext cx="2122200" cy="2124000"/>
+            <a:ext cx="2122560" cy="2124360"/>
           </a:xfrm>
           <a:prstGeom prst="rect">
             <a:avLst/>
@@ -3311,14 +4691,14 @@
       </p:pic>
       <p:sp>
         <p:nvSpPr>
-          <p:cNvPr id="77" name="CustomShape 1"/>
+          <p:cNvPr id="113" name="CustomShape 1"/>
           <p:cNvSpPr/>
           <p:nvPr/>
         </p:nvSpPr>
         <p:spPr>
           <a:xfrm>
             <a:off x="3439080" y="3679200"/>
-            <a:ext cx="4748760" cy="286560"/>
+            <a:ext cx="4749120" cy="286560"/>
           </a:xfrm>
           <a:prstGeom prst="rect">
             <a:avLst/>
@@ -3348,7 +4728,7 @@
               </a:spcBef>
             </a:pPr>
             <a:r>
-              <a:rPr b="1" lang="en-IN" sz="1800" spc="24" strike="noStrike">
+              <a:rPr b="1" lang="en-IN" sz="1800" spc="26" strike="noStrike">
                 <a:solidFill>
                   <a:srgbClr val="404040"/>
                 </a:solidFill>
@@ -3358,7 +4738,7 @@
               <a:t>Find</a:t>
             </a:r>
             <a:r>
-              <a:rPr b="1" lang="en-IN" sz="1800" spc="134" strike="noStrike">
+              <a:rPr b="1" lang="en-IN" sz="1800" spc="137" strike="noStrike">
                 <a:solidFill>
                   <a:srgbClr val="404040"/>
                 </a:solidFill>
@@ -3388,7 +4768,7 @@
               <a:t> </a:t>
             </a:r>
             <a:r>
-              <a:rPr b="1" lang="en-IN" sz="1800" spc="49" strike="noStrike">
+              <a:rPr b="1" lang="en-IN" sz="1800" spc="52" strike="noStrike">
                 <a:solidFill>
                   <a:srgbClr val="ff4000"/>
                 </a:solidFill>
@@ -3398,7 +4778,7 @@
               <a:t>friend</a:t>
             </a:r>
             <a:r>
-              <a:rPr b="1" lang="en-IN" sz="1800" spc="49" strike="noStrike">
+              <a:rPr b="1" lang="en-IN" sz="1800" spc="52" strike="noStrike">
                 <a:solidFill>
                   <a:srgbClr val="404040"/>
                 </a:solidFill>
@@ -3408,7 +4788,7 @@
               <a:t>.</a:t>
             </a:r>
             <a:r>
-              <a:rPr b="1" lang="en-IN" sz="1800" spc="123" strike="noStrike">
+              <a:rPr b="1" lang="en-IN" sz="1800" spc="126" strike="noStrike">
                 <a:solidFill>
                   <a:srgbClr val="404040"/>
                 </a:solidFill>
@@ -3418,19 +4798,79 @@
               <a:t> </a:t>
             </a:r>
             <a:r>
+              <a:rPr b="1" lang="en-IN" sz="1800" spc="21" strike="noStrike">
+                <a:solidFill>
+                  <a:srgbClr val="404040"/>
+                </a:solidFill>
+                <a:latin typeface="Times New Roman"/>
+                <a:ea typeface="DejaVu Sans"/>
+              </a:rPr>
+              <a:t>Date</a:t>
+            </a:r>
+            <a:r>
+              <a:rPr b="1" lang="en-IN" sz="1800" spc="151" strike="noStrike">
+                <a:solidFill>
+                  <a:srgbClr val="404040"/>
+                </a:solidFill>
+                <a:latin typeface="Times New Roman"/>
+                <a:ea typeface="DejaVu Sans"/>
+              </a:rPr>
+              <a:t> </a:t>
+            </a:r>
+            <a:r>
+              <a:rPr b="1" lang="en-IN" sz="1800" spc="-1" strike="noStrike">
+                <a:solidFill>
+                  <a:srgbClr val="404040"/>
+                </a:solidFill>
+                <a:latin typeface="Times New Roman"/>
+                <a:ea typeface="DejaVu Sans"/>
+              </a:rPr>
+              <a:t>a</a:t>
+            </a:r>
+            <a:r>
+              <a:rPr b="1" lang="en-IN" sz="1800" spc="-12" strike="noStrike">
+                <a:solidFill>
+                  <a:srgbClr val="404040"/>
+                </a:solidFill>
+                <a:latin typeface="Times New Roman"/>
+                <a:ea typeface="DejaVu Sans"/>
+              </a:rPr>
+              <a:t> </a:t>
+            </a:r>
+            <a:r>
+              <a:rPr b="1" lang="en-IN" sz="1800" spc="52" strike="noStrike">
+                <a:solidFill>
+                  <a:srgbClr val="404040"/>
+                </a:solidFill>
+                <a:latin typeface="Times New Roman"/>
+                <a:ea typeface="DejaVu Sans"/>
+              </a:rPr>
+              <a:t>friend.</a:t>
+            </a:r>
+            <a:r>
+              <a:rPr b="1" lang="en-IN" sz="1800" spc="97" strike="noStrike">
+                <a:solidFill>
+                  <a:srgbClr val="404040"/>
+                </a:solidFill>
+                <a:latin typeface="Times New Roman"/>
+                <a:ea typeface="DejaVu Sans"/>
+              </a:rPr>
+              <a:t> </a:t>
+            </a:r>
+            <a:r>
               <a:rPr b="1" lang="en-IN" sz="1800" spc="18" strike="noStrike">
                 <a:solidFill>
-                  <a:srgbClr val="404040"/>
+                  <a:srgbClr val="00a933"/>
                 </a:solidFill>
                 <a:latin typeface="Times New Roman"/>
                 <a:ea typeface="DejaVu Sans"/>
               </a:rPr>
-              <a:t>Date</a:t>
-            </a:r>
-            <a:r>
-              <a:rPr b="1" lang="en-IN" sz="1800" spc="148" strike="noStrike">
-                <a:solidFill>
-                  <a:srgbClr val="404040"/>
+              <a:t>Why</a:t>
+            </a:r>
+            <a:r>
+              <a:rPr b="1" lang="en-IN" sz="1800" spc="202" strike="noStrike">
+                <a:solidFill>
+                  <a:srgbClr val="00a933"/>
                 </a:solidFill>
                 <a:latin typeface="Times New Roman"/>
                 <a:ea typeface="DejaVu Sans"/>
@@ -3438,73 +4878,13 @@
               <a:t> </a:t>
             </a:r>
             <a:r>
-              <a:rPr b="1" lang="en-IN" sz="1800" spc="-1" strike="noStrike">
-                <a:solidFill>
-                  <a:srgbClr val="404040"/>
+              <a:rPr b="1" lang="en-IN" sz="1800" spc="58" strike="noStrike">
+                <a:solidFill>
+                  <a:srgbClr val="00a933"/>
                 </a:solidFill>
                 <a:latin typeface="Times New Roman"/>
                 <a:ea typeface="DejaVu Sans"/>
               </a:rPr>
-              <a:t>a</a:t>
-            </a:r>
-            <a:r>
-              <a:rPr b="1" lang="en-IN" sz="1800" spc="-12" strike="noStrike">
-                <a:solidFill>
-                  <a:srgbClr val="404040"/>
-                </a:solidFill>
-                <a:latin typeface="Times New Roman"/>
-                <a:ea typeface="DejaVu Sans"/>
-              </a:rPr>
-              <a:t> </a:t>
-            </a:r>
-            <a:r>
-              <a:rPr b="1" lang="en-IN" sz="1800" spc="49" strike="noStrike">
-                <a:solidFill>
-                  <a:srgbClr val="404040"/>
-                </a:solidFill>
-                <a:latin typeface="Times New Roman"/>
-                <a:ea typeface="DejaVu Sans"/>
-              </a:rPr>
-              <a:t>friend.</a:t>
-            </a:r>
-            <a:r>
-              <a:rPr b="1" lang="en-IN" sz="1800" spc="94" strike="noStrike">
-                <a:solidFill>
-                  <a:srgbClr val="404040"/>
-                </a:solidFill>
-                <a:latin typeface="Times New Roman"/>
-                <a:ea typeface="DejaVu Sans"/>
-              </a:rPr>
-              <a:t> </a:t>
-            </a:r>
-            <a:r>
-              <a:rPr b="1" lang="en-IN" sz="1800" spc="15" strike="noStrike">
-                <a:solidFill>
-                  <a:srgbClr val="00a933"/>
-                </a:solidFill>
-                <a:latin typeface="Times New Roman"/>
-                <a:ea typeface="DejaVu Sans"/>
-              </a:rPr>
-              <a:t>Why</a:t>
-            </a:r>
-            <a:r>
-              <a:rPr b="1" lang="en-IN" sz="1800" spc="199" strike="noStrike">
-                <a:solidFill>
-                  <a:srgbClr val="00a933"/>
-                </a:solidFill>
-                <a:latin typeface="Times New Roman"/>
-                <a:ea typeface="DejaVu Sans"/>
-              </a:rPr>
-              <a:t> </a:t>
-            </a:r>
-            <a:r>
-              <a:rPr b="1" lang="en-IN" sz="1800" spc="55" strike="noStrike">
-                <a:solidFill>
-                  <a:srgbClr val="00a933"/>
-                </a:solidFill>
-                <a:latin typeface="Times New Roman"/>
-                <a:ea typeface="DejaVu Sans"/>
-              </a:rPr>
               <a:t>strangers?</a:t>
             </a:r>
             <a:endParaRPr b="0" lang="en-IN" sz="1800" spc="-1" strike="noStrike">
@@ -3515,14 +4895,14 @@
       </p:sp>
       <p:sp>
         <p:nvSpPr>
-          <p:cNvPr id="78" name="CustomShape 2"/>
+          <p:cNvPr id="114" name="CustomShape 2"/>
           <p:cNvSpPr/>
           <p:nvPr/>
         </p:nvSpPr>
         <p:spPr>
           <a:xfrm>
             <a:off x="0" y="4028040"/>
-            <a:ext cx="12189960" cy="2828160"/>
+            <a:ext cx="12190320" cy="2828520"/>
           </a:xfrm>
           <a:custGeom>
             <a:avLst/>
@@ -3578,6 +4958,5939 @@
           <a:effectRef idx="0"/>
           <a:fontRef idx="minor"/>
         </p:style>
+      </p:sp>
+    </p:spTree>
+  </p:cSld>
+  <mc:AlternateContent>
+    <mc:Choice Requires="p14">
+      <p:transition spd="slow" p14:dur="2000"/>
+    </mc:Choice>
+    <mc:Fallback>
+      <p:transition spd="slow"/>
+    </mc:Fallback>
+  </mc:AlternateContent>
+</p:sld>
+</file>
+
+<file path=ppt/slides/slide2.xml><?xml version="1.0" encoding="utf-8"?>
+<p:sld xmlns:a="http://schemas.openxmlformats.org/drawingml/2006/main" xmlns:p="http://schemas.openxmlformats.org/presentationml/2006/main" xmlns:r="http://schemas.openxmlformats.org/officeDocument/2006/relationships" xmlns:p14="http://schemas.microsoft.com/office/powerpoint/2010/main" xmlns:p15="http://schemas.microsoft.com/office/powerpoint/2012/main" xmlns:mc="http://schemas.openxmlformats.org/markup-compatibility/2006">
+  <p:cSld>
+    <p:spTree>
+      <p:nvGrpSpPr>
+        <p:cNvPr id="1" name=""/>
+        <p:cNvGrpSpPr/>
+        <p:nvPr/>
+      </p:nvGrpSpPr>
+      <p:grpSpPr>
+        <a:xfrm>
+          <a:off x="0" y="0"/>
+          <a:ext cx="0" cy="0"/>
+          <a:chOff x="0" y="0"/>
+          <a:chExt cx="0" cy="0"/>
+        </a:xfrm>
+      </p:grpSpPr>
+      <p:grpSp>
+        <p:nvGrpSpPr>
+          <p:cNvPr id="115" name="Group 1"/>
+          <p:cNvGrpSpPr/>
+          <p:nvPr/>
+        </p:nvGrpSpPr>
+        <p:grpSpPr>
+          <a:xfrm>
+            <a:off x="0" y="0"/>
+            <a:ext cx="6094080" cy="6856200"/>
+            <a:chOff x="0" y="0"/>
+            <a:chExt cx="6094080" cy="6856200"/>
+          </a:xfrm>
+        </p:grpSpPr>
+        <p:pic>
+          <p:nvPicPr>
+            <p:cNvPr id="116" name="object 3" descr=""/>
+            <p:cNvPicPr/>
+            <p:nvPr/>
+          </p:nvPicPr>
+          <p:blipFill>
+            <a:blip r:embed="rId1"/>
+            <a:stretch/>
+          </p:blipFill>
+          <p:spPr>
+            <a:xfrm>
+              <a:off x="0" y="0"/>
+              <a:ext cx="6094080" cy="6856200"/>
+            </a:xfrm>
+            <a:prstGeom prst="rect">
+              <a:avLst/>
+            </a:prstGeom>
+            <a:ln>
+              <a:noFill/>
+            </a:ln>
+          </p:spPr>
+        </p:pic>
+        <p:sp>
+          <p:nvSpPr>
+            <p:cNvPr id="117" name="CustomShape 2"/>
+            <p:cNvSpPr/>
+            <p:nvPr/>
+          </p:nvSpPr>
+          <p:spPr>
+            <a:xfrm>
+              <a:off x="0" y="0"/>
+              <a:ext cx="6094080" cy="6856200"/>
+            </a:xfrm>
+            <a:custGeom>
+              <a:avLst/>
+              <a:gdLst/>
+              <a:ahLst/>
+              <a:rect l="l" t="t" r="r" b="b"/>
+              <a:pathLst>
+                <a:path w="6096000" h="6858000">
+                  <a:moveTo>
+                    <a:pt x="0" y="6857996"/>
+                  </a:moveTo>
+                  <a:lnTo>
+                    <a:pt x="6096000" y="6857996"/>
+                  </a:lnTo>
+                  <a:lnTo>
+                    <a:pt x="6096000" y="0"/>
+                  </a:lnTo>
+                  <a:lnTo>
+                    <a:pt x="0" y="0"/>
+                  </a:lnTo>
+                  <a:lnTo>
+                    <a:pt x="0" y="6857996"/>
+                  </a:lnTo>
+                  <a:close/>
+                </a:path>
+              </a:pathLst>
+            </a:custGeom>
+            <a:solidFill>
+              <a:srgbClr val="000000">
+                <a:alpha val="62000"/>
+              </a:srgbClr>
+            </a:solidFill>
+            <a:ln>
+              <a:noFill/>
+            </a:ln>
+          </p:spPr>
+          <p:style>
+            <a:lnRef idx="0"/>
+            <a:fillRef idx="0"/>
+            <a:effectRef idx="0"/>
+            <a:fontRef idx="minor"/>
+          </p:style>
+        </p:sp>
+        <p:sp>
+          <p:nvSpPr>
+            <p:cNvPr id="118" name="CustomShape 3"/>
+            <p:cNvSpPr/>
+            <p:nvPr/>
+          </p:nvSpPr>
+          <p:spPr>
+            <a:xfrm>
+              <a:off x="0" y="0"/>
+              <a:ext cx="360" cy="6856200"/>
+            </a:xfrm>
+            <a:custGeom>
+              <a:avLst/>
+              <a:gdLst/>
+              <a:ahLst/>
+              <a:rect l="l" t="t" r="r" b="b"/>
+              <a:pathLst>
+                <a:path w="0" h="6858000">
+                  <a:moveTo>
+                    <a:pt x="0" y="0"/>
+                  </a:moveTo>
+                  <a:lnTo>
+                    <a:pt x="0" y="6857996"/>
+                  </a:lnTo>
+                </a:path>
+              </a:pathLst>
+            </a:custGeom>
+            <a:noFill/>
+            <a:ln w="12240">
+              <a:solidFill>
+                <a:srgbClr val="000000"/>
+              </a:solidFill>
+              <a:round/>
+            </a:ln>
+          </p:spPr>
+          <p:style>
+            <a:lnRef idx="0"/>
+            <a:fillRef idx="0"/>
+            <a:effectRef idx="0"/>
+            <a:fontRef idx="minor"/>
+          </p:style>
+        </p:sp>
+      </p:grpSp>
+      <p:sp>
+        <p:nvSpPr>
+          <p:cNvPr id="119" name="CustomShape 4"/>
+          <p:cNvSpPr/>
+          <p:nvPr/>
+        </p:nvSpPr>
+        <p:spPr>
+          <a:xfrm>
+            <a:off x="1043280" y="2001600"/>
+            <a:ext cx="3653280" cy="1841040"/>
+          </a:xfrm>
+          <a:prstGeom prst="rect">
+            <a:avLst/>
+          </a:prstGeom>
+          <a:noFill/>
+          <a:ln>
+            <a:noFill/>
+          </a:ln>
+        </p:spPr>
+        <p:style>
+          <a:lnRef idx="0"/>
+          <a:fillRef idx="0"/>
+          <a:effectRef idx="0"/>
+          <a:fontRef idx="minor"/>
+        </p:style>
+        <p:txBody>
+          <a:bodyPr lIns="0" rIns="0" tIns="12240" bIns="0">
+            <a:spAutoFit/>
+          </a:bodyPr>
+          <a:p>
+            <a:pPr algn="ctr">
+              <a:lnSpc>
+                <a:spcPct val="100000"/>
+              </a:lnSpc>
+              <a:spcBef>
+                <a:spcPts val="96"/>
+              </a:spcBef>
+            </a:pPr>
+            <a:r>
+              <a:rPr b="0" lang="en-IN" sz="4000" spc="-7" strike="noStrike">
+                <a:solidFill>
+                  <a:srgbClr val="ffffff"/>
+                </a:solidFill>
+                <a:latin typeface="Calibri"/>
+                <a:ea typeface="DejaVu Sans"/>
+              </a:rPr>
+              <a:t>The</a:t>
+            </a:r>
+            <a:r>
+              <a:rPr b="0" lang="en-IN" sz="4000" spc="-41" strike="noStrike">
+                <a:solidFill>
+                  <a:srgbClr val="ffffff"/>
+                </a:solidFill>
+                <a:latin typeface="Calibri"/>
+                <a:ea typeface="DejaVu Sans"/>
+              </a:rPr>
+              <a:t> </a:t>
+            </a:r>
+            <a:r>
+              <a:rPr b="0" lang="en-IN" sz="4000" spc="-35" strike="noStrike">
+                <a:solidFill>
+                  <a:srgbClr val="ffffff"/>
+                </a:solidFill>
+                <a:latin typeface="Calibri"/>
+                <a:ea typeface="DejaVu Sans"/>
+              </a:rPr>
+              <a:t>First</a:t>
+            </a:r>
+            <a:endParaRPr b="0" lang="en-IN" sz="4000" spc="-1" strike="noStrike">
+              <a:latin typeface="Arial"/>
+            </a:endParaRPr>
+          </a:p>
+          <a:p>
+            <a:pPr algn="ctr">
+              <a:lnSpc>
+                <a:spcPct val="100000"/>
+              </a:lnSpc>
+              <a:spcBef>
+                <a:spcPts val="6"/>
+              </a:spcBef>
+            </a:pPr>
+            <a:r>
+              <a:rPr b="1" lang="en-IN" sz="4000" spc="-12" strike="noStrike" u="heavy">
+                <a:solidFill>
+                  <a:srgbClr val="ffffff"/>
+                </a:solidFill>
+                <a:uFill>
+                  <a:solidFill>
+                    <a:srgbClr val="ffffff"/>
+                  </a:solidFill>
+                </a:uFill>
+                <a:latin typeface="Calibri"/>
+                <a:ea typeface="DejaVu Sans"/>
+              </a:rPr>
+              <a:t>Socio-Dating </a:t>
+            </a:r>
+            <a:r>
+              <a:rPr b="1" lang="en-IN" sz="4000" spc="-7" strike="noStrike" u="heavy">
+                <a:solidFill>
+                  <a:srgbClr val="ffffff"/>
+                </a:solidFill>
+                <a:uFill>
+                  <a:solidFill>
+                    <a:srgbClr val="ffffff"/>
+                  </a:solidFill>
+                </a:uFill>
+                <a:latin typeface="Calibri"/>
+                <a:ea typeface="DejaVu Sans"/>
+              </a:rPr>
+              <a:t>App</a:t>
+            </a:r>
+            <a:endParaRPr b="0" lang="en-IN" sz="4000" spc="-1" strike="noStrike">
+              <a:latin typeface="Arial"/>
+            </a:endParaRPr>
+          </a:p>
+        </p:txBody>
+      </p:sp>
+      <p:sp>
+        <p:nvSpPr>
+          <p:cNvPr id="120" name="CustomShape 5"/>
+          <p:cNvSpPr/>
+          <p:nvPr/>
+        </p:nvSpPr>
+        <p:spPr>
+          <a:xfrm>
+            <a:off x="1082880" y="912600"/>
+            <a:ext cx="3573360" cy="1840320"/>
+          </a:xfrm>
+          <a:prstGeom prst="rect">
+            <a:avLst/>
+          </a:prstGeom>
+          <a:noFill/>
+          <a:ln>
+            <a:noFill/>
+          </a:ln>
+        </p:spPr>
+        <p:style>
+          <a:lnRef idx="0"/>
+          <a:fillRef idx="0"/>
+          <a:effectRef idx="0"/>
+          <a:fontRef idx="minor"/>
+        </p:style>
+        <p:txBody>
+          <a:bodyPr lIns="0" rIns="0" tIns="12600" bIns="0">
+            <a:noAutofit/>
+          </a:bodyPr>
+          <a:p>
+            <a:pPr marL="12600">
+              <a:lnSpc>
+                <a:spcPct val="100000"/>
+              </a:lnSpc>
+              <a:spcBef>
+                <a:spcPts val="99"/>
+              </a:spcBef>
+            </a:pPr>
+            <a:r>
+              <a:rPr b="0" lang="en-IN" sz="6000" spc="-21" strike="noStrike">
+                <a:solidFill>
+                  <a:srgbClr val="ffffff"/>
+                </a:solidFill>
+                <a:latin typeface="Calibri"/>
+                <a:ea typeface="DejaVu Sans"/>
+              </a:rPr>
+              <a:t>Introducing</a:t>
+            </a:r>
+            <a:endParaRPr b="0" lang="en-IN" sz="6000" spc="-1" strike="noStrike">
+              <a:latin typeface="Arial"/>
+            </a:endParaRPr>
+          </a:p>
+        </p:txBody>
+      </p:sp>
+      <p:sp>
+        <p:nvSpPr>
+          <p:cNvPr id="121" name="CustomShape 6"/>
+          <p:cNvSpPr/>
+          <p:nvPr/>
+        </p:nvSpPr>
+        <p:spPr>
+          <a:xfrm>
+            <a:off x="704880" y="3829680"/>
+            <a:ext cx="4683240" cy="2481120"/>
+          </a:xfrm>
+          <a:prstGeom prst="rect">
+            <a:avLst/>
+          </a:prstGeom>
+          <a:noFill/>
+          <a:ln>
+            <a:noFill/>
+          </a:ln>
+        </p:spPr>
+        <p:style>
+          <a:lnRef idx="0"/>
+          <a:fillRef idx="0"/>
+          <a:effectRef idx="0"/>
+          <a:fontRef idx="minor"/>
+        </p:style>
+        <p:txBody>
+          <a:bodyPr lIns="0" rIns="0" tIns="12600" bIns="0">
+            <a:spAutoFit/>
+          </a:bodyPr>
+          <a:p>
+            <a:pPr marL="12240" algn="ctr">
+              <a:lnSpc>
+                <a:spcPct val="100000"/>
+              </a:lnSpc>
+              <a:spcBef>
+                <a:spcPts val="99"/>
+              </a:spcBef>
+            </a:pPr>
+            <a:r>
+              <a:rPr b="0" lang="en-IN" sz="1800" spc="-26" strike="noStrike">
+                <a:solidFill>
+                  <a:srgbClr val="ffffff"/>
+                </a:solidFill>
+                <a:latin typeface="Calibri"/>
+                <a:ea typeface="DejaVu Sans"/>
+              </a:rPr>
+              <a:t>BeYu</a:t>
+            </a:r>
+            <a:r>
+              <a:rPr b="0" lang="en-IN" sz="1800" spc="-1" strike="noStrike">
+                <a:solidFill>
+                  <a:srgbClr val="ffffff"/>
+                </a:solidFill>
+                <a:latin typeface="Calibri"/>
+                <a:ea typeface="DejaVu Sans"/>
+              </a:rPr>
+              <a:t> </a:t>
+            </a:r>
+            <a:r>
+              <a:rPr b="0" lang="en-IN" sz="1800" spc="-7" strike="noStrike">
+                <a:solidFill>
+                  <a:srgbClr val="ffffff"/>
+                </a:solidFill>
+                <a:latin typeface="Calibri"/>
+                <a:ea typeface="DejaVu Sans"/>
+              </a:rPr>
+              <a:t>is </a:t>
+            </a:r>
+            <a:r>
+              <a:rPr b="0" lang="en-IN" sz="1800" spc="-1" strike="noStrike">
+                <a:solidFill>
+                  <a:srgbClr val="ffffff"/>
+                </a:solidFill>
+                <a:latin typeface="Calibri"/>
+                <a:ea typeface="DejaVu Sans"/>
+              </a:rPr>
+              <a:t>the</a:t>
+            </a:r>
+            <a:r>
+              <a:rPr b="0" lang="en-IN" sz="1800" spc="-7" strike="noStrike">
+                <a:solidFill>
+                  <a:srgbClr val="ffffff"/>
+                </a:solidFill>
+                <a:latin typeface="Calibri"/>
+                <a:ea typeface="DejaVu Sans"/>
+              </a:rPr>
+              <a:t> </a:t>
+            </a:r>
+            <a:r>
+              <a:rPr b="0" lang="en-IN" sz="1800" spc="-15" strike="noStrike">
+                <a:solidFill>
+                  <a:srgbClr val="ffffff"/>
+                </a:solidFill>
+                <a:latin typeface="Calibri"/>
+                <a:ea typeface="DejaVu Sans"/>
+              </a:rPr>
+              <a:t>first</a:t>
+            </a:r>
+            <a:r>
+              <a:rPr b="0" lang="en-IN" sz="1800" spc="-1" strike="noStrike">
+                <a:solidFill>
+                  <a:srgbClr val="ffffff"/>
+                </a:solidFill>
+                <a:latin typeface="Calibri"/>
+                <a:ea typeface="DejaVu Sans"/>
+              </a:rPr>
+              <a:t> </a:t>
+            </a:r>
+            <a:r>
+              <a:rPr b="0" lang="en-IN" sz="1800" spc="-7" strike="noStrike">
+                <a:solidFill>
+                  <a:srgbClr val="ffffff"/>
+                </a:solidFill>
+                <a:latin typeface="Calibri"/>
+                <a:ea typeface="DejaVu Sans"/>
+              </a:rPr>
+              <a:t>one</a:t>
+            </a:r>
+            <a:r>
+              <a:rPr b="0" lang="en-IN" sz="1800" spc="-1" strike="noStrike">
+                <a:solidFill>
+                  <a:srgbClr val="ffffff"/>
+                </a:solidFill>
+                <a:latin typeface="Calibri"/>
+                <a:ea typeface="DejaVu Sans"/>
+              </a:rPr>
+              <a:t> </a:t>
+            </a:r>
+            <a:r>
+              <a:rPr b="0" lang="en-IN" sz="1800" spc="-7" strike="noStrike">
+                <a:solidFill>
+                  <a:srgbClr val="ffffff"/>
+                </a:solidFill>
+                <a:latin typeface="Calibri"/>
+                <a:ea typeface="DejaVu Sans"/>
+              </a:rPr>
+              <a:t>of</a:t>
+            </a:r>
+            <a:r>
+              <a:rPr b="0" lang="en-IN" sz="1800" spc="-12" strike="noStrike">
+                <a:solidFill>
+                  <a:srgbClr val="ffffff"/>
+                </a:solidFill>
+                <a:latin typeface="Calibri"/>
+                <a:ea typeface="DejaVu Sans"/>
+              </a:rPr>
+              <a:t> </a:t>
+            </a:r>
+            <a:r>
+              <a:rPr b="0" lang="en-IN" sz="1800" spc="-7" strike="noStrike">
+                <a:solidFill>
+                  <a:srgbClr val="ffffff"/>
+                </a:solidFill>
+                <a:latin typeface="Calibri"/>
+                <a:ea typeface="DejaVu Sans"/>
+              </a:rPr>
+              <a:t>its</a:t>
+            </a:r>
+            <a:r>
+              <a:rPr b="0" lang="en-IN" sz="1800" spc="-1" strike="noStrike">
+                <a:solidFill>
+                  <a:srgbClr val="ffffff"/>
+                </a:solidFill>
+                <a:latin typeface="Calibri"/>
+                <a:ea typeface="DejaVu Sans"/>
+              </a:rPr>
+              <a:t> </a:t>
+            </a:r>
+            <a:r>
+              <a:rPr b="0" lang="en-IN" sz="1800" spc="-7" strike="noStrike">
+                <a:solidFill>
+                  <a:srgbClr val="ffffff"/>
+                </a:solidFill>
+                <a:latin typeface="Calibri"/>
+                <a:ea typeface="DejaVu Sans"/>
+              </a:rPr>
+              <a:t>kind</a:t>
+            </a:r>
+            <a:r>
+              <a:rPr b="0" lang="en-IN" sz="1800" spc="-1" strike="noStrike">
+                <a:solidFill>
+                  <a:srgbClr val="ffffff"/>
+                </a:solidFill>
+                <a:latin typeface="Calibri"/>
+                <a:ea typeface="DejaVu Sans"/>
+              </a:rPr>
+              <a:t> , a</a:t>
+            </a:r>
+            <a:r>
+              <a:rPr b="0" lang="en-IN" sz="1800" spc="1" strike="noStrike">
+                <a:solidFill>
+                  <a:srgbClr val="ffffff"/>
+                </a:solidFill>
+                <a:latin typeface="Calibri"/>
+                <a:ea typeface="DejaVu Sans"/>
+              </a:rPr>
+              <a:t> </a:t>
+            </a:r>
+            <a:r>
+              <a:rPr b="0" lang="en-IN" sz="1800" spc="-7" strike="noStrike">
+                <a:solidFill>
+                  <a:srgbClr val="ffffff"/>
+                </a:solidFill>
+                <a:latin typeface="Calibri"/>
+                <a:ea typeface="DejaVu Sans"/>
+              </a:rPr>
+              <a:t>socio-dating</a:t>
+            </a:r>
+            <a:r>
+              <a:rPr b="0" lang="en-IN" sz="1800" spc="1" strike="noStrike">
+                <a:solidFill>
+                  <a:srgbClr val="ffffff"/>
+                </a:solidFill>
+                <a:latin typeface="Calibri"/>
+                <a:ea typeface="DejaVu Sans"/>
+              </a:rPr>
+              <a:t> </a:t>
+            </a:r>
+            <a:r>
+              <a:rPr b="0" lang="en-IN" sz="1800" spc="-1" strike="noStrike">
+                <a:solidFill>
+                  <a:srgbClr val="ffffff"/>
+                </a:solidFill>
+                <a:latin typeface="Calibri"/>
+                <a:ea typeface="DejaVu Sans"/>
+              </a:rPr>
+              <a:t>app </a:t>
+            </a:r>
+            <a:r>
+              <a:rPr b="0" lang="en-IN" sz="1800" spc="-395" strike="noStrike">
+                <a:solidFill>
+                  <a:srgbClr val="ffffff"/>
+                </a:solidFill>
+                <a:latin typeface="Calibri"/>
+                <a:ea typeface="DejaVu Sans"/>
+              </a:rPr>
+              <a:t> </a:t>
+            </a:r>
+            <a:r>
+              <a:rPr b="0" lang="en-IN" sz="1800" spc="-7" strike="noStrike">
+                <a:solidFill>
+                  <a:srgbClr val="ffffff"/>
+                </a:solidFill>
+                <a:latin typeface="Calibri"/>
+                <a:ea typeface="DejaVu Sans"/>
+              </a:rPr>
+              <a:t>that</a:t>
+            </a:r>
+            <a:r>
+              <a:rPr b="0" lang="en-IN" sz="1800" spc="-12" strike="noStrike">
+                <a:solidFill>
+                  <a:srgbClr val="ffffff"/>
+                </a:solidFill>
+                <a:latin typeface="Calibri"/>
+                <a:ea typeface="DejaVu Sans"/>
+              </a:rPr>
+              <a:t> provides</a:t>
+            </a:r>
+            <a:r>
+              <a:rPr b="0" lang="en-IN" sz="1800" spc="-1" strike="noStrike">
+                <a:solidFill>
+                  <a:srgbClr val="ffffff"/>
+                </a:solidFill>
+                <a:latin typeface="Calibri"/>
+                <a:ea typeface="DejaVu Sans"/>
+              </a:rPr>
+              <a:t> </a:t>
+            </a:r>
+            <a:r>
+              <a:rPr b="0" lang="en-IN" sz="1800" spc="-12" strike="noStrike">
+                <a:solidFill>
+                  <a:srgbClr val="ffffff"/>
+                </a:solidFill>
+                <a:latin typeface="Calibri"/>
+                <a:ea typeface="DejaVu Sans"/>
+              </a:rPr>
+              <a:t>matches</a:t>
+            </a:r>
+            <a:r>
+              <a:rPr b="0" lang="en-IN" sz="1800" spc="-7" strike="noStrike">
+                <a:solidFill>
+                  <a:srgbClr val="ffffff"/>
+                </a:solidFill>
+                <a:latin typeface="Calibri"/>
+                <a:ea typeface="DejaVu Sans"/>
+              </a:rPr>
+              <a:t> with</a:t>
+            </a:r>
+            <a:r>
+              <a:rPr b="0" lang="en-IN" sz="1800" spc="-1" strike="noStrike">
+                <a:solidFill>
+                  <a:srgbClr val="ffffff"/>
+                </a:solidFill>
+                <a:latin typeface="Calibri"/>
+                <a:ea typeface="DejaVu Sans"/>
+              </a:rPr>
+              <a:t> </a:t>
+            </a:r>
+            <a:r>
+              <a:rPr b="0" lang="en-IN" sz="1800" spc="-7" strike="noStrike">
+                <a:solidFill>
+                  <a:srgbClr val="ffffff"/>
+                </a:solidFill>
+                <a:latin typeface="Calibri"/>
+                <a:ea typeface="DejaVu Sans"/>
+              </a:rPr>
+              <a:t>friends</a:t>
+            </a:r>
+            <a:r>
+              <a:rPr b="0" lang="en-IN" sz="1800" spc="-1" strike="noStrike">
+                <a:solidFill>
+                  <a:srgbClr val="ffffff"/>
+                </a:solidFill>
+                <a:latin typeface="Calibri"/>
+                <a:ea typeface="DejaVu Sans"/>
+              </a:rPr>
+              <a:t> </a:t>
+            </a:r>
+            <a:r>
+              <a:rPr b="0" lang="en-IN" sz="1800" spc="-7" strike="noStrike">
+                <a:solidFill>
+                  <a:srgbClr val="ffffff"/>
+                </a:solidFill>
+                <a:latin typeface="Calibri"/>
+                <a:ea typeface="DejaVu Sans"/>
+              </a:rPr>
+              <a:t>or with</a:t>
+            </a:r>
+            <a:r>
+              <a:rPr b="0" lang="en-IN" sz="1800" spc="7" strike="noStrike">
+                <a:solidFill>
+                  <a:srgbClr val="ffffff"/>
+                </a:solidFill>
+                <a:latin typeface="Calibri"/>
+                <a:ea typeface="DejaVu Sans"/>
+              </a:rPr>
+              <a:t> </a:t>
+            </a:r>
+            <a:r>
+              <a:rPr b="0" lang="en-IN" sz="1800" spc="-1" strike="noStrike">
+                <a:solidFill>
+                  <a:srgbClr val="ffffff"/>
+                </a:solidFill>
+                <a:latin typeface="Calibri"/>
+                <a:ea typeface="DejaVu Sans"/>
+              </a:rPr>
+              <a:t>mutual </a:t>
+            </a:r>
+            <a:r>
+              <a:rPr b="0" lang="en-IN" sz="1800" spc="-395" strike="noStrike">
+                <a:solidFill>
+                  <a:srgbClr val="ffffff"/>
+                </a:solidFill>
+                <a:latin typeface="Calibri"/>
+                <a:ea typeface="DejaVu Sans"/>
+              </a:rPr>
+              <a:t> </a:t>
+            </a:r>
+            <a:r>
+              <a:rPr b="0" lang="en-IN" sz="1800" spc="-7" strike="noStrike">
+                <a:solidFill>
+                  <a:srgbClr val="ffffff"/>
+                </a:solidFill>
+                <a:latin typeface="Calibri"/>
+                <a:ea typeface="DejaVu Sans"/>
+              </a:rPr>
+              <a:t>friends</a:t>
+            </a:r>
+            <a:r>
+              <a:rPr b="0" lang="en-IN" sz="1800" spc="-1" strike="noStrike">
+                <a:solidFill>
+                  <a:srgbClr val="ffffff"/>
+                </a:solidFill>
+                <a:latin typeface="Calibri"/>
+                <a:ea typeface="DejaVu Sans"/>
+              </a:rPr>
+              <a:t> </a:t>
+            </a:r>
+            <a:r>
+              <a:rPr b="0" lang="en-IN" sz="1800" spc="-7" strike="noStrike">
+                <a:solidFill>
+                  <a:srgbClr val="ffffff"/>
+                </a:solidFill>
+                <a:latin typeface="Calibri"/>
+                <a:ea typeface="DejaVu Sans"/>
+              </a:rPr>
+              <a:t>only</a:t>
+            </a:r>
+            <a:r>
+              <a:rPr b="0" lang="en-IN" sz="1800" spc="-1" strike="noStrike">
+                <a:solidFill>
+                  <a:srgbClr val="ffffff"/>
+                </a:solidFill>
+                <a:latin typeface="Calibri"/>
+                <a:ea typeface="DejaVu Sans"/>
+              </a:rPr>
+              <a:t> </a:t>
+            </a:r>
+            <a:r>
+              <a:rPr b="0" lang="en-IN" sz="1800" spc="-15" strike="noStrike">
+                <a:solidFill>
+                  <a:srgbClr val="ffffff"/>
+                </a:solidFill>
+                <a:latin typeface="Calibri"/>
+                <a:ea typeface="DejaVu Sans"/>
+              </a:rPr>
+              <a:t>therefore</a:t>
+            </a:r>
+            <a:r>
+              <a:rPr b="0" lang="en-IN" sz="1800" spc="-1" strike="noStrike">
+                <a:solidFill>
+                  <a:srgbClr val="ffffff"/>
+                </a:solidFill>
+                <a:latin typeface="Calibri"/>
+                <a:ea typeface="DejaVu Sans"/>
+              </a:rPr>
+              <a:t> no </a:t>
+            </a:r>
+            <a:r>
+              <a:rPr b="0" lang="en-IN" sz="1800" spc="-12" strike="noStrike">
+                <a:solidFill>
+                  <a:srgbClr val="ffffff"/>
+                </a:solidFill>
+                <a:latin typeface="Calibri"/>
+                <a:ea typeface="DejaVu Sans"/>
+              </a:rPr>
+              <a:t>matching</a:t>
+            </a:r>
+            <a:r>
+              <a:rPr b="0" lang="en-IN" sz="1800" spc="-1" strike="noStrike">
+                <a:solidFill>
+                  <a:srgbClr val="ffffff"/>
+                </a:solidFill>
+                <a:latin typeface="Calibri"/>
+                <a:ea typeface="DejaVu Sans"/>
+              </a:rPr>
+              <a:t> </a:t>
+            </a:r>
+            <a:r>
+              <a:rPr b="0" lang="en-IN" sz="1800" spc="-7" strike="noStrike">
+                <a:solidFill>
+                  <a:srgbClr val="ffffff"/>
+                </a:solidFill>
+                <a:latin typeface="Calibri"/>
+                <a:ea typeface="DejaVu Sans"/>
+              </a:rPr>
+              <a:t>with</a:t>
+            </a:r>
+            <a:r>
+              <a:rPr b="0" lang="en-IN" sz="1800" spc="-1" strike="noStrike">
+                <a:solidFill>
+                  <a:srgbClr val="ffffff"/>
+                </a:solidFill>
+                <a:latin typeface="Calibri"/>
+                <a:ea typeface="DejaVu Sans"/>
+              </a:rPr>
+              <a:t> </a:t>
+            </a:r>
+            <a:r>
+              <a:rPr b="0" lang="en-IN" sz="1800" spc="-15" strike="noStrike">
+                <a:solidFill>
+                  <a:srgbClr val="ffffff"/>
+                </a:solidFill>
+                <a:latin typeface="Calibri"/>
+                <a:ea typeface="DejaVu Sans"/>
+              </a:rPr>
+              <a:t>strangers </a:t>
+            </a:r>
+            <a:r>
+              <a:rPr b="0" lang="en-IN" sz="1800" spc="-12" strike="noStrike">
+                <a:solidFill>
+                  <a:srgbClr val="ffffff"/>
+                </a:solidFill>
+                <a:latin typeface="Calibri"/>
+                <a:ea typeface="DejaVu Sans"/>
+              </a:rPr>
+              <a:t> anymore </a:t>
+            </a:r>
+            <a:r>
+              <a:rPr b="1" lang="en-IN" sz="1800" spc="-7" strike="noStrike">
+                <a:solidFill>
+                  <a:srgbClr val="ffffff"/>
+                </a:solidFill>
+                <a:latin typeface="Calibri"/>
+                <a:ea typeface="DejaVu Sans"/>
+              </a:rPr>
+              <a:t>with </a:t>
+            </a:r>
+            <a:r>
+              <a:rPr b="1" lang="en-IN" sz="1800" spc="-1" strike="noStrike">
+                <a:solidFill>
+                  <a:srgbClr val="ffffff"/>
+                </a:solidFill>
+                <a:latin typeface="Calibri"/>
+                <a:ea typeface="DejaVu Sans"/>
+              </a:rPr>
+              <a:t>a </a:t>
+            </a:r>
+            <a:r>
+              <a:rPr b="1" lang="en-IN" sz="1800" spc="-7" strike="noStrike">
+                <a:solidFill>
+                  <a:srgbClr val="ffffff"/>
+                </a:solidFill>
+                <a:latin typeface="Calibri"/>
+                <a:ea typeface="DejaVu Sans"/>
+              </a:rPr>
+              <a:t>proper authenticity</a:t>
+            </a:r>
+            <a:r>
+              <a:rPr b="1" lang="en-IN" sz="1800" spc="-1" strike="noStrike">
+                <a:solidFill>
+                  <a:srgbClr val="ffffff"/>
+                </a:solidFill>
+                <a:latin typeface="Calibri"/>
+                <a:ea typeface="DejaVu Sans"/>
+              </a:rPr>
+              <a:t> of </a:t>
+            </a:r>
+            <a:r>
+              <a:rPr b="1" lang="en-IN" sz="1800" spc="-12" strike="noStrike">
+                <a:solidFill>
+                  <a:srgbClr val="ffffff"/>
+                </a:solidFill>
+                <a:latin typeface="Calibri"/>
+                <a:ea typeface="DejaVu Sans"/>
+              </a:rPr>
+              <a:t>data </a:t>
+            </a:r>
+            <a:r>
+              <a:rPr b="1" lang="en-IN" sz="1800" spc="-1" strike="noStrike">
+                <a:solidFill>
+                  <a:srgbClr val="ffffff"/>
+                </a:solidFill>
+                <a:latin typeface="Calibri"/>
+                <a:ea typeface="DejaVu Sans"/>
+              </a:rPr>
+              <a:t>and  one </a:t>
+            </a:r>
+            <a:r>
+              <a:rPr b="1" lang="en-IN" sz="1800" spc="-7" strike="noStrike">
+                <a:solidFill>
+                  <a:srgbClr val="ffffff"/>
+                </a:solidFill>
+                <a:latin typeface="Calibri"/>
+                <a:ea typeface="DejaVu Sans"/>
+              </a:rPr>
+              <a:t>can </a:t>
+            </a:r>
+            <a:r>
+              <a:rPr b="1" lang="en-IN" sz="1800" spc="-1" strike="noStrike">
+                <a:solidFill>
+                  <a:srgbClr val="ffffff"/>
+                </a:solidFill>
+                <a:latin typeface="Calibri"/>
+                <a:ea typeface="DejaVu Sans"/>
+              </a:rPr>
+              <a:t>see the </a:t>
+            </a:r>
+            <a:r>
+              <a:rPr b="1" lang="en-IN" sz="1800" spc="-7" strike="noStrike">
+                <a:solidFill>
+                  <a:srgbClr val="ffffff"/>
+                </a:solidFill>
+                <a:latin typeface="Calibri"/>
+                <a:ea typeface="DejaVu Sans"/>
+              </a:rPr>
+              <a:t>profile </a:t>
+            </a:r>
+            <a:r>
+              <a:rPr b="1" lang="en-IN" sz="1800" spc="-15" strike="noStrike">
+                <a:solidFill>
+                  <a:srgbClr val="ffffff"/>
+                </a:solidFill>
+                <a:latin typeface="Calibri"/>
+                <a:ea typeface="DejaVu Sans"/>
+              </a:rPr>
+              <a:t>before </a:t>
+            </a:r>
+            <a:r>
+              <a:rPr b="1" lang="en-IN" sz="1800" spc="-7" strike="noStrike">
+                <a:solidFill>
+                  <a:srgbClr val="ffffff"/>
+                </a:solidFill>
+                <a:latin typeface="Calibri"/>
+                <a:ea typeface="DejaVu Sans"/>
+              </a:rPr>
+              <a:t>sending </a:t>
+            </a:r>
+            <a:r>
+              <a:rPr b="1" lang="en-IN" sz="1800" spc="-1" strike="noStrike">
+                <a:solidFill>
+                  <a:srgbClr val="ffffff"/>
+                </a:solidFill>
+                <a:latin typeface="Calibri"/>
+                <a:ea typeface="DejaVu Sans"/>
+              </a:rPr>
+              <a:t>a </a:t>
+            </a:r>
+            <a:r>
+              <a:rPr b="1" lang="en-IN" sz="1800" spc="-15" strike="noStrike">
+                <a:solidFill>
+                  <a:srgbClr val="ffffff"/>
+                </a:solidFill>
+                <a:latin typeface="Calibri"/>
+                <a:ea typeface="DejaVu Sans"/>
+              </a:rPr>
+              <a:t>match </a:t>
+            </a:r>
+            <a:r>
+              <a:rPr b="1" lang="en-IN" sz="1800" spc="-12" strike="noStrike">
+                <a:solidFill>
+                  <a:srgbClr val="ffffff"/>
+                </a:solidFill>
+                <a:latin typeface="Calibri"/>
+                <a:ea typeface="DejaVu Sans"/>
+              </a:rPr>
+              <a:t> </a:t>
+            </a:r>
+            <a:r>
+              <a:rPr b="1" lang="en-IN" sz="1800" spc="-1" strike="noStrike">
+                <a:solidFill>
+                  <a:srgbClr val="ffffff"/>
+                </a:solidFill>
+                <a:latin typeface="Calibri"/>
+                <a:ea typeface="DejaVu Sans"/>
+              </a:rPr>
+              <a:t>and</a:t>
+            </a:r>
+            <a:r>
+              <a:rPr b="1" lang="en-IN" sz="1800" spc="-7" strike="noStrike">
+                <a:solidFill>
+                  <a:srgbClr val="ffffff"/>
+                </a:solidFill>
+                <a:latin typeface="Calibri"/>
+                <a:ea typeface="DejaVu Sans"/>
+              </a:rPr>
+              <a:t> </a:t>
+            </a:r>
+            <a:r>
+              <a:rPr b="0" lang="en-IN" sz="1800" spc="-12" strike="noStrike">
+                <a:solidFill>
+                  <a:srgbClr val="ffffff"/>
+                </a:solidFill>
+                <a:latin typeface="Calibri"/>
+                <a:ea typeface="DejaVu Sans"/>
+              </a:rPr>
+              <a:t>networking</a:t>
+            </a:r>
+            <a:r>
+              <a:rPr b="0" lang="en-IN" sz="1800" spc="1" strike="noStrike">
+                <a:solidFill>
+                  <a:srgbClr val="ffffff"/>
+                </a:solidFill>
+                <a:latin typeface="Calibri"/>
+                <a:ea typeface="DejaVu Sans"/>
+              </a:rPr>
+              <a:t> </a:t>
+            </a:r>
+            <a:r>
+              <a:rPr b="0" lang="en-IN" sz="1800" spc="-7" strike="noStrike">
+                <a:solidFill>
+                  <a:srgbClr val="ffffff"/>
+                </a:solidFill>
+                <a:latin typeface="Calibri"/>
+                <a:ea typeface="DejaVu Sans"/>
+              </a:rPr>
+              <a:t>socially</a:t>
+            </a:r>
+            <a:r>
+              <a:rPr b="0" lang="en-IN" sz="1800" spc="-1" strike="noStrike">
+                <a:solidFill>
+                  <a:srgbClr val="ffffff"/>
+                </a:solidFill>
+                <a:latin typeface="Calibri"/>
+                <a:ea typeface="DejaVu Sans"/>
+              </a:rPr>
+              <a:t> </a:t>
+            </a:r>
+            <a:r>
+              <a:rPr b="0" lang="en-IN" sz="1800" spc="-12" strike="noStrike">
+                <a:solidFill>
+                  <a:srgbClr val="ffffff"/>
+                </a:solidFill>
+                <a:latin typeface="Calibri"/>
+                <a:ea typeface="DejaVu Sans"/>
+              </a:rPr>
+              <a:t>at</a:t>
+            </a:r>
+            <a:r>
+              <a:rPr b="0" lang="en-IN" sz="1800" spc="-7" strike="noStrike">
+                <a:solidFill>
+                  <a:srgbClr val="ffffff"/>
+                </a:solidFill>
+                <a:latin typeface="Calibri"/>
+                <a:ea typeface="DejaVu Sans"/>
+              </a:rPr>
+              <a:t> </a:t>
+            </a:r>
+            <a:r>
+              <a:rPr b="0" lang="en-IN" sz="1800" spc="-1" strike="noStrike">
+                <a:solidFill>
+                  <a:srgbClr val="ffffff"/>
+                </a:solidFill>
+                <a:latin typeface="Calibri"/>
+                <a:ea typeface="DejaVu Sans"/>
+              </a:rPr>
+              <a:t>the</a:t>
+            </a:r>
+            <a:r>
+              <a:rPr b="0" lang="en-IN" sz="1800" spc="-7" strike="noStrike">
+                <a:solidFill>
+                  <a:srgbClr val="ffffff"/>
+                </a:solidFill>
+                <a:latin typeface="Calibri"/>
+                <a:ea typeface="DejaVu Sans"/>
+              </a:rPr>
+              <a:t> </a:t>
+            </a:r>
+            <a:r>
+              <a:rPr b="0" lang="en-IN" sz="1800" spc="-1" strike="noStrike">
+                <a:solidFill>
+                  <a:srgbClr val="ffffff"/>
+                </a:solidFill>
+                <a:latin typeface="Calibri"/>
+                <a:ea typeface="DejaVu Sans"/>
+              </a:rPr>
+              <a:t>same </a:t>
+            </a:r>
+            <a:r>
+              <a:rPr b="0" lang="en-IN" sz="1800" spc="-7" strike="noStrike">
+                <a:solidFill>
+                  <a:srgbClr val="ffffff"/>
+                </a:solidFill>
+                <a:latin typeface="Calibri"/>
+                <a:ea typeface="DejaVu Sans"/>
+              </a:rPr>
+              <a:t>time</a:t>
+            </a:r>
+            <a:r>
+              <a:rPr b="0" lang="en-IN" sz="1800" spc="-1" strike="noStrike">
+                <a:solidFill>
+                  <a:srgbClr val="ffffff"/>
+                </a:solidFill>
+                <a:latin typeface="Calibri"/>
+                <a:ea typeface="DejaVu Sans"/>
+              </a:rPr>
+              <a:t> thus  </a:t>
+            </a:r>
+            <a:r>
+              <a:rPr b="0" lang="en-IN" sz="1800" spc="-7" strike="noStrike">
+                <a:solidFill>
+                  <a:srgbClr val="ffffff"/>
+                </a:solidFill>
+                <a:latin typeface="Calibri"/>
+                <a:ea typeface="DejaVu Sans"/>
+              </a:rPr>
+              <a:t>making </a:t>
+            </a:r>
+            <a:r>
+              <a:rPr b="0" lang="en-IN" sz="1800" spc="-12" strike="noStrike">
+                <a:solidFill>
+                  <a:srgbClr val="ffffff"/>
+                </a:solidFill>
+                <a:latin typeface="Calibri"/>
+                <a:ea typeface="DejaVu Sans"/>
+              </a:rPr>
+              <a:t>more</a:t>
+            </a:r>
+            <a:r>
+              <a:rPr b="0" lang="en-IN" sz="1800" spc="1" strike="noStrike">
+                <a:solidFill>
+                  <a:srgbClr val="ffffff"/>
+                </a:solidFill>
+                <a:latin typeface="Calibri"/>
+                <a:ea typeface="DejaVu Sans"/>
+              </a:rPr>
+              <a:t> </a:t>
+            </a:r>
+            <a:r>
+              <a:rPr b="0" lang="en-IN" sz="1800" spc="-7" strike="noStrike">
+                <a:solidFill>
+                  <a:srgbClr val="ffffff"/>
+                </a:solidFill>
+                <a:latin typeface="Calibri"/>
+                <a:ea typeface="DejaVu Sans"/>
+              </a:rPr>
+              <a:t>friends.</a:t>
+            </a:r>
+            <a:endParaRPr b="0" lang="en-IN" sz="1800" spc="-1" strike="noStrike">
+              <a:latin typeface="Arial"/>
+            </a:endParaRPr>
+          </a:p>
+        </p:txBody>
+      </p:sp>
+      <p:pic>
+        <p:nvPicPr>
+          <p:cNvPr id="122" name="object 9" descr=""/>
+          <p:cNvPicPr/>
+          <p:nvPr/>
+        </p:nvPicPr>
+        <p:blipFill>
+          <a:blip r:embed="rId2"/>
+          <a:stretch/>
+        </p:blipFill>
+        <p:spPr>
+          <a:xfrm>
+            <a:off x="6089760" y="0"/>
+            <a:ext cx="6100200" cy="6856200"/>
+          </a:xfrm>
+          <a:prstGeom prst="rect">
+            <a:avLst/>
+          </a:prstGeom>
+          <a:ln>
+            <a:noFill/>
+          </a:ln>
+        </p:spPr>
+      </p:pic>
+    </p:spTree>
+  </p:cSld>
+  <mc:AlternateContent>
+    <mc:Choice Requires="p14">
+      <p:transition spd="slow" p14:dur="2000"/>
+    </mc:Choice>
+    <mc:Fallback>
+      <p:transition spd="slow"/>
+    </mc:Fallback>
+  </mc:AlternateContent>
+</p:sld>
+</file>
+
+<file path=ppt/slides/slide3.xml><?xml version="1.0" encoding="utf-8"?>
+<p:sld xmlns:a="http://schemas.openxmlformats.org/drawingml/2006/main" xmlns:p="http://schemas.openxmlformats.org/presentationml/2006/main" xmlns:r="http://schemas.openxmlformats.org/officeDocument/2006/relationships" xmlns:p14="http://schemas.microsoft.com/office/powerpoint/2010/main" xmlns:p15="http://schemas.microsoft.com/office/powerpoint/2012/main" xmlns:mc="http://schemas.openxmlformats.org/markup-compatibility/2006">
+  <p:cSld>
+    <p:spTree>
+      <p:nvGrpSpPr>
+        <p:cNvPr id="1" name=""/>
+        <p:cNvGrpSpPr/>
+        <p:nvPr/>
+      </p:nvGrpSpPr>
+      <p:grpSpPr>
+        <a:xfrm>
+          <a:off x="0" y="0"/>
+          <a:ext cx="0" cy="0"/>
+          <a:chOff x="0" y="0"/>
+          <a:chExt cx="0" cy="0"/>
+        </a:xfrm>
+      </p:grpSpPr>
+      <p:pic>
+        <p:nvPicPr>
+          <p:cNvPr id="123" name="object 2" descr=""/>
+          <p:cNvPicPr/>
+          <p:nvPr/>
+        </p:nvPicPr>
+        <p:blipFill>
+          <a:blip r:embed="rId1"/>
+          <a:stretch/>
+        </p:blipFill>
+        <p:spPr>
+          <a:xfrm>
+            <a:off x="0" y="0"/>
+            <a:ext cx="12190320" cy="6856200"/>
+          </a:xfrm>
+          <a:prstGeom prst="rect">
+            <a:avLst/>
+          </a:prstGeom>
+          <a:ln>
+            <a:noFill/>
+          </a:ln>
+        </p:spPr>
+      </p:pic>
+      <p:sp>
+        <p:nvSpPr>
+          <p:cNvPr id="124" name="CustomShape 1"/>
+          <p:cNvSpPr/>
+          <p:nvPr/>
+        </p:nvSpPr>
+        <p:spPr>
+          <a:xfrm>
+            <a:off x="13680" y="696600"/>
+            <a:ext cx="12177000" cy="6160320"/>
+          </a:xfrm>
+          <a:custGeom>
+            <a:avLst/>
+            <a:gdLst/>
+            <a:ahLst/>
+            <a:rect l="l" t="t" r="r" b="b"/>
+            <a:pathLst>
+              <a:path w="12178665" h="6162040">
+                <a:moveTo>
+                  <a:pt x="0" y="6161530"/>
+                </a:moveTo>
+                <a:lnTo>
+                  <a:pt x="12178284" y="6161530"/>
+                </a:lnTo>
+                <a:lnTo>
+                  <a:pt x="12178284" y="0"/>
+                </a:lnTo>
+                <a:lnTo>
+                  <a:pt x="0" y="0"/>
+                </a:lnTo>
+                <a:lnTo>
+                  <a:pt x="0" y="6161530"/>
+                </a:lnTo>
+                <a:close/>
+              </a:path>
+            </a:pathLst>
+          </a:custGeom>
+          <a:solidFill>
+            <a:srgbClr val="000000">
+              <a:alpha val="65000"/>
+            </a:srgbClr>
+          </a:solidFill>
+          <a:ln>
+            <a:noFill/>
+          </a:ln>
+        </p:spPr>
+        <p:style>
+          <a:lnRef idx="0"/>
+          <a:fillRef idx="0"/>
+          <a:effectRef idx="0"/>
+          <a:fontRef idx="minor"/>
+        </p:style>
+      </p:sp>
+      <p:sp>
+        <p:nvSpPr>
+          <p:cNvPr id="125" name="CustomShape 2"/>
+          <p:cNvSpPr/>
+          <p:nvPr/>
+        </p:nvSpPr>
+        <p:spPr>
+          <a:xfrm>
+            <a:off x="0" y="0"/>
+            <a:ext cx="12190320" cy="2352960"/>
+          </a:xfrm>
+          <a:custGeom>
+            <a:avLst/>
+            <a:gdLst/>
+            <a:ahLst/>
+            <a:rect l="l" t="t" r="r" b="b"/>
+            <a:pathLst>
+              <a:path w="12192000" h="2354580">
+                <a:moveTo>
+                  <a:pt x="12192000" y="0"/>
+                </a:moveTo>
+                <a:lnTo>
+                  <a:pt x="0" y="0"/>
+                </a:lnTo>
+                <a:lnTo>
+                  <a:pt x="0" y="696468"/>
+                </a:lnTo>
+                <a:lnTo>
+                  <a:pt x="0" y="2354580"/>
+                </a:lnTo>
+                <a:lnTo>
+                  <a:pt x="12191987" y="699985"/>
+                </a:lnTo>
+                <a:lnTo>
+                  <a:pt x="12192000" y="696468"/>
+                </a:lnTo>
+                <a:lnTo>
+                  <a:pt x="12192000" y="0"/>
+                </a:lnTo>
+                <a:close/>
+              </a:path>
+            </a:pathLst>
+          </a:custGeom>
+          <a:solidFill>
+            <a:srgbClr val="c61c43"/>
+          </a:solidFill>
+          <a:ln>
+            <a:noFill/>
+          </a:ln>
+        </p:spPr>
+        <p:style>
+          <a:lnRef idx="0"/>
+          <a:fillRef idx="0"/>
+          <a:effectRef idx="0"/>
+          <a:fontRef idx="minor"/>
+        </p:style>
+      </p:sp>
+      <p:sp>
+        <p:nvSpPr>
+          <p:cNvPr id="126" name="CustomShape 3"/>
+          <p:cNvSpPr/>
+          <p:nvPr/>
+        </p:nvSpPr>
+        <p:spPr>
+          <a:xfrm>
+            <a:off x="1391760" y="465120"/>
+            <a:ext cx="4575240" cy="1230120"/>
+          </a:xfrm>
+          <a:prstGeom prst="rect">
+            <a:avLst/>
+          </a:prstGeom>
+          <a:noFill/>
+          <a:ln>
+            <a:noFill/>
+          </a:ln>
+        </p:spPr>
+        <p:style>
+          <a:lnRef idx="0"/>
+          <a:fillRef idx="0"/>
+          <a:effectRef idx="0"/>
+          <a:fontRef idx="minor"/>
+        </p:style>
+        <p:txBody>
+          <a:bodyPr lIns="0" rIns="0" tIns="12240" bIns="0">
+            <a:noAutofit/>
+          </a:bodyPr>
+          <a:p>
+            <a:pPr marL="12600">
+              <a:lnSpc>
+                <a:spcPct val="100000"/>
+              </a:lnSpc>
+              <a:spcBef>
+                <a:spcPts val="96"/>
+              </a:spcBef>
+            </a:pPr>
+            <a:r>
+              <a:rPr b="1" lang="en-IN" sz="4000" spc="-15" strike="noStrike">
+                <a:solidFill>
+                  <a:srgbClr val="ffffff"/>
+                </a:solidFill>
+                <a:latin typeface="Calibri"/>
+                <a:ea typeface="DejaVu Sans"/>
+              </a:rPr>
+              <a:t>What</a:t>
+            </a:r>
+            <a:r>
+              <a:rPr b="1" lang="en-IN" sz="4000" spc="-21" strike="noStrike">
+                <a:solidFill>
+                  <a:srgbClr val="ffffff"/>
+                </a:solidFill>
+                <a:latin typeface="Calibri"/>
+                <a:ea typeface="DejaVu Sans"/>
+              </a:rPr>
+              <a:t> </a:t>
+            </a:r>
+            <a:r>
+              <a:rPr b="1" lang="en-IN" sz="4000" spc="-7" strike="noStrike">
+                <a:solidFill>
+                  <a:srgbClr val="ffffff"/>
+                </a:solidFill>
+                <a:latin typeface="Calibri"/>
+                <a:ea typeface="DejaVu Sans"/>
+              </a:rPr>
+              <a:t>is</a:t>
+            </a:r>
+            <a:r>
+              <a:rPr b="1" lang="en-IN" sz="4000" spc="-21" strike="noStrike">
+                <a:solidFill>
+                  <a:srgbClr val="ffffff"/>
+                </a:solidFill>
+                <a:latin typeface="Calibri"/>
+                <a:ea typeface="DejaVu Sans"/>
+              </a:rPr>
+              <a:t> </a:t>
+            </a:r>
+            <a:r>
+              <a:rPr b="1" lang="en-IN" sz="4000" spc="-7" strike="noStrike">
+                <a:solidFill>
+                  <a:srgbClr val="ffffff"/>
+                </a:solidFill>
+                <a:latin typeface="Calibri"/>
+                <a:ea typeface="DejaVu Sans"/>
+              </a:rPr>
+              <a:t>the</a:t>
+            </a:r>
+            <a:r>
+              <a:rPr b="1" lang="en-IN" sz="4000" spc="-21" strike="noStrike">
+                <a:solidFill>
+                  <a:srgbClr val="ffffff"/>
+                </a:solidFill>
+                <a:latin typeface="Calibri"/>
+                <a:ea typeface="DejaVu Sans"/>
+              </a:rPr>
+              <a:t> </a:t>
+            </a:r>
+            <a:r>
+              <a:rPr b="1" lang="en-IN" sz="4000" spc="-12" strike="noStrike">
+                <a:solidFill>
+                  <a:srgbClr val="ffffff"/>
+                </a:solidFill>
+                <a:latin typeface="Calibri"/>
+                <a:ea typeface="DejaVu Sans"/>
+              </a:rPr>
+              <a:t>Problem?</a:t>
+            </a:r>
+            <a:endParaRPr b="0" lang="en-IN" sz="4000" spc="-1" strike="noStrike">
+              <a:latin typeface="Arial"/>
+            </a:endParaRPr>
+          </a:p>
+        </p:txBody>
+      </p:sp>
+      <p:pic>
+        <p:nvPicPr>
+          <p:cNvPr id="127" name="object 6" descr=""/>
+          <p:cNvPicPr/>
+          <p:nvPr/>
+        </p:nvPicPr>
+        <p:blipFill>
+          <a:blip r:embed="rId2"/>
+          <a:stretch/>
+        </p:blipFill>
+        <p:spPr>
+          <a:xfrm>
+            <a:off x="5547240" y="2120040"/>
+            <a:ext cx="6325920" cy="3849480"/>
+          </a:xfrm>
+          <a:prstGeom prst="rect">
+            <a:avLst/>
+          </a:prstGeom>
+          <a:ln>
+            <a:noFill/>
+          </a:ln>
+        </p:spPr>
+      </p:pic>
+      <p:sp>
+        <p:nvSpPr>
+          <p:cNvPr id="128" name="CustomShape 4"/>
+          <p:cNvSpPr/>
+          <p:nvPr/>
+        </p:nvSpPr>
+        <p:spPr>
+          <a:xfrm>
+            <a:off x="117000" y="2605680"/>
+            <a:ext cx="5281920" cy="16394400"/>
+          </a:xfrm>
+          <a:prstGeom prst="rect">
+            <a:avLst/>
+          </a:prstGeom>
+          <a:noFill/>
+          <a:ln>
+            <a:noFill/>
+          </a:ln>
+        </p:spPr>
+        <p:style>
+          <a:lnRef idx="0"/>
+          <a:fillRef idx="0"/>
+          <a:effectRef idx="0"/>
+          <a:fontRef idx="minor"/>
+        </p:style>
+        <p:txBody>
+          <a:bodyPr lIns="0" rIns="0" tIns="12600" bIns="0">
+            <a:spAutoFit/>
+          </a:bodyPr>
+          <a:p>
+            <a:pPr marL="325080" indent="301680">
+              <a:lnSpc>
+                <a:spcPct val="100000"/>
+              </a:lnSpc>
+              <a:spcBef>
+                <a:spcPts val="99"/>
+              </a:spcBef>
+              <a:tabLst>
+                <a:tab algn="l" pos="0"/>
+              </a:tabLst>
+            </a:pPr>
+            <a:r>
+              <a:rPr b="0" lang="en-IN" sz="1800" spc="-1" strike="noStrike">
+                <a:solidFill>
+                  <a:srgbClr val="ffffff"/>
+                </a:solidFill>
+                <a:latin typeface="Calibri"/>
+                <a:ea typeface="DejaVu Sans"/>
+              </a:rPr>
+              <a:t>Is</a:t>
+            </a:r>
+            <a:r>
+              <a:rPr b="0" lang="en-IN" sz="1800" spc="-15" strike="noStrike">
+                <a:solidFill>
+                  <a:srgbClr val="ffffff"/>
+                </a:solidFill>
+                <a:latin typeface="Calibri"/>
+                <a:ea typeface="DejaVu Sans"/>
+              </a:rPr>
+              <a:t> </a:t>
+            </a:r>
+            <a:r>
+              <a:rPr b="0" lang="en-IN" sz="1800" spc="-12" strike="noStrike">
+                <a:solidFill>
+                  <a:srgbClr val="ffffff"/>
+                </a:solidFill>
+                <a:latin typeface="Calibri"/>
+                <a:ea typeface="DejaVu Sans"/>
+              </a:rPr>
+              <a:t>there</a:t>
+            </a:r>
+            <a:r>
+              <a:rPr b="0" lang="en-IN" sz="1800" spc="-1" strike="noStrike">
+                <a:solidFill>
+                  <a:srgbClr val="ffffff"/>
+                </a:solidFill>
+                <a:latin typeface="Calibri"/>
+                <a:ea typeface="DejaVu Sans"/>
+              </a:rPr>
+              <a:t> </a:t>
+            </a:r>
+            <a:r>
+              <a:rPr b="0" lang="en-IN" sz="1800" spc="-15" strike="noStrike">
+                <a:solidFill>
+                  <a:srgbClr val="ffffff"/>
+                </a:solidFill>
+                <a:latin typeface="Calibri"/>
+                <a:ea typeface="DejaVu Sans"/>
+              </a:rPr>
+              <a:t>any</a:t>
+            </a:r>
+            <a:r>
+              <a:rPr b="0" lang="en-IN" sz="1800" spc="-1" strike="noStrike">
+                <a:solidFill>
+                  <a:srgbClr val="ffffff"/>
+                </a:solidFill>
+                <a:latin typeface="Calibri"/>
+                <a:ea typeface="DejaVu Sans"/>
+              </a:rPr>
+              <a:t> </a:t>
+            </a:r>
+            <a:r>
+              <a:rPr b="0" lang="en-IN" sz="1800" spc="-12" strike="noStrike">
+                <a:solidFill>
+                  <a:srgbClr val="ffffff"/>
+                </a:solidFill>
+                <a:latin typeface="Calibri"/>
+                <a:ea typeface="DejaVu Sans"/>
+              </a:rPr>
+              <a:t>platform </a:t>
+            </a:r>
+            <a:r>
+              <a:rPr b="0" lang="en-IN" sz="1800" spc="-7" strike="noStrike">
+                <a:solidFill>
+                  <a:srgbClr val="ffffff"/>
+                </a:solidFill>
+                <a:latin typeface="Calibri"/>
+                <a:ea typeface="DejaVu Sans"/>
+              </a:rPr>
+              <a:t>that</a:t>
+            </a:r>
+            <a:r>
+              <a:rPr b="0" lang="en-IN" sz="1800" spc="-1" strike="noStrike">
+                <a:solidFill>
+                  <a:srgbClr val="ffffff"/>
+                </a:solidFill>
+                <a:latin typeface="Calibri"/>
+                <a:ea typeface="DejaVu Sans"/>
+              </a:rPr>
+              <a:t> </a:t>
+            </a:r>
+            <a:r>
+              <a:rPr b="0" lang="en-IN" sz="1800" spc="-7" strike="noStrike">
+                <a:solidFill>
+                  <a:srgbClr val="ffffff"/>
+                </a:solidFill>
+                <a:latin typeface="Calibri"/>
+                <a:ea typeface="DejaVu Sans"/>
+              </a:rPr>
+              <a:t>enables</a:t>
+            </a:r>
+            <a:r>
+              <a:rPr b="0" lang="en-IN" sz="1800" spc="-1" strike="noStrike">
+                <a:solidFill>
+                  <a:srgbClr val="ffffff"/>
+                </a:solidFill>
+                <a:latin typeface="Calibri"/>
+                <a:ea typeface="DejaVu Sans"/>
+              </a:rPr>
+              <a:t> </a:t>
+            </a:r>
+            <a:r>
+              <a:rPr b="0" lang="en-IN" sz="1800" spc="-12" strike="noStrike">
+                <a:solidFill>
+                  <a:srgbClr val="ffffff"/>
+                </a:solidFill>
+                <a:latin typeface="Calibri"/>
+                <a:ea typeface="DejaVu Sans"/>
+              </a:rPr>
+              <a:t>match </a:t>
+            </a:r>
+            <a:r>
+              <a:rPr b="0" lang="en-IN" sz="1800" spc="-7" strike="noStrike">
+                <a:solidFill>
+                  <a:srgbClr val="ffffff"/>
+                </a:solidFill>
+                <a:latin typeface="Calibri"/>
+                <a:ea typeface="DejaVu Sans"/>
+              </a:rPr>
+              <a:t> making within</a:t>
+            </a:r>
+            <a:r>
+              <a:rPr b="0" lang="en-IN" sz="1800" spc="7" strike="noStrike">
+                <a:solidFill>
+                  <a:srgbClr val="ffffff"/>
+                </a:solidFill>
+                <a:latin typeface="Calibri"/>
+                <a:ea typeface="DejaVu Sans"/>
+              </a:rPr>
+              <a:t> </a:t>
+            </a:r>
+            <a:r>
+              <a:rPr b="0" lang="en-IN" sz="1800" spc="-1" strike="noStrike">
+                <a:solidFill>
+                  <a:srgbClr val="ffffff"/>
+                </a:solidFill>
+                <a:latin typeface="Calibri"/>
+                <a:ea typeface="DejaVu Sans"/>
+              </a:rPr>
+              <a:t>the</a:t>
+            </a:r>
+            <a:r>
+              <a:rPr b="0" lang="en-IN" sz="1800" spc="-7" strike="noStrike">
+                <a:solidFill>
+                  <a:srgbClr val="ffffff"/>
+                </a:solidFill>
+                <a:latin typeface="Calibri"/>
+                <a:ea typeface="DejaVu Sans"/>
+              </a:rPr>
+              <a:t> </a:t>
+            </a:r>
+            <a:r>
+              <a:rPr b="0" lang="en-IN" sz="1800" spc="-1" strike="noStrike">
+                <a:solidFill>
+                  <a:srgbClr val="ffffff"/>
+                </a:solidFill>
+                <a:latin typeface="Calibri"/>
+                <a:ea typeface="DejaVu Sans"/>
+              </a:rPr>
+              <a:t>peer </a:t>
+            </a:r>
+            <a:r>
+              <a:rPr b="0" lang="en-IN" sz="1800" spc="-7" strike="noStrike">
+                <a:solidFill>
+                  <a:srgbClr val="ffffff"/>
+                </a:solidFill>
+                <a:latin typeface="Calibri"/>
+                <a:ea typeface="DejaVu Sans"/>
+              </a:rPr>
+              <a:t>or</a:t>
+            </a:r>
+            <a:r>
+              <a:rPr b="0" lang="en-IN" sz="1800" spc="-1" strike="noStrike">
+                <a:solidFill>
+                  <a:srgbClr val="ffffff"/>
+                </a:solidFill>
+                <a:latin typeface="Calibri"/>
+                <a:ea typeface="DejaVu Sans"/>
+              </a:rPr>
+              <a:t> mutual</a:t>
+            </a:r>
+            <a:r>
+              <a:rPr b="0" lang="en-IN" sz="1800" spc="-12" strike="noStrike">
+                <a:solidFill>
+                  <a:srgbClr val="ffffff"/>
+                </a:solidFill>
+                <a:latin typeface="Calibri"/>
+                <a:ea typeface="DejaVu Sans"/>
+              </a:rPr>
+              <a:t> </a:t>
+            </a:r>
+            <a:r>
+              <a:rPr b="0" lang="en-IN" sz="1800" spc="-7" strike="noStrike">
+                <a:solidFill>
+                  <a:srgbClr val="ffffff"/>
+                </a:solidFill>
+                <a:latin typeface="Calibri"/>
+                <a:ea typeface="DejaVu Sans"/>
+              </a:rPr>
+              <a:t>friend</a:t>
+            </a:r>
+            <a:r>
+              <a:rPr b="0" lang="en-IN" sz="1800" spc="-1" strike="noStrike">
+                <a:solidFill>
+                  <a:srgbClr val="ffffff"/>
+                </a:solidFill>
+                <a:latin typeface="Calibri"/>
+                <a:ea typeface="DejaVu Sans"/>
+              </a:rPr>
+              <a:t> </a:t>
+            </a:r>
+            <a:r>
+              <a:rPr b="0" lang="en-IN" sz="1800" spc="-12" strike="noStrike">
+                <a:solidFill>
+                  <a:srgbClr val="ffffff"/>
+                </a:solidFill>
+                <a:latin typeface="Calibri"/>
+                <a:ea typeface="DejaVu Sans"/>
+              </a:rPr>
+              <a:t>circle?</a:t>
+            </a:r>
+            <a:endParaRPr b="0" lang="en-IN" sz="1800" spc="-1" strike="noStrike">
+              <a:latin typeface="Arial"/>
+            </a:endParaRPr>
+          </a:p>
+          <a:p>
+            <a:pPr marL="12240" indent="301680" algn="ctr">
+              <a:lnSpc>
+                <a:spcPct val="100000"/>
+              </a:lnSpc>
+              <a:spcBef>
+                <a:spcPts val="1494"/>
+              </a:spcBef>
+              <a:tabLst>
+                <a:tab algn="l" pos="0"/>
+              </a:tabLst>
+            </a:pPr>
+            <a:r>
+              <a:rPr b="0" lang="en-IN" sz="1800" spc="-1" strike="noStrike">
+                <a:solidFill>
+                  <a:srgbClr val="ffffff"/>
+                </a:solidFill>
+                <a:latin typeface="Calibri"/>
+                <a:ea typeface="DejaVu Sans"/>
+              </a:rPr>
+              <a:t>-</a:t>
+            </a:r>
+            <a:r>
+              <a:rPr b="0" lang="en-IN" sz="1800" spc="-7" strike="noStrike">
+                <a:solidFill>
+                  <a:srgbClr val="ffffff"/>
+                </a:solidFill>
+                <a:latin typeface="Calibri"/>
+                <a:ea typeface="DejaVu Sans"/>
+              </a:rPr>
+              <a:t> </a:t>
+            </a:r>
+            <a:r>
+              <a:rPr b="0" lang="en-IN" sz="1800" spc="-12" strike="noStrike">
+                <a:solidFill>
+                  <a:srgbClr val="ffffff"/>
+                </a:solidFill>
+                <a:latin typeface="Calibri"/>
+                <a:ea typeface="DejaVu Sans"/>
+              </a:rPr>
+              <a:t>Users</a:t>
+            </a:r>
+            <a:r>
+              <a:rPr b="0" lang="en-IN" sz="1800" spc="-1" strike="noStrike">
+                <a:solidFill>
+                  <a:srgbClr val="ffffff"/>
+                </a:solidFill>
+                <a:latin typeface="Calibri"/>
+                <a:ea typeface="DejaVu Sans"/>
+              </a:rPr>
+              <a:t> </a:t>
+            </a:r>
+            <a:r>
+              <a:rPr b="0" lang="en-IN" sz="1800" spc="-7" strike="noStrike">
+                <a:solidFill>
+                  <a:srgbClr val="ffffff"/>
+                </a:solidFill>
+                <a:latin typeface="Calibri"/>
+                <a:ea typeface="DejaVu Sans"/>
+              </a:rPr>
+              <a:t>usually</a:t>
+            </a:r>
+            <a:r>
+              <a:rPr b="0" lang="en-IN" sz="1800" spc="-1" strike="noStrike">
+                <a:solidFill>
+                  <a:srgbClr val="ffffff"/>
+                </a:solidFill>
+                <a:latin typeface="Calibri"/>
+                <a:ea typeface="DejaVu Sans"/>
+              </a:rPr>
+              <a:t> land </a:t>
+            </a:r>
+            <a:r>
+              <a:rPr b="0" lang="en-IN" sz="1800" spc="-7" strike="noStrike">
+                <a:solidFill>
+                  <a:srgbClr val="ffffff"/>
+                </a:solidFill>
+                <a:latin typeface="Calibri"/>
+                <a:ea typeface="DejaVu Sans"/>
+              </a:rPr>
+              <a:t>up</a:t>
+            </a:r>
+            <a:r>
+              <a:rPr b="0" lang="en-IN" sz="1800" spc="-1" strike="noStrike">
+                <a:solidFill>
+                  <a:srgbClr val="ffffff"/>
+                </a:solidFill>
+                <a:latin typeface="Calibri"/>
+                <a:ea typeface="DejaVu Sans"/>
+              </a:rPr>
+              <a:t> </a:t>
+            </a:r>
+            <a:r>
+              <a:rPr b="0" lang="en-IN" sz="1800" spc="-7" strike="noStrike">
+                <a:solidFill>
+                  <a:srgbClr val="ffffff"/>
+                </a:solidFill>
+                <a:latin typeface="Calibri"/>
+                <a:ea typeface="DejaVu Sans"/>
+              </a:rPr>
+              <a:t>on online</a:t>
+            </a:r>
+            <a:r>
+              <a:rPr b="0" lang="en-IN" sz="1800" spc="7" strike="noStrike">
+                <a:solidFill>
+                  <a:srgbClr val="ffffff"/>
+                </a:solidFill>
+                <a:latin typeface="Calibri"/>
+                <a:ea typeface="DejaVu Sans"/>
+              </a:rPr>
+              <a:t> </a:t>
+            </a:r>
+            <a:r>
+              <a:rPr b="0" lang="en-IN" sz="1800" spc="-7" strike="noStrike">
+                <a:solidFill>
+                  <a:srgbClr val="ffffff"/>
+                </a:solidFill>
+                <a:latin typeface="Calibri"/>
+                <a:ea typeface="DejaVu Sans"/>
+              </a:rPr>
+              <a:t>dating</a:t>
+            </a:r>
+            <a:r>
+              <a:rPr b="0" lang="en-IN" sz="1800" spc="-1" strike="noStrike">
+                <a:solidFill>
+                  <a:srgbClr val="ffffff"/>
+                </a:solidFill>
+                <a:latin typeface="Calibri"/>
+                <a:ea typeface="DejaVu Sans"/>
+              </a:rPr>
+              <a:t> </a:t>
+            </a:r>
+            <a:r>
+              <a:rPr b="0" lang="en-IN" sz="1800" spc="-7" strike="noStrike">
+                <a:solidFill>
+                  <a:srgbClr val="ffffff"/>
+                </a:solidFill>
+                <a:latin typeface="Calibri"/>
+                <a:ea typeface="DejaVu Sans"/>
+              </a:rPr>
+              <a:t>apps</a:t>
+            </a:r>
+            <a:r>
+              <a:rPr b="0" lang="en-IN" sz="1800" spc="-1" strike="noStrike">
+                <a:solidFill>
+                  <a:srgbClr val="ffffff"/>
+                </a:solidFill>
+                <a:latin typeface="Calibri"/>
+                <a:ea typeface="DejaVu Sans"/>
+              </a:rPr>
+              <a:t> </a:t>
+            </a:r>
+            <a:r>
+              <a:rPr b="0" lang="en-IN" sz="1800" spc="-12" strike="noStrike">
+                <a:solidFill>
+                  <a:srgbClr val="ffffff"/>
+                </a:solidFill>
+                <a:latin typeface="Calibri"/>
+                <a:ea typeface="DejaVu Sans"/>
+              </a:rPr>
+              <a:t>to </a:t>
+            </a:r>
+            <a:r>
+              <a:rPr b="0" lang="en-IN" sz="1800" spc="-7" strike="noStrike">
+                <a:solidFill>
+                  <a:srgbClr val="ffffff"/>
+                </a:solidFill>
+                <a:latin typeface="Calibri"/>
+                <a:ea typeface="DejaVu Sans"/>
+              </a:rPr>
+              <a:t>look </a:t>
+            </a:r>
+            <a:r>
+              <a:rPr b="0" lang="en-IN" sz="1800" spc="-21" strike="noStrike">
+                <a:solidFill>
+                  <a:srgbClr val="ffffff"/>
+                </a:solidFill>
+                <a:latin typeface="Calibri"/>
+                <a:ea typeface="DejaVu Sans"/>
+              </a:rPr>
+              <a:t>for </a:t>
+            </a:r>
+            <a:r>
+              <a:rPr b="0" lang="en-IN" sz="1800" spc="-395" strike="noStrike">
+                <a:solidFill>
+                  <a:srgbClr val="ffffff"/>
+                </a:solidFill>
+                <a:latin typeface="Calibri"/>
+                <a:ea typeface="DejaVu Sans"/>
+              </a:rPr>
+              <a:t> </a:t>
+            </a:r>
+            <a:r>
+              <a:rPr b="0" lang="en-IN" sz="1800" spc="-1" strike="noStrike">
+                <a:solidFill>
+                  <a:srgbClr val="ffffff"/>
+                </a:solidFill>
+                <a:latin typeface="Calibri"/>
+                <a:ea typeface="DejaVu Sans"/>
+              </a:rPr>
+              <a:t>a</a:t>
+            </a:r>
+            <a:r>
+              <a:rPr b="0" lang="en-IN" sz="1800" spc="-7" strike="noStrike">
+                <a:solidFill>
+                  <a:srgbClr val="ffffff"/>
+                </a:solidFill>
+                <a:latin typeface="Calibri"/>
+                <a:ea typeface="DejaVu Sans"/>
+              </a:rPr>
+              <a:t> meaningful</a:t>
+            </a:r>
+            <a:r>
+              <a:rPr b="0" lang="en-IN" sz="1800" spc="-1" strike="noStrike">
+                <a:solidFill>
+                  <a:srgbClr val="ffffff"/>
+                </a:solidFill>
+                <a:latin typeface="Calibri"/>
+                <a:ea typeface="DejaVu Sans"/>
+              </a:rPr>
+              <a:t> </a:t>
+            </a:r>
+            <a:r>
+              <a:rPr b="0" lang="en-IN" sz="1800" spc="-12" strike="noStrike">
+                <a:solidFill>
+                  <a:srgbClr val="ffffff"/>
+                </a:solidFill>
+                <a:latin typeface="Calibri"/>
+                <a:ea typeface="DejaVu Sans"/>
+              </a:rPr>
+              <a:t>relationships</a:t>
+            </a:r>
+            <a:r>
+              <a:rPr b="0" lang="en-IN" sz="1800" spc="7" strike="noStrike">
+                <a:solidFill>
+                  <a:srgbClr val="ffffff"/>
+                </a:solidFill>
+                <a:latin typeface="Calibri"/>
+                <a:ea typeface="DejaVu Sans"/>
+              </a:rPr>
+              <a:t> </a:t>
+            </a:r>
+            <a:r>
+              <a:rPr b="0" lang="en-IN" sz="1800" spc="-1" strike="noStrike">
+                <a:solidFill>
+                  <a:srgbClr val="ffffff"/>
+                </a:solidFill>
+                <a:latin typeface="Calibri"/>
+                <a:ea typeface="DejaVu Sans"/>
+              </a:rPr>
+              <a:t>and</a:t>
+            </a:r>
+            <a:r>
+              <a:rPr b="0" lang="en-IN" sz="1800" spc="1" strike="noStrike">
+                <a:solidFill>
+                  <a:srgbClr val="ffffff"/>
+                </a:solidFill>
+                <a:latin typeface="Calibri"/>
+                <a:ea typeface="DejaVu Sans"/>
+              </a:rPr>
+              <a:t> </a:t>
+            </a:r>
+            <a:r>
+              <a:rPr b="0" lang="en-IN" sz="1800" spc="-12" strike="noStrike">
+                <a:solidFill>
+                  <a:srgbClr val="ffffff"/>
+                </a:solidFill>
+                <a:latin typeface="Calibri"/>
+                <a:ea typeface="DejaVu Sans"/>
+              </a:rPr>
+              <a:t>to</a:t>
+            </a:r>
+            <a:r>
+              <a:rPr b="0" lang="en-IN" sz="1800" spc="-7" strike="noStrike">
+                <a:solidFill>
+                  <a:srgbClr val="ffffff"/>
+                </a:solidFill>
+                <a:latin typeface="Calibri"/>
+                <a:ea typeface="DejaVu Sans"/>
+              </a:rPr>
+              <a:t> </a:t>
+            </a:r>
+            <a:r>
+              <a:rPr b="0" lang="en-IN" sz="1800" spc="-12" strike="noStrike">
+                <a:solidFill>
+                  <a:srgbClr val="ffffff"/>
+                </a:solidFill>
+                <a:latin typeface="Calibri"/>
+                <a:ea typeface="DejaVu Sans"/>
+              </a:rPr>
+              <a:t>expand</a:t>
+            </a:r>
+            <a:r>
+              <a:rPr b="0" lang="en-IN" sz="1800" spc="-1" strike="noStrike">
+                <a:solidFill>
+                  <a:srgbClr val="ffffff"/>
+                </a:solidFill>
+                <a:latin typeface="Calibri"/>
+                <a:ea typeface="DejaVu Sans"/>
+              </a:rPr>
+              <a:t> their </a:t>
+            </a:r>
+            <a:r>
+              <a:rPr b="0" lang="en-IN" sz="1800" spc="-7" strike="noStrike">
+                <a:solidFill>
+                  <a:srgbClr val="ffffff"/>
+                </a:solidFill>
+                <a:latin typeface="Calibri"/>
+                <a:ea typeface="DejaVu Sans"/>
+              </a:rPr>
+              <a:t>social </a:t>
+            </a:r>
+            <a:r>
+              <a:rPr b="0" lang="en-IN" sz="1800" spc="-1" strike="noStrike">
+                <a:solidFill>
+                  <a:srgbClr val="ffffff"/>
+                </a:solidFill>
+                <a:latin typeface="Calibri"/>
+                <a:ea typeface="DejaVu Sans"/>
+              </a:rPr>
+              <a:t> </a:t>
+            </a:r>
+            <a:r>
+              <a:rPr b="0" lang="en-IN" sz="1800" spc="-12" strike="noStrike">
+                <a:solidFill>
+                  <a:srgbClr val="ffffff"/>
+                </a:solidFill>
+                <a:latin typeface="Calibri"/>
+                <a:ea typeface="DejaVu Sans"/>
+              </a:rPr>
+              <a:t>circles.</a:t>
+            </a:r>
+            <a:r>
+              <a:rPr b="0" lang="en-IN" sz="1800" spc="-1" strike="noStrike">
+                <a:solidFill>
+                  <a:srgbClr val="ffffff"/>
+                </a:solidFill>
+                <a:latin typeface="Calibri"/>
+                <a:ea typeface="DejaVu Sans"/>
+              </a:rPr>
+              <a:t> But</a:t>
+            </a:r>
+            <a:r>
+              <a:rPr b="0" lang="en-IN" sz="1800" spc="-7" strike="noStrike">
+                <a:solidFill>
+                  <a:srgbClr val="ffffff"/>
+                </a:solidFill>
+                <a:latin typeface="Calibri"/>
+                <a:ea typeface="DejaVu Sans"/>
+              </a:rPr>
+              <a:t> </a:t>
+            </a:r>
+            <a:r>
+              <a:rPr b="0" lang="en-IN" sz="1800" spc="-12" strike="noStrike">
+                <a:solidFill>
+                  <a:srgbClr val="ffffff"/>
+                </a:solidFill>
+                <a:latin typeface="Calibri"/>
+                <a:ea typeface="DejaVu Sans"/>
+              </a:rPr>
+              <a:t>are</a:t>
+            </a:r>
+            <a:r>
+              <a:rPr b="0" lang="en-IN" sz="1800" spc="-1" strike="noStrike">
+                <a:solidFill>
+                  <a:srgbClr val="ffffff"/>
+                </a:solidFill>
+                <a:latin typeface="Calibri"/>
+                <a:ea typeface="DejaVu Sans"/>
+              </a:rPr>
+              <a:t> the </a:t>
+            </a:r>
+            <a:r>
+              <a:rPr b="0" lang="en-IN" sz="1800" spc="-12" strike="noStrike">
+                <a:solidFill>
+                  <a:srgbClr val="ffffff"/>
+                </a:solidFill>
+                <a:latin typeface="Calibri"/>
+                <a:ea typeface="DejaVu Sans"/>
+              </a:rPr>
+              <a:t>existing</a:t>
+            </a:r>
+            <a:r>
+              <a:rPr b="0" lang="en-IN" sz="1800" spc="-1" strike="noStrike">
+                <a:solidFill>
+                  <a:srgbClr val="ffffff"/>
+                </a:solidFill>
+                <a:latin typeface="Calibri"/>
+                <a:ea typeface="DejaVu Sans"/>
+              </a:rPr>
+              <a:t> </a:t>
+            </a:r>
+            <a:r>
+              <a:rPr b="0" lang="en-IN" sz="1800" spc="-7" strike="noStrike">
+                <a:solidFill>
+                  <a:srgbClr val="ffffff"/>
+                </a:solidFill>
+                <a:latin typeface="Calibri"/>
+                <a:ea typeface="DejaVu Sans"/>
+              </a:rPr>
+              <a:t>dating </a:t>
+            </a:r>
+            <a:r>
+              <a:rPr b="0" lang="en-IN" sz="1800" spc="-12" strike="noStrike">
+                <a:solidFill>
+                  <a:srgbClr val="ffffff"/>
+                </a:solidFill>
+                <a:latin typeface="Calibri"/>
+                <a:ea typeface="DejaVu Sans"/>
+              </a:rPr>
+              <a:t>platforms</a:t>
+            </a:r>
+            <a:r>
+              <a:rPr b="0" lang="en-IN" sz="1800" spc="-7" strike="noStrike">
+                <a:solidFill>
+                  <a:srgbClr val="ffffff"/>
+                </a:solidFill>
+                <a:latin typeface="Calibri"/>
+                <a:ea typeface="DejaVu Sans"/>
+              </a:rPr>
+              <a:t> </a:t>
+            </a:r>
+            <a:r>
+              <a:rPr b="0" lang="en-IN" sz="1800" spc="-1" strike="noStrike">
+                <a:solidFill>
+                  <a:srgbClr val="ffffff"/>
+                </a:solidFill>
+                <a:latin typeface="Calibri"/>
+                <a:ea typeface="DejaVu Sans"/>
+              </a:rPr>
+              <a:t>the</a:t>
+            </a:r>
+            <a:r>
+              <a:rPr b="0" lang="en-IN" sz="1800" spc="-7" strike="noStrike">
+                <a:solidFill>
+                  <a:srgbClr val="ffffff"/>
+                </a:solidFill>
+                <a:latin typeface="Calibri"/>
+                <a:ea typeface="DejaVu Sans"/>
+              </a:rPr>
+              <a:t> right </a:t>
+            </a:r>
+            <a:r>
+              <a:rPr b="0" lang="en-IN" sz="1800" spc="-1" strike="noStrike">
+                <a:solidFill>
+                  <a:srgbClr val="ffffff"/>
+                </a:solidFill>
+                <a:latin typeface="Calibri"/>
+                <a:ea typeface="DejaVu Sans"/>
+              </a:rPr>
+              <a:t> </a:t>
+            </a:r>
+            <a:r>
+              <a:rPr b="0" lang="en-IN" sz="1800" spc="-7" strike="noStrike">
+                <a:solidFill>
+                  <a:srgbClr val="ffffff"/>
+                </a:solidFill>
+                <a:latin typeface="Calibri"/>
+                <a:ea typeface="DejaVu Sans"/>
+              </a:rPr>
+              <a:t>place</a:t>
+            </a:r>
+            <a:r>
+              <a:rPr b="0" lang="en-IN" sz="1800" spc="-1" strike="noStrike">
+                <a:solidFill>
+                  <a:srgbClr val="ffffff"/>
+                </a:solidFill>
+                <a:latin typeface="Calibri"/>
+                <a:ea typeface="DejaVu Sans"/>
+              </a:rPr>
+              <a:t> </a:t>
+            </a:r>
+            <a:r>
+              <a:rPr b="0" lang="en-IN" sz="1800" spc="-12" strike="noStrike">
+                <a:solidFill>
+                  <a:srgbClr val="ffffff"/>
+                </a:solidFill>
+                <a:latin typeface="Calibri"/>
+                <a:ea typeface="DejaVu Sans"/>
+              </a:rPr>
+              <a:t>to</a:t>
+            </a:r>
+            <a:r>
+              <a:rPr b="0" lang="en-IN" sz="1800" spc="-7" strike="noStrike">
+                <a:solidFill>
+                  <a:srgbClr val="ffffff"/>
+                </a:solidFill>
+                <a:latin typeface="Calibri"/>
+                <a:ea typeface="DejaVu Sans"/>
+              </a:rPr>
+              <a:t> build</a:t>
+            </a:r>
+            <a:r>
+              <a:rPr b="0" lang="en-IN" sz="1800" spc="12" strike="noStrike">
+                <a:solidFill>
+                  <a:srgbClr val="ffffff"/>
+                </a:solidFill>
+                <a:latin typeface="Calibri"/>
+                <a:ea typeface="DejaVu Sans"/>
+              </a:rPr>
+              <a:t> </a:t>
+            </a:r>
+            <a:r>
+              <a:rPr b="0" lang="en-IN" sz="1800" spc="-7" strike="noStrike">
+                <a:solidFill>
+                  <a:srgbClr val="ffffff"/>
+                </a:solidFill>
+                <a:latin typeface="Calibri"/>
+                <a:ea typeface="DejaVu Sans"/>
+              </a:rPr>
+              <a:t>this socio</a:t>
+            </a:r>
+            <a:r>
+              <a:rPr b="0" lang="en-IN" sz="1800" spc="-1" strike="noStrike">
+                <a:solidFill>
+                  <a:srgbClr val="ffffff"/>
+                </a:solidFill>
+                <a:latin typeface="Calibri"/>
+                <a:ea typeface="DejaVu Sans"/>
+              </a:rPr>
+              <a:t> </a:t>
+            </a:r>
+            <a:r>
+              <a:rPr b="0" lang="en-IN" sz="1800" spc="-12" strike="noStrike">
+                <a:solidFill>
+                  <a:srgbClr val="ffffff"/>
+                </a:solidFill>
+                <a:latin typeface="Calibri"/>
+                <a:ea typeface="DejaVu Sans"/>
+              </a:rPr>
+              <a:t>circle?</a:t>
+            </a:r>
+            <a:endParaRPr b="0" lang="en-IN" sz="1800" spc="-1" strike="noStrike">
+              <a:latin typeface="Arial"/>
+            </a:endParaRPr>
+          </a:p>
+          <a:p>
+            <a:pPr marL="12240" indent="301680">
+              <a:lnSpc>
+                <a:spcPct val="100000"/>
+              </a:lnSpc>
+              <a:spcBef>
+                <a:spcPts val="26"/>
+              </a:spcBef>
+              <a:tabLst>
+                <a:tab algn="l" pos="0"/>
+              </a:tabLst>
+            </a:pPr>
+            <a:endParaRPr b="0" lang="en-IN" sz="1800" spc="-1" strike="noStrike">
+              <a:latin typeface="Arial"/>
+            </a:endParaRPr>
+          </a:p>
+          <a:p>
+            <a:pPr marL="41400" indent="1440" algn="ctr">
+              <a:lnSpc>
+                <a:spcPct val="100000"/>
+              </a:lnSpc>
+              <a:tabLst>
+                <a:tab algn="l" pos="0"/>
+              </a:tabLst>
+            </a:pPr>
+            <a:r>
+              <a:rPr b="0" lang="en-IN" sz="1800" spc="-1" strike="noStrike">
+                <a:solidFill>
+                  <a:srgbClr val="ffffff"/>
+                </a:solidFill>
+                <a:latin typeface="Calibri"/>
+                <a:ea typeface="DejaVu Sans"/>
+              </a:rPr>
+              <a:t>-</a:t>
+            </a:r>
+            <a:r>
+              <a:rPr b="0" lang="en-IN" sz="1800" spc="-7" strike="noStrike">
+                <a:solidFill>
+                  <a:srgbClr val="ffffff"/>
+                </a:solidFill>
+                <a:latin typeface="Calibri"/>
+                <a:ea typeface="DejaVu Sans"/>
+              </a:rPr>
+              <a:t> </a:t>
+            </a:r>
+            <a:r>
+              <a:rPr b="0" lang="en-IN" sz="1800" spc="-12" strike="noStrike">
+                <a:solidFill>
+                  <a:srgbClr val="ffffff"/>
+                </a:solidFill>
+                <a:latin typeface="Calibri"/>
+                <a:ea typeface="DejaVu Sans"/>
+              </a:rPr>
+              <a:t>Existing</a:t>
+            </a:r>
+            <a:r>
+              <a:rPr b="0" lang="en-IN" sz="1800" spc="-1" strike="noStrike">
+                <a:solidFill>
+                  <a:srgbClr val="ffffff"/>
+                </a:solidFill>
+                <a:latin typeface="Calibri"/>
+                <a:ea typeface="DejaVu Sans"/>
+              </a:rPr>
+              <a:t> </a:t>
+            </a:r>
+            <a:r>
+              <a:rPr b="0" lang="en-IN" sz="1800" spc="-7" strike="noStrike">
+                <a:solidFill>
+                  <a:srgbClr val="ffffff"/>
+                </a:solidFill>
+                <a:latin typeface="Calibri"/>
+                <a:ea typeface="DejaVu Sans"/>
+              </a:rPr>
+              <a:t>Application</a:t>
+            </a:r>
+            <a:r>
+              <a:rPr b="0" lang="en-IN" sz="1800" spc="1" strike="noStrike">
+                <a:solidFill>
+                  <a:srgbClr val="ffffff"/>
+                </a:solidFill>
+                <a:latin typeface="Calibri"/>
+                <a:ea typeface="DejaVu Sans"/>
+              </a:rPr>
+              <a:t> </a:t>
+            </a:r>
+            <a:r>
+              <a:rPr b="0" lang="en-IN" sz="1800" spc="-7" strike="noStrike">
+                <a:solidFill>
+                  <a:srgbClr val="ffffff"/>
+                </a:solidFill>
+                <a:latin typeface="Calibri"/>
+                <a:ea typeface="DejaVu Sans"/>
+              </a:rPr>
+              <a:t>or</a:t>
+            </a:r>
+            <a:r>
+              <a:rPr b="0" lang="en-IN" sz="1800" spc="-1" strike="noStrike">
+                <a:solidFill>
+                  <a:srgbClr val="ffffff"/>
+                </a:solidFill>
+                <a:latin typeface="Calibri"/>
+                <a:ea typeface="DejaVu Sans"/>
+              </a:rPr>
+              <a:t> </a:t>
+            </a:r>
+            <a:r>
+              <a:rPr b="0" lang="en-IN" sz="1800" spc="-12" strike="noStrike">
+                <a:solidFill>
+                  <a:srgbClr val="ffffff"/>
+                </a:solidFill>
+                <a:latin typeface="Calibri"/>
+                <a:ea typeface="DejaVu Sans"/>
+              </a:rPr>
+              <a:t>platforms</a:t>
+            </a:r>
+            <a:r>
+              <a:rPr b="0" lang="en-IN" sz="1800" spc="-21" strike="noStrike">
+                <a:solidFill>
+                  <a:srgbClr val="ffffff"/>
+                </a:solidFill>
+                <a:latin typeface="Calibri"/>
+                <a:ea typeface="DejaVu Sans"/>
+              </a:rPr>
+              <a:t> </a:t>
+            </a:r>
+            <a:r>
+              <a:rPr b="0" lang="en-IN" sz="1800" spc="-12" strike="noStrike">
+                <a:solidFill>
+                  <a:srgbClr val="ffffff"/>
+                </a:solidFill>
+                <a:latin typeface="Calibri"/>
+                <a:ea typeface="DejaVu Sans"/>
+              </a:rPr>
+              <a:t>provide</a:t>
+            </a:r>
+            <a:r>
+              <a:rPr b="0" lang="en-IN" sz="1800" spc="1" strike="noStrike">
+                <a:solidFill>
+                  <a:srgbClr val="ffffff"/>
+                </a:solidFill>
+                <a:latin typeface="Calibri"/>
+                <a:ea typeface="DejaVu Sans"/>
+              </a:rPr>
+              <a:t> </a:t>
+            </a:r>
+            <a:r>
+              <a:rPr b="0" lang="en-IN" sz="1800" spc="-12" strike="noStrike">
+                <a:solidFill>
+                  <a:srgbClr val="ffffff"/>
+                </a:solidFill>
+                <a:latin typeface="Calibri"/>
+                <a:ea typeface="DejaVu Sans"/>
+              </a:rPr>
+              <a:t>match </a:t>
+            </a:r>
+            <a:r>
+              <a:rPr b="0" lang="en-IN" sz="1800" spc="-7" strike="noStrike">
+                <a:solidFill>
+                  <a:srgbClr val="ffffff"/>
+                </a:solidFill>
+                <a:latin typeface="Calibri"/>
+                <a:ea typeface="DejaVu Sans"/>
+              </a:rPr>
+              <a:t> making only</a:t>
+            </a:r>
+            <a:r>
+              <a:rPr b="0" lang="en-IN" sz="1800" spc="-1" strike="noStrike">
+                <a:solidFill>
+                  <a:srgbClr val="ffffff"/>
+                </a:solidFill>
+                <a:latin typeface="Calibri"/>
+                <a:ea typeface="DejaVu Sans"/>
+              </a:rPr>
+              <a:t> </a:t>
+            </a:r>
+            <a:r>
+              <a:rPr b="0" lang="en-IN" sz="1800" spc="-7" strike="noStrike">
+                <a:solidFill>
+                  <a:srgbClr val="ffffff"/>
+                </a:solidFill>
+                <a:latin typeface="Calibri"/>
+                <a:ea typeface="DejaVu Sans"/>
+              </a:rPr>
+              <a:t>with</a:t>
+            </a:r>
+            <a:r>
+              <a:rPr b="0" lang="en-IN" sz="1800" spc="-1" strike="noStrike">
+                <a:solidFill>
+                  <a:srgbClr val="ffffff"/>
+                </a:solidFill>
+                <a:latin typeface="Calibri"/>
+                <a:ea typeface="DejaVu Sans"/>
+              </a:rPr>
+              <a:t> </a:t>
+            </a:r>
+            <a:r>
+              <a:rPr b="0" lang="en-IN" sz="1800" spc="-15" strike="noStrike">
+                <a:solidFill>
+                  <a:srgbClr val="ffffff"/>
+                </a:solidFill>
+                <a:latin typeface="Calibri"/>
+                <a:ea typeface="DejaVu Sans"/>
+              </a:rPr>
+              <a:t>strangers.</a:t>
+            </a:r>
+            <a:r>
+              <a:rPr b="0" lang="en-IN" sz="1800" spc="-12" strike="noStrike">
+                <a:solidFill>
+                  <a:srgbClr val="ffffff"/>
+                </a:solidFill>
+                <a:latin typeface="Calibri"/>
+                <a:ea typeface="DejaVu Sans"/>
+              </a:rPr>
+              <a:t> </a:t>
+            </a:r>
+            <a:r>
+              <a:rPr b="0" lang="en-IN" sz="1800" spc="-7" strike="noStrike">
+                <a:solidFill>
+                  <a:srgbClr val="ffffff"/>
+                </a:solidFill>
+                <a:latin typeface="Calibri"/>
+                <a:ea typeface="DejaVu Sans"/>
+              </a:rPr>
+              <a:t>What</a:t>
+            </a:r>
+            <a:r>
+              <a:rPr b="0" lang="en-IN" sz="1800" spc="-1" strike="noStrike">
+                <a:solidFill>
+                  <a:srgbClr val="ffffff"/>
+                </a:solidFill>
+                <a:latin typeface="Calibri"/>
+                <a:ea typeface="DejaVu Sans"/>
+              </a:rPr>
+              <a:t> </a:t>
+            </a:r>
+            <a:r>
+              <a:rPr b="0" lang="en-IN" sz="1800" spc="-7" strike="noStrike">
+                <a:solidFill>
+                  <a:srgbClr val="ffffff"/>
+                </a:solidFill>
+                <a:latin typeface="Calibri"/>
+                <a:ea typeface="DejaVu Sans"/>
+              </a:rPr>
+              <a:t>if one</a:t>
+            </a:r>
+            <a:r>
+              <a:rPr b="0" lang="en-IN" sz="1800" spc="1" strike="noStrike">
+                <a:solidFill>
+                  <a:srgbClr val="ffffff"/>
+                </a:solidFill>
+                <a:latin typeface="Calibri"/>
+                <a:ea typeface="DejaVu Sans"/>
+              </a:rPr>
+              <a:t> </a:t>
+            </a:r>
+            <a:r>
+              <a:rPr b="0" lang="en-IN" sz="1800" spc="-12" strike="noStrike">
+                <a:solidFill>
+                  <a:srgbClr val="ffffff"/>
+                </a:solidFill>
+                <a:latin typeface="Calibri"/>
+                <a:ea typeface="DejaVu Sans"/>
+              </a:rPr>
+              <a:t>wants</a:t>
+            </a:r>
+            <a:r>
+              <a:rPr b="0" lang="en-IN" sz="1800" spc="-1" strike="noStrike">
+                <a:solidFill>
+                  <a:srgbClr val="ffffff"/>
+                </a:solidFill>
+                <a:latin typeface="Calibri"/>
+                <a:ea typeface="DejaVu Sans"/>
+              </a:rPr>
+              <a:t> a </a:t>
+            </a:r>
+            <a:r>
+              <a:rPr b="0" lang="en-IN" sz="1800" spc="-12" strike="noStrike">
+                <a:solidFill>
+                  <a:srgbClr val="ffffff"/>
+                </a:solidFill>
+                <a:latin typeface="Calibri"/>
+                <a:ea typeface="DejaVu Sans"/>
+              </a:rPr>
+              <a:t>match </a:t>
+            </a:r>
+            <a:r>
+              <a:rPr b="0" lang="en-IN" sz="1800" spc="-395" strike="noStrike">
+                <a:solidFill>
+                  <a:srgbClr val="ffffff"/>
+                </a:solidFill>
+                <a:latin typeface="Calibri"/>
+                <a:ea typeface="DejaVu Sans"/>
+              </a:rPr>
+              <a:t> </a:t>
+            </a:r>
+            <a:r>
+              <a:rPr b="0" lang="en-IN" sz="1800" spc="-7" strike="noStrike">
+                <a:solidFill>
+                  <a:srgbClr val="ffffff"/>
+                </a:solidFill>
+                <a:latin typeface="Calibri"/>
+                <a:ea typeface="DejaVu Sans"/>
+              </a:rPr>
+              <a:t>within</a:t>
+            </a:r>
+            <a:r>
+              <a:rPr b="0" lang="en-IN" sz="1800" spc="7" strike="noStrike">
+                <a:solidFill>
+                  <a:srgbClr val="ffffff"/>
+                </a:solidFill>
+                <a:latin typeface="Calibri"/>
+                <a:ea typeface="DejaVu Sans"/>
+              </a:rPr>
+              <a:t> </a:t>
+            </a:r>
+            <a:r>
+              <a:rPr b="0" lang="en-IN" sz="1800" spc="-7" strike="noStrike">
+                <a:solidFill>
+                  <a:srgbClr val="ffffff"/>
+                </a:solidFill>
+                <a:latin typeface="Calibri"/>
+                <a:ea typeface="DejaVu Sans"/>
+              </a:rPr>
+              <a:t>his/her</a:t>
+            </a:r>
+            <a:r>
+              <a:rPr b="0" lang="en-IN" sz="1800" spc="-1" strike="noStrike">
+                <a:solidFill>
+                  <a:srgbClr val="ffffff"/>
+                </a:solidFill>
+                <a:latin typeface="Calibri"/>
+                <a:ea typeface="DejaVu Sans"/>
+              </a:rPr>
+              <a:t> </a:t>
+            </a:r>
+            <a:r>
+              <a:rPr b="0" lang="en-IN" sz="1800" spc="-7" strike="noStrike">
+                <a:solidFill>
+                  <a:srgbClr val="ffffff"/>
+                </a:solidFill>
+                <a:latin typeface="Calibri"/>
+                <a:ea typeface="DejaVu Sans"/>
+              </a:rPr>
+              <a:t>social</a:t>
+            </a:r>
+            <a:r>
+              <a:rPr b="0" lang="en-IN" sz="1800" spc="-1" strike="noStrike">
+                <a:solidFill>
+                  <a:srgbClr val="ffffff"/>
+                </a:solidFill>
+                <a:latin typeface="Calibri"/>
+                <a:ea typeface="DejaVu Sans"/>
+              </a:rPr>
+              <a:t> </a:t>
+            </a:r>
+            <a:r>
+              <a:rPr b="0" lang="en-IN" sz="1800" spc="-12" strike="noStrike">
+                <a:solidFill>
+                  <a:srgbClr val="ffffff"/>
+                </a:solidFill>
+                <a:latin typeface="Calibri"/>
+                <a:ea typeface="DejaVu Sans"/>
+              </a:rPr>
+              <a:t>circle!?</a:t>
+            </a:r>
+            <a:endParaRPr b="0" lang="en-IN" sz="1800" spc="-1" strike="noStrike">
+              <a:latin typeface="Arial"/>
+            </a:endParaRPr>
+          </a:p>
+          <a:p>
+            <a:pPr marL="41400" indent="1440">
+              <a:lnSpc>
+                <a:spcPct val="100000"/>
+              </a:lnSpc>
+              <a:tabLst>
+                <a:tab algn="l" pos="0"/>
+              </a:tabLst>
+            </a:pPr>
+            <a:endParaRPr b="0" lang="en-IN" sz="1800" spc="-1" strike="noStrike">
+              <a:latin typeface="Arial"/>
+            </a:endParaRPr>
+          </a:p>
+          <a:p>
+            <a:pPr marL="41400" indent="1440">
+              <a:lnSpc>
+                <a:spcPct val="100000"/>
+              </a:lnSpc>
+              <a:spcBef>
+                <a:spcPts val="34"/>
+              </a:spcBef>
+              <a:tabLst>
+                <a:tab algn="l" pos="0"/>
+              </a:tabLst>
+            </a:pPr>
+            <a:endParaRPr b="0" lang="en-IN" sz="1800" spc="-1" strike="noStrike">
+              <a:latin typeface="Arial"/>
+            </a:endParaRPr>
+          </a:p>
+          <a:p>
+            <a:pPr marL="6247800" indent="1440">
+              <a:lnSpc>
+                <a:spcPct val="100000"/>
+              </a:lnSpc>
+              <a:tabLst>
+                <a:tab algn="l" pos="0"/>
+              </a:tabLst>
+            </a:pPr>
+            <a:r>
+              <a:rPr b="1" lang="en-IN" sz="1800" spc="-7" strike="noStrike">
+                <a:solidFill>
+                  <a:srgbClr val="ffffff"/>
+                </a:solidFill>
+                <a:latin typeface="Calibri"/>
+                <a:ea typeface="DejaVu Sans"/>
+              </a:rPr>
+              <a:t>Friends</a:t>
+            </a:r>
+            <a:r>
+              <a:rPr b="1" lang="en-IN" sz="1800" spc="-55" strike="noStrike">
+                <a:solidFill>
+                  <a:srgbClr val="ffffff"/>
+                </a:solidFill>
+                <a:latin typeface="Calibri"/>
+                <a:ea typeface="DejaVu Sans"/>
+              </a:rPr>
+              <a:t> </a:t>
+            </a:r>
+            <a:r>
+              <a:rPr b="1" lang="en-IN" sz="1800" spc="-7" strike="noStrike">
+                <a:solidFill>
+                  <a:srgbClr val="ffffff"/>
+                </a:solidFill>
+                <a:latin typeface="Calibri"/>
+                <a:ea typeface="DejaVu Sans"/>
+              </a:rPr>
+              <a:t>(58%)</a:t>
+            </a:r>
+            <a:r>
+              <a:rPr b="1" lang="en-IN" sz="1800" spc="-26" strike="noStrike">
+                <a:solidFill>
+                  <a:srgbClr val="ffffff"/>
+                </a:solidFill>
+                <a:latin typeface="Calibri"/>
+                <a:ea typeface="DejaVu Sans"/>
+              </a:rPr>
+              <a:t> </a:t>
+            </a:r>
+            <a:r>
+              <a:rPr b="1" lang="en-IN" sz="1800" spc="-1" strike="noStrike">
+                <a:solidFill>
+                  <a:srgbClr val="ffffff"/>
+                </a:solidFill>
+                <a:latin typeface="Calibri"/>
+                <a:ea typeface="DejaVu Sans"/>
+              </a:rPr>
+              <a:t>+</a:t>
+            </a:r>
+            <a:r>
+              <a:rPr b="1" lang="en-IN" sz="1800" spc="-7" strike="noStrike">
+                <a:solidFill>
+                  <a:srgbClr val="ffffff"/>
+                </a:solidFill>
+                <a:latin typeface="Calibri"/>
+                <a:ea typeface="DejaVu Sans"/>
+              </a:rPr>
+              <a:t> </a:t>
+            </a:r>
+            <a:r>
+              <a:rPr b="1" lang="en-IN" sz="1800" spc="-12" strike="noStrike">
+                <a:solidFill>
+                  <a:srgbClr val="ffffff"/>
+                </a:solidFill>
+                <a:latin typeface="Calibri"/>
+                <a:ea typeface="DejaVu Sans"/>
+              </a:rPr>
+              <a:t>Family</a:t>
+            </a:r>
+            <a:r>
+              <a:rPr b="1" lang="en-IN" sz="1800" spc="-46" strike="noStrike">
+                <a:solidFill>
+                  <a:srgbClr val="ffffff"/>
+                </a:solidFill>
+                <a:latin typeface="Calibri"/>
+                <a:ea typeface="DejaVu Sans"/>
+              </a:rPr>
+              <a:t> </a:t>
+            </a:r>
+            <a:r>
+              <a:rPr b="1" lang="en-IN" sz="1800" spc="-7" strike="noStrike">
+                <a:solidFill>
+                  <a:srgbClr val="ffffff"/>
+                </a:solidFill>
+                <a:latin typeface="Calibri"/>
+                <a:ea typeface="DejaVu Sans"/>
+              </a:rPr>
+              <a:t>(24%)</a:t>
+            </a:r>
+            <a:r>
+              <a:rPr b="1" lang="en-IN" sz="1800" spc="-21" strike="noStrike">
+                <a:solidFill>
+                  <a:srgbClr val="ffffff"/>
+                </a:solidFill>
+                <a:latin typeface="Calibri"/>
+                <a:ea typeface="DejaVu Sans"/>
+              </a:rPr>
+              <a:t> </a:t>
+            </a:r>
+            <a:r>
+              <a:rPr b="1" lang="en-IN" sz="1800" spc="-1" strike="noStrike">
+                <a:solidFill>
+                  <a:srgbClr val="ffffff"/>
+                </a:solidFill>
+                <a:latin typeface="Calibri"/>
+                <a:ea typeface="DejaVu Sans"/>
+              </a:rPr>
+              <a:t>=</a:t>
+            </a:r>
+            <a:r>
+              <a:rPr b="1" lang="en-IN" sz="1800" spc="-15" strike="noStrike">
+                <a:solidFill>
+                  <a:srgbClr val="ffffff"/>
+                </a:solidFill>
+                <a:latin typeface="Calibri"/>
+                <a:ea typeface="DejaVu Sans"/>
+              </a:rPr>
+              <a:t> </a:t>
+            </a:r>
+            <a:r>
+              <a:rPr b="1" lang="en-IN" sz="1800" spc="-1" strike="noStrike">
+                <a:solidFill>
+                  <a:srgbClr val="ffffff"/>
+                </a:solidFill>
+                <a:latin typeface="Calibri"/>
+                <a:ea typeface="DejaVu Sans"/>
+              </a:rPr>
+              <a:t>82%</a:t>
+            </a:r>
+            <a:r>
+              <a:rPr b="1" lang="en-IN" sz="1800" spc="-26" strike="noStrike">
+                <a:solidFill>
+                  <a:srgbClr val="ffffff"/>
+                </a:solidFill>
+                <a:latin typeface="Calibri"/>
+                <a:ea typeface="DejaVu Sans"/>
+              </a:rPr>
+              <a:t> </a:t>
+            </a:r>
+            <a:r>
+              <a:rPr b="1" lang="en-IN" sz="1800" spc="-1" strike="noStrike">
+                <a:solidFill>
+                  <a:srgbClr val="ffffff"/>
+                </a:solidFill>
+                <a:latin typeface="Calibri"/>
+                <a:ea typeface="DejaVu Sans"/>
+              </a:rPr>
+              <a:t>Need</a:t>
+            </a:r>
+            <a:r>
+              <a:rPr b="1" lang="en-IN" sz="1800" spc="-52" strike="noStrike">
+                <a:solidFill>
+                  <a:srgbClr val="ffffff"/>
+                </a:solidFill>
+                <a:latin typeface="Calibri"/>
+                <a:ea typeface="DejaVu Sans"/>
+              </a:rPr>
+              <a:t> </a:t>
+            </a:r>
+            <a:r>
+              <a:rPr b="1" lang="en-IN" sz="1800" spc="-21" strike="noStrike">
+                <a:solidFill>
+                  <a:srgbClr val="ffffff"/>
+                </a:solidFill>
+                <a:latin typeface="Calibri"/>
+                <a:ea typeface="DejaVu Sans"/>
+              </a:rPr>
+              <a:t>BeYu</a:t>
+            </a:r>
+            <a:endParaRPr b="0" lang="en-IN" sz="1800" spc="-1" strike="noStrike">
+              <a:latin typeface="Arial"/>
+            </a:endParaRPr>
+          </a:p>
+        </p:txBody>
+      </p:sp>
+      <p:grpSp>
+        <p:nvGrpSpPr>
+          <p:cNvPr id="129" name="Group 5"/>
+          <p:cNvGrpSpPr/>
+          <p:nvPr/>
+        </p:nvGrpSpPr>
+        <p:grpSpPr>
+          <a:xfrm>
+            <a:off x="8679960" y="1039320"/>
+            <a:ext cx="3112560" cy="3463200"/>
+            <a:chOff x="8679960" y="1039320"/>
+            <a:chExt cx="3112560" cy="3463200"/>
+          </a:xfrm>
+        </p:grpSpPr>
+        <p:sp>
+          <p:nvSpPr>
+            <p:cNvPr id="130" name="CustomShape 6"/>
+            <p:cNvSpPr/>
+            <p:nvPr/>
+          </p:nvSpPr>
+          <p:spPr>
+            <a:xfrm>
+              <a:off x="9710280" y="2874960"/>
+              <a:ext cx="772920" cy="666360"/>
+            </a:xfrm>
+            <a:custGeom>
+              <a:avLst/>
+              <a:gdLst/>
+              <a:ahLst/>
+              <a:rect l="l" t="t" r="r" b="b"/>
+              <a:pathLst>
+                <a:path w="774700" h="668020">
+                  <a:moveTo>
+                    <a:pt x="0" y="333756"/>
+                  </a:moveTo>
+                  <a:lnTo>
+                    <a:pt x="3534" y="288478"/>
+                  </a:lnTo>
+                  <a:lnTo>
+                    <a:pt x="13830" y="245048"/>
+                  </a:lnTo>
+                  <a:lnTo>
+                    <a:pt x="30426" y="203864"/>
+                  </a:lnTo>
+                  <a:lnTo>
+                    <a:pt x="52860" y="165325"/>
+                  </a:lnTo>
+                  <a:lnTo>
+                    <a:pt x="80670" y="129829"/>
+                  </a:lnTo>
+                  <a:lnTo>
+                    <a:pt x="113395" y="97774"/>
+                  </a:lnTo>
+                  <a:lnTo>
+                    <a:pt x="150572" y="69557"/>
+                  </a:lnTo>
+                  <a:lnTo>
+                    <a:pt x="191741" y="45578"/>
+                  </a:lnTo>
+                  <a:lnTo>
+                    <a:pt x="236440" y="26235"/>
+                  </a:lnTo>
+                  <a:lnTo>
+                    <a:pt x="284206" y="11925"/>
+                  </a:lnTo>
+                  <a:lnTo>
+                    <a:pt x="334579" y="3047"/>
+                  </a:lnTo>
+                  <a:lnTo>
+                    <a:pt x="387095" y="0"/>
+                  </a:lnTo>
+                  <a:lnTo>
+                    <a:pt x="439612" y="3047"/>
+                  </a:lnTo>
+                  <a:lnTo>
+                    <a:pt x="489985" y="11925"/>
+                  </a:lnTo>
+                  <a:lnTo>
+                    <a:pt x="537751" y="26235"/>
+                  </a:lnTo>
+                  <a:lnTo>
+                    <a:pt x="582450" y="45578"/>
+                  </a:lnTo>
+                  <a:lnTo>
+                    <a:pt x="623619" y="69557"/>
+                  </a:lnTo>
+                  <a:lnTo>
+                    <a:pt x="660796" y="97774"/>
+                  </a:lnTo>
+                  <a:lnTo>
+                    <a:pt x="693521" y="129829"/>
+                  </a:lnTo>
+                  <a:lnTo>
+                    <a:pt x="721331" y="165325"/>
+                  </a:lnTo>
+                  <a:lnTo>
+                    <a:pt x="743765" y="203864"/>
+                  </a:lnTo>
+                  <a:lnTo>
+                    <a:pt x="760361" y="245048"/>
+                  </a:lnTo>
+                  <a:lnTo>
+                    <a:pt x="770657" y="288478"/>
+                  </a:lnTo>
+                  <a:lnTo>
+                    <a:pt x="774191" y="333756"/>
+                  </a:lnTo>
+                  <a:lnTo>
+                    <a:pt x="770657" y="379033"/>
+                  </a:lnTo>
+                  <a:lnTo>
+                    <a:pt x="760361" y="422463"/>
+                  </a:lnTo>
+                  <a:lnTo>
+                    <a:pt x="743765" y="463647"/>
+                  </a:lnTo>
+                  <a:lnTo>
+                    <a:pt x="721331" y="502186"/>
+                  </a:lnTo>
+                  <a:lnTo>
+                    <a:pt x="693521" y="537682"/>
+                  </a:lnTo>
+                  <a:lnTo>
+                    <a:pt x="660796" y="569737"/>
+                  </a:lnTo>
+                  <a:lnTo>
+                    <a:pt x="623619" y="597954"/>
+                  </a:lnTo>
+                  <a:lnTo>
+                    <a:pt x="582450" y="621933"/>
+                  </a:lnTo>
+                  <a:lnTo>
+                    <a:pt x="537751" y="641276"/>
+                  </a:lnTo>
+                  <a:lnTo>
+                    <a:pt x="489985" y="655586"/>
+                  </a:lnTo>
+                  <a:lnTo>
+                    <a:pt x="439612" y="664464"/>
+                  </a:lnTo>
+                  <a:lnTo>
+                    <a:pt x="387095" y="667512"/>
+                  </a:lnTo>
+                  <a:lnTo>
+                    <a:pt x="334579" y="664464"/>
+                  </a:lnTo>
+                  <a:lnTo>
+                    <a:pt x="284206" y="655586"/>
+                  </a:lnTo>
+                  <a:lnTo>
+                    <a:pt x="236440" y="641276"/>
+                  </a:lnTo>
+                  <a:lnTo>
+                    <a:pt x="191741" y="621933"/>
+                  </a:lnTo>
+                  <a:lnTo>
+                    <a:pt x="150572" y="597954"/>
+                  </a:lnTo>
+                  <a:lnTo>
+                    <a:pt x="113395" y="569737"/>
+                  </a:lnTo>
+                  <a:lnTo>
+                    <a:pt x="80670" y="537682"/>
+                  </a:lnTo>
+                  <a:lnTo>
+                    <a:pt x="52860" y="502186"/>
+                  </a:lnTo>
+                  <a:lnTo>
+                    <a:pt x="30426" y="463647"/>
+                  </a:lnTo>
+                  <a:lnTo>
+                    <a:pt x="13830" y="422463"/>
+                  </a:lnTo>
+                  <a:lnTo>
+                    <a:pt x="3534" y="379033"/>
+                  </a:lnTo>
+                  <a:lnTo>
+                    <a:pt x="0" y="333756"/>
+                  </a:lnTo>
+                  <a:close/>
+                </a:path>
+              </a:pathLst>
+            </a:custGeom>
+            <a:noFill/>
+            <a:ln w="34920">
+              <a:solidFill>
+                <a:srgbClr val="c61c43"/>
+              </a:solidFill>
+              <a:round/>
+            </a:ln>
+          </p:spPr>
+          <p:style>
+            <a:lnRef idx="0"/>
+            <a:fillRef idx="0"/>
+            <a:effectRef idx="0"/>
+            <a:fontRef idx="minor"/>
+          </p:style>
+        </p:sp>
+        <p:sp>
+          <p:nvSpPr>
+            <p:cNvPr id="131" name="CustomShape 7"/>
+            <p:cNvSpPr/>
+            <p:nvPr/>
+          </p:nvSpPr>
+          <p:spPr>
+            <a:xfrm>
+              <a:off x="8679960" y="4047120"/>
+              <a:ext cx="594360" cy="455400"/>
+            </a:xfrm>
+            <a:custGeom>
+              <a:avLst/>
+              <a:gdLst/>
+              <a:ahLst/>
+              <a:rect l="l" t="t" r="r" b="b"/>
+              <a:pathLst>
+                <a:path w="596265" h="457200">
+                  <a:moveTo>
+                    <a:pt x="0" y="228600"/>
+                  </a:moveTo>
+                  <a:lnTo>
+                    <a:pt x="4798" y="187512"/>
+                  </a:lnTo>
+                  <a:lnTo>
+                    <a:pt x="18635" y="148839"/>
+                  </a:lnTo>
+                  <a:lnTo>
+                    <a:pt x="40668" y="113227"/>
+                  </a:lnTo>
+                  <a:lnTo>
+                    <a:pt x="70058" y="81321"/>
+                  </a:lnTo>
+                  <a:lnTo>
+                    <a:pt x="105963" y="53768"/>
+                  </a:lnTo>
+                  <a:lnTo>
+                    <a:pt x="147545" y="31213"/>
+                  </a:lnTo>
+                  <a:lnTo>
+                    <a:pt x="193962" y="14303"/>
+                  </a:lnTo>
+                  <a:lnTo>
+                    <a:pt x="244375" y="3683"/>
+                  </a:lnTo>
+                  <a:lnTo>
+                    <a:pt x="297941" y="0"/>
+                  </a:lnTo>
+                  <a:lnTo>
+                    <a:pt x="351508" y="3683"/>
+                  </a:lnTo>
+                  <a:lnTo>
+                    <a:pt x="401921" y="14303"/>
+                  </a:lnTo>
+                  <a:lnTo>
+                    <a:pt x="448338" y="31213"/>
+                  </a:lnTo>
+                  <a:lnTo>
+                    <a:pt x="489920" y="53768"/>
+                  </a:lnTo>
+                  <a:lnTo>
+                    <a:pt x="525825" y="81321"/>
+                  </a:lnTo>
+                  <a:lnTo>
+                    <a:pt x="555215" y="113227"/>
+                  </a:lnTo>
+                  <a:lnTo>
+                    <a:pt x="577248" y="148839"/>
+                  </a:lnTo>
+                  <a:lnTo>
+                    <a:pt x="591085" y="187512"/>
+                  </a:lnTo>
+                  <a:lnTo>
+                    <a:pt x="595883" y="228600"/>
+                  </a:lnTo>
+                  <a:lnTo>
+                    <a:pt x="591085" y="269687"/>
+                  </a:lnTo>
+                  <a:lnTo>
+                    <a:pt x="577248" y="308360"/>
+                  </a:lnTo>
+                  <a:lnTo>
+                    <a:pt x="555215" y="343972"/>
+                  </a:lnTo>
+                  <a:lnTo>
+                    <a:pt x="525825" y="375878"/>
+                  </a:lnTo>
+                  <a:lnTo>
+                    <a:pt x="489920" y="403431"/>
+                  </a:lnTo>
+                  <a:lnTo>
+                    <a:pt x="448338" y="425986"/>
+                  </a:lnTo>
+                  <a:lnTo>
+                    <a:pt x="401921" y="442896"/>
+                  </a:lnTo>
+                  <a:lnTo>
+                    <a:pt x="351508" y="453516"/>
+                  </a:lnTo>
+                  <a:lnTo>
+                    <a:pt x="297941" y="457200"/>
+                  </a:lnTo>
+                  <a:lnTo>
+                    <a:pt x="244375" y="453516"/>
+                  </a:lnTo>
+                  <a:lnTo>
+                    <a:pt x="193962" y="442896"/>
+                  </a:lnTo>
+                  <a:lnTo>
+                    <a:pt x="147545" y="425986"/>
+                  </a:lnTo>
+                  <a:lnTo>
+                    <a:pt x="105963" y="403431"/>
+                  </a:lnTo>
+                  <a:lnTo>
+                    <a:pt x="70058" y="375878"/>
+                  </a:lnTo>
+                  <a:lnTo>
+                    <a:pt x="40668" y="343972"/>
+                  </a:lnTo>
+                  <a:lnTo>
+                    <a:pt x="18635" y="308360"/>
+                  </a:lnTo>
+                  <a:lnTo>
+                    <a:pt x="4798" y="269687"/>
+                  </a:lnTo>
+                  <a:lnTo>
+                    <a:pt x="0" y="228600"/>
+                  </a:lnTo>
+                  <a:close/>
+                </a:path>
+              </a:pathLst>
+            </a:custGeom>
+            <a:noFill/>
+            <a:ln w="34920">
+              <a:solidFill>
+                <a:srgbClr val="dd338e"/>
+              </a:solidFill>
+              <a:round/>
+            </a:ln>
+          </p:spPr>
+          <p:style>
+            <a:lnRef idx="0"/>
+            <a:fillRef idx="0"/>
+            <a:effectRef idx="0"/>
+            <a:fontRef idx="minor"/>
+          </p:style>
+        </p:sp>
+        <p:pic>
+          <p:nvPicPr>
+            <p:cNvPr id="132" name="object 11" descr=""/>
+            <p:cNvPicPr/>
+            <p:nvPr/>
+          </p:nvPicPr>
+          <p:blipFill>
+            <a:blip r:embed="rId3"/>
+            <a:stretch/>
+          </p:blipFill>
+          <p:spPr>
+            <a:xfrm>
+              <a:off x="11026080" y="1039320"/>
+              <a:ext cx="766440" cy="766440"/>
+            </a:xfrm>
+            <a:prstGeom prst="rect">
+              <a:avLst/>
+            </a:prstGeom>
+            <a:ln>
+              <a:noFill/>
+            </a:ln>
+          </p:spPr>
+        </p:pic>
+      </p:grpSp>
+    </p:spTree>
+  </p:cSld>
+  <mc:AlternateContent>
+    <mc:Choice Requires="p14">
+      <p:transition spd="slow" p14:dur="2000"/>
+    </mc:Choice>
+    <mc:Fallback>
+      <p:transition spd="slow"/>
+    </mc:Fallback>
+  </mc:AlternateContent>
+</p:sld>
+</file>
+
+<file path=ppt/slides/slide4.xml><?xml version="1.0" encoding="utf-8"?>
+<p:sld xmlns:a="http://schemas.openxmlformats.org/drawingml/2006/main" xmlns:p="http://schemas.openxmlformats.org/presentationml/2006/main" xmlns:r="http://schemas.openxmlformats.org/officeDocument/2006/relationships" xmlns:p14="http://schemas.microsoft.com/office/powerpoint/2010/main" xmlns:p15="http://schemas.microsoft.com/office/powerpoint/2012/main" xmlns:mc="http://schemas.openxmlformats.org/markup-compatibility/2006">
+  <p:cSld>
+    <p:spTree>
+      <p:nvGrpSpPr>
+        <p:cNvPr id="1" name=""/>
+        <p:cNvGrpSpPr/>
+        <p:nvPr/>
+      </p:nvGrpSpPr>
+      <p:grpSpPr>
+        <a:xfrm>
+          <a:off x="0" y="0"/>
+          <a:ext cx="0" cy="0"/>
+          <a:chOff x="0" y="0"/>
+          <a:chExt cx="0" cy="0"/>
+        </a:xfrm>
+      </p:grpSpPr>
+      <p:pic>
+        <p:nvPicPr>
+          <p:cNvPr id="133" name="object 2" descr=""/>
+          <p:cNvPicPr/>
+          <p:nvPr/>
+        </p:nvPicPr>
+        <p:blipFill>
+          <a:blip r:embed="rId1"/>
+          <a:stretch/>
+        </p:blipFill>
+        <p:spPr>
+          <a:xfrm>
+            <a:off x="11410200" y="6080760"/>
+            <a:ext cx="624600" cy="624600"/>
+          </a:xfrm>
+          <a:prstGeom prst="rect">
+            <a:avLst/>
+          </a:prstGeom>
+          <a:ln>
+            <a:noFill/>
+          </a:ln>
+        </p:spPr>
+      </p:pic>
+      <p:sp>
+        <p:nvSpPr>
+          <p:cNvPr id="134" name="CustomShape 1"/>
+          <p:cNvSpPr/>
+          <p:nvPr/>
+        </p:nvSpPr>
+        <p:spPr>
+          <a:xfrm>
+            <a:off x="0" y="0"/>
+            <a:ext cx="12190320" cy="2352960"/>
+          </a:xfrm>
+          <a:custGeom>
+            <a:avLst/>
+            <a:gdLst/>
+            <a:ahLst/>
+            <a:rect l="l" t="t" r="r" b="b"/>
+            <a:pathLst>
+              <a:path w="12192000" h="2354580">
+                <a:moveTo>
+                  <a:pt x="12192000" y="0"/>
+                </a:moveTo>
+                <a:lnTo>
+                  <a:pt x="0" y="0"/>
+                </a:lnTo>
+                <a:lnTo>
+                  <a:pt x="0" y="696468"/>
+                </a:lnTo>
+                <a:lnTo>
+                  <a:pt x="0" y="2354580"/>
+                </a:lnTo>
+                <a:lnTo>
+                  <a:pt x="12191987" y="699985"/>
+                </a:lnTo>
+                <a:lnTo>
+                  <a:pt x="12192000" y="696468"/>
+                </a:lnTo>
+                <a:lnTo>
+                  <a:pt x="12192000" y="0"/>
+                </a:lnTo>
+                <a:close/>
+              </a:path>
+            </a:pathLst>
+          </a:custGeom>
+          <a:solidFill>
+            <a:srgbClr val="c61c43"/>
+          </a:solidFill>
+          <a:ln>
+            <a:noFill/>
+          </a:ln>
+        </p:spPr>
+        <p:style>
+          <a:lnRef idx="0"/>
+          <a:fillRef idx="0"/>
+          <a:effectRef idx="0"/>
+          <a:fontRef idx="minor"/>
+        </p:style>
+      </p:sp>
+      <p:sp>
+        <p:nvSpPr>
+          <p:cNvPr id="135" name="CustomShape 2"/>
+          <p:cNvSpPr/>
+          <p:nvPr/>
+        </p:nvSpPr>
+        <p:spPr>
+          <a:xfrm>
+            <a:off x="1316880" y="484200"/>
+            <a:ext cx="2662560" cy="1230120"/>
+          </a:xfrm>
+          <a:prstGeom prst="rect">
+            <a:avLst/>
+          </a:prstGeom>
+          <a:noFill/>
+          <a:ln>
+            <a:noFill/>
+          </a:ln>
+        </p:spPr>
+        <p:style>
+          <a:lnRef idx="0"/>
+          <a:fillRef idx="0"/>
+          <a:effectRef idx="0"/>
+          <a:fontRef idx="minor"/>
+        </p:style>
+        <p:txBody>
+          <a:bodyPr lIns="0" rIns="0" tIns="12240" bIns="0">
+            <a:noAutofit/>
+          </a:bodyPr>
+          <a:p>
+            <a:pPr marL="12600">
+              <a:lnSpc>
+                <a:spcPct val="100000"/>
+              </a:lnSpc>
+              <a:spcBef>
+                <a:spcPts val="96"/>
+              </a:spcBef>
+            </a:pPr>
+            <a:r>
+              <a:rPr b="1" lang="en-IN" sz="4000" spc="-12" strike="noStrike">
+                <a:solidFill>
+                  <a:srgbClr val="ffffff"/>
+                </a:solidFill>
+                <a:latin typeface="Calibri"/>
+                <a:ea typeface="DejaVu Sans"/>
+              </a:rPr>
+              <a:t>Our</a:t>
+            </a:r>
+            <a:r>
+              <a:rPr b="1" lang="en-IN" sz="4000" spc="-66" strike="noStrike">
+                <a:solidFill>
+                  <a:srgbClr val="ffffff"/>
+                </a:solidFill>
+                <a:latin typeface="Calibri"/>
+                <a:ea typeface="DejaVu Sans"/>
+              </a:rPr>
+              <a:t> </a:t>
+            </a:r>
+            <a:r>
+              <a:rPr b="1" lang="en-IN" sz="4000" spc="-12" strike="noStrike">
+                <a:solidFill>
+                  <a:srgbClr val="ffffff"/>
+                </a:solidFill>
+                <a:latin typeface="Calibri"/>
+                <a:ea typeface="DejaVu Sans"/>
+              </a:rPr>
+              <a:t>Concept</a:t>
+            </a:r>
+            <a:endParaRPr b="0" lang="en-IN" sz="4000" spc="-1" strike="noStrike">
+              <a:latin typeface="Arial"/>
+            </a:endParaRPr>
+          </a:p>
+        </p:txBody>
+      </p:sp>
+      <p:grpSp>
+        <p:nvGrpSpPr>
+          <p:cNvPr id="136" name="Group 3"/>
+          <p:cNvGrpSpPr/>
+          <p:nvPr/>
+        </p:nvGrpSpPr>
+        <p:grpSpPr>
+          <a:xfrm>
+            <a:off x="77760" y="1405080"/>
+            <a:ext cx="7810200" cy="5380920"/>
+            <a:chOff x="77760" y="1405080"/>
+            <a:chExt cx="7810200" cy="5380920"/>
+          </a:xfrm>
+        </p:grpSpPr>
+        <p:pic>
+          <p:nvPicPr>
+            <p:cNvPr id="137" name="object 6" descr=""/>
+            <p:cNvPicPr/>
+            <p:nvPr/>
+          </p:nvPicPr>
+          <p:blipFill>
+            <a:blip r:embed="rId2"/>
+            <a:stretch/>
+          </p:blipFill>
+          <p:spPr>
+            <a:xfrm>
+              <a:off x="77760" y="1577160"/>
+              <a:ext cx="2631600" cy="4370400"/>
+            </a:xfrm>
+            <a:prstGeom prst="rect">
+              <a:avLst/>
+            </a:prstGeom>
+            <a:ln>
+              <a:noFill/>
+            </a:ln>
+          </p:spPr>
+        </p:pic>
+        <p:pic>
+          <p:nvPicPr>
+            <p:cNvPr id="138" name="object 7" descr=""/>
+            <p:cNvPicPr/>
+            <p:nvPr/>
+          </p:nvPicPr>
+          <p:blipFill>
+            <a:blip r:embed="rId3"/>
+            <a:stretch/>
+          </p:blipFill>
+          <p:spPr>
+            <a:xfrm>
+              <a:off x="4997160" y="1405080"/>
+              <a:ext cx="2890800" cy="5380920"/>
+            </a:xfrm>
+            <a:prstGeom prst="rect">
+              <a:avLst/>
+            </a:prstGeom>
+            <a:ln>
+              <a:noFill/>
+            </a:ln>
+          </p:spPr>
+        </p:pic>
+        <p:sp>
+          <p:nvSpPr>
+            <p:cNvPr id="139" name="CustomShape 4"/>
+            <p:cNvSpPr/>
+            <p:nvPr/>
+          </p:nvSpPr>
+          <p:spPr>
+            <a:xfrm>
+              <a:off x="1582560" y="2841480"/>
+              <a:ext cx="873360" cy="916920"/>
+            </a:xfrm>
+            <a:custGeom>
+              <a:avLst/>
+              <a:gdLst/>
+              <a:ahLst/>
+              <a:rect l="l" t="t" r="r" b="b"/>
+              <a:pathLst>
+                <a:path w="875030" h="918845">
+                  <a:moveTo>
+                    <a:pt x="0" y="459486"/>
+                  </a:moveTo>
+                  <a:lnTo>
+                    <a:pt x="2031" y="415163"/>
+                  </a:lnTo>
+                  <a:lnTo>
+                    <a:pt x="7873" y="372110"/>
+                  </a:lnTo>
+                  <a:lnTo>
+                    <a:pt x="17525" y="330453"/>
+                  </a:lnTo>
+                  <a:lnTo>
+                    <a:pt x="30606" y="290322"/>
+                  </a:lnTo>
+                  <a:lnTo>
+                    <a:pt x="46989" y="252094"/>
+                  </a:lnTo>
+                  <a:lnTo>
+                    <a:pt x="66548" y="215646"/>
+                  </a:lnTo>
+                  <a:lnTo>
+                    <a:pt x="89153" y="181482"/>
+                  </a:lnTo>
+                  <a:lnTo>
+                    <a:pt x="114426" y="149605"/>
+                  </a:lnTo>
+                  <a:lnTo>
+                    <a:pt x="142367" y="120268"/>
+                  </a:lnTo>
+                  <a:lnTo>
+                    <a:pt x="172719" y="93599"/>
+                  </a:lnTo>
+                  <a:lnTo>
+                    <a:pt x="205358" y="69976"/>
+                  </a:lnTo>
+                  <a:lnTo>
+                    <a:pt x="239902" y="49402"/>
+                  </a:lnTo>
+                  <a:lnTo>
+                    <a:pt x="276478" y="32130"/>
+                  </a:lnTo>
+                  <a:lnTo>
+                    <a:pt x="314578" y="18414"/>
+                  </a:lnTo>
+                  <a:lnTo>
+                    <a:pt x="354330" y="8254"/>
+                  </a:lnTo>
+                  <a:lnTo>
+                    <a:pt x="395224" y="2159"/>
+                  </a:lnTo>
+                  <a:lnTo>
+                    <a:pt x="437388" y="0"/>
+                  </a:lnTo>
+                  <a:lnTo>
+                    <a:pt x="479551" y="2159"/>
+                  </a:lnTo>
+                  <a:lnTo>
+                    <a:pt x="520445" y="8254"/>
+                  </a:lnTo>
+                  <a:lnTo>
+                    <a:pt x="560196" y="18414"/>
+                  </a:lnTo>
+                  <a:lnTo>
+                    <a:pt x="598296" y="32130"/>
+                  </a:lnTo>
+                  <a:lnTo>
+                    <a:pt x="634873" y="49402"/>
+                  </a:lnTo>
+                  <a:lnTo>
+                    <a:pt x="669417" y="69976"/>
+                  </a:lnTo>
+                  <a:lnTo>
+                    <a:pt x="702056" y="93599"/>
+                  </a:lnTo>
+                  <a:lnTo>
+                    <a:pt x="732408" y="120268"/>
+                  </a:lnTo>
+                  <a:lnTo>
+                    <a:pt x="760349" y="149605"/>
+                  </a:lnTo>
+                  <a:lnTo>
+                    <a:pt x="785621" y="181482"/>
+                  </a:lnTo>
+                  <a:lnTo>
+                    <a:pt x="808227" y="215646"/>
+                  </a:lnTo>
+                  <a:lnTo>
+                    <a:pt x="827786" y="252094"/>
+                  </a:lnTo>
+                  <a:lnTo>
+                    <a:pt x="844169" y="290322"/>
+                  </a:lnTo>
+                  <a:lnTo>
+                    <a:pt x="857250" y="330453"/>
+                  </a:lnTo>
+                  <a:lnTo>
+                    <a:pt x="866901" y="372110"/>
+                  </a:lnTo>
+                  <a:lnTo>
+                    <a:pt x="872744" y="415163"/>
+                  </a:lnTo>
+                  <a:lnTo>
+                    <a:pt x="874776" y="459486"/>
+                  </a:lnTo>
+                  <a:lnTo>
+                    <a:pt x="872744" y="503681"/>
+                  </a:lnTo>
+                  <a:lnTo>
+                    <a:pt x="866901" y="546735"/>
+                  </a:lnTo>
+                  <a:lnTo>
+                    <a:pt x="857250" y="588390"/>
+                  </a:lnTo>
+                  <a:lnTo>
+                    <a:pt x="844169" y="628523"/>
+                  </a:lnTo>
+                  <a:lnTo>
+                    <a:pt x="827786" y="666876"/>
+                  </a:lnTo>
+                  <a:lnTo>
+                    <a:pt x="808227" y="703199"/>
+                  </a:lnTo>
+                  <a:lnTo>
+                    <a:pt x="785621" y="737362"/>
+                  </a:lnTo>
+                  <a:lnTo>
+                    <a:pt x="760349" y="769238"/>
+                  </a:lnTo>
+                  <a:lnTo>
+                    <a:pt x="732408" y="798576"/>
+                  </a:lnTo>
+                  <a:lnTo>
+                    <a:pt x="702056" y="825245"/>
+                  </a:lnTo>
+                  <a:lnTo>
+                    <a:pt x="669417" y="848868"/>
+                  </a:lnTo>
+                  <a:lnTo>
+                    <a:pt x="634873" y="869441"/>
+                  </a:lnTo>
+                  <a:lnTo>
+                    <a:pt x="598296" y="886713"/>
+                  </a:lnTo>
+                  <a:lnTo>
+                    <a:pt x="560196" y="900557"/>
+                  </a:lnTo>
+                  <a:lnTo>
+                    <a:pt x="520445" y="910589"/>
+                  </a:lnTo>
+                  <a:lnTo>
+                    <a:pt x="479551" y="916813"/>
+                  </a:lnTo>
+                  <a:lnTo>
+                    <a:pt x="437388" y="918844"/>
+                  </a:lnTo>
+                  <a:lnTo>
+                    <a:pt x="395224" y="916813"/>
+                  </a:lnTo>
+                  <a:lnTo>
+                    <a:pt x="354330" y="910589"/>
+                  </a:lnTo>
+                  <a:lnTo>
+                    <a:pt x="314578" y="900557"/>
+                  </a:lnTo>
+                  <a:lnTo>
+                    <a:pt x="276478" y="886713"/>
+                  </a:lnTo>
+                  <a:lnTo>
+                    <a:pt x="239902" y="869441"/>
+                  </a:lnTo>
+                  <a:lnTo>
+                    <a:pt x="205358" y="848868"/>
+                  </a:lnTo>
+                  <a:lnTo>
+                    <a:pt x="172719" y="825245"/>
+                  </a:lnTo>
+                  <a:lnTo>
+                    <a:pt x="142367" y="798576"/>
+                  </a:lnTo>
+                  <a:lnTo>
+                    <a:pt x="114426" y="769238"/>
+                  </a:lnTo>
+                  <a:lnTo>
+                    <a:pt x="89153" y="737362"/>
+                  </a:lnTo>
+                  <a:lnTo>
+                    <a:pt x="66548" y="703199"/>
+                  </a:lnTo>
+                  <a:lnTo>
+                    <a:pt x="46989" y="666876"/>
+                  </a:lnTo>
+                  <a:lnTo>
+                    <a:pt x="30606" y="628523"/>
+                  </a:lnTo>
+                  <a:lnTo>
+                    <a:pt x="17525" y="588390"/>
+                  </a:lnTo>
+                  <a:lnTo>
+                    <a:pt x="7873" y="546735"/>
+                  </a:lnTo>
+                  <a:lnTo>
+                    <a:pt x="2031" y="503681"/>
+                  </a:lnTo>
+                  <a:lnTo>
+                    <a:pt x="0" y="459486"/>
+                  </a:lnTo>
+                  <a:close/>
+                </a:path>
+              </a:pathLst>
+            </a:custGeom>
+            <a:noFill/>
+            <a:ln w="34920">
+              <a:solidFill>
+                <a:srgbClr val="dd338e"/>
+              </a:solidFill>
+              <a:round/>
+            </a:ln>
+          </p:spPr>
+          <p:style>
+            <a:lnRef idx="0"/>
+            <a:fillRef idx="0"/>
+            <a:effectRef idx="0"/>
+            <a:fontRef idx="minor"/>
+          </p:style>
+        </p:sp>
+      </p:grpSp>
+      <p:sp>
+        <p:nvSpPr>
+          <p:cNvPr id="140" name="CustomShape 5"/>
+          <p:cNvSpPr/>
+          <p:nvPr/>
+        </p:nvSpPr>
+        <p:spPr>
+          <a:xfrm>
+            <a:off x="2714760" y="3563640"/>
+            <a:ext cx="2445480" cy="1318320"/>
+          </a:xfrm>
+          <a:prstGeom prst="rect">
+            <a:avLst/>
+          </a:prstGeom>
+          <a:noFill/>
+          <a:ln>
+            <a:noFill/>
+          </a:ln>
+        </p:spPr>
+        <p:style>
+          <a:lnRef idx="0"/>
+          <a:fillRef idx="0"/>
+          <a:effectRef idx="0"/>
+          <a:fontRef idx="minor"/>
+        </p:style>
+        <p:txBody>
+          <a:bodyPr lIns="0" rIns="0" tIns="25920" bIns="0">
+            <a:spAutoFit/>
+          </a:bodyPr>
+          <a:p>
+            <a:pPr marL="343080" algn="just">
+              <a:lnSpc>
+                <a:spcPct val="100000"/>
+              </a:lnSpc>
+              <a:spcBef>
+                <a:spcPts val="204"/>
+              </a:spcBef>
+            </a:pPr>
+            <a:r>
+              <a:rPr b="0" lang="en-IN" sz="1400" spc="-26" strike="noStrike">
+                <a:solidFill>
+                  <a:srgbClr val="000000"/>
+                </a:solidFill>
+                <a:latin typeface="Calibri"/>
+                <a:ea typeface="DejaVu Sans"/>
+              </a:rPr>
+              <a:t>G</a:t>
+            </a:r>
+            <a:r>
+              <a:rPr b="0" lang="en-IN" sz="1400" spc="-41" strike="noStrike">
+                <a:solidFill>
+                  <a:srgbClr val="000000"/>
+                </a:solidFill>
+                <a:latin typeface="Calibri"/>
+                <a:ea typeface="DejaVu Sans"/>
+              </a:rPr>
+              <a:t>e</a:t>
+            </a:r>
+            <a:r>
+              <a:rPr b="0" lang="en-IN" sz="1400" spc="-1" strike="noStrike">
+                <a:solidFill>
+                  <a:srgbClr val="000000"/>
+                </a:solidFill>
+                <a:latin typeface="Calibri"/>
+                <a:ea typeface="DejaVu Sans"/>
+              </a:rPr>
+              <a:t>t</a:t>
+            </a:r>
+            <a:r>
+              <a:rPr b="0" lang="en-IN" sz="1400" spc="-55" strike="noStrike">
+                <a:solidFill>
+                  <a:srgbClr val="000000"/>
+                </a:solidFill>
+                <a:latin typeface="Calibri"/>
+                <a:ea typeface="DejaVu Sans"/>
+              </a:rPr>
+              <a:t> </a:t>
+            </a:r>
+            <a:r>
+              <a:rPr b="0" lang="en-IN" sz="1400" spc="-46" strike="noStrike">
+                <a:solidFill>
+                  <a:srgbClr val="000000"/>
+                </a:solidFill>
+                <a:latin typeface="Calibri"/>
+                <a:ea typeface="DejaVu Sans"/>
+              </a:rPr>
+              <a:t>m</a:t>
+            </a:r>
+            <a:r>
+              <a:rPr b="0" lang="en-IN" sz="1400" spc="-52" strike="noStrike">
+                <a:solidFill>
+                  <a:srgbClr val="000000"/>
+                </a:solidFill>
+                <a:latin typeface="Calibri"/>
+                <a:ea typeface="DejaVu Sans"/>
+              </a:rPr>
+              <a:t>a</a:t>
+            </a:r>
+            <a:r>
+              <a:rPr b="0" lang="en-IN" sz="1400" spc="-55" strike="noStrike">
+                <a:solidFill>
+                  <a:srgbClr val="000000"/>
+                </a:solidFill>
+                <a:latin typeface="Calibri"/>
+                <a:ea typeface="DejaVu Sans"/>
+              </a:rPr>
+              <a:t>t</a:t>
+            </a:r>
+            <a:r>
+              <a:rPr b="0" lang="en-IN" sz="1400" spc="-46" strike="noStrike">
+                <a:solidFill>
+                  <a:srgbClr val="000000"/>
+                </a:solidFill>
+                <a:latin typeface="Calibri"/>
+                <a:ea typeface="DejaVu Sans"/>
+              </a:rPr>
+              <a:t>ch</a:t>
+            </a:r>
+            <a:r>
+              <a:rPr b="0" lang="en-IN" sz="1400" spc="-41" strike="noStrike">
+                <a:solidFill>
+                  <a:srgbClr val="000000"/>
+                </a:solidFill>
+                <a:latin typeface="Calibri"/>
+                <a:ea typeface="DejaVu Sans"/>
+              </a:rPr>
+              <a:t>e</a:t>
+            </a:r>
+            <a:r>
+              <a:rPr b="0" lang="en-IN" sz="1400" spc="-1" strike="noStrike">
+                <a:solidFill>
+                  <a:srgbClr val="000000"/>
+                </a:solidFill>
+                <a:latin typeface="Calibri"/>
+                <a:ea typeface="DejaVu Sans"/>
+              </a:rPr>
+              <a:t>s</a:t>
+            </a:r>
+            <a:r>
+              <a:rPr b="0" lang="en-IN" sz="1400" spc="-35" strike="noStrike">
+                <a:solidFill>
+                  <a:srgbClr val="000000"/>
+                </a:solidFill>
+                <a:latin typeface="Calibri"/>
+                <a:ea typeface="DejaVu Sans"/>
+              </a:rPr>
+              <a:t> </a:t>
+            </a:r>
+            <a:r>
+              <a:rPr b="0" lang="en-IN" sz="1400" spc="-21" strike="noStrike">
+                <a:solidFill>
+                  <a:srgbClr val="000000"/>
+                </a:solidFill>
+                <a:latin typeface="Calibri"/>
+                <a:ea typeface="DejaVu Sans"/>
+              </a:rPr>
+              <a:t>f</a:t>
+            </a:r>
+            <a:r>
+              <a:rPr b="0" lang="en-IN" sz="1400" spc="-52" strike="noStrike">
+                <a:solidFill>
+                  <a:srgbClr val="000000"/>
+                </a:solidFill>
+                <a:latin typeface="Calibri"/>
+                <a:ea typeface="DejaVu Sans"/>
+              </a:rPr>
+              <a:t>r</a:t>
+            </a:r>
+            <a:r>
+              <a:rPr b="0" lang="en-IN" sz="1400" spc="-26" strike="noStrike">
+                <a:solidFill>
+                  <a:srgbClr val="000000"/>
+                </a:solidFill>
+                <a:latin typeface="Calibri"/>
+                <a:ea typeface="DejaVu Sans"/>
+              </a:rPr>
+              <a:t>o</a:t>
+            </a:r>
+            <a:r>
+              <a:rPr b="0" lang="en-IN" sz="1400" spc="-1" strike="noStrike">
+                <a:solidFill>
+                  <a:srgbClr val="000000"/>
+                </a:solidFill>
+                <a:latin typeface="Calibri"/>
+                <a:ea typeface="DejaVu Sans"/>
+              </a:rPr>
+              <a:t>m</a:t>
+            </a:r>
+            <a:r>
+              <a:rPr b="0" lang="en-IN" sz="1400" spc="-97" strike="noStrike">
+                <a:solidFill>
+                  <a:srgbClr val="000000"/>
+                </a:solidFill>
+                <a:latin typeface="Calibri"/>
+                <a:ea typeface="DejaVu Sans"/>
+              </a:rPr>
+              <a:t> </a:t>
+            </a:r>
+            <a:r>
+              <a:rPr b="0" lang="en-IN" sz="1400" spc="-21" strike="noStrike">
+                <a:solidFill>
+                  <a:srgbClr val="000000"/>
+                </a:solidFill>
+                <a:latin typeface="Calibri"/>
+                <a:ea typeface="DejaVu Sans"/>
+              </a:rPr>
+              <a:t>f</a:t>
+            </a:r>
+            <a:r>
+              <a:rPr b="0" lang="en-IN" sz="1400" spc="-26" strike="noStrike">
+                <a:solidFill>
+                  <a:srgbClr val="000000"/>
+                </a:solidFill>
+                <a:latin typeface="Calibri"/>
+                <a:ea typeface="DejaVu Sans"/>
+              </a:rPr>
+              <a:t>ri</a:t>
+            </a:r>
+            <a:r>
+              <a:rPr b="0" lang="en-IN" sz="1400" spc="-32" strike="noStrike">
+                <a:solidFill>
+                  <a:srgbClr val="000000"/>
+                </a:solidFill>
+                <a:latin typeface="Calibri"/>
+                <a:ea typeface="DejaVu Sans"/>
+              </a:rPr>
+              <a:t>end</a:t>
+            </a:r>
+            <a:r>
+              <a:rPr b="0" lang="en-IN" sz="1400" spc="-1" strike="noStrike">
+                <a:solidFill>
+                  <a:srgbClr val="000000"/>
+                </a:solidFill>
+                <a:latin typeface="Calibri"/>
+                <a:ea typeface="DejaVu Sans"/>
+              </a:rPr>
+              <a:t>s</a:t>
+            </a:r>
+            <a:endParaRPr b="0" lang="en-IN" sz="1400" spc="-1" strike="noStrike">
+              <a:latin typeface="Arial"/>
+            </a:endParaRPr>
+          </a:p>
+          <a:p>
+            <a:pPr marL="12600" indent="19800" algn="just">
+              <a:lnSpc>
+                <a:spcPct val="100000"/>
+              </a:lnSpc>
+              <a:spcBef>
+                <a:spcPts val="111"/>
+              </a:spcBef>
+              <a:tabLst>
+                <a:tab algn="l" pos="0"/>
+              </a:tabLst>
+            </a:pPr>
+            <a:r>
+              <a:rPr b="0" lang="en-IN" sz="1400" spc="-12" strike="noStrike">
+                <a:solidFill>
+                  <a:srgbClr val="000000"/>
+                </a:solidFill>
+                <a:latin typeface="Calibri"/>
+                <a:ea typeface="DejaVu Sans"/>
+              </a:rPr>
+              <a:t>Of </a:t>
+            </a:r>
+            <a:r>
+              <a:rPr b="0" lang="en-IN" sz="1400" spc="-26" strike="noStrike">
+                <a:solidFill>
+                  <a:srgbClr val="000000"/>
+                </a:solidFill>
+                <a:latin typeface="Calibri"/>
+                <a:ea typeface="DejaVu Sans"/>
+              </a:rPr>
+              <a:t>friends </a:t>
+            </a:r>
+            <a:r>
+              <a:rPr b="0" lang="en-IN" sz="1400" spc="-15" strike="noStrike">
+                <a:solidFill>
+                  <a:srgbClr val="000000"/>
+                </a:solidFill>
+                <a:latin typeface="Calibri"/>
+                <a:ea typeface="DejaVu Sans"/>
+              </a:rPr>
+              <a:t>or </a:t>
+            </a:r>
+            <a:r>
+              <a:rPr b="0" lang="en-IN" sz="1400" spc="-12" strike="noStrike">
+                <a:solidFill>
+                  <a:srgbClr val="000000"/>
+                </a:solidFill>
+                <a:latin typeface="Calibri"/>
+                <a:ea typeface="DejaVu Sans"/>
+              </a:rPr>
+              <a:t>Searchfor </a:t>
+            </a:r>
+            <a:r>
+              <a:rPr b="0" lang="en-IN" sz="1400" spc="-21" strike="noStrike">
+                <a:solidFill>
+                  <a:srgbClr val="000000"/>
+                </a:solidFill>
+                <a:latin typeface="Calibri"/>
+                <a:ea typeface="DejaVu Sans"/>
+              </a:rPr>
+              <a:t>the </a:t>
+            </a:r>
+            <a:r>
+              <a:rPr b="0" lang="en-IN" sz="1400" spc="-26" strike="noStrike">
+                <a:solidFill>
+                  <a:srgbClr val="000000"/>
+                </a:solidFill>
+                <a:latin typeface="Calibri"/>
+                <a:ea typeface="DejaVu Sans"/>
+              </a:rPr>
+              <a:t>people </a:t>
+            </a:r>
+            <a:r>
+              <a:rPr b="0" lang="en-IN" sz="1400" spc="-310" strike="noStrike">
+                <a:solidFill>
+                  <a:srgbClr val="000000"/>
+                </a:solidFill>
+                <a:latin typeface="Calibri"/>
+                <a:ea typeface="DejaVu Sans"/>
+              </a:rPr>
+              <a:t> </a:t>
+            </a:r>
+            <a:r>
+              <a:rPr b="0" lang="en-IN" sz="1400" spc="-41" strike="noStrike">
+                <a:solidFill>
+                  <a:srgbClr val="000000"/>
+                </a:solidFill>
+                <a:latin typeface="Calibri"/>
+                <a:ea typeface="DejaVu Sans"/>
+              </a:rPr>
+              <a:t>y</a:t>
+            </a:r>
+            <a:r>
+              <a:rPr b="0" lang="en-IN" sz="1400" spc="-26" strike="noStrike">
+                <a:solidFill>
+                  <a:srgbClr val="000000"/>
+                </a:solidFill>
+                <a:latin typeface="Calibri"/>
+                <a:ea typeface="DejaVu Sans"/>
+              </a:rPr>
+              <a:t>o</a:t>
+            </a:r>
+            <a:r>
+              <a:rPr b="0" lang="en-IN" sz="1400" spc="-1" strike="noStrike">
+                <a:solidFill>
+                  <a:srgbClr val="000000"/>
+                </a:solidFill>
+                <a:latin typeface="Calibri"/>
+                <a:ea typeface="DejaVu Sans"/>
+              </a:rPr>
+              <a:t>u</a:t>
+            </a:r>
+            <a:r>
+              <a:rPr b="0" lang="en-IN" sz="1400" spc="-111" strike="noStrike">
+                <a:solidFill>
+                  <a:srgbClr val="000000"/>
+                </a:solidFill>
+                <a:latin typeface="Calibri"/>
+                <a:ea typeface="DejaVu Sans"/>
+              </a:rPr>
+              <a:t> </a:t>
+            </a:r>
+            <a:r>
+              <a:rPr b="0" lang="en-IN" sz="1400" spc="-26" strike="noStrike">
+                <a:solidFill>
+                  <a:srgbClr val="000000"/>
+                </a:solidFill>
+                <a:latin typeface="Calibri"/>
+                <a:ea typeface="DejaVu Sans"/>
+              </a:rPr>
+              <a:t>li</a:t>
+            </a:r>
+            <a:r>
+              <a:rPr b="0" lang="en-IN" sz="1400" spc="-75" strike="noStrike">
+                <a:solidFill>
+                  <a:srgbClr val="000000"/>
+                </a:solidFill>
+                <a:latin typeface="Calibri"/>
+                <a:ea typeface="DejaVu Sans"/>
+              </a:rPr>
+              <a:t>k</a:t>
+            </a:r>
+            <a:r>
+              <a:rPr b="0" lang="en-IN" sz="1400" spc="-1" strike="noStrike">
+                <a:solidFill>
+                  <a:srgbClr val="000000"/>
+                </a:solidFill>
+                <a:latin typeface="Calibri"/>
+                <a:ea typeface="DejaVu Sans"/>
+              </a:rPr>
+              <a:t>e</a:t>
+            </a:r>
+            <a:r>
+              <a:rPr b="0" lang="en-IN" sz="1400" spc="-120" strike="noStrike">
+                <a:solidFill>
+                  <a:srgbClr val="000000"/>
+                </a:solidFill>
+                <a:latin typeface="Calibri"/>
+                <a:ea typeface="DejaVu Sans"/>
+              </a:rPr>
+              <a:t> </a:t>
+            </a:r>
+            <a:r>
+              <a:rPr b="0" lang="en-IN" sz="1400" spc="-26" strike="noStrike">
+                <a:solidFill>
+                  <a:srgbClr val="000000"/>
+                </a:solidFill>
+                <a:latin typeface="Calibri"/>
+                <a:ea typeface="DejaVu Sans"/>
+              </a:rPr>
+              <a:t>a</a:t>
+            </a:r>
+            <a:r>
+              <a:rPr b="0" lang="en-IN" sz="1400" spc="-32" strike="noStrike">
+                <a:solidFill>
+                  <a:srgbClr val="000000"/>
+                </a:solidFill>
+                <a:latin typeface="Calibri"/>
+                <a:ea typeface="DejaVu Sans"/>
+              </a:rPr>
+              <a:t>n</a:t>
+            </a:r>
+            <a:r>
+              <a:rPr b="0" lang="en-IN" sz="1400" spc="-1" strike="noStrike">
+                <a:solidFill>
+                  <a:srgbClr val="000000"/>
+                </a:solidFill>
+                <a:latin typeface="Calibri"/>
+                <a:ea typeface="DejaVu Sans"/>
+              </a:rPr>
+              <a:t>d</a:t>
+            </a:r>
+            <a:r>
+              <a:rPr b="0" lang="en-IN" sz="1400" spc="-97" strike="noStrike">
+                <a:solidFill>
+                  <a:srgbClr val="000000"/>
+                </a:solidFill>
+                <a:latin typeface="Calibri"/>
+                <a:ea typeface="DejaVu Sans"/>
+              </a:rPr>
+              <a:t> </a:t>
+            </a:r>
+            <a:r>
+              <a:rPr b="0" lang="en-IN" sz="1400" spc="-26" strike="noStrike">
+                <a:solidFill>
+                  <a:srgbClr val="000000"/>
+                </a:solidFill>
+                <a:latin typeface="Calibri"/>
+                <a:ea typeface="DejaVu Sans"/>
+              </a:rPr>
+              <a:t>s</a:t>
+            </a:r>
+            <a:r>
+              <a:rPr b="0" lang="en-IN" sz="1400" spc="-32" strike="noStrike">
+                <a:solidFill>
+                  <a:srgbClr val="000000"/>
+                </a:solidFill>
+                <a:latin typeface="Calibri"/>
+                <a:ea typeface="DejaVu Sans"/>
+              </a:rPr>
+              <a:t>en</a:t>
+            </a:r>
+            <a:r>
+              <a:rPr b="0" lang="en-IN" sz="1400" spc="-1" strike="noStrike">
+                <a:solidFill>
+                  <a:srgbClr val="000000"/>
+                </a:solidFill>
+                <a:latin typeface="Calibri"/>
+                <a:ea typeface="DejaVu Sans"/>
+              </a:rPr>
+              <a:t>d</a:t>
+            </a:r>
+            <a:r>
+              <a:rPr b="0" lang="en-IN" sz="1400" spc="-86" strike="noStrike">
+                <a:solidFill>
+                  <a:srgbClr val="000000"/>
+                </a:solidFill>
+                <a:latin typeface="Calibri"/>
+                <a:ea typeface="DejaVu Sans"/>
+              </a:rPr>
+              <a:t> </a:t>
+            </a:r>
+            <a:r>
+              <a:rPr b="0" lang="en-IN" sz="1400" spc="-1" strike="noStrike">
+                <a:solidFill>
+                  <a:srgbClr val="000000"/>
+                </a:solidFill>
+                <a:latin typeface="Calibri"/>
+                <a:ea typeface="DejaVu Sans"/>
+              </a:rPr>
+              <a:t>a</a:t>
+            </a:r>
+            <a:r>
+              <a:rPr b="0" lang="en-IN" sz="1400" spc="-80" strike="noStrike">
+                <a:solidFill>
+                  <a:srgbClr val="000000"/>
+                </a:solidFill>
+                <a:latin typeface="Calibri"/>
+                <a:ea typeface="DejaVu Sans"/>
+              </a:rPr>
+              <a:t> </a:t>
+            </a:r>
+            <a:r>
+              <a:rPr b="0" lang="en-IN" sz="1400" spc="-46" strike="noStrike">
+                <a:solidFill>
+                  <a:srgbClr val="000000"/>
+                </a:solidFill>
+                <a:latin typeface="Calibri"/>
+                <a:ea typeface="DejaVu Sans"/>
+              </a:rPr>
+              <a:t>m</a:t>
+            </a:r>
+            <a:r>
+              <a:rPr b="0" lang="en-IN" sz="1400" spc="-52" strike="noStrike">
+                <a:solidFill>
+                  <a:srgbClr val="000000"/>
+                </a:solidFill>
+                <a:latin typeface="Calibri"/>
+                <a:ea typeface="DejaVu Sans"/>
+              </a:rPr>
+              <a:t>a</a:t>
+            </a:r>
+            <a:r>
+              <a:rPr b="0" lang="en-IN" sz="1400" spc="-55" strike="noStrike">
+                <a:solidFill>
+                  <a:srgbClr val="000000"/>
+                </a:solidFill>
+                <a:latin typeface="Calibri"/>
+                <a:ea typeface="DejaVu Sans"/>
+              </a:rPr>
+              <a:t>t</a:t>
+            </a:r>
+            <a:r>
+              <a:rPr b="0" lang="en-IN" sz="1400" spc="-46" strike="noStrike">
+                <a:solidFill>
+                  <a:srgbClr val="000000"/>
+                </a:solidFill>
+                <a:latin typeface="Calibri"/>
+                <a:ea typeface="DejaVu Sans"/>
+              </a:rPr>
+              <a:t>ch</a:t>
+            </a:r>
+            <a:r>
+              <a:rPr b="0" lang="en-IN" sz="1400" spc="-1" strike="noStrike">
+                <a:solidFill>
+                  <a:srgbClr val="000000"/>
+                </a:solidFill>
+                <a:latin typeface="Calibri"/>
+                <a:ea typeface="DejaVu Sans"/>
+              </a:rPr>
+              <a:t>,</a:t>
+            </a:r>
+            <a:r>
+              <a:rPr b="0" lang="en-IN" sz="1400" spc="-92" strike="noStrike">
+                <a:solidFill>
+                  <a:srgbClr val="000000"/>
+                </a:solidFill>
+                <a:latin typeface="Calibri"/>
+                <a:ea typeface="DejaVu Sans"/>
+              </a:rPr>
+              <a:t> </a:t>
+            </a:r>
+            <a:r>
+              <a:rPr b="0" lang="en-IN" sz="1400" spc="-15" strike="noStrike">
+                <a:solidFill>
+                  <a:srgbClr val="000000"/>
+                </a:solidFill>
+                <a:latin typeface="Calibri"/>
+                <a:ea typeface="DejaVu Sans"/>
+              </a:rPr>
+              <a:t>i</a:t>
+            </a:r>
+            <a:r>
+              <a:rPr b="0" lang="en-IN" sz="1400" spc="-1" strike="noStrike">
+                <a:solidFill>
+                  <a:srgbClr val="000000"/>
+                </a:solidFill>
+                <a:latin typeface="Calibri"/>
+                <a:ea typeface="DejaVu Sans"/>
+              </a:rPr>
+              <a:t>f </a:t>
+            </a:r>
+            <a:r>
+              <a:rPr b="0" lang="en-IN" sz="1400" spc="-55" strike="noStrike">
+                <a:solidFill>
+                  <a:srgbClr val="000000"/>
+                </a:solidFill>
+                <a:latin typeface="Calibri"/>
+                <a:ea typeface="DejaVu Sans"/>
+              </a:rPr>
+              <a:t> </a:t>
+            </a:r>
+            <a:r>
+              <a:rPr b="0" lang="en-IN" sz="1400" spc="-32" strike="noStrike">
+                <a:solidFill>
+                  <a:srgbClr val="000000"/>
+                </a:solidFill>
+                <a:latin typeface="Calibri"/>
+                <a:ea typeface="DejaVu Sans"/>
+              </a:rPr>
+              <a:t>th</a:t>
+            </a:r>
+            <a:r>
+              <a:rPr b="0" lang="en-IN" sz="1400" spc="-41" strike="noStrike">
+                <a:solidFill>
+                  <a:srgbClr val="000000"/>
+                </a:solidFill>
+                <a:latin typeface="Calibri"/>
+                <a:ea typeface="DejaVu Sans"/>
+              </a:rPr>
+              <a:t>e</a:t>
+            </a:r>
+            <a:r>
+              <a:rPr b="0" lang="en-IN" sz="1400" spc="-1" strike="noStrike">
+                <a:solidFill>
+                  <a:srgbClr val="000000"/>
+                </a:solidFill>
+                <a:latin typeface="Calibri"/>
+                <a:ea typeface="DejaVu Sans"/>
+              </a:rPr>
+              <a:t>y  </a:t>
+            </a:r>
+            <a:r>
+              <a:rPr b="0" lang="en-IN" sz="1400" spc="-26" strike="noStrike">
+                <a:solidFill>
+                  <a:srgbClr val="000000"/>
+                </a:solidFill>
+                <a:latin typeface="Calibri"/>
+                <a:ea typeface="DejaVu Sans"/>
+              </a:rPr>
+              <a:t>li</a:t>
+            </a:r>
+            <a:r>
+              <a:rPr b="0" lang="en-IN" sz="1400" spc="-75" strike="noStrike">
+                <a:solidFill>
+                  <a:srgbClr val="000000"/>
+                </a:solidFill>
+                <a:latin typeface="Calibri"/>
+                <a:ea typeface="DejaVu Sans"/>
+              </a:rPr>
+              <a:t>k</a:t>
+            </a:r>
+            <a:r>
+              <a:rPr b="0" lang="en-IN" sz="1400" spc="-1" strike="noStrike">
+                <a:solidFill>
+                  <a:srgbClr val="000000"/>
+                </a:solidFill>
+                <a:latin typeface="Calibri"/>
+                <a:ea typeface="DejaVu Sans"/>
+              </a:rPr>
+              <a:t>e</a:t>
+            </a:r>
+            <a:r>
+              <a:rPr b="0" lang="en-IN" sz="1400" spc="-106" strike="noStrike">
+                <a:solidFill>
+                  <a:srgbClr val="000000"/>
+                </a:solidFill>
+                <a:latin typeface="Calibri"/>
+                <a:ea typeface="DejaVu Sans"/>
+              </a:rPr>
+              <a:t> </a:t>
+            </a:r>
+            <a:r>
+              <a:rPr b="0" lang="en-IN" sz="1400" spc="-41" strike="noStrike">
+                <a:solidFill>
+                  <a:srgbClr val="000000"/>
+                </a:solidFill>
+                <a:latin typeface="Calibri"/>
+                <a:ea typeface="DejaVu Sans"/>
+              </a:rPr>
+              <a:t>y</a:t>
+            </a:r>
+            <a:r>
+              <a:rPr b="0" lang="en-IN" sz="1400" spc="-26" strike="noStrike">
+                <a:solidFill>
+                  <a:srgbClr val="000000"/>
+                </a:solidFill>
+                <a:latin typeface="Calibri"/>
+                <a:ea typeface="DejaVu Sans"/>
+              </a:rPr>
+              <a:t>o</a:t>
+            </a:r>
+            <a:r>
+              <a:rPr b="0" lang="en-IN" sz="1400" spc="-1" strike="noStrike">
+                <a:solidFill>
+                  <a:srgbClr val="000000"/>
+                </a:solidFill>
+                <a:latin typeface="Calibri"/>
+                <a:ea typeface="DejaVu Sans"/>
+              </a:rPr>
+              <a:t>u</a:t>
+            </a:r>
+            <a:r>
+              <a:rPr b="0" lang="en-IN" sz="1400" spc="-131" strike="noStrike">
+                <a:solidFill>
+                  <a:srgbClr val="000000"/>
+                </a:solidFill>
+                <a:latin typeface="Calibri"/>
+                <a:ea typeface="DejaVu Sans"/>
+              </a:rPr>
+              <a:t> </a:t>
+            </a:r>
+            <a:r>
+              <a:rPr b="0" lang="en-IN" sz="1400" spc="-26" strike="noStrike">
+                <a:solidFill>
+                  <a:srgbClr val="000000"/>
+                </a:solidFill>
+                <a:latin typeface="Calibri"/>
+                <a:ea typeface="DejaVu Sans"/>
+              </a:rPr>
+              <a:t>a</a:t>
+            </a:r>
+            <a:r>
+              <a:rPr b="0" lang="en-IN" sz="1400" spc="-1" strike="noStrike">
+                <a:solidFill>
+                  <a:srgbClr val="000000"/>
+                </a:solidFill>
+                <a:latin typeface="Calibri"/>
+                <a:ea typeface="DejaVu Sans"/>
+              </a:rPr>
+              <a:t>s</a:t>
+            </a:r>
+            <a:r>
+              <a:rPr b="0" lang="en-IN" sz="1400" spc="-86" strike="noStrike">
+                <a:solidFill>
+                  <a:srgbClr val="000000"/>
+                </a:solidFill>
+                <a:latin typeface="Calibri"/>
+                <a:ea typeface="DejaVu Sans"/>
+              </a:rPr>
+              <a:t> </a:t>
+            </a:r>
+            <a:r>
+              <a:rPr b="0" lang="en-IN" sz="1400" spc="-35" strike="noStrike">
+                <a:solidFill>
+                  <a:srgbClr val="000000"/>
+                </a:solidFill>
+                <a:latin typeface="Calibri"/>
+                <a:ea typeface="DejaVu Sans"/>
+              </a:rPr>
+              <a:t>w</a:t>
+            </a:r>
+            <a:r>
+              <a:rPr b="0" lang="en-IN" sz="1400" spc="-32" strike="noStrike">
+                <a:solidFill>
+                  <a:srgbClr val="000000"/>
+                </a:solidFill>
+                <a:latin typeface="Calibri"/>
+                <a:ea typeface="DejaVu Sans"/>
+              </a:rPr>
+              <a:t>e</a:t>
+            </a:r>
+            <a:r>
+              <a:rPr b="0" lang="en-IN" sz="1400" spc="-26" strike="noStrike">
+                <a:solidFill>
+                  <a:srgbClr val="000000"/>
+                </a:solidFill>
+                <a:latin typeface="Calibri"/>
+                <a:ea typeface="DejaVu Sans"/>
+              </a:rPr>
+              <a:t>l</a:t>
+            </a:r>
+            <a:r>
+              <a:rPr b="0" lang="en-IN" sz="1400" spc="-1" strike="noStrike">
+                <a:solidFill>
+                  <a:srgbClr val="000000"/>
+                </a:solidFill>
+                <a:latin typeface="Calibri"/>
+                <a:ea typeface="DejaVu Sans"/>
+              </a:rPr>
+              <a:t>l</a:t>
+            </a:r>
+            <a:r>
+              <a:rPr b="0" lang="en-IN" sz="1400" spc="-114" strike="noStrike">
+                <a:solidFill>
+                  <a:srgbClr val="000000"/>
+                </a:solidFill>
+                <a:latin typeface="Calibri"/>
+                <a:ea typeface="DejaVu Sans"/>
+              </a:rPr>
+              <a:t> </a:t>
+            </a:r>
+            <a:r>
+              <a:rPr b="0" lang="en-IN" sz="1400" spc="-32" strike="noStrike">
+                <a:solidFill>
+                  <a:srgbClr val="000000"/>
+                </a:solidFill>
+                <a:latin typeface="Calibri"/>
+                <a:ea typeface="DejaVu Sans"/>
+              </a:rPr>
+              <a:t>the</a:t>
+            </a:r>
+            <a:r>
+              <a:rPr b="0" lang="en-IN" sz="1400" spc="-1" strike="noStrike">
+                <a:solidFill>
+                  <a:srgbClr val="000000"/>
+                </a:solidFill>
+                <a:latin typeface="Calibri"/>
+                <a:ea typeface="DejaVu Sans"/>
+              </a:rPr>
+              <a:t>n</a:t>
+            </a:r>
+            <a:r>
+              <a:rPr b="0" lang="en-IN" sz="1400" spc="-111" strike="noStrike">
+                <a:solidFill>
+                  <a:srgbClr val="000000"/>
+                </a:solidFill>
+                <a:latin typeface="Calibri"/>
+                <a:ea typeface="DejaVu Sans"/>
+              </a:rPr>
+              <a:t> </a:t>
+            </a:r>
+            <a:r>
+              <a:rPr b="0" lang="en-IN" sz="1400" spc="-41" strike="noStrike">
+                <a:solidFill>
+                  <a:srgbClr val="000000"/>
+                </a:solidFill>
+                <a:latin typeface="Calibri"/>
+                <a:ea typeface="DejaVu Sans"/>
+              </a:rPr>
+              <a:t>ge</a:t>
+            </a:r>
+            <a:r>
+              <a:rPr b="0" lang="en-IN" sz="1400" spc="-1" strike="noStrike">
+                <a:solidFill>
+                  <a:srgbClr val="000000"/>
+                </a:solidFill>
+                <a:latin typeface="Calibri"/>
+                <a:ea typeface="DejaVu Sans"/>
+              </a:rPr>
+              <a:t>t</a:t>
+            </a:r>
+            <a:r>
+              <a:rPr b="0" lang="en-IN" sz="1400" spc="-92" strike="noStrike">
+                <a:solidFill>
+                  <a:srgbClr val="000000"/>
+                </a:solidFill>
+                <a:latin typeface="Calibri"/>
+                <a:ea typeface="DejaVu Sans"/>
+              </a:rPr>
+              <a:t> </a:t>
+            </a:r>
+            <a:r>
+              <a:rPr b="0" lang="en-IN" sz="1400" spc="-46" strike="noStrike">
+                <a:solidFill>
+                  <a:srgbClr val="000000"/>
+                </a:solidFill>
+                <a:latin typeface="Calibri"/>
+                <a:ea typeface="DejaVu Sans"/>
+              </a:rPr>
+              <a:t>c</a:t>
+            </a:r>
+            <a:r>
+              <a:rPr b="0" lang="en-IN" sz="1400" spc="-26" strike="noStrike">
+                <a:solidFill>
+                  <a:srgbClr val="000000"/>
+                </a:solidFill>
+                <a:latin typeface="Calibri"/>
+                <a:ea typeface="DejaVu Sans"/>
+              </a:rPr>
+              <a:t>o</a:t>
+            </a:r>
+            <a:r>
+              <a:rPr b="0" lang="en-IN" sz="1400" spc="-32" strike="noStrike">
+                <a:solidFill>
+                  <a:srgbClr val="000000"/>
+                </a:solidFill>
+                <a:latin typeface="Calibri"/>
+                <a:ea typeface="DejaVu Sans"/>
+              </a:rPr>
+              <a:t>nnec</a:t>
+            </a:r>
+            <a:r>
+              <a:rPr b="0" lang="en-IN" sz="1400" spc="-41" strike="noStrike">
+                <a:solidFill>
+                  <a:srgbClr val="000000"/>
+                </a:solidFill>
+                <a:latin typeface="Calibri"/>
+                <a:ea typeface="DejaVu Sans"/>
+              </a:rPr>
+              <a:t>t</a:t>
+            </a:r>
+            <a:r>
+              <a:rPr b="0" lang="en-IN" sz="1400" spc="-32" strike="noStrike">
+                <a:solidFill>
+                  <a:srgbClr val="000000"/>
+                </a:solidFill>
+                <a:latin typeface="Calibri"/>
+                <a:ea typeface="DejaVu Sans"/>
+              </a:rPr>
+              <a:t>ed</a:t>
+            </a:r>
+            <a:r>
+              <a:rPr b="0" lang="en-IN" sz="1400" spc="-1" strike="noStrike">
+                <a:solidFill>
+                  <a:srgbClr val="000000"/>
+                </a:solidFill>
+                <a:latin typeface="Calibri"/>
+                <a:ea typeface="DejaVu Sans"/>
+              </a:rPr>
+              <a:t>.</a:t>
+            </a:r>
+            <a:endParaRPr b="0" lang="en-IN" sz="1400" spc="-1" strike="noStrike">
+              <a:latin typeface="Arial"/>
+            </a:endParaRPr>
+          </a:p>
+        </p:txBody>
+      </p:sp>
+      <p:sp>
+        <p:nvSpPr>
+          <p:cNvPr id="141" name="CustomShape 6"/>
+          <p:cNvSpPr/>
+          <p:nvPr/>
+        </p:nvSpPr>
+        <p:spPr>
+          <a:xfrm>
+            <a:off x="6619320" y="2664720"/>
+            <a:ext cx="529560" cy="496800"/>
+          </a:xfrm>
+          <a:custGeom>
+            <a:avLst/>
+            <a:gdLst/>
+            <a:ahLst/>
+            <a:rect l="l" t="t" r="r" b="b"/>
+            <a:pathLst>
+              <a:path w="531495" h="498475">
+                <a:moveTo>
+                  <a:pt x="0" y="249174"/>
+                </a:moveTo>
+                <a:lnTo>
+                  <a:pt x="6984" y="192024"/>
+                </a:lnTo>
+                <a:lnTo>
+                  <a:pt x="27050" y="139573"/>
+                </a:lnTo>
+                <a:lnTo>
+                  <a:pt x="58420" y="93345"/>
+                </a:lnTo>
+                <a:lnTo>
+                  <a:pt x="99440" y="54737"/>
+                </a:lnTo>
+                <a:lnTo>
+                  <a:pt x="148844" y="25273"/>
+                </a:lnTo>
+                <a:lnTo>
+                  <a:pt x="204724" y="6603"/>
+                </a:lnTo>
+                <a:lnTo>
+                  <a:pt x="265683" y="0"/>
+                </a:lnTo>
+                <a:lnTo>
+                  <a:pt x="326644" y="6603"/>
+                </a:lnTo>
+                <a:lnTo>
+                  <a:pt x="382524" y="25273"/>
+                </a:lnTo>
+                <a:lnTo>
+                  <a:pt x="431800" y="54737"/>
+                </a:lnTo>
+                <a:lnTo>
+                  <a:pt x="472948" y="93345"/>
+                </a:lnTo>
+                <a:lnTo>
+                  <a:pt x="504316" y="139573"/>
+                </a:lnTo>
+                <a:lnTo>
+                  <a:pt x="524382" y="192024"/>
+                </a:lnTo>
+                <a:lnTo>
+                  <a:pt x="531367" y="249174"/>
+                </a:lnTo>
+                <a:lnTo>
+                  <a:pt x="524382" y="306324"/>
+                </a:lnTo>
+                <a:lnTo>
+                  <a:pt x="504316" y="358775"/>
+                </a:lnTo>
+                <a:lnTo>
+                  <a:pt x="472948" y="405002"/>
+                </a:lnTo>
+                <a:lnTo>
+                  <a:pt x="431800" y="443611"/>
+                </a:lnTo>
+                <a:lnTo>
+                  <a:pt x="382524" y="473075"/>
+                </a:lnTo>
+                <a:lnTo>
+                  <a:pt x="326644" y="491744"/>
+                </a:lnTo>
+                <a:lnTo>
+                  <a:pt x="265683" y="498348"/>
+                </a:lnTo>
+                <a:lnTo>
+                  <a:pt x="204724" y="491744"/>
+                </a:lnTo>
+                <a:lnTo>
+                  <a:pt x="148844" y="473075"/>
+                </a:lnTo>
+                <a:lnTo>
+                  <a:pt x="99440" y="443611"/>
+                </a:lnTo>
+                <a:lnTo>
+                  <a:pt x="58420" y="405002"/>
+                </a:lnTo>
+                <a:lnTo>
+                  <a:pt x="27050" y="358775"/>
+                </a:lnTo>
+                <a:lnTo>
+                  <a:pt x="6984" y="306324"/>
+                </a:lnTo>
+                <a:lnTo>
+                  <a:pt x="0" y="249174"/>
+                </a:lnTo>
+                <a:close/>
+              </a:path>
+            </a:pathLst>
+          </a:custGeom>
+          <a:noFill/>
+          <a:ln w="34920">
+            <a:solidFill>
+              <a:srgbClr val="ff3300"/>
+            </a:solidFill>
+            <a:round/>
+          </a:ln>
+        </p:spPr>
+        <p:style>
+          <a:lnRef idx="0"/>
+          <a:fillRef idx="0"/>
+          <a:effectRef idx="0"/>
+          <a:fontRef idx="minor"/>
+        </p:style>
+      </p:sp>
+      <p:sp>
+        <p:nvSpPr>
+          <p:cNvPr id="142" name="CustomShape 7"/>
+          <p:cNvSpPr/>
+          <p:nvPr/>
+        </p:nvSpPr>
+        <p:spPr>
+          <a:xfrm>
+            <a:off x="8389440" y="3225240"/>
+            <a:ext cx="2944080" cy="741960"/>
+          </a:xfrm>
+          <a:prstGeom prst="rect">
+            <a:avLst/>
+          </a:prstGeom>
+          <a:noFill/>
+          <a:ln>
+            <a:noFill/>
+          </a:ln>
+        </p:spPr>
+        <p:style>
+          <a:lnRef idx="0"/>
+          <a:fillRef idx="0"/>
+          <a:effectRef idx="0"/>
+          <a:fontRef idx="minor"/>
+        </p:style>
+        <p:txBody>
+          <a:bodyPr lIns="0" rIns="0" tIns="12240" bIns="0">
+            <a:spAutoFit/>
+          </a:bodyPr>
+          <a:p>
+            <a:pPr marL="396360" indent="-382320">
+              <a:lnSpc>
+                <a:spcPct val="100000"/>
+              </a:lnSpc>
+              <a:spcBef>
+                <a:spcPts val="96"/>
+              </a:spcBef>
+              <a:buClr>
+                <a:srgbClr val="000000"/>
+              </a:buClr>
+              <a:buFont typeface="Arial MT"/>
+              <a:buChar char="•"/>
+              <a:tabLst>
+                <a:tab algn="l" pos="396360"/>
+                <a:tab algn="l" pos="396720"/>
+              </a:tabLst>
+            </a:pPr>
+            <a:r>
+              <a:rPr b="0" lang="en-IN" sz="1600" spc="-12" strike="noStrike">
+                <a:solidFill>
+                  <a:srgbClr val="000000"/>
+                </a:solidFill>
+                <a:latin typeface="Calibri"/>
+                <a:ea typeface="DejaVu Sans"/>
+              </a:rPr>
+              <a:t>Let </a:t>
+            </a:r>
+            <a:r>
+              <a:rPr b="0" lang="en-IN" sz="1600" spc="-21" strike="noStrike">
+                <a:solidFill>
+                  <a:srgbClr val="000000"/>
+                </a:solidFill>
+                <a:latin typeface="Calibri"/>
+                <a:ea typeface="DejaVu Sans"/>
+              </a:rPr>
+              <a:t>users </a:t>
+            </a:r>
+            <a:r>
+              <a:rPr b="0" lang="en-IN" sz="1600" spc="-15" strike="noStrike">
+                <a:solidFill>
+                  <a:srgbClr val="000000"/>
+                </a:solidFill>
+                <a:latin typeface="Calibri"/>
+                <a:ea typeface="DejaVu Sans"/>
+              </a:rPr>
+              <a:t>to </a:t>
+            </a:r>
+            <a:r>
+              <a:rPr b="0" lang="en-IN" sz="1600" spc="-26" strike="noStrike">
+                <a:solidFill>
+                  <a:srgbClr val="000000"/>
+                </a:solidFill>
+                <a:latin typeface="Calibri"/>
+                <a:ea typeface="DejaVu Sans"/>
+              </a:rPr>
+              <a:t>match </a:t>
+            </a:r>
+            <a:r>
+              <a:rPr b="0" lang="en-IN" sz="1600" spc="-7" strike="noStrike">
+                <a:solidFill>
+                  <a:srgbClr val="000000"/>
+                </a:solidFill>
+                <a:latin typeface="Calibri"/>
+                <a:ea typeface="DejaVu Sans"/>
+              </a:rPr>
+              <a:t>with </a:t>
+            </a:r>
+            <a:r>
+              <a:rPr b="0" lang="en-IN" sz="1600" spc="-12" strike="noStrike">
+                <a:solidFill>
+                  <a:srgbClr val="000000"/>
+                </a:solidFill>
+                <a:latin typeface="Calibri"/>
+                <a:ea typeface="DejaVu Sans"/>
+              </a:rPr>
+              <a:t>known </a:t>
+            </a:r>
+            <a:r>
+              <a:rPr b="0" lang="en-IN" sz="1600" spc="-350" strike="noStrike">
+                <a:solidFill>
+                  <a:srgbClr val="000000"/>
+                </a:solidFill>
+                <a:latin typeface="Calibri"/>
+                <a:ea typeface="DejaVu Sans"/>
+              </a:rPr>
+              <a:t> </a:t>
+            </a:r>
+            <a:r>
+              <a:rPr b="0" lang="en-IN" sz="1600" spc="-12" strike="noStrike">
+                <a:solidFill>
+                  <a:srgbClr val="000000"/>
+                </a:solidFill>
+                <a:latin typeface="Calibri"/>
+                <a:ea typeface="DejaVu Sans"/>
+              </a:rPr>
+              <a:t>peop</a:t>
+            </a:r>
+            <a:r>
+              <a:rPr b="0" lang="en-IN" sz="1600" spc="-7" strike="noStrike">
+                <a:solidFill>
+                  <a:srgbClr val="000000"/>
+                </a:solidFill>
+                <a:latin typeface="Calibri"/>
+                <a:ea typeface="DejaVu Sans"/>
+              </a:rPr>
+              <a:t>le</a:t>
+            </a:r>
+            <a:r>
+              <a:rPr b="0" lang="en-IN" sz="1600" spc="-111" strike="noStrike">
+                <a:solidFill>
+                  <a:srgbClr val="000000"/>
+                </a:solidFill>
+                <a:latin typeface="Calibri"/>
+                <a:ea typeface="DejaVu Sans"/>
+              </a:rPr>
+              <a:t> </a:t>
+            </a:r>
+            <a:r>
+              <a:rPr b="0" lang="en-IN" sz="1600" spc="-21" strike="noStrike">
+                <a:solidFill>
+                  <a:srgbClr val="000000"/>
+                </a:solidFill>
+                <a:latin typeface="Calibri"/>
+                <a:ea typeface="DejaVu Sans"/>
+              </a:rPr>
+              <a:t>o</a:t>
+            </a:r>
+            <a:r>
+              <a:rPr b="0" lang="en-IN" sz="1600" spc="-7" strike="noStrike">
+                <a:solidFill>
+                  <a:srgbClr val="000000"/>
+                </a:solidFill>
+                <a:latin typeface="Calibri"/>
+                <a:ea typeface="DejaVu Sans"/>
+              </a:rPr>
+              <a:t>r</a:t>
+            </a:r>
+            <a:r>
+              <a:rPr b="0" lang="en-IN" sz="1600" spc="-1" strike="noStrike">
+                <a:solidFill>
+                  <a:srgbClr val="000000"/>
+                </a:solidFill>
+                <a:latin typeface="Calibri"/>
+                <a:ea typeface="DejaVu Sans"/>
+              </a:rPr>
+              <a:t> </a:t>
+            </a:r>
+            <a:r>
+              <a:rPr b="0" lang="en-IN" sz="1600" spc="-12" strike="noStrike">
+                <a:solidFill>
+                  <a:srgbClr val="000000"/>
+                </a:solidFill>
+                <a:latin typeface="Calibri"/>
+                <a:ea typeface="DejaVu Sans"/>
+              </a:rPr>
+              <a:t> </a:t>
+            </a:r>
+            <a:r>
+              <a:rPr b="0" lang="en-IN" sz="1600" spc="-15" strike="noStrike">
+                <a:solidFill>
+                  <a:srgbClr val="000000"/>
+                </a:solidFill>
+                <a:latin typeface="Calibri"/>
+                <a:ea typeface="DejaVu Sans"/>
+              </a:rPr>
+              <a:t>t</a:t>
+            </a:r>
+            <a:r>
+              <a:rPr b="0" lang="en-IN" sz="1600" spc="-21" strike="noStrike">
+                <a:solidFill>
+                  <a:srgbClr val="000000"/>
+                </a:solidFill>
+                <a:latin typeface="Calibri"/>
+                <a:ea typeface="DejaVu Sans"/>
+              </a:rPr>
+              <a:t>h</a:t>
+            </a:r>
+            <a:r>
+              <a:rPr b="0" lang="en-IN" sz="1600" spc="-7" strike="noStrike">
+                <a:solidFill>
+                  <a:srgbClr val="000000"/>
+                </a:solidFill>
+                <a:latin typeface="Calibri"/>
+                <a:ea typeface="DejaVu Sans"/>
+              </a:rPr>
+              <a:t>e</a:t>
+            </a:r>
+            <a:r>
+              <a:rPr b="0" lang="en-IN" sz="1600" spc="-12" strike="noStrike">
+                <a:solidFill>
+                  <a:srgbClr val="000000"/>
+                </a:solidFill>
+                <a:latin typeface="Calibri"/>
+                <a:ea typeface="DejaVu Sans"/>
+              </a:rPr>
+              <a:t> </a:t>
+            </a:r>
+            <a:r>
+              <a:rPr b="0" lang="en-IN" sz="1600" spc="-21" strike="noStrike">
+                <a:solidFill>
+                  <a:srgbClr val="000000"/>
+                </a:solidFill>
+                <a:latin typeface="Calibri"/>
+                <a:ea typeface="DejaVu Sans"/>
+              </a:rPr>
+              <a:t>peop</a:t>
+            </a:r>
+            <a:r>
+              <a:rPr b="0" lang="en-IN" sz="1600" spc="-15" strike="noStrike">
+                <a:solidFill>
+                  <a:srgbClr val="000000"/>
+                </a:solidFill>
+                <a:latin typeface="Calibri"/>
+                <a:ea typeface="DejaVu Sans"/>
+              </a:rPr>
+              <a:t>l</a:t>
+            </a:r>
+            <a:r>
+              <a:rPr b="0" lang="en-IN" sz="1600" spc="-7" strike="noStrike">
+                <a:solidFill>
+                  <a:srgbClr val="000000"/>
+                </a:solidFill>
+                <a:latin typeface="Calibri"/>
+                <a:ea typeface="DejaVu Sans"/>
+              </a:rPr>
+              <a:t>e</a:t>
+            </a:r>
+            <a:r>
+              <a:rPr b="0" lang="en-IN" sz="1600" spc="18" strike="noStrike">
+                <a:solidFill>
+                  <a:srgbClr val="000000"/>
+                </a:solidFill>
+                <a:latin typeface="Calibri"/>
+                <a:ea typeface="DejaVu Sans"/>
+              </a:rPr>
+              <a:t> </a:t>
+            </a:r>
+            <a:r>
+              <a:rPr b="0" lang="en-IN" sz="1600" spc="-15" strike="noStrike">
+                <a:solidFill>
+                  <a:srgbClr val="000000"/>
+                </a:solidFill>
+                <a:latin typeface="Calibri"/>
+                <a:ea typeface="DejaVu Sans"/>
+              </a:rPr>
+              <a:t>t</a:t>
+            </a:r>
+            <a:r>
+              <a:rPr b="0" lang="en-IN" sz="1600" spc="-21" strike="noStrike">
+                <a:solidFill>
+                  <a:srgbClr val="000000"/>
+                </a:solidFill>
+                <a:latin typeface="Calibri"/>
+                <a:ea typeface="DejaVu Sans"/>
+              </a:rPr>
+              <a:t>h</a:t>
+            </a:r>
+            <a:r>
+              <a:rPr b="0" lang="en-IN" sz="1600" spc="-35" strike="noStrike">
+                <a:solidFill>
+                  <a:srgbClr val="000000"/>
+                </a:solidFill>
+                <a:latin typeface="Calibri"/>
+                <a:ea typeface="DejaVu Sans"/>
+              </a:rPr>
+              <a:t>e</a:t>
+            </a:r>
+            <a:r>
+              <a:rPr b="0" lang="en-IN" sz="1600" spc="-7" strike="noStrike">
+                <a:solidFill>
+                  <a:srgbClr val="000000"/>
+                </a:solidFill>
+                <a:latin typeface="Calibri"/>
+                <a:ea typeface="DejaVu Sans"/>
+              </a:rPr>
+              <a:t>y</a:t>
+            </a:r>
+            <a:r>
+              <a:rPr b="0" lang="en-IN" sz="1600" spc="32" strike="noStrike">
+                <a:solidFill>
+                  <a:srgbClr val="000000"/>
+                </a:solidFill>
+                <a:latin typeface="Calibri"/>
+                <a:ea typeface="DejaVu Sans"/>
+              </a:rPr>
+              <a:t> </a:t>
+            </a:r>
+            <a:r>
+              <a:rPr b="0" lang="en-IN" sz="1600" spc="-15" strike="noStrike">
+                <a:solidFill>
+                  <a:srgbClr val="000000"/>
+                </a:solidFill>
+                <a:latin typeface="Calibri"/>
+                <a:ea typeface="DejaVu Sans"/>
+              </a:rPr>
+              <a:t>li</a:t>
+            </a:r>
+            <a:r>
+              <a:rPr b="0" lang="en-IN" sz="1600" spc="-72" strike="noStrike">
+                <a:solidFill>
+                  <a:srgbClr val="000000"/>
+                </a:solidFill>
+                <a:latin typeface="Calibri"/>
+                <a:ea typeface="DejaVu Sans"/>
+              </a:rPr>
+              <a:t>k</a:t>
+            </a:r>
+            <a:r>
+              <a:rPr b="0" lang="en-IN" sz="1600" spc="-21" strike="noStrike">
+                <a:solidFill>
+                  <a:srgbClr val="000000"/>
+                </a:solidFill>
+                <a:latin typeface="Calibri"/>
+                <a:ea typeface="DejaVu Sans"/>
+              </a:rPr>
+              <a:t>e</a:t>
+            </a:r>
+            <a:r>
+              <a:rPr b="0" lang="en-IN" sz="1600" spc="-7" strike="noStrike">
+                <a:solidFill>
+                  <a:srgbClr val="000000"/>
+                </a:solidFill>
+                <a:latin typeface="Calibri"/>
+                <a:ea typeface="DejaVu Sans"/>
+              </a:rPr>
+              <a:t>.</a:t>
+            </a:r>
+            <a:endParaRPr b="0" lang="en-IN" sz="1600" spc="-1" strike="noStrike">
+              <a:latin typeface="Arial"/>
+            </a:endParaRPr>
+          </a:p>
+        </p:txBody>
+      </p:sp>
+      <p:sp>
+        <p:nvSpPr>
+          <p:cNvPr id="143" name="CustomShape 8"/>
+          <p:cNvSpPr/>
+          <p:nvPr/>
+        </p:nvSpPr>
+        <p:spPr>
+          <a:xfrm>
+            <a:off x="8389440" y="3956400"/>
+            <a:ext cx="2677320" cy="498600"/>
+          </a:xfrm>
+          <a:prstGeom prst="rect">
+            <a:avLst/>
+          </a:prstGeom>
+          <a:noFill/>
+          <a:ln>
+            <a:noFill/>
+          </a:ln>
+        </p:spPr>
+        <p:style>
+          <a:lnRef idx="0"/>
+          <a:fillRef idx="0"/>
+          <a:effectRef idx="0"/>
+          <a:fontRef idx="minor"/>
+        </p:style>
+        <p:txBody>
+          <a:bodyPr lIns="0" rIns="0" tIns="12240" bIns="0">
+            <a:spAutoFit/>
+          </a:bodyPr>
+          <a:p>
+            <a:pPr marL="396360" indent="-382320">
+              <a:lnSpc>
+                <a:spcPct val="100000"/>
+              </a:lnSpc>
+              <a:spcBef>
+                <a:spcPts val="96"/>
+              </a:spcBef>
+              <a:buClr>
+                <a:srgbClr val="000000"/>
+              </a:buClr>
+              <a:buFont typeface="Arial MT"/>
+              <a:buChar char="•"/>
+              <a:tabLst>
+                <a:tab algn="l" pos="396360"/>
+                <a:tab algn="l" pos="396720"/>
+              </a:tabLst>
+            </a:pPr>
+            <a:r>
+              <a:rPr b="0" lang="en-IN" sz="1600" spc="-26" strike="noStrike">
+                <a:solidFill>
+                  <a:srgbClr val="000000"/>
+                </a:solidFill>
+                <a:latin typeface="Calibri"/>
+                <a:ea typeface="DejaVu Sans"/>
+              </a:rPr>
+              <a:t>Users</a:t>
+            </a:r>
+            <a:r>
+              <a:rPr b="0" lang="en-IN" sz="1600" spc="-15" strike="noStrike">
+                <a:solidFill>
+                  <a:srgbClr val="000000"/>
+                </a:solidFill>
+                <a:latin typeface="Calibri"/>
+                <a:ea typeface="DejaVu Sans"/>
+              </a:rPr>
+              <a:t> can</a:t>
+            </a:r>
+            <a:r>
+              <a:rPr b="0" lang="en-IN" sz="1600" spc="-46" strike="noStrike">
+                <a:solidFill>
+                  <a:srgbClr val="000000"/>
+                </a:solidFill>
+                <a:latin typeface="Calibri"/>
+                <a:ea typeface="DejaVu Sans"/>
+              </a:rPr>
+              <a:t> </a:t>
+            </a:r>
+            <a:r>
+              <a:rPr b="0" lang="en-IN" sz="1600" spc="-21" strike="noStrike">
+                <a:solidFill>
+                  <a:srgbClr val="000000"/>
+                </a:solidFill>
+                <a:latin typeface="Calibri"/>
+                <a:ea typeface="DejaVu Sans"/>
+              </a:rPr>
+              <a:t>chat</a:t>
+            </a:r>
+            <a:r>
+              <a:rPr b="0" lang="en-IN" sz="1600" spc="-41" strike="noStrike">
+                <a:solidFill>
+                  <a:srgbClr val="000000"/>
+                </a:solidFill>
+                <a:latin typeface="Calibri"/>
+                <a:ea typeface="DejaVu Sans"/>
+              </a:rPr>
+              <a:t> </a:t>
+            </a:r>
+            <a:r>
+              <a:rPr b="0" lang="en-IN" sz="1600" spc="-1" strike="noStrike">
+                <a:solidFill>
+                  <a:srgbClr val="000000"/>
+                </a:solidFill>
+                <a:latin typeface="Calibri"/>
+                <a:ea typeface="DejaVu Sans"/>
+              </a:rPr>
+              <a:t>with</a:t>
+            </a:r>
+            <a:r>
+              <a:rPr b="0" lang="en-IN" sz="1600" spc="-41" strike="noStrike">
+                <a:solidFill>
+                  <a:srgbClr val="000000"/>
+                </a:solidFill>
+                <a:latin typeface="Calibri"/>
+                <a:ea typeface="DejaVu Sans"/>
+              </a:rPr>
+              <a:t> </a:t>
+            </a:r>
+            <a:r>
+              <a:rPr b="0" lang="en-IN" sz="1600" spc="-26" strike="noStrike">
+                <a:solidFill>
+                  <a:srgbClr val="000000"/>
+                </a:solidFill>
+                <a:latin typeface="Calibri"/>
+                <a:ea typeface="DejaVu Sans"/>
+              </a:rPr>
+              <a:t>anyone.</a:t>
+            </a:r>
+            <a:endParaRPr b="0" lang="en-IN" sz="1600" spc="-1" strike="noStrike">
+              <a:latin typeface="Arial"/>
+            </a:endParaRPr>
+          </a:p>
+        </p:txBody>
+      </p:sp>
+      <p:sp>
+        <p:nvSpPr>
+          <p:cNvPr id="144" name="CustomShape 9"/>
+          <p:cNvSpPr/>
+          <p:nvPr/>
+        </p:nvSpPr>
+        <p:spPr>
+          <a:xfrm>
+            <a:off x="8389440" y="4444920"/>
+            <a:ext cx="3201840" cy="1718640"/>
+          </a:xfrm>
+          <a:prstGeom prst="rect">
+            <a:avLst/>
+          </a:prstGeom>
+          <a:noFill/>
+          <a:ln>
+            <a:noFill/>
+          </a:ln>
+        </p:spPr>
+        <p:style>
+          <a:lnRef idx="0"/>
+          <a:fillRef idx="0"/>
+          <a:effectRef idx="0"/>
+          <a:fontRef idx="minor"/>
+        </p:style>
+        <p:txBody>
+          <a:bodyPr lIns="0" rIns="0" tIns="12240" bIns="0">
+            <a:spAutoFit/>
+          </a:bodyPr>
+          <a:p>
+            <a:pPr marL="396360" indent="-382320">
+              <a:lnSpc>
+                <a:spcPct val="100000"/>
+              </a:lnSpc>
+              <a:spcBef>
+                <a:spcPts val="96"/>
+              </a:spcBef>
+              <a:buClr>
+                <a:srgbClr val="000000"/>
+              </a:buClr>
+              <a:buFont typeface="Arial MT"/>
+              <a:buChar char="•"/>
+              <a:tabLst>
+                <a:tab algn="l" pos="396360"/>
+                <a:tab algn="l" pos="396720"/>
+              </a:tabLst>
+            </a:pPr>
+            <a:r>
+              <a:rPr b="0" lang="en-IN" sz="1600" spc="-12" strike="noStrike">
+                <a:solidFill>
+                  <a:srgbClr val="000000"/>
+                </a:solidFill>
+                <a:latin typeface="Calibri"/>
+                <a:ea typeface="DejaVu Sans"/>
+              </a:rPr>
+              <a:t>Allows</a:t>
+            </a:r>
+            <a:r>
+              <a:rPr b="0" lang="en-IN" sz="1600" spc="-1" strike="noStrike">
+                <a:solidFill>
+                  <a:srgbClr val="000000"/>
+                </a:solidFill>
+                <a:latin typeface="Calibri"/>
+                <a:ea typeface="DejaVu Sans"/>
+              </a:rPr>
+              <a:t> </a:t>
+            </a:r>
+            <a:r>
+              <a:rPr b="0" lang="en-IN" sz="1600" spc="-21" strike="noStrike">
+                <a:solidFill>
+                  <a:srgbClr val="000000"/>
+                </a:solidFill>
+                <a:latin typeface="Calibri"/>
+                <a:ea typeface="DejaVu Sans"/>
+              </a:rPr>
+              <a:t>users </a:t>
+            </a:r>
+            <a:r>
+              <a:rPr b="0" lang="en-IN" sz="1600" spc="-15" strike="noStrike">
+                <a:solidFill>
+                  <a:srgbClr val="000000"/>
+                </a:solidFill>
+                <a:latin typeface="Calibri"/>
+                <a:ea typeface="DejaVu Sans"/>
+              </a:rPr>
+              <a:t>to</a:t>
+            </a:r>
+            <a:r>
+              <a:rPr b="0" lang="en-IN" sz="1600" spc="-35" strike="noStrike">
+                <a:solidFill>
+                  <a:srgbClr val="000000"/>
+                </a:solidFill>
+                <a:latin typeface="Calibri"/>
+                <a:ea typeface="DejaVu Sans"/>
+              </a:rPr>
+              <a:t> </a:t>
+            </a:r>
+            <a:r>
+              <a:rPr b="0" lang="en-IN" sz="1600" spc="-21" strike="noStrike">
+                <a:solidFill>
+                  <a:srgbClr val="000000"/>
+                </a:solidFill>
+                <a:latin typeface="Calibri"/>
+                <a:ea typeface="DejaVu Sans"/>
+              </a:rPr>
+              <a:t>chat</a:t>
+            </a:r>
+            <a:r>
+              <a:rPr b="0" lang="en-IN" sz="1600" spc="-60" strike="noStrike">
+                <a:solidFill>
+                  <a:srgbClr val="000000"/>
+                </a:solidFill>
+                <a:latin typeface="Calibri"/>
+                <a:ea typeface="DejaVu Sans"/>
+              </a:rPr>
+              <a:t> </a:t>
+            </a:r>
+            <a:r>
+              <a:rPr b="0" lang="en-IN" sz="1600" spc="-41" strike="noStrike">
+                <a:solidFill>
+                  <a:srgbClr val="000000"/>
+                </a:solidFill>
+                <a:latin typeface="Calibri"/>
+                <a:ea typeface="DejaVu Sans"/>
+              </a:rPr>
+              <a:t>anonymously.</a:t>
+            </a:r>
+            <a:endParaRPr b="0" lang="en-IN" sz="1600" spc="-1" strike="noStrike">
+              <a:latin typeface="Arial"/>
+            </a:endParaRPr>
+          </a:p>
+          <a:p>
+            <a:pPr>
+              <a:lnSpc>
+                <a:spcPct val="100000"/>
+              </a:lnSpc>
+              <a:spcBef>
+                <a:spcPts val="26"/>
+              </a:spcBef>
+              <a:tabLst>
+                <a:tab algn="l" pos="396360"/>
+                <a:tab algn="l" pos="396720"/>
+              </a:tabLst>
+            </a:pPr>
+            <a:endParaRPr b="0" lang="en-IN" sz="1600" spc="-1" strike="noStrike">
+              <a:latin typeface="Arial"/>
+            </a:endParaRPr>
+          </a:p>
+          <a:p>
+            <a:pPr marL="396360" indent="-382320">
+              <a:lnSpc>
+                <a:spcPct val="100000"/>
+              </a:lnSpc>
+              <a:buClr>
+                <a:srgbClr val="000000"/>
+              </a:buClr>
+              <a:buFont typeface="Arial MT"/>
+              <a:buChar char="•"/>
+              <a:tabLst>
+                <a:tab algn="l" pos="396360"/>
+                <a:tab algn="l" pos="396720"/>
+              </a:tabLst>
+            </a:pPr>
+            <a:r>
+              <a:rPr b="0" lang="en-IN" sz="1600" spc="-12" strike="noStrike">
+                <a:solidFill>
+                  <a:srgbClr val="000000"/>
+                </a:solidFill>
+                <a:latin typeface="Calibri"/>
+                <a:ea typeface="DejaVu Sans"/>
+              </a:rPr>
+              <a:t>One</a:t>
+            </a:r>
+            <a:r>
+              <a:rPr b="0" lang="en-IN" sz="1600" spc="-1" strike="noStrike">
+                <a:solidFill>
+                  <a:srgbClr val="000000"/>
+                </a:solidFill>
+                <a:latin typeface="Calibri"/>
+                <a:ea typeface="DejaVu Sans"/>
+              </a:rPr>
+              <a:t> </a:t>
+            </a:r>
+            <a:r>
+              <a:rPr b="0" lang="en-IN" sz="1600" spc="-12" strike="noStrike">
+                <a:solidFill>
+                  <a:srgbClr val="000000"/>
+                </a:solidFill>
+                <a:latin typeface="Calibri"/>
+                <a:ea typeface="DejaVu Sans"/>
+              </a:rPr>
+              <a:t>can</a:t>
+            </a:r>
+            <a:r>
+              <a:rPr b="0" lang="en-IN" sz="1600" spc="-1" strike="noStrike">
+                <a:solidFill>
+                  <a:srgbClr val="000000"/>
+                </a:solidFill>
+                <a:latin typeface="Calibri"/>
+                <a:ea typeface="DejaVu Sans"/>
+              </a:rPr>
+              <a:t> </a:t>
+            </a:r>
+            <a:r>
+              <a:rPr b="0" lang="en-IN" sz="1600" spc="-26" strike="noStrike">
+                <a:solidFill>
+                  <a:srgbClr val="000000"/>
+                </a:solidFill>
+                <a:latin typeface="Calibri"/>
+                <a:ea typeface="DejaVu Sans"/>
+              </a:rPr>
+              <a:t>capture</a:t>
+            </a:r>
+            <a:r>
+              <a:rPr b="0" lang="en-IN" sz="1600" spc="-15" strike="noStrike">
+                <a:solidFill>
+                  <a:srgbClr val="000000"/>
+                </a:solidFill>
+                <a:latin typeface="Calibri"/>
+                <a:ea typeface="DejaVu Sans"/>
+              </a:rPr>
+              <a:t> and </a:t>
+            </a:r>
+            <a:r>
+              <a:rPr b="0" lang="en-IN" sz="1600" spc="-21" strike="noStrike">
+                <a:solidFill>
+                  <a:srgbClr val="000000"/>
+                </a:solidFill>
+                <a:latin typeface="Calibri"/>
+                <a:ea typeface="DejaVu Sans"/>
+              </a:rPr>
+              <a:t>share photos </a:t>
+            </a:r>
+            <a:r>
+              <a:rPr b="0" lang="en-IN" sz="1600" spc="-347" strike="noStrike">
+                <a:solidFill>
+                  <a:srgbClr val="000000"/>
+                </a:solidFill>
+                <a:latin typeface="Calibri"/>
+                <a:ea typeface="DejaVu Sans"/>
+              </a:rPr>
+              <a:t> </a:t>
+            </a:r>
+            <a:r>
+              <a:rPr b="0" lang="en-IN" sz="1600" spc="-15" strike="noStrike">
+                <a:solidFill>
+                  <a:srgbClr val="000000"/>
+                </a:solidFill>
+                <a:latin typeface="Calibri"/>
+                <a:ea typeface="DejaVu Sans"/>
+              </a:rPr>
+              <a:t>and</a:t>
+            </a:r>
+            <a:r>
+              <a:rPr b="0" lang="en-IN" sz="1600" spc="327" strike="noStrike">
+                <a:solidFill>
+                  <a:srgbClr val="000000"/>
+                </a:solidFill>
+                <a:latin typeface="Calibri"/>
+                <a:ea typeface="DejaVu Sans"/>
+              </a:rPr>
+              <a:t> </a:t>
+            </a:r>
+            <a:r>
+              <a:rPr b="0" lang="en-IN" sz="1600" spc="-15" strike="noStrike">
+                <a:solidFill>
+                  <a:srgbClr val="000000"/>
+                </a:solidFill>
+                <a:latin typeface="Calibri"/>
+                <a:ea typeface="DejaVu Sans"/>
+              </a:rPr>
+              <a:t>videos</a:t>
+            </a:r>
+            <a:r>
+              <a:rPr b="0" lang="en-IN" sz="1600" spc="-1" strike="noStrike">
+                <a:solidFill>
+                  <a:srgbClr val="000000"/>
+                </a:solidFill>
+                <a:latin typeface="Calibri"/>
+                <a:ea typeface="DejaVu Sans"/>
+              </a:rPr>
+              <a:t> </a:t>
+            </a:r>
+            <a:r>
+              <a:rPr b="0" lang="en-IN" sz="1600" spc="-7" strike="noStrike">
+                <a:solidFill>
+                  <a:srgbClr val="000000"/>
+                </a:solidFill>
+                <a:latin typeface="Calibri"/>
+                <a:ea typeface="DejaVu Sans"/>
+              </a:rPr>
+              <a:t>with</a:t>
+            </a:r>
+            <a:r>
+              <a:rPr b="0" lang="en-IN" sz="1600" spc="-1" strike="noStrike">
+                <a:solidFill>
+                  <a:srgbClr val="000000"/>
+                </a:solidFill>
+                <a:latin typeface="Calibri"/>
+                <a:ea typeface="DejaVu Sans"/>
+              </a:rPr>
+              <a:t> </a:t>
+            </a:r>
+            <a:r>
+              <a:rPr b="0" lang="en-IN" sz="1600" spc="-15" strike="noStrike">
+                <a:solidFill>
+                  <a:srgbClr val="000000"/>
+                </a:solidFill>
+                <a:latin typeface="Calibri"/>
+                <a:ea typeface="DejaVu Sans"/>
+              </a:rPr>
+              <a:t>friends</a:t>
+            </a:r>
+            <a:r>
+              <a:rPr b="0" lang="en-IN" sz="1600" spc="-1" strike="noStrike">
+                <a:solidFill>
+                  <a:srgbClr val="000000"/>
+                </a:solidFill>
+                <a:latin typeface="Calibri"/>
+                <a:ea typeface="DejaVu Sans"/>
+              </a:rPr>
+              <a:t> </a:t>
+            </a:r>
+            <a:r>
+              <a:rPr b="0" lang="en-IN" sz="1600" spc="-12" strike="noStrike">
+                <a:solidFill>
+                  <a:srgbClr val="000000"/>
+                </a:solidFill>
+                <a:latin typeface="Calibri"/>
+                <a:ea typeface="DejaVu Sans"/>
+              </a:rPr>
+              <a:t>or</a:t>
+            </a:r>
+            <a:r>
+              <a:rPr b="0" lang="en-IN" sz="1600" spc="-1" strike="noStrike">
+                <a:solidFill>
+                  <a:srgbClr val="000000"/>
+                </a:solidFill>
+                <a:latin typeface="Calibri"/>
+                <a:ea typeface="DejaVu Sans"/>
+              </a:rPr>
+              <a:t> </a:t>
+            </a:r>
+            <a:r>
+              <a:rPr b="0" lang="en-IN" sz="1600" spc="-7" strike="noStrike">
+                <a:solidFill>
+                  <a:srgbClr val="000000"/>
+                </a:solidFill>
+                <a:latin typeface="Calibri"/>
+                <a:ea typeface="DejaVu Sans"/>
+              </a:rPr>
+              <a:t>with </a:t>
+            </a:r>
+            <a:r>
+              <a:rPr b="0" lang="en-IN" sz="1600" spc="-1" strike="noStrike">
+                <a:solidFill>
+                  <a:srgbClr val="000000"/>
+                </a:solidFill>
+                <a:latin typeface="Calibri"/>
+                <a:ea typeface="DejaVu Sans"/>
+              </a:rPr>
+              <a:t> </a:t>
+            </a:r>
+            <a:r>
+              <a:rPr b="0" lang="en-IN" sz="1600" spc="-15" strike="noStrike">
+                <a:solidFill>
+                  <a:srgbClr val="000000"/>
+                </a:solidFill>
+                <a:latin typeface="Calibri"/>
+                <a:ea typeface="DejaVu Sans"/>
+              </a:rPr>
+              <a:t>the people</a:t>
+            </a:r>
+            <a:r>
+              <a:rPr b="0" lang="en-IN" sz="1600" spc="1" strike="noStrike">
+                <a:solidFill>
+                  <a:srgbClr val="000000"/>
+                </a:solidFill>
+                <a:latin typeface="Calibri"/>
+                <a:ea typeface="DejaVu Sans"/>
+              </a:rPr>
+              <a:t> </a:t>
+            </a:r>
+            <a:r>
+              <a:rPr b="0" lang="en-IN" sz="1600" spc="-21" strike="noStrike">
+                <a:solidFill>
+                  <a:srgbClr val="000000"/>
+                </a:solidFill>
+                <a:latin typeface="Calibri"/>
+                <a:ea typeface="DejaVu Sans"/>
+              </a:rPr>
+              <a:t>they</a:t>
+            </a:r>
+            <a:r>
+              <a:rPr b="0" lang="en-IN" sz="1600" spc="12" strike="noStrike">
+                <a:solidFill>
+                  <a:srgbClr val="000000"/>
+                </a:solidFill>
+                <a:latin typeface="Calibri"/>
+                <a:ea typeface="DejaVu Sans"/>
+              </a:rPr>
+              <a:t> </a:t>
+            </a:r>
+            <a:r>
+              <a:rPr b="0" lang="en-IN" sz="1600" spc="-26" strike="noStrike">
+                <a:solidFill>
+                  <a:srgbClr val="000000"/>
+                </a:solidFill>
+                <a:latin typeface="Calibri"/>
+                <a:ea typeface="DejaVu Sans"/>
+              </a:rPr>
+              <a:t>like.</a:t>
+            </a:r>
+            <a:endParaRPr b="0" lang="en-IN" sz="1600" spc="-1" strike="noStrike">
+              <a:latin typeface="Arial"/>
+            </a:endParaRPr>
+          </a:p>
+        </p:txBody>
+      </p:sp>
+      <p:sp>
+        <p:nvSpPr>
+          <p:cNvPr id="145" name="CustomShape 10"/>
+          <p:cNvSpPr/>
+          <p:nvPr/>
+        </p:nvSpPr>
+        <p:spPr>
+          <a:xfrm>
+            <a:off x="8389440" y="2029320"/>
+            <a:ext cx="2777760" cy="1449360"/>
+          </a:xfrm>
+          <a:prstGeom prst="rect">
+            <a:avLst/>
+          </a:prstGeom>
+          <a:noFill/>
+          <a:ln>
+            <a:noFill/>
+          </a:ln>
+        </p:spPr>
+        <p:style>
+          <a:lnRef idx="0"/>
+          <a:fillRef idx="0"/>
+          <a:effectRef idx="0"/>
+          <a:fontRef idx="minor"/>
+        </p:style>
+        <p:txBody>
+          <a:bodyPr lIns="0" rIns="0" tIns="12600" bIns="0">
+            <a:spAutoFit/>
+          </a:bodyPr>
+          <a:p>
+            <a:pPr marL="852120">
+              <a:lnSpc>
+                <a:spcPct val="100000"/>
+              </a:lnSpc>
+              <a:spcBef>
+                <a:spcPts val="99"/>
+              </a:spcBef>
+            </a:pPr>
+            <a:r>
+              <a:rPr b="1" lang="en-IN" sz="1800" spc="-35" strike="noStrike">
+                <a:solidFill>
+                  <a:srgbClr val="7e7e7e"/>
+                </a:solidFill>
+                <a:latin typeface="Calibri"/>
+                <a:ea typeface="DejaVu Sans"/>
+              </a:rPr>
+              <a:t>Key</a:t>
+            </a:r>
+            <a:r>
+              <a:rPr b="1" lang="en-IN" sz="1800" spc="-72" strike="noStrike">
+                <a:solidFill>
+                  <a:srgbClr val="7e7e7e"/>
+                </a:solidFill>
+                <a:latin typeface="Calibri"/>
+                <a:ea typeface="DejaVu Sans"/>
+              </a:rPr>
+              <a:t> </a:t>
+            </a:r>
+            <a:r>
+              <a:rPr b="1" lang="en-IN" sz="1800" spc="-21" strike="noStrike">
+                <a:solidFill>
+                  <a:srgbClr val="7e7e7e"/>
+                </a:solidFill>
+                <a:latin typeface="Calibri"/>
+                <a:ea typeface="DejaVu Sans"/>
+              </a:rPr>
+              <a:t>Features</a:t>
+            </a:r>
+            <a:endParaRPr b="0" lang="en-IN" sz="1800" spc="-1" strike="noStrike">
+              <a:latin typeface="Arial"/>
+            </a:endParaRPr>
+          </a:p>
+          <a:p>
+            <a:pPr marL="383400" indent="-381600" algn="r">
+              <a:lnSpc>
+                <a:spcPct val="100000"/>
+              </a:lnSpc>
+              <a:spcBef>
+                <a:spcPts val="1491"/>
+              </a:spcBef>
+              <a:buClr>
+                <a:srgbClr val="000000"/>
+              </a:buClr>
+              <a:buFont typeface="Arial MT"/>
+              <a:buChar char="•"/>
+              <a:tabLst>
+                <a:tab algn="l" pos="383400"/>
+                <a:tab algn="l" pos="384120"/>
+              </a:tabLst>
+            </a:pPr>
+            <a:r>
+              <a:rPr b="0" lang="en-IN" sz="1600" spc="-26" strike="noStrike">
+                <a:solidFill>
+                  <a:srgbClr val="7e7e7e"/>
+                </a:solidFill>
+                <a:latin typeface="Calibri"/>
+                <a:ea typeface="DejaVu Sans"/>
+              </a:rPr>
+              <a:t>Users</a:t>
+            </a:r>
+            <a:r>
+              <a:rPr b="0" lang="en-IN" sz="1600" spc="-12" strike="noStrike">
+                <a:solidFill>
+                  <a:srgbClr val="7e7e7e"/>
+                </a:solidFill>
+                <a:latin typeface="Calibri"/>
+                <a:ea typeface="DejaVu Sans"/>
+              </a:rPr>
+              <a:t> </a:t>
+            </a:r>
+            <a:r>
+              <a:rPr b="0" lang="en-IN" sz="1600" spc="-15" strike="noStrike">
+                <a:solidFill>
+                  <a:srgbClr val="7e7e7e"/>
+                </a:solidFill>
+                <a:latin typeface="Calibri"/>
+                <a:ea typeface="DejaVu Sans"/>
+              </a:rPr>
+              <a:t>can</a:t>
+            </a:r>
+            <a:r>
+              <a:rPr b="0" lang="en-IN" sz="1600" spc="-46" strike="noStrike">
+                <a:solidFill>
+                  <a:srgbClr val="7e7e7e"/>
+                </a:solidFill>
+                <a:latin typeface="Calibri"/>
+                <a:ea typeface="DejaVu Sans"/>
+              </a:rPr>
+              <a:t> </a:t>
+            </a:r>
+            <a:r>
+              <a:rPr b="0" lang="en-IN" sz="1600" spc="-21" strike="noStrike">
+                <a:solidFill>
+                  <a:srgbClr val="7e7e7e"/>
+                </a:solidFill>
+                <a:latin typeface="Calibri"/>
+                <a:ea typeface="DejaVu Sans"/>
+              </a:rPr>
+              <a:t>connect</a:t>
+            </a:r>
+            <a:r>
+              <a:rPr b="0" lang="en-IN" sz="1600" spc="-12" strike="noStrike">
+                <a:solidFill>
+                  <a:srgbClr val="7e7e7e"/>
+                </a:solidFill>
+                <a:latin typeface="Calibri"/>
+                <a:ea typeface="DejaVu Sans"/>
+              </a:rPr>
+              <a:t> </a:t>
+            </a:r>
+            <a:r>
+              <a:rPr b="0" lang="en-IN" sz="1600" spc="-1" strike="noStrike">
+                <a:solidFill>
+                  <a:srgbClr val="7e7e7e"/>
+                </a:solidFill>
+                <a:latin typeface="Calibri"/>
+                <a:ea typeface="DejaVu Sans"/>
+              </a:rPr>
+              <a:t>with</a:t>
+            </a:r>
+            <a:r>
+              <a:rPr b="0" lang="en-IN" sz="1600" spc="-7" strike="noStrike">
+                <a:solidFill>
+                  <a:srgbClr val="7e7e7e"/>
+                </a:solidFill>
+                <a:latin typeface="Calibri"/>
+                <a:ea typeface="DejaVu Sans"/>
+              </a:rPr>
+              <a:t> </a:t>
+            </a:r>
+            <a:r>
+              <a:rPr b="0" lang="en-IN" sz="1600" spc="-15" strike="noStrike">
+                <a:solidFill>
+                  <a:srgbClr val="7e7e7e"/>
+                </a:solidFill>
+                <a:latin typeface="Calibri"/>
+                <a:ea typeface="DejaVu Sans"/>
+              </a:rPr>
+              <a:t>their</a:t>
+            </a:r>
+            <a:endParaRPr b="0" lang="en-IN" sz="1600" spc="-1" strike="noStrike">
+              <a:latin typeface="Arial"/>
+            </a:endParaRPr>
+          </a:p>
+          <a:p>
+            <a:pPr algn="r">
+              <a:lnSpc>
+                <a:spcPct val="100000"/>
+              </a:lnSpc>
+              <a:tabLst>
+                <a:tab algn="l" pos="383400"/>
+                <a:tab algn="l" pos="384120"/>
+              </a:tabLst>
+            </a:pPr>
+            <a:r>
+              <a:rPr b="0" lang="en-IN" sz="1600" spc="-15" strike="noStrike">
+                <a:solidFill>
+                  <a:srgbClr val="7e7e7e"/>
+                </a:solidFill>
+                <a:latin typeface="Calibri"/>
+                <a:ea typeface="DejaVu Sans"/>
+              </a:rPr>
+              <a:t>friends</a:t>
+            </a:r>
+            <a:r>
+              <a:rPr b="0" lang="en-IN" sz="1600" spc="-1" strike="noStrike">
+                <a:solidFill>
+                  <a:srgbClr val="7e7e7e"/>
+                </a:solidFill>
+                <a:latin typeface="Calibri"/>
+                <a:ea typeface="DejaVu Sans"/>
+              </a:rPr>
+              <a:t> </a:t>
+            </a:r>
+            <a:r>
+              <a:rPr b="0" lang="en-IN" sz="1600" spc="-12" strike="noStrike">
+                <a:solidFill>
+                  <a:srgbClr val="7e7e7e"/>
+                </a:solidFill>
+                <a:latin typeface="Calibri"/>
+                <a:ea typeface="DejaVu Sans"/>
+              </a:rPr>
+              <a:t>or</a:t>
+            </a:r>
+            <a:r>
+              <a:rPr b="0" lang="en-IN" sz="1600" spc="316" strike="noStrike">
+                <a:solidFill>
+                  <a:srgbClr val="7e7e7e"/>
+                </a:solidFill>
+                <a:latin typeface="Calibri"/>
+                <a:ea typeface="DejaVu Sans"/>
+              </a:rPr>
+              <a:t> </a:t>
+            </a:r>
+            <a:r>
+              <a:rPr b="0" lang="en-IN" sz="1600" spc="-41" strike="noStrike">
+                <a:solidFill>
+                  <a:srgbClr val="7e7e7e"/>
+                </a:solidFill>
+                <a:latin typeface="Calibri"/>
+                <a:ea typeface="DejaVu Sans"/>
+              </a:rPr>
+              <a:t>make</a:t>
+            </a:r>
+            <a:r>
+              <a:rPr b="0" lang="en-IN" sz="1600" spc="-21" strike="noStrike">
+                <a:solidFill>
+                  <a:srgbClr val="7e7e7e"/>
+                </a:solidFill>
+                <a:latin typeface="Calibri"/>
+                <a:ea typeface="DejaVu Sans"/>
+              </a:rPr>
+              <a:t> new</a:t>
+            </a:r>
+            <a:r>
+              <a:rPr b="0" lang="en-IN" sz="1600" spc="-1" strike="noStrike">
+                <a:solidFill>
+                  <a:srgbClr val="7e7e7e"/>
+                </a:solidFill>
+                <a:latin typeface="Calibri"/>
+                <a:ea typeface="DejaVu Sans"/>
+              </a:rPr>
+              <a:t> </a:t>
+            </a:r>
+            <a:r>
+              <a:rPr b="0" lang="en-IN" sz="1600" spc="-15" strike="noStrike">
+                <a:solidFill>
+                  <a:srgbClr val="7e7e7e"/>
+                </a:solidFill>
+                <a:latin typeface="Calibri"/>
+                <a:ea typeface="DejaVu Sans"/>
+              </a:rPr>
+              <a:t>friends.</a:t>
+            </a:r>
+            <a:endParaRPr b="0" lang="en-IN" sz="1600" spc="-1" strike="noStrike">
+              <a:latin typeface="Arial"/>
+            </a:endParaRPr>
+          </a:p>
+        </p:txBody>
       </p:sp>
     </p:spTree>
   </p:cSld>
@@ -4042,4 +11355,230 @@
     </a:fmtScheme>
   </a:themeElements>
 </a:theme>
+</file>
+
+<file path=ppt/theme/theme3.xml><?xml version="1.0" encoding="utf-8"?>
+<a:theme xmlns:a="http://schemas.openxmlformats.org/drawingml/2006/main" name="Office Theme">
+  <a:themeElements>
+    <a:clrScheme name="Office">
+      <a:dk1>
+        <a:sysClr val="windowText" lastClr="000000"/>
+      </a:dk1>
+      <a:lt1>
+        <a:sysClr val="window" lastClr="FFFFFF"/>
+      </a:lt1>
+      <a:dk2>
+        <a:srgbClr val="1f497d"/>
+      </a:dk2>
+      <a:lt2>
+        <a:srgbClr val="eeece1"/>
+      </a:lt2>
+      <a:accent1>
+        <a:srgbClr val="4f81bd"/>
+      </a:accent1>
+      <a:accent2>
+        <a:srgbClr val="c0504d"/>
+      </a:accent2>
+      <a:accent3>
+        <a:srgbClr val="9bbb59"/>
+      </a:accent3>
+      <a:accent4>
+        <a:srgbClr val="8064a2"/>
+      </a:accent4>
+      <a:accent5>
+        <a:srgbClr val="4bacc6"/>
+      </a:accent5>
+      <a:accent6>
+        <a:srgbClr val="f79646"/>
+      </a:accent6>
+      <a:hlink>
+        <a:srgbClr val="0000ff"/>
+      </a:hlink>
+      <a:folHlink>
+        <a:srgbClr val="800080"/>
+      </a:folHlink>
+    </a:clrScheme>
+    <a:fontScheme name="Office">
+      <a:majorFont>
+        <a:latin typeface="Arial"/>
+        <a:ea typeface="DejaVu Sans"/>
+        <a:cs typeface="DejaVu Sans"/>
+      </a:majorFont>
+      <a:minorFont>
+        <a:latin typeface="Arial"/>
+        <a:ea typeface="DejaVu Sans"/>
+        <a:cs typeface="DejaVu Sans"/>
+      </a:minorFont>
+    </a:fontScheme>
+    <a:fmtScheme name="Office">
+      <a:fillStyleLst>
+        <a:solidFill>
+          <a:schemeClr val="phClr"/>
+        </a:solidFill>
+        <a:gradFill rotWithShape="1">
+          <a:gsLst>
+            <a:gs pos="0">
+              <a:schemeClr val="phClr">
+                <a:tint val="50000"/>
+                <a:satMod val="300000"/>
+              </a:schemeClr>
+            </a:gs>
+            <a:gs pos="35000">
+              <a:schemeClr val="phClr">
+                <a:tint val="37000"/>
+                <a:satMod val="300000"/>
+              </a:schemeClr>
+            </a:gs>
+            <a:gs pos="100000">
+              <a:schemeClr val="phClr">
+                <a:tint val="15000"/>
+                <a:satMod val="350000"/>
+              </a:schemeClr>
+            </a:gs>
+          </a:gsLst>
+          <a:lin ang="16200000" scaled="1"/>
+        </a:gradFill>
+        <a:gradFill rotWithShape="1">
+          <a:gsLst>
+            <a:gs pos="0">
+              <a:schemeClr val="phClr">
+                <a:shade val="51000"/>
+                <a:satMod val="130000"/>
+              </a:schemeClr>
+            </a:gs>
+            <a:gs pos="80000">
+              <a:schemeClr val="phClr">
+                <a:shade val="93000"/>
+                <a:satMod val="130000"/>
+              </a:schemeClr>
+            </a:gs>
+            <a:gs pos="100000">
+              <a:schemeClr val="phClr">
+                <a:shade val="94000"/>
+                <a:satMod val="135000"/>
+              </a:schemeClr>
+            </a:gs>
+          </a:gsLst>
+          <a:lin ang="16200000" scaled="0"/>
+        </a:gradFill>
+      </a:fillStyleLst>
+      <a:lnStyleLst>
+        <a:ln w="9525" cap="flat" cmpd="sng" algn="ctr">
+          <a:solidFill>
+            <a:schemeClr val="phClr">
+              <a:shade val="95000"/>
+              <a:satMod val="105000"/>
+            </a:schemeClr>
+          </a:solidFill>
+          <a:prstDash val="solid"/>
+          <a:miter/>
+        </a:ln>
+        <a:ln w="25400" cap="flat" cmpd="sng" algn="ctr">
+          <a:solidFill>
+            <a:schemeClr val="phClr"/>
+          </a:solidFill>
+          <a:prstDash val="solid"/>
+          <a:miter/>
+        </a:ln>
+        <a:ln w="38100" cap="flat" cmpd="sng" algn="ctr">
+          <a:solidFill>
+            <a:schemeClr val="phClr"/>
+          </a:solidFill>
+          <a:prstDash val="solid"/>
+          <a:miter/>
+        </a:ln>
+      </a:lnStyleLst>
+      <a:effectStyleLst>
+        <a:effectStyle>
+          <a:effectLst>
+            <a:outerShdw blurRad="40000" dist="20000" dir="5400000" rotWithShape="0">
+              <a:srgbClr val="000000">
+                <a:alpha val="38000"/>
+              </a:srgbClr>
+            </a:outerShdw>
+          </a:effectLst>
+        </a:effectStyle>
+        <a:effectStyle>
+          <a:effectLst>
+            <a:outerShdw blurRad="40000" dist="23000" dir="5400000" rotWithShape="0">
+              <a:srgbClr val="000000">
+                <a:alpha val="35000"/>
+              </a:srgbClr>
+            </a:outerShdw>
+          </a:effectLst>
+        </a:effectStyle>
+        <a:effectStyle>
+          <a:effectLst>
+            <a:outerShdw blurRad="40000" dist="23000" dir="5400000" rotWithShape="0">
+              <a:srgbClr val="000000">
+                <a:alpha val="35000"/>
+              </a:srgbClr>
+            </a:outerShdw>
+          </a:effectLst>
+          <a:scene3d>
+            <a:camera prst="orthographicFront">
+              <a:rot lat="0" lon="0" rev="0"/>
+            </a:camera>
+            <a:lightRig rig="threePt" dir="t">
+              <a:rot lat="0" lon="0" rev="1200000"/>
+            </a:lightRig>
+          </a:scene3d>
+          <a:sp3d>
+            <a:bevelT w="63500" h="25400"/>
+          </a:sp3d>
+        </a:effectStyle>
+      </a:effectStyleLst>
+      <a:bgFillStyleLst>
+        <a:solidFill>
+          <a:schemeClr val="phClr"/>
+        </a:solidFill>
+        <a:gradFill rotWithShape="1">
+          <a:gsLst>
+            <a:gs pos="0">
+              <a:schemeClr val="phClr">
+                <a:tint val="40000"/>
+                <a:satMod val="350000"/>
+              </a:schemeClr>
+            </a:gs>
+            <a:gs pos="40000">
+              <a:schemeClr val="phClr">
+                <a:tint val="45000"/>
+                <a:shade val="99000"/>
+                <a:satMod val="350000"/>
+              </a:schemeClr>
+            </a:gs>
+            <a:gs pos="100000">
+              <a:schemeClr val="phClr">
+                <a:shade val="20000"/>
+                <a:satMod val="255000"/>
+              </a:schemeClr>
+            </a:gs>
+          </a:gsLst>
+          <a:path path="circle">
+            <a:fillToRect l="50000" t="-80000" r="50000" b="180000"/>
+          </a:path>
+        </a:gradFill>
+        <a:gradFill rotWithShape="1">
+          <a:gsLst>
+            <a:gs pos="0">
+              <a:schemeClr val="phClr">
+                <a:tint val="80000"/>
+                <a:satMod val="300000"/>
+              </a:schemeClr>
+            </a:gs>
+            <a:gs pos="100000">
+              <a:schemeClr val="phClr">
+                <a:shade val="30000"/>
+                <a:satMod val="200000"/>
+              </a:schemeClr>
+            </a:gs>
+          </a:gsLst>
+          <a:path path="circle">
+            <a:fillToRect l="50000" t="50000" r="50000" b="50000"/>
+          </a:path>
+        </a:gradFill>
+      </a:bgFillStyleLst>
+    </a:fmtScheme>
+  </a:themeElements>
+</a:theme>
 </file>
--- a/BeYu Pitch Deck_small.pptx
+++ b/BeYu Pitch Deck_small.pptx
@@ -3,9 +3,13 @@
 <p:presentation xmlns:a="http://schemas.openxmlformats.org/drawingml/2006/main" xmlns:p="http://schemas.openxmlformats.org/presentationml/2006/main" xmlns:r="http://schemas.openxmlformats.org/officeDocument/2006/relationships" xmlns:p14="http://schemas.microsoft.com/office/powerpoint/2010/main" xmlns:p15="http://schemas.microsoft.com/office/powerpoint/2012/main" xmlns:mc="http://schemas.openxmlformats.org/markup-compatibility/2006">
   <p:sldMasterIdLst>
     <p:sldMasterId id="2147483648" r:id="rId2"/>
+    <p:sldMasterId id="2147483661" r:id="rId3"/>
+    <p:sldMasterId id="2147483674" r:id="rId4"/>
   </p:sldMasterIdLst>
   <p:sldIdLst>
-    <p:sldId id="256" r:id="rId3"/>
+    <p:sldId id="256" r:id="rId5"/>
+    <p:sldId id="257" r:id="rId6"/>
+    <p:sldId id="258" r:id="rId7"/>
   </p:sldIdLst>
   <p:sldSz cx="12192000" cy="6858000"/>
   <p:notesSz cx="7559675" cy="10691812"/>
@@ -553,6 +557,557 @@
 </p:sldLayout>
 </file>
 
+<file path=ppt/slideLayouts/slideLayout13.xml><?xml version="1.0" encoding="utf-8"?>
+<p:sldLayout xmlns:a="http://schemas.openxmlformats.org/drawingml/2006/main" xmlns:p="http://schemas.openxmlformats.org/presentationml/2006/main" xmlns:r="http://schemas.openxmlformats.org/officeDocument/2006/relationships" xmlns:p14="http://schemas.microsoft.com/office/powerpoint/2010/main" xmlns:p15="http://schemas.microsoft.com/office/powerpoint/2012/main" xmlns:mc="http://schemas.openxmlformats.org/markup-compatibility/2006" type="blank" preserve="1">
+  <p:cSld name="Blank Slide">
+    <p:spTree>
+      <p:nvGrpSpPr>
+        <p:cNvPr id="1" name=""/>
+        <p:cNvGrpSpPr/>
+        <p:nvPr/>
+      </p:nvGrpSpPr>
+      <p:grpSpPr>
+        <a:xfrm>
+          <a:off x="0" y="0"/>
+          <a:ext cx="0" cy="0"/>
+          <a:chOff x="0" y="0"/>
+          <a:chExt cx="0" cy="0"/>
+        </a:xfrm>
+      </p:grpSpPr>
+    </p:spTree>
+  </p:cSld>
+</p:sldLayout>
+</file>
+
+<file path=ppt/slideLayouts/slideLayout14.xml><?xml version="1.0" encoding="utf-8"?>
+<p:sldLayout xmlns:a="http://schemas.openxmlformats.org/drawingml/2006/main" xmlns:p="http://schemas.openxmlformats.org/presentationml/2006/main" xmlns:r="http://schemas.openxmlformats.org/officeDocument/2006/relationships" xmlns:p14="http://schemas.microsoft.com/office/powerpoint/2010/main" xmlns:p15="http://schemas.microsoft.com/office/powerpoint/2012/main" xmlns:mc="http://schemas.openxmlformats.org/markup-compatibility/2006" type="tx" preserve="1">
+  <p:cSld name="Title Slide">
+    <p:spTree>
+      <p:nvGrpSpPr>
+        <p:cNvPr id="1" name=""/>
+        <p:cNvGrpSpPr/>
+        <p:nvPr/>
+      </p:nvGrpSpPr>
+      <p:grpSpPr>
+        <a:xfrm>
+          <a:off x="0" y="0"/>
+          <a:ext cx="0" cy="0"/>
+          <a:chOff x="0" y="0"/>
+          <a:chExt cx="0" cy="0"/>
+        </a:xfrm>
+      </p:grpSpPr>
+      <p:sp>
+        <p:nvSpPr>
+          <p:cNvPr id="40" name="PlaceHolder 1"/>
+          <p:cNvSpPr>
+            <a:spLocks noGrp="1"/>
+          </p:cNvSpPr>
+          <p:nvPr>
+            <p:ph type="title"/>
+          </p:nvPr>
+        </p:nvSpPr>
+        <p:spPr>
+          <a:xfrm>
+            <a:off x="609480" y="273600"/>
+            <a:ext cx="10972440" cy="1144800"/>
+          </a:xfrm>
+          <a:prstGeom prst="rect">
+            <a:avLst/>
+          </a:prstGeom>
+        </p:spPr>
+        <p:txBody>
+          <a:bodyPr lIns="0" rIns="0" tIns="0" bIns="0" anchor="ctr">
+            <a:noAutofit/>
+          </a:bodyPr>
+          <a:p>
+            <a:pPr algn="ctr"/>
+            <a:endParaRPr b="0" lang="en-IN" sz="4400" spc="-1" strike="noStrike">
+              <a:latin typeface="Arial"/>
+            </a:endParaRPr>
+          </a:p>
+        </p:txBody>
+      </p:sp>
+      <p:sp>
+        <p:nvSpPr>
+          <p:cNvPr id="41" name="PlaceHolder 2"/>
+          <p:cNvSpPr>
+            <a:spLocks noGrp="1"/>
+          </p:cNvSpPr>
+          <p:nvPr>
+            <p:ph type="subTitle"/>
+          </p:nvPr>
+        </p:nvSpPr>
+        <p:spPr>
+          <a:xfrm>
+            <a:off x="609480" y="1604520"/>
+            <a:ext cx="10972440" cy="3977280"/>
+          </a:xfrm>
+          <a:prstGeom prst="rect">
+            <a:avLst/>
+          </a:prstGeom>
+        </p:spPr>
+        <p:txBody>
+          <a:bodyPr lIns="0" rIns="0" tIns="0" bIns="0" anchor="ctr">
+            <a:noAutofit/>
+          </a:bodyPr>
+          <a:p>
+            <a:pPr algn="ctr"/>
+            <a:endParaRPr b="0" lang="en-IN" sz="3200" spc="-1" strike="noStrike">
+              <a:latin typeface="Arial"/>
+            </a:endParaRPr>
+          </a:p>
+        </p:txBody>
+      </p:sp>
+    </p:spTree>
+  </p:cSld>
+</p:sldLayout>
+</file>
+
+<file path=ppt/slideLayouts/slideLayout15.xml><?xml version="1.0" encoding="utf-8"?>
+<p:sldLayout xmlns:a="http://schemas.openxmlformats.org/drawingml/2006/main" xmlns:p="http://schemas.openxmlformats.org/presentationml/2006/main" xmlns:r="http://schemas.openxmlformats.org/officeDocument/2006/relationships" xmlns:p14="http://schemas.microsoft.com/office/powerpoint/2010/main" xmlns:p15="http://schemas.microsoft.com/office/powerpoint/2012/main" xmlns:mc="http://schemas.openxmlformats.org/markup-compatibility/2006" type="obj" preserve="1">
+  <p:cSld name="Title, Content">
+    <p:spTree>
+      <p:nvGrpSpPr>
+        <p:cNvPr id="1" name=""/>
+        <p:cNvGrpSpPr/>
+        <p:nvPr/>
+      </p:nvGrpSpPr>
+      <p:grpSpPr>
+        <a:xfrm>
+          <a:off x="0" y="0"/>
+          <a:ext cx="0" cy="0"/>
+          <a:chOff x="0" y="0"/>
+          <a:chExt cx="0" cy="0"/>
+        </a:xfrm>
+      </p:grpSpPr>
+      <p:sp>
+        <p:nvSpPr>
+          <p:cNvPr id="42" name="PlaceHolder 1"/>
+          <p:cNvSpPr>
+            <a:spLocks noGrp="1"/>
+          </p:cNvSpPr>
+          <p:nvPr>
+            <p:ph type="title"/>
+          </p:nvPr>
+        </p:nvSpPr>
+        <p:spPr>
+          <a:xfrm>
+            <a:off x="609480" y="273600"/>
+            <a:ext cx="10972440" cy="1144800"/>
+          </a:xfrm>
+          <a:prstGeom prst="rect">
+            <a:avLst/>
+          </a:prstGeom>
+        </p:spPr>
+        <p:txBody>
+          <a:bodyPr lIns="0" rIns="0" tIns="0" bIns="0" anchor="ctr">
+            <a:noAutofit/>
+          </a:bodyPr>
+          <a:p>
+            <a:pPr algn="ctr"/>
+            <a:endParaRPr b="0" lang="en-IN" sz="4400" spc="-1" strike="noStrike">
+              <a:latin typeface="Arial"/>
+            </a:endParaRPr>
+          </a:p>
+        </p:txBody>
+      </p:sp>
+      <p:sp>
+        <p:nvSpPr>
+          <p:cNvPr id="43" name="PlaceHolder 2"/>
+          <p:cNvSpPr>
+            <a:spLocks noGrp="1"/>
+          </p:cNvSpPr>
+          <p:nvPr>
+            <p:ph type="body"/>
+          </p:nvPr>
+        </p:nvSpPr>
+        <p:spPr>
+          <a:xfrm>
+            <a:off x="609480" y="1604520"/>
+            <a:ext cx="10972440" cy="3977280"/>
+          </a:xfrm>
+          <a:prstGeom prst="rect">
+            <a:avLst/>
+          </a:prstGeom>
+        </p:spPr>
+        <p:txBody>
+          <a:bodyPr lIns="0" rIns="0" tIns="0" bIns="0">
+            <a:normAutofit/>
+          </a:bodyPr>
+          <a:p>
+            <a:endParaRPr b="0" lang="en-IN" sz="3200" spc="-1" strike="noStrike">
+              <a:latin typeface="Arial"/>
+            </a:endParaRPr>
+          </a:p>
+        </p:txBody>
+      </p:sp>
+    </p:spTree>
+  </p:cSld>
+</p:sldLayout>
+</file>
+
+<file path=ppt/slideLayouts/slideLayout16.xml><?xml version="1.0" encoding="utf-8"?>
+<p:sldLayout xmlns:a="http://schemas.openxmlformats.org/drawingml/2006/main" xmlns:p="http://schemas.openxmlformats.org/presentationml/2006/main" xmlns:r="http://schemas.openxmlformats.org/officeDocument/2006/relationships" xmlns:p14="http://schemas.microsoft.com/office/powerpoint/2010/main" xmlns:p15="http://schemas.microsoft.com/office/powerpoint/2012/main" xmlns:mc="http://schemas.openxmlformats.org/markup-compatibility/2006" type="twoObj" preserve="1">
+  <p:cSld name="Title, 2 Content">
+    <p:spTree>
+      <p:nvGrpSpPr>
+        <p:cNvPr id="1" name=""/>
+        <p:cNvGrpSpPr/>
+        <p:nvPr/>
+      </p:nvGrpSpPr>
+      <p:grpSpPr>
+        <a:xfrm>
+          <a:off x="0" y="0"/>
+          <a:ext cx="0" cy="0"/>
+          <a:chOff x="0" y="0"/>
+          <a:chExt cx="0" cy="0"/>
+        </a:xfrm>
+      </p:grpSpPr>
+      <p:sp>
+        <p:nvSpPr>
+          <p:cNvPr id="44" name="PlaceHolder 1"/>
+          <p:cNvSpPr>
+            <a:spLocks noGrp="1"/>
+          </p:cNvSpPr>
+          <p:nvPr>
+            <p:ph type="title"/>
+          </p:nvPr>
+        </p:nvSpPr>
+        <p:spPr>
+          <a:xfrm>
+            <a:off x="609480" y="273600"/>
+            <a:ext cx="10972440" cy="1144800"/>
+          </a:xfrm>
+          <a:prstGeom prst="rect">
+            <a:avLst/>
+          </a:prstGeom>
+        </p:spPr>
+        <p:txBody>
+          <a:bodyPr lIns="0" rIns="0" tIns="0" bIns="0" anchor="ctr">
+            <a:noAutofit/>
+          </a:bodyPr>
+          <a:p>
+            <a:pPr algn="ctr"/>
+            <a:endParaRPr b="0" lang="en-IN" sz="4400" spc="-1" strike="noStrike">
+              <a:latin typeface="Arial"/>
+            </a:endParaRPr>
+          </a:p>
+        </p:txBody>
+      </p:sp>
+      <p:sp>
+        <p:nvSpPr>
+          <p:cNvPr id="45" name="PlaceHolder 2"/>
+          <p:cNvSpPr>
+            <a:spLocks noGrp="1"/>
+          </p:cNvSpPr>
+          <p:nvPr>
+            <p:ph type="body"/>
+          </p:nvPr>
+        </p:nvSpPr>
+        <p:spPr>
+          <a:xfrm>
+            <a:off x="609480" y="1604520"/>
+            <a:ext cx="5354280" cy="3977280"/>
+          </a:xfrm>
+          <a:prstGeom prst="rect">
+            <a:avLst/>
+          </a:prstGeom>
+        </p:spPr>
+        <p:txBody>
+          <a:bodyPr lIns="0" rIns="0" tIns="0" bIns="0">
+            <a:normAutofit/>
+          </a:bodyPr>
+          <a:p>
+            <a:endParaRPr b="0" lang="en-IN" sz="3200" spc="-1" strike="noStrike">
+              <a:latin typeface="Arial"/>
+            </a:endParaRPr>
+          </a:p>
+        </p:txBody>
+      </p:sp>
+      <p:sp>
+        <p:nvSpPr>
+          <p:cNvPr id="46" name="PlaceHolder 3"/>
+          <p:cNvSpPr>
+            <a:spLocks noGrp="1"/>
+          </p:cNvSpPr>
+          <p:nvPr>
+            <p:ph type="body"/>
+          </p:nvPr>
+        </p:nvSpPr>
+        <p:spPr>
+          <a:xfrm>
+            <a:off x="6231960" y="1604520"/>
+            <a:ext cx="5354280" cy="3977280"/>
+          </a:xfrm>
+          <a:prstGeom prst="rect">
+            <a:avLst/>
+          </a:prstGeom>
+        </p:spPr>
+        <p:txBody>
+          <a:bodyPr lIns="0" rIns="0" tIns="0" bIns="0">
+            <a:normAutofit/>
+          </a:bodyPr>
+          <a:p>
+            <a:endParaRPr b="0" lang="en-IN" sz="3200" spc="-1" strike="noStrike">
+              <a:latin typeface="Arial"/>
+            </a:endParaRPr>
+          </a:p>
+        </p:txBody>
+      </p:sp>
+    </p:spTree>
+  </p:cSld>
+</p:sldLayout>
+</file>
+
+<file path=ppt/slideLayouts/slideLayout17.xml><?xml version="1.0" encoding="utf-8"?>
+<p:sldLayout xmlns:a="http://schemas.openxmlformats.org/drawingml/2006/main" xmlns:p="http://schemas.openxmlformats.org/presentationml/2006/main" xmlns:r="http://schemas.openxmlformats.org/officeDocument/2006/relationships" xmlns:p14="http://schemas.microsoft.com/office/powerpoint/2010/main" xmlns:p15="http://schemas.microsoft.com/office/powerpoint/2012/main" xmlns:mc="http://schemas.openxmlformats.org/markup-compatibility/2006" type="titleOnly" preserve="1">
+  <p:cSld name="Title Only">
+    <p:spTree>
+      <p:nvGrpSpPr>
+        <p:cNvPr id="1" name=""/>
+        <p:cNvGrpSpPr/>
+        <p:nvPr/>
+      </p:nvGrpSpPr>
+      <p:grpSpPr>
+        <a:xfrm>
+          <a:off x="0" y="0"/>
+          <a:ext cx="0" cy="0"/>
+          <a:chOff x="0" y="0"/>
+          <a:chExt cx="0" cy="0"/>
+        </a:xfrm>
+      </p:grpSpPr>
+      <p:sp>
+        <p:nvSpPr>
+          <p:cNvPr id="47" name="PlaceHolder 1"/>
+          <p:cNvSpPr>
+            <a:spLocks noGrp="1"/>
+          </p:cNvSpPr>
+          <p:nvPr>
+            <p:ph type="title"/>
+          </p:nvPr>
+        </p:nvSpPr>
+        <p:spPr>
+          <a:xfrm>
+            <a:off x="609480" y="273600"/>
+            <a:ext cx="10972440" cy="1144800"/>
+          </a:xfrm>
+          <a:prstGeom prst="rect">
+            <a:avLst/>
+          </a:prstGeom>
+        </p:spPr>
+        <p:txBody>
+          <a:bodyPr lIns="0" rIns="0" tIns="0" bIns="0" anchor="ctr">
+            <a:noAutofit/>
+          </a:bodyPr>
+          <a:p>
+            <a:pPr algn="ctr"/>
+            <a:endParaRPr b="0" lang="en-IN" sz="4400" spc="-1" strike="noStrike">
+              <a:latin typeface="Arial"/>
+            </a:endParaRPr>
+          </a:p>
+        </p:txBody>
+      </p:sp>
+    </p:spTree>
+  </p:cSld>
+</p:sldLayout>
+</file>
+
+<file path=ppt/slideLayouts/slideLayout18.xml><?xml version="1.0" encoding="utf-8"?>
+<p:sldLayout xmlns:a="http://schemas.openxmlformats.org/drawingml/2006/main" xmlns:p="http://schemas.openxmlformats.org/presentationml/2006/main" xmlns:r="http://schemas.openxmlformats.org/officeDocument/2006/relationships" xmlns:p14="http://schemas.microsoft.com/office/powerpoint/2010/main" xmlns:p15="http://schemas.microsoft.com/office/powerpoint/2012/main" xmlns:mc="http://schemas.openxmlformats.org/markup-compatibility/2006" type="objOnly" preserve="1">
+  <p:cSld name="Centered Text">
+    <p:spTree>
+      <p:nvGrpSpPr>
+        <p:cNvPr id="1" name=""/>
+        <p:cNvGrpSpPr/>
+        <p:nvPr/>
+      </p:nvGrpSpPr>
+      <p:grpSpPr>
+        <a:xfrm>
+          <a:off x="0" y="0"/>
+          <a:ext cx="0" cy="0"/>
+          <a:chOff x="0" y="0"/>
+          <a:chExt cx="0" cy="0"/>
+        </a:xfrm>
+      </p:grpSpPr>
+      <p:sp>
+        <p:nvSpPr>
+          <p:cNvPr id="48" name="PlaceHolder 1"/>
+          <p:cNvSpPr>
+            <a:spLocks noGrp="1"/>
+          </p:cNvSpPr>
+          <p:nvPr>
+            <p:ph type="subTitle"/>
+          </p:nvPr>
+        </p:nvSpPr>
+        <p:spPr>
+          <a:xfrm>
+            <a:off x="609480" y="273600"/>
+            <a:ext cx="10972440" cy="5307840"/>
+          </a:xfrm>
+          <a:prstGeom prst="rect">
+            <a:avLst/>
+          </a:prstGeom>
+        </p:spPr>
+        <p:txBody>
+          <a:bodyPr lIns="0" rIns="0" tIns="0" bIns="0" anchor="ctr">
+            <a:noAutofit/>
+          </a:bodyPr>
+          <a:p>
+            <a:pPr algn="ctr"/>
+            <a:endParaRPr b="0" lang="en-IN" sz="3200" spc="-1" strike="noStrike">
+              <a:latin typeface="Arial"/>
+            </a:endParaRPr>
+          </a:p>
+        </p:txBody>
+      </p:sp>
+    </p:spTree>
+  </p:cSld>
+</p:sldLayout>
+</file>
+
+<file path=ppt/slideLayouts/slideLayout19.xml><?xml version="1.0" encoding="utf-8"?>
+<p:sldLayout xmlns:a="http://schemas.openxmlformats.org/drawingml/2006/main" xmlns:p="http://schemas.openxmlformats.org/presentationml/2006/main" xmlns:r="http://schemas.openxmlformats.org/officeDocument/2006/relationships" xmlns:p14="http://schemas.microsoft.com/office/powerpoint/2010/main" xmlns:p15="http://schemas.microsoft.com/office/powerpoint/2012/main" xmlns:mc="http://schemas.openxmlformats.org/markup-compatibility/2006" type="twoObjAndObj" preserve="1">
+  <p:cSld name="Title, 2 Content and Content">
+    <p:spTree>
+      <p:nvGrpSpPr>
+        <p:cNvPr id="1" name=""/>
+        <p:cNvGrpSpPr/>
+        <p:nvPr/>
+      </p:nvGrpSpPr>
+      <p:grpSpPr>
+        <a:xfrm>
+          <a:off x="0" y="0"/>
+          <a:ext cx="0" cy="0"/>
+          <a:chOff x="0" y="0"/>
+          <a:chExt cx="0" cy="0"/>
+        </a:xfrm>
+      </p:grpSpPr>
+      <p:sp>
+        <p:nvSpPr>
+          <p:cNvPr id="49" name="PlaceHolder 1"/>
+          <p:cNvSpPr>
+            <a:spLocks noGrp="1"/>
+          </p:cNvSpPr>
+          <p:nvPr>
+            <p:ph type="title"/>
+          </p:nvPr>
+        </p:nvSpPr>
+        <p:spPr>
+          <a:xfrm>
+            <a:off x="609480" y="273600"/>
+            <a:ext cx="10972440" cy="1144800"/>
+          </a:xfrm>
+          <a:prstGeom prst="rect">
+            <a:avLst/>
+          </a:prstGeom>
+        </p:spPr>
+        <p:txBody>
+          <a:bodyPr lIns="0" rIns="0" tIns="0" bIns="0" anchor="ctr">
+            <a:noAutofit/>
+          </a:bodyPr>
+          <a:p>
+            <a:pPr algn="ctr"/>
+            <a:endParaRPr b="0" lang="en-IN" sz="4400" spc="-1" strike="noStrike">
+              <a:latin typeface="Arial"/>
+            </a:endParaRPr>
+          </a:p>
+        </p:txBody>
+      </p:sp>
+      <p:sp>
+        <p:nvSpPr>
+          <p:cNvPr id="50" name="PlaceHolder 2"/>
+          <p:cNvSpPr>
+            <a:spLocks noGrp="1"/>
+          </p:cNvSpPr>
+          <p:nvPr>
+            <p:ph type="body"/>
+          </p:nvPr>
+        </p:nvSpPr>
+        <p:spPr>
+          <a:xfrm>
+            <a:off x="609480" y="1604520"/>
+            <a:ext cx="5354280" cy="1896840"/>
+          </a:xfrm>
+          <a:prstGeom prst="rect">
+            <a:avLst/>
+          </a:prstGeom>
+        </p:spPr>
+        <p:txBody>
+          <a:bodyPr lIns="0" rIns="0" tIns="0" bIns="0">
+            <a:normAutofit/>
+          </a:bodyPr>
+          <a:p>
+            <a:endParaRPr b="0" lang="en-IN" sz="3200" spc="-1" strike="noStrike">
+              <a:latin typeface="Arial"/>
+            </a:endParaRPr>
+          </a:p>
+        </p:txBody>
+      </p:sp>
+      <p:sp>
+        <p:nvSpPr>
+          <p:cNvPr id="51" name="PlaceHolder 3"/>
+          <p:cNvSpPr>
+            <a:spLocks noGrp="1"/>
+          </p:cNvSpPr>
+          <p:nvPr>
+            <p:ph type="body"/>
+          </p:nvPr>
+        </p:nvSpPr>
+        <p:spPr>
+          <a:xfrm>
+            <a:off x="6231960" y="1604520"/>
+            <a:ext cx="5354280" cy="3977280"/>
+          </a:xfrm>
+          <a:prstGeom prst="rect">
+            <a:avLst/>
+          </a:prstGeom>
+        </p:spPr>
+        <p:txBody>
+          <a:bodyPr lIns="0" rIns="0" tIns="0" bIns="0">
+            <a:normAutofit/>
+          </a:bodyPr>
+          <a:p>
+            <a:endParaRPr b="0" lang="en-IN" sz="3200" spc="-1" strike="noStrike">
+              <a:latin typeface="Arial"/>
+            </a:endParaRPr>
+          </a:p>
+        </p:txBody>
+      </p:sp>
+      <p:sp>
+        <p:nvSpPr>
+          <p:cNvPr id="52" name="PlaceHolder 4"/>
+          <p:cNvSpPr>
+            <a:spLocks noGrp="1"/>
+          </p:cNvSpPr>
+          <p:nvPr>
+            <p:ph type="body"/>
+          </p:nvPr>
+        </p:nvSpPr>
+        <p:spPr>
+          <a:xfrm>
+            <a:off x="609480" y="3682080"/>
+            <a:ext cx="5354280" cy="1896840"/>
+          </a:xfrm>
+          <a:prstGeom prst="rect">
+            <a:avLst/>
+          </a:prstGeom>
+        </p:spPr>
+        <p:txBody>
+          <a:bodyPr lIns="0" rIns="0" tIns="0" bIns="0">
+            <a:normAutofit/>
+          </a:bodyPr>
+          <a:p>
+            <a:endParaRPr b="0" lang="en-IN" sz="3200" spc="-1" strike="noStrike">
+              <a:latin typeface="Arial"/>
+            </a:endParaRPr>
+          </a:p>
+        </p:txBody>
+      </p:sp>
+    </p:spTree>
+  </p:cSld>
+</p:sldLayout>
+</file>
+
 <file path=ppt/slideLayouts/slideLayout2.xml><?xml version="1.0" encoding="utf-8"?>
 <p:sldLayout xmlns:a="http://schemas.openxmlformats.org/drawingml/2006/main" xmlns:p="http://schemas.openxmlformats.org/presentationml/2006/main" xmlns:r="http://schemas.openxmlformats.org/officeDocument/2006/relationships" xmlns:p14="http://schemas.microsoft.com/office/powerpoint/2010/main" xmlns:p15="http://schemas.microsoft.com/office/powerpoint/2012/main" xmlns:mc="http://schemas.openxmlformats.org/markup-compatibility/2006" type="tx" preserve="1">
   <p:cSld name="Title Slide">
@@ -627,6 +1182,1166 @@
           <a:p>
             <a:pPr algn="ctr"/>
             <a:endParaRPr b="0" lang="en-IN" sz="3200" spc="-1" strike="noStrike">
+              <a:latin typeface="Arial"/>
+            </a:endParaRPr>
+          </a:p>
+        </p:txBody>
+      </p:sp>
+    </p:spTree>
+  </p:cSld>
+</p:sldLayout>
+</file>
+
+<file path=ppt/slideLayouts/slideLayout20.xml><?xml version="1.0" encoding="utf-8"?>
+<p:sldLayout xmlns:a="http://schemas.openxmlformats.org/drawingml/2006/main" xmlns:p="http://schemas.openxmlformats.org/presentationml/2006/main" xmlns:r="http://schemas.openxmlformats.org/officeDocument/2006/relationships" xmlns:p14="http://schemas.microsoft.com/office/powerpoint/2010/main" xmlns:p15="http://schemas.microsoft.com/office/powerpoint/2012/main" xmlns:mc="http://schemas.openxmlformats.org/markup-compatibility/2006" type="objAndTwoObj" preserve="1">
+  <p:cSld name="Title Content and 2 Content">
+    <p:spTree>
+      <p:nvGrpSpPr>
+        <p:cNvPr id="1" name=""/>
+        <p:cNvGrpSpPr/>
+        <p:nvPr/>
+      </p:nvGrpSpPr>
+      <p:grpSpPr>
+        <a:xfrm>
+          <a:off x="0" y="0"/>
+          <a:ext cx="0" cy="0"/>
+          <a:chOff x="0" y="0"/>
+          <a:chExt cx="0" cy="0"/>
+        </a:xfrm>
+      </p:grpSpPr>
+      <p:sp>
+        <p:nvSpPr>
+          <p:cNvPr id="53" name="PlaceHolder 1"/>
+          <p:cNvSpPr>
+            <a:spLocks noGrp="1"/>
+          </p:cNvSpPr>
+          <p:nvPr>
+            <p:ph type="title"/>
+          </p:nvPr>
+        </p:nvSpPr>
+        <p:spPr>
+          <a:xfrm>
+            <a:off x="609480" y="273600"/>
+            <a:ext cx="10972440" cy="1144800"/>
+          </a:xfrm>
+          <a:prstGeom prst="rect">
+            <a:avLst/>
+          </a:prstGeom>
+        </p:spPr>
+        <p:txBody>
+          <a:bodyPr lIns="0" rIns="0" tIns="0" bIns="0" anchor="ctr">
+            <a:noAutofit/>
+          </a:bodyPr>
+          <a:p>
+            <a:pPr algn="ctr"/>
+            <a:endParaRPr b="0" lang="en-IN" sz="4400" spc="-1" strike="noStrike">
+              <a:latin typeface="Arial"/>
+            </a:endParaRPr>
+          </a:p>
+        </p:txBody>
+      </p:sp>
+      <p:sp>
+        <p:nvSpPr>
+          <p:cNvPr id="54" name="PlaceHolder 2"/>
+          <p:cNvSpPr>
+            <a:spLocks noGrp="1"/>
+          </p:cNvSpPr>
+          <p:nvPr>
+            <p:ph type="body"/>
+          </p:nvPr>
+        </p:nvSpPr>
+        <p:spPr>
+          <a:xfrm>
+            <a:off x="609480" y="1604520"/>
+            <a:ext cx="5354280" cy="3977280"/>
+          </a:xfrm>
+          <a:prstGeom prst="rect">
+            <a:avLst/>
+          </a:prstGeom>
+        </p:spPr>
+        <p:txBody>
+          <a:bodyPr lIns="0" rIns="0" tIns="0" bIns="0">
+            <a:normAutofit/>
+          </a:bodyPr>
+          <a:p>
+            <a:endParaRPr b="0" lang="en-IN" sz="3200" spc="-1" strike="noStrike">
+              <a:latin typeface="Arial"/>
+            </a:endParaRPr>
+          </a:p>
+        </p:txBody>
+      </p:sp>
+      <p:sp>
+        <p:nvSpPr>
+          <p:cNvPr id="55" name="PlaceHolder 3"/>
+          <p:cNvSpPr>
+            <a:spLocks noGrp="1"/>
+          </p:cNvSpPr>
+          <p:nvPr>
+            <p:ph type="body"/>
+          </p:nvPr>
+        </p:nvSpPr>
+        <p:spPr>
+          <a:xfrm>
+            <a:off x="6231960" y="1604520"/>
+            <a:ext cx="5354280" cy="1896840"/>
+          </a:xfrm>
+          <a:prstGeom prst="rect">
+            <a:avLst/>
+          </a:prstGeom>
+        </p:spPr>
+        <p:txBody>
+          <a:bodyPr lIns="0" rIns="0" tIns="0" bIns="0">
+            <a:normAutofit/>
+          </a:bodyPr>
+          <a:p>
+            <a:endParaRPr b="0" lang="en-IN" sz="3200" spc="-1" strike="noStrike">
+              <a:latin typeface="Arial"/>
+            </a:endParaRPr>
+          </a:p>
+        </p:txBody>
+      </p:sp>
+      <p:sp>
+        <p:nvSpPr>
+          <p:cNvPr id="56" name="PlaceHolder 4"/>
+          <p:cNvSpPr>
+            <a:spLocks noGrp="1"/>
+          </p:cNvSpPr>
+          <p:nvPr>
+            <p:ph type="body"/>
+          </p:nvPr>
+        </p:nvSpPr>
+        <p:spPr>
+          <a:xfrm>
+            <a:off x="6231960" y="3682080"/>
+            <a:ext cx="5354280" cy="1896840"/>
+          </a:xfrm>
+          <a:prstGeom prst="rect">
+            <a:avLst/>
+          </a:prstGeom>
+        </p:spPr>
+        <p:txBody>
+          <a:bodyPr lIns="0" rIns="0" tIns="0" bIns="0">
+            <a:normAutofit/>
+          </a:bodyPr>
+          <a:p>
+            <a:endParaRPr b="0" lang="en-IN" sz="3200" spc="-1" strike="noStrike">
+              <a:latin typeface="Arial"/>
+            </a:endParaRPr>
+          </a:p>
+        </p:txBody>
+      </p:sp>
+    </p:spTree>
+  </p:cSld>
+</p:sldLayout>
+</file>
+
+<file path=ppt/slideLayouts/slideLayout21.xml><?xml version="1.0" encoding="utf-8"?>
+<p:sldLayout xmlns:a="http://schemas.openxmlformats.org/drawingml/2006/main" xmlns:p="http://schemas.openxmlformats.org/presentationml/2006/main" xmlns:r="http://schemas.openxmlformats.org/officeDocument/2006/relationships" xmlns:p14="http://schemas.microsoft.com/office/powerpoint/2010/main" xmlns:p15="http://schemas.microsoft.com/office/powerpoint/2012/main" xmlns:mc="http://schemas.openxmlformats.org/markup-compatibility/2006" type="twoObjOverTx" preserve="1">
+  <p:cSld name="Title, 2 Content over Content">
+    <p:spTree>
+      <p:nvGrpSpPr>
+        <p:cNvPr id="1" name=""/>
+        <p:cNvGrpSpPr/>
+        <p:nvPr/>
+      </p:nvGrpSpPr>
+      <p:grpSpPr>
+        <a:xfrm>
+          <a:off x="0" y="0"/>
+          <a:ext cx="0" cy="0"/>
+          <a:chOff x="0" y="0"/>
+          <a:chExt cx="0" cy="0"/>
+        </a:xfrm>
+      </p:grpSpPr>
+      <p:sp>
+        <p:nvSpPr>
+          <p:cNvPr id="57" name="PlaceHolder 1"/>
+          <p:cNvSpPr>
+            <a:spLocks noGrp="1"/>
+          </p:cNvSpPr>
+          <p:nvPr>
+            <p:ph type="title"/>
+          </p:nvPr>
+        </p:nvSpPr>
+        <p:spPr>
+          <a:xfrm>
+            <a:off x="609480" y="273600"/>
+            <a:ext cx="10972440" cy="1144800"/>
+          </a:xfrm>
+          <a:prstGeom prst="rect">
+            <a:avLst/>
+          </a:prstGeom>
+        </p:spPr>
+        <p:txBody>
+          <a:bodyPr lIns="0" rIns="0" tIns="0" bIns="0" anchor="ctr">
+            <a:noAutofit/>
+          </a:bodyPr>
+          <a:p>
+            <a:pPr algn="ctr"/>
+            <a:endParaRPr b="0" lang="en-IN" sz="4400" spc="-1" strike="noStrike">
+              <a:latin typeface="Arial"/>
+            </a:endParaRPr>
+          </a:p>
+        </p:txBody>
+      </p:sp>
+      <p:sp>
+        <p:nvSpPr>
+          <p:cNvPr id="58" name="PlaceHolder 2"/>
+          <p:cNvSpPr>
+            <a:spLocks noGrp="1"/>
+          </p:cNvSpPr>
+          <p:nvPr>
+            <p:ph type="body"/>
+          </p:nvPr>
+        </p:nvSpPr>
+        <p:spPr>
+          <a:xfrm>
+            <a:off x="609480" y="1604520"/>
+            <a:ext cx="5354280" cy="1896840"/>
+          </a:xfrm>
+          <a:prstGeom prst="rect">
+            <a:avLst/>
+          </a:prstGeom>
+        </p:spPr>
+        <p:txBody>
+          <a:bodyPr lIns="0" rIns="0" tIns="0" bIns="0">
+            <a:normAutofit/>
+          </a:bodyPr>
+          <a:p>
+            <a:endParaRPr b="0" lang="en-IN" sz="3200" spc="-1" strike="noStrike">
+              <a:latin typeface="Arial"/>
+            </a:endParaRPr>
+          </a:p>
+        </p:txBody>
+      </p:sp>
+      <p:sp>
+        <p:nvSpPr>
+          <p:cNvPr id="59" name="PlaceHolder 3"/>
+          <p:cNvSpPr>
+            <a:spLocks noGrp="1"/>
+          </p:cNvSpPr>
+          <p:nvPr>
+            <p:ph type="body"/>
+          </p:nvPr>
+        </p:nvSpPr>
+        <p:spPr>
+          <a:xfrm>
+            <a:off x="6231960" y="1604520"/>
+            <a:ext cx="5354280" cy="1896840"/>
+          </a:xfrm>
+          <a:prstGeom prst="rect">
+            <a:avLst/>
+          </a:prstGeom>
+        </p:spPr>
+        <p:txBody>
+          <a:bodyPr lIns="0" rIns="0" tIns="0" bIns="0">
+            <a:normAutofit/>
+          </a:bodyPr>
+          <a:p>
+            <a:endParaRPr b="0" lang="en-IN" sz="3200" spc="-1" strike="noStrike">
+              <a:latin typeface="Arial"/>
+            </a:endParaRPr>
+          </a:p>
+        </p:txBody>
+      </p:sp>
+      <p:sp>
+        <p:nvSpPr>
+          <p:cNvPr id="60" name="PlaceHolder 4"/>
+          <p:cNvSpPr>
+            <a:spLocks noGrp="1"/>
+          </p:cNvSpPr>
+          <p:nvPr>
+            <p:ph type="body"/>
+          </p:nvPr>
+        </p:nvSpPr>
+        <p:spPr>
+          <a:xfrm>
+            <a:off x="609480" y="3682080"/>
+            <a:ext cx="10972440" cy="1896840"/>
+          </a:xfrm>
+          <a:prstGeom prst="rect">
+            <a:avLst/>
+          </a:prstGeom>
+        </p:spPr>
+        <p:txBody>
+          <a:bodyPr lIns="0" rIns="0" tIns="0" bIns="0">
+            <a:normAutofit/>
+          </a:bodyPr>
+          <a:p>
+            <a:endParaRPr b="0" lang="en-IN" sz="3200" spc="-1" strike="noStrike">
+              <a:latin typeface="Arial"/>
+            </a:endParaRPr>
+          </a:p>
+        </p:txBody>
+      </p:sp>
+    </p:spTree>
+  </p:cSld>
+</p:sldLayout>
+</file>
+
+<file path=ppt/slideLayouts/slideLayout22.xml><?xml version="1.0" encoding="utf-8"?>
+<p:sldLayout xmlns:a="http://schemas.openxmlformats.org/drawingml/2006/main" xmlns:p="http://schemas.openxmlformats.org/presentationml/2006/main" xmlns:r="http://schemas.openxmlformats.org/officeDocument/2006/relationships" xmlns:p14="http://schemas.microsoft.com/office/powerpoint/2010/main" xmlns:p15="http://schemas.microsoft.com/office/powerpoint/2012/main" xmlns:mc="http://schemas.openxmlformats.org/markup-compatibility/2006" type="objOverTx" preserve="1">
+  <p:cSld name="Title, Content over Content">
+    <p:spTree>
+      <p:nvGrpSpPr>
+        <p:cNvPr id="1" name=""/>
+        <p:cNvGrpSpPr/>
+        <p:nvPr/>
+      </p:nvGrpSpPr>
+      <p:grpSpPr>
+        <a:xfrm>
+          <a:off x="0" y="0"/>
+          <a:ext cx="0" cy="0"/>
+          <a:chOff x="0" y="0"/>
+          <a:chExt cx="0" cy="0"/>
+        </a:xfrm>
+      </p:grpSpPr>
+      <p:sp>
+        <p:nvSpPr>
+          <p:cNvPr id="61" name="PlaceHolder 1"/>
+          <p:cNvSpPr>
+            <a:spLocks noGrp="1"/>
+          </p:cNvSpPr>
+          <p:nvPr>
+            <p:ph type="title"/>
+          </p:nvPr>
+        </p:nvSpPr>
+        <p:spPr>
+          <a:xfrm>
+            <a:off x="609480" y="273600"/>
+            <a:ext cx="10972440" cy="1144800"/>
+          </a:xfrm>
+          <a:prstGeom prst="rect">
+            <a:avLst/>
+          </a:prstGeom>
+        </p:spPr>
+        <p:txBody>
+          <a:bodyPr lIns="0" rIns="0" tIns="0" bIns="0" anchor="ctr">
+            <a:noAutofit/>
+          </a:bodyPr>
+          <a:p>
+            <a:pPr algn="ctr"/>
+            <a:endParaRPr b="0" lang="en-IN" sz="4400" spc="-1" strike="noStrike">
+              <a:latin typeface="Arial"/>
+            </a:endParaRPr>
+          </a:p>
+        </p:txBody>
+      </p:sp>
+      <p:sp>
+        <p:nvSpPr>
+          <p:cNvPr id="62" name="PlaceHolder 2"/>
+          <p:cNvSpPr>
+            <a:spLocks noGrp="1"/>
+          </p:cNvSpPr>
+          <p:nvPr>
+            <p:ph type="body"/>
+          </p:nvPr>
+        </p:nvSpPr>
+        <p:spPr>
+          <a:xfrm>
+            <a:off x="609480" y="1604520"/>
+            <a:ext cx="10972440" cy="1896840"/>
+          </a:xfrm>
+          <a:prstGeom prst="rect">
+            <a:avLst/>
+          </a:prstGeom>
+        </p:spPr>
+        <p:txBody>
+          <a:bodyPr lIns="0" rIns="0" tIns="0" bIns="0">
+            <a:normAutofit/>
+          </a:bodyPr>
+          <a:p>
+            <a:endParaRPr b="0" lang="en-IN" sz="3200" spc="-1" strike="noStrike">
+              <a:latin typeface="Arial"/>
+            </a:endParaRPr>
+          </a:p>
+        </p:txBody>
+      </p:sp>
+      <p:sp>
+        <p:nvSpPr>
+          <p:cNvPr id="63" name="PlaceHolder 3"/>
+          <p:cNvSpPr>
+            <a:spLocks noGrp="1"/>
+          </p:cNvSpPr>
+          <p:nvPr>
+            <p:ph type="body"/>
+          </p:nvPr>
+        </p:nvSpPr>
+        <p:spPr>
+          <a:xfrm>
+            <a:off x="609480" y="3682080"/>
+            <a:ext cx="10972440" cy="1896840"/>
+          </a:xfrm>
+          <a:prstGeom prst="rect">
+            <a:avLst/>
+          </a:prstGeom>
+        </p:spPr>
+        <p:txBody>
+          <a:bodyPr lIns="0" rIns="0" tIns="0" bIns="0">
+            <a:normAutofit/>
+          </a:bodyPr>
+          <a:p>
+            <a:endParaRPr b="0" lang="en-IN" sz="3200" spc="-1" strike="noStrike">
+              <a:latin typeface="Arial"/>
+            </a:endParaRPr>
+          </a:p>
+        </p:txBody>
+      </p:sp>
+    </p:spTree>
+  </p:cSld>
+</p:sldLayout>
+</file>
+
+<file path=ppt/slideLayouts/slideLayout23.xml><?xml version="1.0" encoding="utf-8"?>
+<p:sldLayout xmlns:a="http://schemas.openxmlformats.org/drawingml/2006/main" xmlns:p="http://schemas.openxmlformats.org/presentationml/2006/main" xmlns:r="http://schemas.openxmlformats.org/officeDocument/2006/relationships" xmlns:p14="http://schemas.microsoft.com/office/powerpoint/2010/main" xmlns:p15="http://schemas.microsoft.com/office/powerpoint/2012/main" xmlns:mc="http://schemas.openxmlformats.org/markup-compatibility/2006" type="fourObj" preserve="1">
+  <p:cSld name="Title, 4 Content">
+    <p:spTree>
+      <p:nvGrpSpPr>
+        <p:cNvPr id="1" name=""/>
+        <p:cNvGrpSpPr/>
+        <p:nvPr/>
+      </p:nvGrpSpPr>
+      <p:grpSpPr>
+        <a:xfrm>
+          <a:off x="0" y="0"/>
+          <a:ext cx="0" cy="0"/>
+          <a:chOff x="0" y="0"/>
+          <a:chExt cx="0" cy="0"/>
+        </a:xfrm>
+      </p:grpSpPr>
+      <p:sp>
+        <p:nvSpPr>
+          <p:cNvPr id="64" name="PlaceHolder 1"/>
+          <p:cNvSpPr>
+            <a:spLocks noGrp="1"/>
+          </p:cNvSpPr>
+          <p:nvPr>
+            <p:ph type="title"/>
+          </p:nvPr>
+        </p:nvSpPr>
+        <p:spPr>
+          <a:xfrm>
+            <a:off x="609480" y="273600"/>
+            <a:ext cx="10972440" cy="1144800"/>
+          </a:xfrm>
+          <a:prstGeom prst="rect">
+            <a:avLst/>
+          </a:prstGeom>
+        </p:spPr>
+        <p:txBody>
+          <a:bodyPr lIns="0" rIns="0" tIns="0" bIns="0" anchor="ctr">
+            <a:noAutofit/>
+          </a:bodyPr>
+          <a:p>
+            <a:pPr algn="ctr"/>
+            <a:endParaRPr b="0" lang="en-IN" sz="4400" spc="-1" strike="noStrike">
+              <a:latin typeface="Arial"/>
+            </a:endParaRPr>
+          </a:p>
+        </p:txBody>
+      </p:sp>
+      <p:sp>
+        <p:nvSpPr>
+          <p:cNvPr id="65" name="PlaceHolder 2"/>
+          <p:cNvSpPr>
+            <a:spLocks noGrp="1"/>
+          </p:cNvSpPr>
+          <p:nvPr>
+            <p:ph type="body"/>
+          </p:nvPr>
+        </p:nvSpPr>
+        <p:spPr>
+          <a:xfrm>
+            <a:off x="609480" y="1604520"/>
+            <a:ext cx="5354280" cy="1896840"/>
+          </a:xfrm>
+          <a:prstGeom prst="rect">
+            <a:avLst/>
+          </a:prstGeom>
+        </p:spPr>
+        <p:txBody>
+          <a:bodyPr lIns="0" rIns="0" tIns="0" bIns="0">
+            <a:normAutofit/>
+          </a:bodyPr>
+          <a:p>
+            <a:endParaRPr b="0" lang="en-IN" sz="3200" spc="-1" strike="noStrike">
+              <a:latin typeface="Arial"/>
+            </a:endParaRPr>
+          </a:p>
+        </p:txBody>
+      </p:sp>
+      <p:sp>
+        <p:nvSpPr>
+          <p:cNvPr id="66" name="PlaceHolder 3"/>
+          <p:cNvSpPr>
+            <a:spLocks noGrp="1"/>
+          </p:cNvSpPr>
+          <p:nvPr>
+            <p:ph type="body"/>
+          </p:nvPr>
+        </p:nvSpPr>
+        <p:spPr>
+          <a:xfrm>
+            <a:off x="6231960" y="1604520"/>
+            <a:ext cx="5354280" cy="1896840"/>
+          </a:xfrm>
+          <a:prstGeom prst="rect">
+            <a:avLst/>
+          </a:prstGeom>
+        </p:spPr>
+        <p:txBody>
+          <a:bodyPr lIns="0" rIns="0" tIns="0" bIns="0">
+            <a:normAutofit/>
+          </a:bodyPr>
+          <a:p>
+            <a:endParaRPr b="0" lang="en-IN" sz="3200" spc="-1" strike="noStrike">
+              <a:latin typeface="Arial"/>
+            </a:endParaRPr>
+          </a:p>
+        </p:txBody>
+      </p:sp>
+      <p:sp>
+        <p:nvSpPr>
+          <p:cNvPr id="67" name="PlaceHolder 4"/>
+          <p:cNvSpPr>
+            <a:spLocks noGrp="1"/>
+          </p:cNvSpPr>
+          <p:nvPr>
+            <p:ph type="body"/>
+          </p:nvPr>
+        </p:nvSpPr>
+        <p:spPr>
+          <a:xfrm>
+            <a:off x="609480" y="3682080"/>
+            <a:ext cx="5354280" cy="1896840"/>
+          </a:xfrm>
+          <a:prstGeom prst="rect">
+            <a:avLst/>
+          </a:prstGeom>
+        </p:spPr>
+        <p:txBody>
+          <a:bodyPr lIns="0" rIns="0" tIns="0" bIns="0">
+            <a:normAutofit/>
+          </a:bodyPr>
+          <a:p>
+            <a:endParaRPr b="0" lang="en-IN" sz="3200" spc="-1" strike="noStrike">
+              <a:latin typeface="Arial"/>
+            </a:endParaRPr>
+          </a:p>
+        </p:txBody>
+      </p:sp>
+      <p:sp>
+        <p:nvSpPr>
+          <p:cNvPr id="68" name="PlaceHolder 5"/>
+          <p:cNvSpPr>
+            <a:spLocks noGrp="1"/>
+          </p:cNvSpPr>
+          <p:nvPr>
+            <p:ph type="body"/>
+          </p:nvPr>
+        </p:nvSpPr>
+        <p:spPr>
+          <a:xfrm>
+            <a:off x="6231960" y="3682080"/>
+            <a:ext cx="5354280" cy="1896840"/>
+          </a:xfrm>
+          <a:prstGeom prst="rect">
+            <a:avLst/>
+          </a:prstGeom>
+        </p:spPr>
+        <p:txBody>
+          <a:bodyPr lIns="0" rIns="0" tIns="0" bIns="0">
+            <a:normAutofit/>
+          </a:bodyPr>
+          <a:p>
+            <a:endParaRPr b="0" lang="en-IN" sz="3200" spc="-1" strike="noStrike">
+              <a:latin typeface="Arial"/>
+            </a:endParaRPr>
+          </a:p>
+        </p:txBody>
+      </p:sp>
+    </p:spTree>
+  </p:cSld>
+</p:sldLayout>
+</file>
+
+<file path=ppt/slideLayouts/slideLayout24.xml><?xml version="1.0" encoding="utf-8"?>
+<p:sldLayout xmlns:a="http://schemas.openxmlformats.org/drawingml/2006/main" xmlns:p="http://schemas.openxmlformats.org/presentationml/2006/main" xmlns:r="http://schemas.openxmlformats.org/officeDocument/2006/relationships" xmlns:p14="http://schemas.microsoft.com/office/powerpoint/2010/main" xmlns:p15="http://schemas.microsoft.com/office/powerpoint/2012/main" xmlns:mc="http://schemas.openxmlformats.org/markup-compatibility/2006" type="blank" preserve="1">
+  <p:cSld name="Title, 6 Content">
+    <p:spTree>
+      <p:nvGrpSpPr>
+        <p:cNvPr id="1" name=""/>
+        <p:cNvGrpSpPr/>
+        <p:nvPr/>
+      </p:nvGrpSpPr>
+      <p:grpSpPr>
+        <a:xfrm>
+          <a:off x="0" y="0"/>
+          <a:ext cx="0" cy="0"/>
+          <a:chOff x="0" y="0"/>
+          <a:chExt cx="0" cy="0"/>
+        </a:xfrm>
+      </p:grpSpPr>
+      <p:sp>
+        <p:nvSpPr>
+          <p:cNvPr id="69" name="PlaceHolder 1"/>
+          <p:cNvSpPr>
+            <a:spLocks noGrp="1"/>
+          </p:cNvSpPr>
+          <p:nvPr>
+            <p:ph type="title"/>
+          </p:nvPr>
+        </p:nvSpPr>
+        <p:spPr>
+          <a:xfrm>
+            <a:off x="609480" y="273600"/>
+            <a:ext cx="10972440" cy="1144800"/>
+          </a:xfrm>
+          <a:prstGeom prst="rect">
+            <a:avLst/>
+          </a:prstGeom>
+        </p:spPr>
+        <p:txBody>
+          <a:bodyPr lIns="0" rIns="0" tIns="0" bIns="0" anchor="ctr">
+            <a:noAutofit/>
+          </a:bodyPr>
+          <a:p>
+            <a:pPr algn="ctr"/>
+            <a:endParaRPr b="0" lang="en-IN" sz="4400" spc="-1" strike="noStrike">
+              <a:latin typeface="Arial"/>
+            </a:endParaRPr>
+          </a:p>
+        </p:txBody>
+      </p:sp>
+      <p:sp>
+        <p:nvSpPr>
+          <p:cNvPr id="70" name="PlaceHolder 2"/>
+          <p:cNvSpPr>
+            <a:spLocks noGrp="1"/>
+          </p:cNvSpPr>
+          <p:nvPr>
+            <p:ph type="body"/>
+          </p:nvPr>
+        </p:nvSpPr>
+        <p:spPr>
+          <a:xfrm>
+            <a:off x="609480" y="1604520"/>
+            <a:ext cx="3533040" cy="1896840"/>
+          </a:xfrm>
+          <a:prstGeom prst="rect">
+            <a:avLst/>
+          </a:prstGeom>
+        </p:spPr>
+        <p:txBody>
+          <a:bodyPr lIns="0" rIns="0" tIns="0" bIns="0">
+            <a:normAutofit/>
+          </a:bodyPr>
+          <a:p>
+            <a:endParaRPr b="0" lang="en-IN" sz="3200" spc="-1" strike="noStrike">
+              <a:latin typeface="Arial"/>
+            </a:endParaRPr>
+          </a:p>
+        </p:txBody>
+      </p:sp>
+      <p:sp>
+        <p:nvSpPr>
+          <p:cNvPr id="71" name="PlaceHolder 3"/>
+          <p:cNvSpPr>
+            <a:spLocks noGrp="1"/>
+          </p:cNvSpPr>
+          <p:nvPr>
+            <p:ph type="body"/>
+          </p:nvPr>
+        </p:nvSpPr>
+        <p:spPr>
+          <a:xfrm>
+            <a:off x="4319640" y="1604520"/>
+            <a:ext cx="3533040" cy="1896840"/>
+          </a:xfrm>
+          <a:prstGeom prst="rect">
+            <a:avLst/>
+          </a:prstGeom>
+        </p:spPr>
+        <p:txBody>
+          <a:bodyPr lIns="0" rIns="0" tIns="0" bIns="0">
+            <a:normAutofit/>
+          </a:bodyPr>
+          <a:p>
+            <a:endParaRPr b="0" lang="en-IN" sz="3200" spc="-1" strike="noStrike">
+              <a:latin typeface="Arial"/>
+            </a:endParaRPr>
+          </a:p>
+        </p:txBody>
+      </p:sp>
+      <p:sp>
+        <p:nvSpPr>
+          <p:cNvPr id="72" name="PlaceHolder 4"/>
+          <p:cNvSpPr>
+            <a:spLocks noGrp="1"/>
+          </p:cNvSpPr>
+          <p:nvPr>
+            <p:ph type="body"/>
+          </p:nvPr>
+        </p:nvSpPr>
+        <p:spPr>
+          <a:xfrm>
+            <a:off x="8029800" y="1604520"/>
+            <a:ext cx="3533040" cy="1896840"/>
+          </a:xfrm>
+          <a:prstGeom prst="rect">
+            <a:avLst/>
+          </a:prstGeom>
+        </p:spPr>
+        <p:txBody>
+          <a:bodyPr lIns="0" rIns="0" tIns="0" bIns="0">
+            <a:normAutofit/>
+          </a:bodyPr>
+          <a:p>
+            <a:endParaRPr b="0" lang="en-IN" sz="3200" spc="-1" strike="noStrike">
+              <a:latin typeface="Arial"/>
+            </a:endParaRPr>
+          </a:p>
+        </p:txBody>
+      </p:sp>
+      <p:sp>
+        <p:nvSpPr>
+          <p:cNvPr id="73" name="PlaceHolder 5"/>
+          <p:cNvSpPr>
+            <a:spLocks noGrp="1"/>
+          </p:cNvSpPr>
+          <p:nvPr>
+            <p:ph type="body"/>
+          </p:nvPr>
+        </p:nvSpPr>
+        <p:spPr>
+          <a:xfrm>
+            <a:off x="609480" y="3682080"/>
+            <a:ext cx="3533040" cy="1896840"/>
+          </a:xfrm>
+          <a:prstGeom prst="rect">
+            <a:avLst/>
+          </a:prstGeom>
+        </p:spPr>
+        <p:txBody>
+          <a:bodyPr lIns="0" rIns="0" tIns="0" bIns="0">
+            <a:normAutofit/>
+          </a:bodyPr>
+          <a:p>
+            <a:endParaRPr b="0" lang="en-IN" sz="3200" spc="-1" strike="noStrike">
+              <a:latin typeface="Arial"/>
+            </a:endParaRPr>
+          </a:p>
+        </p:txBody>
+      </p:sp>
+      <p:sp>
+        <p:nvSpPr>
+          <p:cNvPr id="74" name="PlaceHolder 6"/>
+          <p:cNvSpPr>
+            <a:spLocks noGrp="1"/>
+          </p:cNvSpPr>
+          <p:nvPr>
+            <p:ph type="body"/>
+          </p:nvPr>
+        </p:nvSpPr>
+        <p:spPr>
+          <a:xfrm>
+            <a:off x="4319640" y="3682080"/>
+            <a:ext cx="3533040" cy="1896840"/>
+          </a:xfrm>
+          <a:prstGeom prst="rect">
+            <a:avLst/>
+          </a:prstGeom>
+        </p:spPr>
+        <p:txBody>
+          <a:bodyPr lIns="0" rIns="0" tIns="0" bIns="0">
+            <a:normAutofit/>
+          </a:bodyPr>
+          <a:p>
+            <a:endParaRPr b="0" lang="en-IN" sz="3200" spc="-1" strike="noStrike">
+              <a:latin typeface="Arial"/>
+            </a:endParaRPr>
+          </a:p>
+        </p:txBody>
+      </p:sp>
+      <p:sp>
+        <p:nvSpPr>
+          <p:cNvPr id="75" name="PlaceHolder 7"/>
+          <p:cNvSpPr>
+            <a:spLocks noGrp="1"/>
+          </p:cNvSpPr>
+          <p:nvPr>
+            <p:ph type="body"/>
+          </p:nvPr>
+        </p:nvSpPr>
+        <p:spPr>
+          <a:xfrm>
+            <a:off x="8029800" y="3682080"/>
+            <a:ext cx="3533040" cy="1896840"/>
+          </a:xfrm>
+          <a:prstGeom prst="rect">
+            <a:avLst/>
+          </a:prstGeom>
+        </p:spPr>
+        <p:txBody>
+          <a:bodyPr lIns="0" rIns="0" tIns="0" bIns="0">
+            <a:normAutofit/>
+          </a:bodyPr>
+          <a:p>
+            <a:endParaRPr b="0" lang="en-IN" sz="3200" spc="-1" strike="noStrike">
+              <a:latin typeface="Arial"/>
+            </a:endParaRPr>
+          </a:p>
+        </p:txBody>
+      </p:sp>
+    </p:spTree>
+  </p:cSld>
+</p:sldLayout>
+</file>
+
+<file path=ppt/slideLayouts/slideLayout25.xml><?xml version="1.0" encoding="utf-8"?>
+<p:sldLayout xmlns:a="http://schemas.openxmlformats.org/drawingml/2006/main" xmlns:p="http://schemas.openxmlformats.org/presentationml/2006/main" xmlns:r="http://schemas.openxmlformats.org/officeDocument/2006/relationships" xmlns:p14="http://schemas.microsoft.com/office/powerpoint/2010/main" xmlns:p15="http://schemas.microsoft.com/office/powerpoint/2012/main" xmlns:mc="http://schemas.openxmlformats.org/markup-compatibility/2006" type="blank" preserve="1">
+  <p:cSld name="Blank Slide">
+    <p:spTree>
+      <p:nvGrpSpPr>
+        <p:cNvPr id="1" name=""/>
+        <p:cNvGrpSpPr/>
+        <p:nvPr/>
+      </p:nvGrpSpPr>
+      <p:grpSpPr>
+        <a:xfrm>
+          <a:off x="0" y="0"/>
+          <a:ext cx="0" cy="0"/>
+          <a:chOff x="0" y="0"/>
+          <a:chExt cx="0" cy="0"/>
+        </a:xfrm>
+      </p:grpSpPr>
+    </p:spTree>
+  </p:cSld>
+</p:sldLayout>
+</file>
+
+<file path=ppt/slideLayouts/slideLayout26.xml><?xml version="1.0" encoding="utf-8"?>
+<p:sldLayout xmlns:a="http://schemas.openxmlformats.org/drawingml/2006/main" xmlns:p="http://schemas.openxmlformats.org/presentationml/2006/main" xmlns:r="http://schemas.openxmlformats.org/officeDocument/2006/relationships" xmlns:p14="http://schemas.microsoft.com/office/powerpoint/2010/main" xmlns:p15="http://schemas.microsoft.com/office/powerpoint/2012/main" xmlns:mc="http://schemas.openxmlformats.org/markup-compatibility/2006" type="tx" preserve="1">
+  <p:cSld name="Title Slide">
+    <p:spTree>
+      <p:nvGrpSpPr>
+        <p:cNvPr id="1" name=""/>
+        <p:cNvGrpSpPr/>
+        <p:nvPr/>
+      </p:nvGrpSpPr>
+      <p:grpSpPr>
+        <a:xfrm>
+          <a:off x="0" y="0"/>
+          <a:ext cx="0" cy="0"/>
+          <a:chOff x="0" y="0"/>
+          <a:chExt cx="0" cy="0"/>
+        </a:xfrm>
+      </p:grpSpPr>
+      <p:sp>
+        <p:nvSpPr>
+          <p:cNvPr id="76" name="PlaceHolder 1"/>
+          <p:cNvSpPr>
+            <a:spLocks noGrp="1"/>
+          </p:cNvSpPr>
+          <p:nvPr>
+            <p:ph type="title"/>
+          </p:nvPr>
+        </p:nvSpPr>
+        <p:spPr>
+          <a:xfrm>
+            <a:off x="609480" y="273600"/>
+            <a:ext cx="10972440" cy="1144800"/>
+          </a:xfrm>
+          <a:prstGeom prst="rect">
+            <a:avLst/>
+          </a:prstGeom>
+        </p:spPr>
+        <p:txBody>
+          <a:bodyPr lIns="0" rIns="0" tIns="0" bIns="0" anchor="ctr">
+            <a:noAutofit/>
+          </a:bodyPr>
+          <a:p>
+            <a:pPr algn="ctr"/>
+            <a:endParaRPr b="0" lang="en-IN" sz="4400" spc="-1" strike="noStrike">
+              <a:latin typeface="Arial"/>
+            </a:endParaRPr>
+          </a:p>
+        </p:txBody>
+      </p:sp>
+      <p:sp>
+        <p:nvSpPr>
+          <p:cNvPr id="77" name="PlaceHolder 2"/>
+          <p:cNvSpPr>
+            <a:spLocks noGrp="1"/>
+          </p:cNvSpPr>
+          <p:nvPr>
+            <p:ph type="subTitle"/>
+          </p:nvPr>
+        </p:nvSpPr>
+        <p:spPr>
+          <a:xfrm>
+            <a:off x="609480" y="1604520"/>
+            <a:ext cx="10972440" cy="3977280"/>
+          </a:xfrm>
+          <a:prstGeom prst="rect">
+            <a:avLst/>
+          </a:prstGeom>
+        </p:spPr>
+        <p:txBody>
+          <a:bodyPr lIns="0" rIns="0" tIns="0" bIns="0" anchor="ctr">
+            <a:noAutofit/>
+          </a:bodyPr>
+          <a:p>
+            <a:pPr algn="ctr"/>
+            <a:endParaRPr b="0" lang="en-IN" sz="3200" spc="-1" strike="noStrike">
+              <a:latin typeface="Arial"/>
+            </a:endParaRPr>
+          </a:p>
+        </p:txBody>
+      </p:sp>
+    </p:spTree>
+  </p:cSld>
+</p:sldLayout>
+</file>
+
+<file path=ppt/slideLayouts/slideLayout27.xml><?xml version="1.0" encoding="utf-8"?>
+<p:sldLayout xmlns:a="http://schemas.openxmlformats.org/drawingml/2006/main" xmlns:p="http://schemas.openxmlformats.org/presentationml/2006/main" xmlns:r="http://schemas.openxmlformats.org/officeDocument/2006/relationships" xmlns:p14="http://schemas.microsoft.com/office/powerpoint/2010/main" xmlns:p15="http://schemas.microsoft.com/office/powerpoint/2012/main" xmlns:mc="http://schemas.openxmlformats.org/markup-compatibility/2006" type="obj" preserve="1">
+  <p:cSld name="Title, Content">
+    <p:spTree>
+      <p:nvGrpSpPr>
+        <p:cNvPr id="1" name=""/>
+        <p:cNvGrpSpPr/>
+        <p:nvPr/>
+      </p:nvGrpSpPr>
+      <p:grpSpPr>
+        <a:xfrm>
+          <a:off x="0" y="0"/>
+          <a:ext cx="0" cy="0"/>
+          <a:chOff x="0" y="0"/>
+          <a:chExt cx="0" cy="0"/>
+        </a:xfrm>
+      </p:grpSpPr>
+      <p:sp>
+        <p:nvSpPr>
+          <p:cNvPr id="78" name="PlaceHolder 1"/>
+          <p:cNvSpPr>
+            <a:spLocks noGrp="1"/>
+          </p:cNvSpPr>
+          <p:nvPr>
+            <p:ph type="title"/>
+          </p:nvPr>
+        </p:nvSpPr>
+        <p:spPr>
+          <a:xfrm>
+            <a:off x="609480" y="273600"/>
+            <a:ext cx="10972440" cy="1144800"/>
+          </a:xfrm>
+          <a:prstGeom prst="rect">
+            <a:avLst/>
+          </a:prstGeom>
+        </p:spPr>
+        <p:txBody>
+          <a:bodyPr lIns="0" rIns="0" tIns="0" bIns="0" anchor="ctr">
+            <a:noAutofit/>
+          </a:bodyPr>
+          <a:p>
+            <a:pPr algn="ctr"/>
+            <a:endParaRPr b="0" lang="en-IN" sz="4400" spc="-1" strike="noStrike">
+              <a:latin typeface="Arial"/>
+            </a:endParaRPr>
+          </a:p>
+        </p:txBody>
+      </p:sp>
+      <p:sp>
+        <p:nvSpPr>
+          <p:cNvPr id="79" name="PlaceHolder 2"/>
+          <p:cNvSpPr>
+            <a:spLocks noGrp="1"/>
+          </p:cNvSpPr>
+          <p:nvPr>
+            <p:ph type="body"/>
+          </p:nvPr>
+        </p:nvSpPr>
+        <p:spPr>
+          <a:xfrm>
+            <a:off x="609480" y="1604520"/>
+            <a:ext cx="10972440" cy="3977280"/>
+          </a:xfrm>
+          <a:prstGeom prst="rect">
+            <a:avLst/>
+          </a:prstGeom>
+        </p:spPr>
+        <p:txBody>
+          <a:bodyPr lIns="0" rIns="0" tIns="0" bIns="0">
+            <a:normAutofit/>
+          </a:bodyPr>
+          <a:p>
+            <a:endParaRPr b="0" lang="en-IN" sz="3200" spc="-1" strike="noStrike">
+              <a:latin typeface="Arial"/>
+            </a:endParaRPr>
+          </a:p>
+        </p:txBody>
+      </p:sp>
+    </p:spTree>
+  </p:cSld>
+</p:sldLayout>
+</file>
+
+<file path=ppt/slideLayouts/slideLayout28.xml><?xml version="1.0" encoding="utf-8"?>
+<p:sldLayout xmlns:a="http://schemas.openxmlformats.org/drawingml/2006/main" xmlns:p="http://schemas.openxmlformats.org/presentationml/2006/main" xmlns:r="http://schemas.openxmlformats.org/officeDocument/2006/relationships" xmlns:p14="http://schemas.microsoft.com/office/powerpoint/2010/main" xmlns:p15="http://schemas.microsoft.com/office/powerpoint/2012/main" xmlns:mc="http://schemas.openxmlformats.org/markup-compatibility/2006" type="twoObj" preserve="1">
+  <p:cSld name="Title, 2 Content">
+    <p:spTree>
+      <p:nvGrpSpPr>
+        <p:cNvPr id="1" name=""/>
+        <p:cNvGrpSpPr/>
+        <p:nvPr/>
+      </p:nvGrpSpPr>
+      <p:grpSpPr>
+        <a:xfrm>
+          <a:off x="0" y="0"/>
+          <a:ext cx="0" cy="0"/>
+          <a:chOff x="0" y="0"/>
+          <a:chExt cx="0" cy="0"/>
+        </a:xfrm>
+      </p:grpSpPr>
+      <p:sp>
+        <p:nvSpPr>
+          <p:cNvPr id="80" name="PlaceHolder 1"/>
+          <p:cNvSpPr>
+            <a:spLocks noGrp="1"/>
+          </p:cNvSpPr>
+          <p:nvPr>
+            <p:ph type="title"/>
+          </p:nvPr>
+        </p:nvSpPr>
+        <p:spPr>
+          <a:xfrm>
+            <a:off x="609480" y="273600"/>
+            <a:ext cx="10972440" cy="1144800"/>
+          </a:xfrm>
+          <a:prstGeom prst="rect">
+            <a:avLst/>
+          </a:prstGeom>
+        </p:spPr>
+        <p:txBody>
+          <a:bodyPr lIns="0" rIns="0" tIns="0" bIns="0" anchor="ctr">
+            <a:noAutofit/>
+          </a:bodyPr>
+          <a:p>
+            <a:pPr algn="ctr"/>
+            <a:endParaRPr b="0" lang="en-IN" sz="4400" spc="-1" strike="noStrike">
+              <a:latin typeface="Arial"/>
+            </a:endParaRPr>
+          </a:p>
+        </p:txBody>
+      </p:sp>
+      <p:sp>
+        <p:nvSpPr>
+          <p:cNvPr id="81" name="PlaceHolder 2"/>
+          <p:cNvSpPr>
+            <a:spLocks noGrp="1"/>
+          </p:cNvSpPr>
+          <p:nvPr>
+            <p:ph type="body"/>
+          </p:nvPr>
+        </p:nvSpPr>
+        <p:spPr>
+          <a:xfrm>
+            <a:off x="609480" y="1604520"/>
+            <a:ext cx="5354280" cy="3977280"/>
+          </a:xfrm>
+          <a:prstGeom prst="rect">
+            <a:avLst/>
+          </a:prstGeom>
+        </p:spPr>
+        <p:txBody>
+          <a:bodyPr lIns="0" rIns="0" tIns="0" bIns="0">
+            <a:normAutofit/>
+          </a:bodyPr>
+          <a:p>
+            <a:endParaRPr b="0" lang="en-IN" sz="3200" spc="-1" strike="noStrike">
+              <a:latin typeface="Arial"/>
+            </a:endParaRPr>
+          </a:p>
+        </p:txBody>
+      </p:sp>
+      <p:sp>
+        <p:nvSpPr>
+          <p:cNvPr id="82" name="PlaceHolder 3"/>
+          <p:cNvSpPr>
+            <a:spLocks noGrp="1"/>
+          </p:cNvSpPr>
+          <p:nvPr>
+            <p:ph type="body"/>
+          </p:nvPr>
+        </p:nvSpPr>
+        <p:spPr>
+          <a:xfrm>
+            <a:off x="6231960" y="1604520"/>
+            <a:ext cx="5354280" cy="3977280"/>
+          </a:xfrm>
+          <a:prstGeom prst="rect">
+            <a:avLst/>
+          </a:prstGeom>
+        </p:spPr>
+        <p:txBody>
+          <a:bodyPr lIns="0" rIns="0" tIns="0" bIns="0">
+            <a:normAutofit/>
+          </a:bodyPr>
+          <a:p>
+            <a:endParaRPr b="0" lang="en-IN" sz="3200" spc="-1" strike="noStrike">
+              <a:latin typeface="Arial"/>
+            </a:endParaRPr>
+          </a:p>
+        </p:txBody>
+      </p:sp>
+    </p:spTree>
+  </p:cSld>
+</p:sldLayout>
+</file>
+
+<file path=ppt/slideLayouts/slideLayout29.xml><?xml version="1.0" encoding="utf-8"?>
+<p:sldLayout xmlns:a="http://schemas.openxmlformats.org/drawingml/2006/main" xmlns:p="http://schemas.openxmlformats.org/presentationml/2006/main" xmlns:r="http://schemas.openxmlformats.org/officeDocument/2006/relationships" xmlns:p14="http://schemas.microsoft.com/office/powerpoint/2010/main" xmlns:p15="http://schemas.microsoft.com/office/powerpoint/2012/main" xmlns:mc="http://schemas.openxmlformats.org/markup-compatibility/2006" type="titleOnly" preserve="1">
+  <p:cSld name="Title Only">
+    <p:spTree>
+      <p:nvGrpSpPr>
+        <p:cNvPr id="1" name=""/>
+        <p:cNvGrpSpPr/>
+        <p:nvPr/>
+      </p:nvGrpSpPr>
+      <p:grpSpPr>
+        <a:xfrm>
+          <a:off x="0" y="0"/>
+          <a:ext cx="0" cy="0"/>
+          <a:chOff x="0" y="0"/>
+          <a:chExt cx="0" cy="0"/>
+        </a:xfrm>
+      </p:grpSpPr>
+      <p:sp>
+        <p:nvSpPr>
+          <p:cNvPr id="83" name="PlaceHolder 1"/>
+          <p:cNvSpPr>
+            <a:spLocks noGrp="1"/>
+          </p:cNvSpPr>
+          <p:nvPr>
+            <p:ph type="title"/>
+          </p:nvPr>
+        </p:nvSpPr>
+        <p:spPr>
+          <a:xfrm>
+            <a:off x="609480" y="273600"/>
+            <a:ext cx="10972440" cy="1144800"/>
+          </a:xfrm>
+          <a:prstGeom prst="rect">
+            <a:avLst/>
+          </a:prstGeom>
+        </p:spPr>
+        <p:txBody>
+          <a:bodyPr lIns="0" rIns="0" tIns="0" bIns="0" anchor="ctr">
+            <a:noAutofit/>
+          </a:bodyPr>
+          <a:p>
+            <a:pPr algn="ctr"/>
+            <a:endParaRPr b="0" lang="en-IN" sz="4400" spc="-1" strike="noStrike">
               <a:latin typeface="Arial"/>
             </a:endParaRPr>
           </a:p>
@@ -699,6 +2414,1007 @@
           <a:xfrm>
             <a:off x="609480" y="1604520"/>
             <a:ext cx="10972440" cy="3977280"/>
+          </a:xfrm>
+          <a:prstGeom prst="rect">
+            <a:avLst/>
+          </a:prstGeom>
+        </p:spPr>
+        <p:txBody>
+          <a:bodyPr lIns="0" rIns="0" tIns="0" bIns="0">
+            <a:normAutofit/>
+          </a:bodyPr>
+          <a:p>
+            <a:endParaRPr b="0" lang="en-IN" sz="3200" spc="-1" strike="noStrike">
+              <a:latin typeface="Arial"/>
+            </a:endParaRPr>
+          </a:p>
+        </p:txBody>
+      </p:sp>
+    </p:spTree>
+  </p:cSld>
+</p:sldLayout>
+</file>
+
+<file path=ppt/slideLayouts/slideLayout30.xml><?xml version="1.0" encoding="utf-8"?>
+<p:sldLayout xmlns:a="http://schemas.openxmlformats.org/drawingml/2006/main" xmlns:p="http://schemas.openxmlformats.org/presentationml/2006/main" xmlns:r="http://schemas.openxmlformats.org/officeDocument/2006/relationships" xmlns:p14="http://schemas.microsoft.com/office/powerpoint/2010/main" xmlns:p15="http://schemas.microsoft.com/office/powerpoint/2012/main" xmlns:mc="http://schemas.openxmlformats.org/markup-compatibility/2006" type="objOnly" preserve="1">
+  <p:cSld name="Centered Text">
+    <p:spTree>
+      <p:nvGrpSpPr>
+        <p:cNvPr id="1" name=""/>
+        <p:cNvGrpSpPr/>
+        <p:nvPr/>
+      </p:nvGrpSpPr>
+      <p:grpSpPr>
+        <a:xfrm>
+          <a:off x="0" y="0"/>
+          <a:ext cx="0" cy="0"/>
+          <a:chOff x="0" y="0"/>
+          <a:chExt cx="0" cy="0"/>
+        </a:xfrm>
+      </p:grpSpPr>
+      <p:sp>
+        <p:nvSpPr>
+          <p:cNvPr id="84" name="PlaceHolder 1"/>
+          <p:cNvSpPr>
+            <a:spLocks noGrp="1"/>
+          </p:cNvSpPr>
+          <p:nvPr>
+            <p:ph type="subTitle"/>
+          </p:nvPr>
+        </p:nvSpPr>
+        <p:spPr>
+          <a:xfrm>
+            <a:off x="609480" y="273600"/>
+            <a:ext cx="10972440" cy="5307840"/>
+          </a:xfrm>
+          <a:prstGeom prst="rect">
+            <a:avLst/>
+          </a:prstGeom>
+        </p:spPr>
+        <p:txBody>
+          <a:bodyPr lIns="0" rIns="0" tIns="0" bIns="0" anchor="ctr">
+            <a:noAutofit/>
+          </a:bodyPr>
+          <a:p>
+            <a:pPr algn="ctr"/>
+            <a:endParaRPr b="0" lang="en-IN" sz="3200" spc="-1" strike="noStrike">
+              <a:latin typeface="Arial"/>
+            </a:endParaRPr>
+          </a:p>
+        </p:txBody>
+      </p:sp>
+    </p:spTree>
+  </p:cSld>
+</p:sldLayout>
+</file>
+
+<file path=ppt/slideLayouts/slideLayout31.xml><?xml version="1.0" encoding="utf-8"?>
+<p:sldLayout xmlns:a="http://schemas.openxmlformats.org/drawingml/2006/main" xmlns:p="http://schemas.openxmlformats.org/presentationml/2006/main" xmlns:r="http://schemas.openxmlformats.org/officeDocument/2006/relationships" xmlns:p14="http://schemas.microsoft.com/office/powerpoint/2010/main" xmlns:p15="http://schemas.microsoft.com/office/powerpoint/2012/main" xmlns:mc="http://schemas.openxmlformats.org/markup-compatibility/2006" type="twoObjAndObj" preserve="1">
+  <p:cSld name="Title, 2 Content and Content">
+    <p:spTree>
+      <p:nvGrpSpPr>
+        <p:cNvPr id="1" name=""/>
+        <p:cNvGrpSpPr/>
+        <p:nvPr/>
+      </p:nvGrpSpPr>
+      <p:grpSpPr>
+        <a:xfrm>
+          <a:off x="0" y="0"/>
+          <a:ext cx="0" cy="0"/>
+          <a:chOff x="0" y="0"/>
+          <a:chExt cx="0" cy="0"/>
+        </a:xfrm>
+      </p:grpSpPr>
+      <p:sp>
+        <p:nvSpPr>
+          <p:cNvPr id="85" name="PlaceHolder 1"/>
+          <p:cNvSpPr>
+            <a:spLocks noGrp="1"/>
+          </p:cNvSpPr>
+          <p:nvPr>
+            <p:ph type="title"/>
+          </p:nvPr>
+        </p:nvSpPr>
+        <p:spPr>
+          <a:xfrm>
+            <a:off x="609480" y="273600"/>
+            <a:ext cx="10972440" cy="1144800"/>
+          </a:xfrm>
+          <a:prstGeom prst="rect">
+            <a:avLst/>
+          </a:prstGeom>
+        </p:spPr>
+        <p:txBody>
+          <a:bodyPr lIns="0" rIns="0" tIns="0" bIns="0" anchor="ctr">
+            <a:noAutofit/>
+          </a:bodyPr>
+          <a:p>
+            <a:pPr algn="ctr"/>
+            <a:endParaRPr b="0" lang="en-IN" sz="4400" spc="-1" strike="noStrike">
+              <a:latin typeface="Arial"/>
+            </a:endParaRPr>
+          </a:p>
+        </p:txBody>
+      </p:sp>
+      <p:sp>
+        <p:nvSpPr>
+          <p:cNvPr id="86" name="PlaceHolder 2"/>
+          <p:cNvSpPr>
+            <a:spLocks noGrp="1"/>
+          </p:cNvSpPr>
+          <p:nvPr>
+            <p:ph type="body"/>
+          </p:nvPr>
+        </p:nvSpPr>
+        <p:spPr>
+          <a:xfrm>
+            <a:off x="609480" y="1604520"/>
+            <a:ext cx="5354280" cy="1896840"/>
+          </a:xfrm>
+          <a:prstGeom prst="rect">
+            <a:avLst/>
+          </a:prstGeom>
+        </p:spPr>
+        <p:txBody>
+          <a:bodyPr lIns="0" rIns="0" tIns="0" bIns="0">
+            <a:normAutofit/>
+          </a:bodyPr>
+          <a:p>
+            <a:endParaRPr b="0" lang="en-IN" sz="3200" spc="-1" strike="noStrike">
+              <a:latin typeface="Arial"/>
+            </a:endParaRPr>
+          </a:p>
+        </p:txBody>
+      </p:sp>
+      <p:sp>
+        <p:nvSpPr>
+          <p:cNvPr id="87" name="PlaceHolder 3"/>
+          <p:cNvSpPr>
+            <a:spLocks noGrp="1"/>
+          </p:cNvSpPr>
+          <p:nvPr>
+            <p:ph type="body"/>
+          </p:nvPr>
+        </p:nvSpPr>
+        <p:spPr>
+          <a:xfrm>
+            <a:off x="6231960" y="1604520"/>
+            <a:ext cx="5354280" cy="3977280"/>
+          </a:xfrm>
+          <a:prstGeom prst="rect">
+            <a:avLst/>
+          </a:prstGeom>
+        </p:spPr>
+        <p:txBody>
+          <a:bodyPr lIns="0" rIns="0" tIns="0" bIns="0">
+            <a:normAutofit/>
+          </a:bodyPr>
+          <a:p>
+            <a:endParaRPr b="0" lang="en-IN" sz="3200" spc="-1" strike="noStrike">
+              <a:latin typeface="Arial"/>
+            </a:endParaRPr>
+          </a:p>
+        </p:txBody>
+      </p:sp>
+      <p:sp>
+        <p:nvSpPr>
+          <p:cNvPr id="88" name="PlaceHolder 4"/>
+          <p:cNvSpPr>
+            <a:spLocks noGrp="1"/>
+          </p:cNvSpPr>
+          <p:nvPr>
+            <p:ph type="body"/>
+          </p:nvPr>
+        </p:nvSpPr>
+        <p:spPr>
+          <a:xfrm>
+            <a:off x="609480" y="3682080"/>
+            <a:ext cx="5354280" cy="1896840"/>
+          </a:xfrm>
+          <a:prstGeom prst="rect">
+            <a:avLst/>
+          </a:prstGeom>
+        </p:spPr>
+        <p:txBody>
+          <a:bodyPr lIns="0" rIns="0" tIns="0" bIns="0">
+            <a:normAutofit/>
+          </a:bodyPr>
+          <a:p>
+            <a:endParaRPr b="0" lang="en-IN" sz="3200" spc="-1" strike="noStrike">
+              <a:latin typeface="Arial"/>
+            </a:endParaRPr>
+          </a:p>
+        </p:txBody>
+      </p:sp>
+    </p:spTree>
+  </p:cSld>
+</p:sldLayout>
+</file>
+
+<file path=ppt/slideLayouts/slideLayout32.xml><?xml version="1.0" encoding="utf-8"?>
+<p:sldLayout xmlns:a="http://schemas.openxmlformats.org/drawingml/2006/main" xmlns:p="http://schemas.openxmlformats.org/presentationml/2006/main" xmlns:r="http://schemas.openxmlformats.org/officeDocument/2006/relationships" xmlns:p14="http://schemas.microsoft.com/office/powerpoint/2010/main" xmlns:p15="http://schemas.microsoft.com/office/powerpoint/2012/main" xmlns:mc="http://schemas.openxmlformats.org/markup-compatibility/2006" type="objAndTwoObj" preserve="1">
+  <p:cSld name="Title Content and 2 Content">
+    <p:spTree>
+      <p:nvGrpSpPr>
+        <p:cNvPr id="1" name=""/>
+        <p:cNvGrpSpPr/>
+        <p:nvPr/>
+      </p:nvGrpSpPr>
+      <p:grpSpPr>
+        <a:xfrm>
+          <a:off x="0" y="0"/>
+          <a:ext cx="0" cy="0"/>
+          <a:chOff x="0" y="0"/>
+          <a:chExt cx="0" cy="0"/>
+        </a:xfrm>
+      </p:grpSpPr>
+      <p:sp>
+        <p:nvSpPr>
+          <p:cNvPr id="89" name="PlaceHolder 1"/>
+          <p:cNvSpPr>
+            <a:spLocks noGrp="1"/>
+          </p:cNvSpPr>
+          <p:nvPr>
+            <p:ph type="title"/>
+          </p:nvPr>
+        </p:nvSpPr>
+        <p:spPr>
+          <a:xfrm>
+            <a:off x="609480" y="273600"/>
+            <a:ext cx="10972440" cy="1144800"/>
+          </a:xfrm>
+          <a:prstGeom prst="rect">
+            <a:avLst/>
+          </a:prstGeom>
+        </p:spPr>
+        <p:txBody>
+          <a:bodyPr lIns="0" rIns="0" tIns="0" bIns="0" anchor="ctr">
+            <a:noAutofit/>
+          </a:bodyPr>
+          <a:p>
+            <a:pPr algn="ctr"/>
+            <a:endParaRPr b="0" lang="en-IN" sz="4400" spc="-1" strike="noStrike">
+              <a:latin typeface="Arial"/>
+            </a:endParaRPr>
+          </a:p>
+        </p:txBody>
+      </p:sp>
+      <p:sp>
+        <p:nvSpPr>
+          <p:cNvPr id="90" name="PlaceHolder 2"/>
+          <p:cNvSpPr>
+            <a:spLocks noGrp="1"/>
+          </p:cNvSpPr>
+          <p:nvPr>
+            <p:ph type="body"/>
+          </p:nvPr>
+        </p:nvSpPr>
+        <p:spPr>
+          <a:xfrm>
+            <a:off x="609480" y="1604520"/>
+            <a:ext cx="5354280" cy="3977280"/>
+          </a:xfrm>
+          <a:prstGeom prst="rect">
+            <a:avLst/>
+          </a:prstGeom>
+        </p:spPr>
+        <p:txBody>
+          <a:bodyPr lIns="0" rIns="0" tIns="0" bIns="0">
+            <a:normAutofit/>
+          </a:bodyPr>
+          <a:p>
+            <a:endParaRPr b="0" lang="en-IN" sz="3200" spc="-1" strike="noStrike">
+              <a:latin typeface="Arial"/>
+            </a:endParaRPr>
+          </a:p>
+        </p:txBody>
+      </p:sp>
+      <p:sp>
+        <p:nvSpPr>
+          <p:cNvPr id="91" name="PlaceHolder 3"/>
+          <p:cNvSpPr>
+            <a:spLocks noGrp="1"/>
+          </p:cNvSpPr>
+          <p:nvPr>
+            <p:ph type="body"/>
+          </p:nvPr>
+        </p:nvSpPr>
+        <p:spPr>
+          <a:xfrm>
+            <a:off x="6231960" y="1604520"/>
+            <a:ext cx="5354280" cy="1896840"/>
+          </a:xfrm>
+          <a:prstGeom prst="rect">
+            <a:avLst/>
+          </a:prstGeom>
+        </p:spPr>
+        <p:txBody>
+          <a:bodyPr lIns="0" rIns="0" tIns="0" bIns="0">
+            <a:normAutofit/>
+          </a:bodyPr>
+          <a:p>
+            <a:endParaRPr b="0" lang="en-IN" sz="3200" spc="-1" strike="noStrike">
+              <a:latin typeface="Arial"/>
+            </a:endParaRPr>
+          </a:p>
+        </p:txBody>
+      </p:sp>
+      <p:sp>
+        <p:nvSpPr>
+          <p:cNvPr id="92" name="PlaceHolder 4"/>
+          <p:cNvSpPr>
+            <a:spLocks noGrp="1"/>
+          </p:cNvSpPr>
+          <p:nvPr>
+            <p:ph type="body"/>
+          </p:nvPr>
+        </p:nvSpPr>
+        <p:spPr>
+          <a:xfrm>
+            <a:off x="6231960" y="3682080"/>
+            <a:ext cx="5354280" cy="1896840"/>
+          </a:xfrm>
+          <a:prstGeom prst="rect">
+            <a:avLst/>
+          </a:prstGeom>
+        </p:spPr>
+        <p:txBody>
+          <a:bodyPr lIns="0" rIns="0" tIns="0" bIns="0">
+            <a:normAutofit/>
+          </a:bodyPr>
+          <a:p>
+            <a:endParaRPr b="0" lang="en-IN" sz="3200" spc="-1" strike="noStrike">
+              <a:latin typeface="Arial"/>
+            </a:endParaRPr>
+          </a:p>
+        </p:txBody>
+      </p:sp>
+    </p:spTree>
+  </p:cSld>
+</p:sldLayout>
+</file>
+
+<file path=ppt/slideLayouts/slideLayout33.xml><?xml version="1.0" encoding="utf-8"?>
+<p:sldLayout xmlns:a="http://schemas.openxmlformats.org/drawingml/2006/main" xmlns:p="http://schemas.openxmlformats.org/presentationml/2006/main" xmlns:r="http://schemas.openxmlformats.org/officeDocument/2006/relationships" xmlns:p14="http://schemas.microsoft.com/office/powerpoint/2010/main" xmlns:p15="http://schemas.microsoft.com/office/powerpoint/2012/main" xmlns:mc="http://schemas.openxmlformats.org/markup-compatibility/2006" type="twoObjOverTx" preserve="1">
+  <p:cSld name="Title, 2 Content over Content">
+    <p:spTree>
+      <p:nvGrpSpPr>
+        <p:cNvPr id="1" name=""/>
+        <p:cNvGrpSpPr/>
+        <p:nvPr/>
+      </p:nvGrpSpPr>
+      <p:grpSpPr>
+        <a:xfrm>
+          <a:off x="0" y="0"/>
+          <a:ext cx="0" cy="0"/>
+          <a:chOff x="0" y="0"/>
+          <a:chExt cx="0" cy="0"/>
+        </a:xfrm>
+      </p:grpSpPr>
+      <p:sp>
+        <p:nvSpPr>
+          <p:cNvPr id="93" name="PlaceHolder 1"/>
+          <p:cNvSpPr>
+            <a:spLocks noGrp="1"/>
+          </p:cNvSpPr>
+          <p:nvPr>
+            <p:ph type="title"/>
+          </p:nvPr>
+        </p:nvSpPr>
+        <p:spPr>
+          <a:xfrm>
+            <a:off x="609480" y="273600"/>
+            <a:ext cx="10972440" cy="1144800"/>
+          </a:xfrm>
+          <a:prstGeom prst="rect">
+            <a:avLst/>
+          </a:prstGeom>
+        </p:spPr>
+        <p:txBody>
+          <a:bodyPr lIns="0" rIns="0" tIns="0" bIns="0" anchor="ctr">
+            <a:noAutofit/>
+          </a:bodyPr>
+          <a:p>
+            <a:pPr algn="ctr"/>
+            <a:endParaRPr b="0" lang="en-IN" sz="4400" spc="-1" strike="noStrike">
+              <a:latin typeface="Arial"/>
+            </a:endParaRPr>
+          </a:p>
+        </p:txBody>
+      </p:sp>
+      <p:sp>
+        <p:nvSpPr>
+          <p:cNvPr id="94" name="PlaceHolder 2"/>
+          <p:cNvSpPr>
+            <a:spLocks noGrp="1"/>
+          </p:cNvSpPr>
+          <p:nvPr>
+            <p:ph type="body"/>
+          </p:nvPr>
+        </p:nvSpPr>
+        <p:spPr>
+          <a:xfrm>
+            <a:off x="609480" y="1604520"/>
+            <a:ext cx="5354280" cy="1896840"/>
+          </a:xfrm>
+          <a:prstGeom prst="rect">
+            <a:avLst/>
+          </a:prstGeom>
+        </p:spPr>
+        <p:txBody>
+          <a:bodyPr lIns="0" rIns="0" tIns="0" bIns="0">
+            <a:normAutofit/>
+          </a:bodyPr>
+          <a:p>
+            <a:endParaRPr b="0" lang="en-IN" sz="3200" spc="-1" strike="noStrike">
+              <a:latin typeface="Arial"/>
+            </a:endParaRPr>
+          </a:p>
+        </p:txBody>
+      </p:sp>
+      <p:sp>
+        <p:nvSpPr>
+          <p:cNvPr id="95" name="PlaceHolder 3"/>
+          <p:cNvSpPr>
+            <a:spLocks noGrp="1"/>
+          </p:cNvSpPr>
+          <p:nvPr>
+            <p:ph type="body"/>
+          </p:nvPr>
+        </p:nvSpPr>
+        <p:spPr>
+          <a:xfrm>
+            <a:off x="6231960" y="1604520"/>
+            <a:ext cx="5354280" cy="1896840"/>
+          </a:xfrm>
+          <a:prstGeom prst="rect">
+            <a:avLst/>
+          </a:prstGeom>
+        </p:spPr>
+        <p:txBody>
+          <a:bodyPr lIns="0" rIns="0" tIns="0" bIns="0">
+            <a:normAutofit/>
+          </a:bodyPr>
+          <a:p>
+            <a:endParaRPr b="0" lang="en-IN" sz="3200" spc="-1" strike="noStrike">
+              <a:latin typeface="Arial"/>
+            </a:endParaRPr>
+          </a:p>
+        </p:txBody>
+      </p:sp>
+      <p:sp>
+        <p:nvSpPr>
+          <p:cNvPr id="96" name="PlaceHolder 4"/>
+          <p:cNvSpPr>
+            <a:spLocks noGrp="1"/>
+          </p:cNvSpPr>
+          <p:nvPr>
+            <p:ph type="body"/>
+          </p:nvPr>
+        </p:nvSpPr>
+        <p:spPr>
+          <a:xfrm>
+            <a:off x="609480" y="3682080"/>
+            <a:ext cx="10972440" cy="1896840"/>
+          </a:xfrm>
+          <a:prstGeom prst="rect">
+            <a:avLst/>
+          </a:prstGeom>
+        </p:spPr>
+        <p:txBody>
+          <a:bodyPr lIns="0" rIns="0" tIns="0" bIns="0">
+            <a:normAutofit/>
+          </a:bodyPr>
+          <a:p>
+            <a:endParaRPr b="0" lang="en-IN" sz="3200" spc="-1" strike="noStrike">
+              <a:latin typeface="Arial"/>
+            </a:endParaRPr>
+          </a:p>
+        </p:txBody>
+      </p:sp>
+    </p:spTree>
+  </p:cSld>
+</p:sldLayout>
+</file>
+
+<file path=ppt/slideLayouts/slideLayout34.xml><?xml version="1.0" encoding="utf-8"?>
+<p:sldLayout xmlns:a="http://schemas.openxmlformats.org/drawingml/2006/main" xmlns:p="http://schemas.openxmlformats.org/presentationml/2006/main" xmlns:r="http://schemas.openxmlformats.org/officeDocument/2006/relationships" xmlns:p14="http://schemas.microsoft.com/office/powerpoint/2010/main" xmlns:p15="http://schemas.microsoft.com/office/powerpoint/2012/main" xmlns:mc="http://schemas.openxmlformats.org/markup-compatibility/2006" type="objOverTx" preserve="1">
+  <p:cSld name="Title, Content over Content">
+    <p:spTree>
+      <p:nvGrpSpPr>
+        <p:cNvPr id="1" name=""/>
+        <p:cNvGrpSpPr/>
+        <p:nvPr/>
+      </p:nvGrpSpPr>
+      <p:grpSpPr>
+        <a:xfrm>
+          <a:off x="0" y="0"/>
+          <a:ext cx="0" cy="0"/>
+          <a:chOff x="0" y="0"/>
+          <a:chExt cx="0" cy="0"/>
+        </a:xfrm>
+      </p:grpSpPr>
+      <p:sp>
+        <p:nvSpPr>
+          <p:cNvPr id="97" name="PlaceHolder 1"/>
+          <p:cNvSpPr>
+            <a:spLocks noGrp="1"/>
+          </p:cNvSpPr>
+          <p:nvPr>
+            <p:ph type="title"/>
+          </p:nvPr>
+        </p:nvSpPr>
+        <p:spPr>
+          <a:xfrm>
+            <a:off x="609480" y="273600"/>
+            <a:ext cx="10972440" cy="1144800"/>
+          </a:xfrm>
+          <a:prstGeom prst="rect">
+            <a:avLst/>
+          </a:prstGeom>
+        </p:spPr>
+        <p:txBody>
+          <a:bodyPr lIns="0" rIns="0" tIns="0" bIns="0" anchor="ctr">
+            <a:noAutofit/>
+          </a:bodyPr>
+          <a:p>
+            <a:pPr algn="ctr"/>
+            <a:endParaRPr b="0" lang="en-IN" sz="4400" spc="-1" strike="noStrike">
+              <a:latin typeface="Arial"/>
+            </a:endParaRPr>
+          </a:p>
+        </p:txBody>
+      </p:sp>
+      <p:sp>
+        <p:nvSpPr>
+          <p:cNvPr id="98" name="PlaceHolder 2"/>
+          <p:cNvSpPr>
+            <a:spLocks noGrp="1"/>
+          </p:cNvSpPr>
+          <p:nvPr>
+            <p:ph type="body"/>
+          </p:nvPr>
+        </p:nvSpPr>
+        <p:spPr>
+          <a:xfrm>
+            <a:off x="609480" y="1604520"/>
+            <a:ext cx="10972440" cy="1896840"/>
+          </a:xfrm>
+          <a:prstGeom prst="rect">
+            <a:avLst/>
+          </a:prstGeom>
+        </p:spPr>
+        <p:txBody>
+          <a:bodyPr lIns="0" rIns="0" tIns="0" bIns="0">
+            <a:normAutofit/>
+          </a:bodyPr>
+          <a:p>
+            <a:endParaRPr b="0" lang="en-IN" sz="3200" spc="-1" strike="noStrike">
+              <a:latin typeface="Arial"/>
+            </a:endParaRPr>
+          </a:p>
+        </p:txBody>
+      </p:sp>
+      <p:sp>
+        <p:nvSpPr>
+          <p:cNvPr id="99" name="PlaceHolder 3"/>
+          <p:cNvSpPr>
+            <a:spLocks noGrp="1"/>
+          </p:cNvSpPr>
+          <p:nvPr>
+            <p:ph type="body"/>
+          </p:nvPr>
+        </p:nvSpPr>
+        <p:spPr>
+          <a:xfrm>
+            <a:off x="609480" y="3682080"/>
+            <a:ext cx="10972440" cy="1896840"/>
+          </a:xfrm>
+          <a:prstGeom prst="rect">
+            <a:avLst/>
+          </a:prstGeom>
+        </p:spPr>
+        <p:txBody>
+          <a:bodyPr lIns="0" rIns="0" tIns="0" bIns="0">
+            <a:normAutofit/>
+          </a:bodyPr>
+          <a:p>
+            <a:endParaRPr b="0" lang="en-IN" sz="3200" spc="-1" strike="noStrike">
+              <a:latin typeface="Arial"/>
+            </a:endParaRPr>
+          </a:p>
+        </p:txBody>
+      </p:sp>
+    </p:spTree>
+  </p:cSld>
+</p:sldLayout>
+</file>
+
+<file path=ppt/slideLayouts/slideLayout35.xml><?xml version="1.0" encoding="utf-8"?>
+<p:sldLayout xmlns:a="http://schemas.openxmlformats.org/drawingml/2006/main" xmlns:p="http://schemas.openxmlformats.org/presentationml/2006/main" xmlns:r="http://schemas.openxmlformats.org/officeDocument/2006/relationships" xmlns:p14="http://schemas.microsoft.com/office/powerpoint/2010/main" xmlns:p15="http://schemas.microsoft.com/office/powerpoint/2012/main" xmlns:mc="http://schemas.openxmlformats.org/markup-compatibility/2006" type="fourObj" preserve="1">
+  <p:cSld name="Title, 4 Content">
+    <p:spTree>
+      <p:nvGrpSpPr>
+        <p:cNvPr id="1" name=""/>
+        <p:cNvGrpSpPr/>
+        <p:nvPr/>
+      </p:nvGrpSpPr>
+      <p:grpSpPr>
+        <a:xfrm>
+          <a:off x="0" y="0"/>
+          <a:ext cx="0" cy="0"/>
+          <a:chOff x="0" y="0"/>
+          <a:chExt cx="0" cy="0"/>
+        </a:xfrm>
+      </p:grpSpPr>
+      <p:sp>
+        <p:nvSpPr>
+          <p:cNvPr id="100" name="PlaceHolder 1"/>
+          <p:cNvSpPr>
+            <a:spLocks noGrp="1"/>
+          </p:cNvSpPr>
+          <p:nvPr>
+            <p:ph type="title"/>
+          </p:nvPr>
+        </p:nvSpPr>
+        <p:spPr>
+          <a:xfrm>
+            <a:off x="609480" y="273600"/>
+            <a:ext cx="10972440" cy="1144800"/>
+          </a:xfrm>
+          <a:prstGeom prst="rect">
+            <a:avLst/>
+          </a:prstGeom>
+        </p:spPr>
+        <p:txBody>
+          <a:bodyPr lIns="0" rIns="0" tIns="0" bIns="0" anchor="ctr">
+            <a:noAutofit/>
+          </a:bodyPr>
+          <a:p>
+            <a:pPr algn="ctr"/>
+            <a:endParaRPr b="0" lang="en-IN" sz="4400" spc="-1" strike="noStrike">
+              <a:latin typeface="Arial"/>
+            </a:endParaRPr>
+          </a:p>
+        </p:txBody>
+      </p:sp>
+      <p:sp>
+        <p:nvSpPr>
+          <p:cNvPr id="101" name="PlaceHolder 2"/>
+          <p:cNvSpPr>
+            <a:spLocks noGrp="1"/>
+          </p:cNvSpPr>
+          <p:nvPr>
+            <p:ph type="body"/>
+          </p:nvPr>
+        </p:nvSpPr>
+        <p:spPr>
+          <a:xfrm>
+            <a:off x="609480" y="1604520"/>
+            <a:ext cx="5354280" cy="1896840"/>
+          </a:xfrm>
+          <a:prstGeom prst="rect">
+            <a:avLst/>
+          </a:prstGeom>
+        </p:spPr>
+        <p:txBody>
+          <a:bodyPr lIns="0" rIns="0" tIns="0" bIns="0">
+            <a:normAutofit/>
+          </a:bodyPr>
+          <a:p>
+            <a:endParaRPr b="0" lang="en-IN" sz="3200" spc="-1" strike="noStrike">
+              <a:latin typeface="Arial"/>
+            </a:endParaRPr>
+          </a:p>
+        </p:txBody>
+      </p:sp>
+      <p:sp>
+        <p:nvSpPr>
+          <p:cNvPr id="102" name="PlaceHolder 3"/>
+          <p:cNvSpPr>
+            <a:spLocks noGrp="1"/>
+          </p:cNvSpPr>
+          <p:nvPr>
+            <p:ph type="body"/>
+          </p:nvPr>
+        </p:nvSpPr>
+        <p:spPr>
+          <a:xfrm>
+            <a:off x="6231960" y="1604520"/>
+            <a:ext cx="5354280" cy="1896840"/>
+          </a:xfrm>
+          <a:prstGeom prst="rect">
+            <a:avLst/>
+          </a:prstGeom>
+        </p:spPr>
+        <p:txBody>
+          <a:bodyPr lIns="0" rIns="0" tIns="0" bIns="0">
+            <a:normAutofit/>
+          </a:bodyPr>
+          <a:p>
+            <a:endParaRPr b="0" lang="en-IN" sz="3200" spc="-1" strike="noStrike">
+              <a:latin typeface="Arial"/>
+            </a:endParaRPr>
+          </a:p>
+        </p:txBody>
+      </p:sp>
+      <p:sp>
+        <p:nvSpPr>
+          <p:cNvPr id="103" name="PlaceHolder 4"/>
+          <p:cNvSpPr>
+            <a:spLocks noGrp="1"/>
+          </p:cNvSpPr>
+          <p:nvPr>
+            <p:ph type="body"/>
+          </p:nvPr>
+        </p:nvSpPr>
+        <p:spPr>
+          <a:xfrm>
+            <a:off x="609480" y="3682080"/>
+            <a:ext cx="5354280" cy="1896840"/>
+          </a:xfrm>
+          <a:prstGeom prst="rect">
+            <a:avLst/>
+          </a:prstGeom>
+        </p:spPr>
+        <p:txBody>
+          <a:bodyPr lIns="0" rIns="0" tIns="0" bIns="0">
+            <a:normAutofit/>
+          </a:bodyPr>
+          <a:p>
+            <a:endParaRPr b="0" lang="en-IN" sz="3200" spc="-1" strike="noStrike">
+              <a:latin typeface="Arial"/>
+            </a:endParaRPr>
+          </a:p>
+        </p:txBody>
+      </p:sp>
+      <p:sp>
+        <p:nvSpPr>
+          <p:cNvPr id="104" name="PlaceHolder 5"/>
+          <p:cNvSpPr>
+            <a:spLocks noGrp="1"/>
+          </p:cNvSpPr>
+          <p:nvPr>
+            <p:ph type="body"/>
+          </p:nvPr>
+        </p:nvSpPr>
+        <p:spPr>
+          <a:xfrm>
+            <a:off x="6231960" y="3682080"/>
+            <a:ext cx="5354280" cy="1896840"/>
+          </a:xfrm>
+          <a:prstGeom prst="rect">
+            <a:avLst/>
+          </a:prstGeom>
+        </p:spPr>
+        <p:txBody>
+          <a:bodyPr lIns="0" rIns="0" tIns="0" bIns="0">
+            <a:normAutofit/>
+          </a:bodyPr>
+          <a:p>
+            <a:endParaRPr b="0" lang="en-IN" sz="3200" spc="-1" strike="noStrike">
+              <a:latin typeface="Arial"/>
+            </a:endParaRPr>
+          </a:p>
+        </p:txBody>
+      </p:sp>
+    </p:spTree>
+  </p:cSld>
+</p:sldLayout>
+</file>
+
+<file path=ppt/slideLayouts/slideLayout36.xml><?xml version="1.0" encoding="utf-8"?>
+<p:sldLayout xmlns:a="http://schemas.openxmlformats.org/drawingml/2006/main" xmlns:p="http://schemas.openxmlformats.org/presentationml/2006/main" xmlns:r="http://schemas.openxmlformats.org/officeDocument/2006/relationships" xmlns:p14="http://schemas.microsoft.com/office/powerpoint/2010/main" xmlns:p15="http://schemas.microsoft.com/office/powerpoint/2012/main" xmlns:mc="http://schemas.openxmlformats.org/markup-compatibility/2006" type="blank" preserve="1">
+  <p:cSld name="Title, 6 Content">
+    <p:spTree>
+      <p:nvGrpSpPr>
+        <p:cNvPr id="1" name=""/>
+        <p:cNvGrpSpPr/>
+        <p:nvPr/>
+      </p:nvGrpSpPr>
+      <p:grpSpPr>
+        <a:xfrm>
+          <a:off x="0" y="0"/>
+          <a:ext cx="0" cy="0"/>
+          <a:chOff x="0" y="0"/>
+          <a:chExt cx="0" cy="0"/>
+        </a:xfrm>
+      </p:grpSpPr>
+      <p:sp>
+        <p:nvSpPr>
+          <p:cNvPr id="105" name="PlaceHolder 1"/>
+          <p:cNvSpPr>
+            <a:spLocks noGrp="1"/>
+          </p:cNvSpPr>
+          <p:nvPr>
+            <p:ph type="title"/>
+          </p:nvPr>
+        </p:nvSpPr>
+        <p:spPr>
+          <a:xfrm>
+            <a:off x="609480" y="273600"/>
+            <a:ext cx="10972440" cy="1144800"/>
+          </a:xfrm>
+          <a:prstGeom prst="rect">
+            <a:avLst/>
+          </a:prstGeom>
+        </p:spPr>
+        <p:txBody>
+          <a:bodyPr lIns="0" rIns="0" tIns="0" bIns="0" anchor="ctr">
+            <a:noAutofit/>
+          </a:bodyPr>
+          <a:p>
+            <a:pPr algn="ctr"/>
+            <a:endParaRPr b="0" lang="en-IN" sz="4400" spc="-1" strike="noStrike">
+              <a:latin typeface="Arial"/>
+            </a:endParaRPr>
+          </a:p>
+        </p:txBody>
+      </p:sp>
+      <p:sp>
+        <p:nvSpPr>
+          <p:cNvPr id="106" name="PlaceHolder 2"/>
+          <p:cNvSpPr>
+            <a:spLocks noGrp="1"/>
+          </p:cNvSpPr>
+          <p:nvPr>
+            <p:ph type="body"/>
+          </p:nvPr>
+        </p:nvSpPr>
+        <p:spPr>
+          <a:xfrm>
+            <a:off x="609480" y="1604520"/>
+            <a:ext cx="3533040" cy="1896840"/>
+          </a:xfrm>
+          <a:prstGeom prst="rect">
+            <a:avLst/>
+          </a:prstGeom>
+        </p:spPr>
+        <p:txBody>
+          <a:bodyPr lIns="0" rIns="0" tIns="0" bIns="0">
+            <a:normAutofit/>
+          </a:bodyPr>
+          <a:p>
+            <a:endParaRPr b="0" lang="en-IN" sz="3200" spc="-1" strike="noStrike">
+              <a:latin typeface="Arial"/>
+            </a:endParaRPr>
+          </a:p>
+        </p:txBody>
+      </p:sp>
+      <p:sp>
+        <p:nvSpPr>
+          <p:cNvPr id="107" name="PlaceHolder 3"/>
+          <p:cNvSpPr>
+            <a:spLocks noGrp="1"/>
+          </p:cNvSpPr>
+          <p:nvPr>
+            <p:ph type="body"/>
+          </p:nvPr>
+        </p:nvSpPr>
+        <p:spPr>
+          <a:xfrm>
+            <a:off x="4319640" y="1604520"/>
+            <a:ext cx="3533040" cy="1896840"/>
+          </a:xfrm>
+          <a:prstGeom prst="rect">
+            <a:avLst/>
+          </a:prstGeom>
+        </p:spPr>
+        <p:txBody>
+          <a:bodyPr lIns="0" rIns="0" tIns="0" bIns="0">
+            <a:normAutofit/>
+          </a:bodyPr>
+          <a:p>
+            <a:endParaRPr b="0" lang="en-IN" sz="3200" spc="-1" strike="noStrike">
+              <a:latin typeface="Arial"/>
+            </a:endParaRPr>
+          </a:p>
+        </p:txBody>
+      </p:sp>
+      <p:sp>
+        <p:nvSpPr>
+          <p:cNvPr id="108" name="PlaceHolder 4"/>
+          <p:cNvSpPr>
+            <a:spLocks noGrp="1"/>
+          </p:cNvSpPr>
+          <p:nvPr>
+            <p:ph type="body"/>
+          </p:nvPr>
+        </p:nvSpPr>
+        <p:spPr>
+          <a:xfrm>
+            <a:off x="8029800" y="1604520"/>
+            <a:ext cx="3533040" cy="1896840"/>
+          </a:xfrm>
+          <a:prstGeom prst="rect">
+            <a:avLst/>
+          </a:prstGeom>
+        </p:spPr>
+        <p:txBody>
+          <a:bodyPr lIns="0" rIns="0" tIns="0" bIns="0">
+            <a:normAutofit/>
+          </a:bodyPr>
+          <a:p>
+            <a:endParaRPr b="0" lang="en-IN" sz="3200" spc="-1" strike="noStrike">
+              <a:latin typeface="Arial"/>
+            </a:endParaRPr>
+          </a:p>
+        </p:txBody>
+      </p:sp>
+      <p:sp>
+        <p:nvSpPr>
+          <p:cNvPr id="109" name="PlaceHolder 5"/>
+          <p:cNvSpPr>
+            <a:spLocks noGrp="1"/>
+          </p:cNvSpPr>
+          <p:nvPr>
+            <p:ph type="body"/>
+          </p:nvPr>
+        </p:nvSpPr>
+        <p:spPr>
+          <a:xfrm>
+            <a:off x="609480" y="3682080"/>
+            <a:ext cx="3533040" cy="1896840"/>
+          </a:xfrm>
+          <a:prstGeom prst="rect">
+            <a:avLst/>
+          </a:prstGeom>
+        </p:spPr>
+        <p:txBody>
+          <a:bodyPr lIns="0" rIns="0" tIns="0" bIns="0">
+            <a:normAutofit/>
+          </a:bodyPr>
+          <a:p>
+            <a:endParaRPr b="0" lang="en-IN" sz="3200" spc="-1" strike="noStrike">
+              <a:latin typeface="Arial"/>
+            </a:endParaRPr>
+          </a:p>
+        </p:txBody>
+      </p:sp>
+      <p:sp>
+        <p:nvSpPr>
+          <p:cNvPr id="110" name="PlaceHolder 6"/>
+          <p:cNvSpPr>
+            <a:spLocks noGrp="1"/>
+          </p:cNvSpPr>
+          <p:nvPr>
+            <p:ph type="body"/>
+          </p:nvPr>
+        </p:nvSpPr>
+        <p:spPr>
+          <a:xfrm>
+            <a:off x="4319640" y="3682080"/>
+            <a:ext cx="3533040" cy="1896840"/>
+          </a:xfrm>
+          <a:prstGeom prst="rect">
+            <a:avLst/>
+          </a:prstGeom>
+        </p:spPr>
+        <p:txBody>
+          <a:bodyPr lIns="0" rIns="0" tIns="0" bIns="0">
+            <a:normAutofit/>
+          </a:bodyPr>
+          <a:p>
+            <a:endParaRPr b="0" lang="en-IN" sz="3200" spc="-1" strike="noStrike">
+              <a:latin typeface="Arial"/>
+            </a:endParaRPr>
+          </a:p>
+        </p:txBody>
+      </p:sp>
+      <p:sp>
+        <p:nvSpPr>
+          <p:cNvPr id="111" name="PlaceHolder 7"/>
+          <p:cNvSpPr>
+            <a:spLocks noGrp="1"/>
+          </p:cNvSpPr>
+          <p:nvPr>
+            <p:ph type="body"/>
+          </p:nvPr>
+        </p:nvSpPr>
+        <p:spPr>
+          <a:xfrm>
+            <a:off x="8029800" y="3682080"/>
+            <a:ext cx="3533040" cy="1896840"/>
           </a:xfrm>
           <a:prstGeom prst="rect">
             <a:avLst/>
@@ -1421,7 +4137,25 @@
               <a:rPr b="0" lang="en-IN" sz="4400" spc="-1" strike="noStrike">
                 <a:latin typeface="Arial"/>
               </a:rPr>
-              <a:t>Click to edit the title text format</a:t>
+              <a:t>Click to </a:t>
+            </a:r>
+            <a:r>
+              <a:rPr b="0" lang="en-IN" sz="4400" spc="-1" strike="noStrike">
+                <a:latin typeface="Arial"/>
+              </a:rPr>
+              <a:t>edit the </a:t>
+            </a:r>
+            <a:r>
+              <a:rPr b="0" lang="en-IN" sz="4400" spc="-1" strike="noStrike">
+                <a:latin typeface="Arial"/>
+              </a:rPr>
+              <a:t>title text </a:t>
+            </a:r>
+            <a:r>
+              <a:rPr b="0" lang="en-IN" sz="4400" spc="-1" strike="noStrike">
+                <a:latin typeface="Arial"/>
+              </a:rPr>
+              <a:t>format</a:t>
             </a:r>
             <a:endParaRPr b="0" lang="en-IN" sz="4400" spc="-1" strike="noStrike">
               <a:latin typeface="Arial"/>
@@ -1624,6 +4358,322 @@
     <p:sldLayoutId id="2147483658" r:id="rId11"/>
     <p:sldLayoutId id="2147483659" r:id="rId12"/>
     <p:sldLayoutId id="2147483660" r:id="rId13"/>
+  </p:sldLayoutIdLst>
+</p:sldMaster>
+</file>
+
+<file path=ppt/slideMasters/slideMaster2.xml><?xml version="1.0" encoding="utf-8"?>
+<p:sldMaster xmlns:a="http://schemas.openxmlformats.org/drawingml/2006/main" xmlns:p="http://schemas.openxmlformats.org/presentationml/2006/main" xmlns:r="http://schemas.openxmlformats.org/officeDocument/2006/relationships" xmlns:p14="http://schemas.microsoft.com/office/powerpoint/2010/main" xmlns:p15="http://schemas.microsoft.com/office/powerpoint/2012/main" xmlns:mc="http://schemas.openxmlformats.org/markup-compatibility/2006">
+  <p:cSld>
+    <p:bg>
+      <p:bgPr>
+        <a:solidFill>
+          <a:srgbClr val="ffffff"/>
+        </a:solidFill>
+      </p:bgPr>
+    </p:bg>
+    <p:spTree>
+      <p:nvGrpSpPr>
+        <p:cNvPr id="1" name=""/>
+        <p:cNvGrpSpPr/>
+        <p:nvPr/>
+      </p:nvGrpSpPr>
+      <p:grpSpPr>
+        <a:xfrm>
+          <a:off x="0" y="0"/>
+          <a:ext cx="0" cy="0"/>
+          <a:chOff x="0" y="0"/>
+          <a:chExt cx="0" cy="0"/>
+        </a:xfrm>
+      </p:grpSpPr>
+      <p:sp>
+        <p:nvSpPr>
+          <p:cNvPr id="38" name="PlaceHolder 1"/>
+          <p:cNvSpPr>
+            <a:spLocks noGrp="1"/>
+          </p:cNvSpPr>
+          <p:nvPr>
+            <p:ph type="title"/>
+          </p:nvPr>
+        </p:nvSpPr>
+        <p:spPr>
+          <a:xfrm>
+            <a:off x="609480" y="273600"/>
+            <a:ext cx="10972440" cy="1144800"/>
+          </a:xfrm>
+          <a:prstGeom prst="rect">
+            <a:avLst/>
+          </a:prstGeom>
+        </p:spPr>
+        <p:txBody>
+          <a:bodyPr lIns="0" rIns="0" tIns="0" bIns="0" anchor="ctr">
+            <a:noAutofit/>
+          </a:bodyPr>
+          <a:p>
+            <a:pPr algn="ctr"/>
+            <a:r>
+              <a:rPr b="0" lang="en-IN" sz="4400" spc="-1" strike="noStrike">
+                <a:latin typeface="Arial"/>
+              </a:rPr>
+              <a:t>Click to edit </a:t>
+            </a:r>
+            <a:r>
+              <a:rPr b="0" lang="en-IN" sz="4400" spc="-1" strike="noStrike">
+                <a:latin typeface="Arial"/>
+              </a:rPr>
+              <a:t>the title text </a:t>
+            </a:r>
+            <a:r>
+              <a:rPr b="0" lang="en-IN" sz="4400" spc="-1" strike="noStrike">
+                <a:latin typeface="Arial"/>
+              </a:rPr>
+              <a:t>format</a:t>
+            </a:r>
+            <a:endParaRPr b="0" lang="en-IN" sz="4400" spc="-1" strike="noStrike">
+              <a:latin typeface="Arial"/>
+            </a:endParaRPr>
+          </a:p>
+        </p:txBody>
+      </p:sp>
+      <p:sp>
+        <p:nvSpPr>
+          <p:cNvPr id="39" name="PlaceHolder 2"/>
+          <p:cNvSpPr>
+            <a:spLocks noGrp="1"/>
+          </p:cNvSpPr>
+          <p:nvPr>
+            <p:ph type="body"/>
+          </p:nvPr>
+        </p:nvSpPr>
+        <p:spPr>
+          <a:xfrm>
+            <a:off x="609480" y="1604520"/>
+            <a:ext cx="10972440" cy="3977280"/>
+          </a:xfrm>
+          <a:prstGeom prst="rect">
+            <a:avLst/>
+          </a:prstGeom>
+        </p:spPr>
+        <p:txBody>
+          <a:bodyPr lIns="0" rIns="0" tIns="0" bIns="0">
+            <a:normAutofit/>
+          </a:bodyPr>
+          <a:p>
+            <a:pPr marL="432000" indent="-324000">
+              <a:spcBef>
+                <a:spcPts val="1417"/>
+              </a:spcBef>
+              <a:buClr>
+                <a:srgbClr val="000000"/>
+              </a:buClr>
+              <a:buSzPct val="45000"/>
+              <a:buFont typeface="Wingdings" charset="2"/>
+              <a:buChar char=""/>
+            </a:pPr>
+            <a:r>
+              <a:rPr b="0" lang="en-IN" sz="3200" spc="-1" strike="noStrike">
+                <a:latin typeface="Arial"/>
+              </a:rPr>
+              <a:t>Click to edit the outline text format</a:t>
+            </a:r>
+            <a:endParaRPr b="0" lang="en-IN" sz="3200" spc="-1" strike="noStrike">
+              <a:latin typeface="Arial"/>
+            </a:endParaRPr>
+          </a:p>
+          <a:p>
+            <a:pPr lvl="1" marL="864000" indent="-324000">
+              <a:spcBef>
+                <a:spcPts val="1134"/>
+              </a:spcBef>
+              <a:buClr>
+                <a:srgbClr val="000000"/>
+              </a:buClr>
+              <a:buSzPct val="75000"/>
+              <a:buFont typeface="Symbol" charset="2"/>
+              <a:buChar char=""/>
+            </a:pPr>
+            <a:r>
+              <a:rPr b="0" lang="en-IN" sz="2800" spc="-1" strike="noStrike">
+                <a:latin typeface="Arial"/>
+              </a:rPr>
+              <a:t>Second Outline Level</a:t>
+            </a:r>
+            <a:endParaRPr b="0" lang="en-IN" sz="2800" spc="-1" strike="noStrike">
+              <a:latin typeface="Arial"/>
+            </a:endParaRPr>
+          </a:p>
+          <a:p>
+            <a:pPr lvl="2" marL="1296000" indent="-288000">
+              <a:spcBef>
+                <a:spcPts val="850"/>
+              </a:spcBef>
+              <a:buClr>
+                <a:srgbClr val="000000"/>
+              </a:buClr>
+              <a:buSzPct val="45000"/>
+              <a:buFont typeface="Wingdings" charset="2"/>
+              <a:buChar char=""/>
+            </a:pPr>
+            <a:r>
+              <a:rPr b="0" lang="en-IN" sz="2400" spc="-1" strike="noStrike">
+                <a:latin typeface="Arial"/>
+              </a:rPr>
+              <a:t>Third Outline Level</a:t>
+            </a:r>
+            <a:endParaRPr b="0" lang="en-IN" sz="2400" spc="-1" strike="noStrike">
+              <a:latin typeface="Arial"/>
+            </a:endParaRPr>
+          </a:p>
+          <a:p>
+            <a:pPr lvl="3" marL="1728000" indent="-216000">
+              <a:spcBef>
+                <a:spcPts val="567"/>
+              </a:spcBef>
+              <a:buClr>
+                <a:srgbClr val="000000"/>
+              </a:buClr>
+              <a:buSzPct val="75000"/>
+              <a:buFont typeface="Symbol" charset="2"/>
+              <a:buChar char=""/>
+            </a:pPr>
+            <a:r>
+              <a:rPr b="0" lang="en-IN" sz="2000" spc="-1" strike="noStrike">
+                <a:latin typeface="Arial"/>
+              </a:rPr>
+              <a:t>Fourth Outline Level</a:t>
+            </a:r>
+            <a:endParaRPr b="0" lang="en-IN" sz="2000" spc="-1" strike="noStrike">
+              <a:latin typeface="Arial"/>
+            </a:endParaRPr>
+          </a:p>
+          <a:p>
+            <a:pPr lvl="4" marL="2160000" indent="-216000">
+              <a:spcBef>
+                <a:spcPts val="283"/>
+              </a:spcBef>
+              <a:buClr>
+                <a:srgbClr val="000000"/>
+              </a:buClr>
+              <a:buSzPct val="45000"/>
+              <a:buFont typeface="Wingdings" charset="2"/>
+              <a:buChar char=""/>
+            </a:pPr>
+            <a:r>
+              <a:rPr b="0" lang="en-IN" sz="2000" spc="-1" strike="noStrike">
+                <a:latin typeface="Arial"/>
+              </a:rPr>
+              <a:t>Fifth Outline Level</a:t>
+            </a:r>
+            <a:endParaRPr b="0" lang="en-IN" sz="2000" spc="-1" strike="noStrike">
+              <a:latin typeface="Arial"/>
+            </a:endParaRPr>
+          </a:p>
+          <a:p>
+            <a:pPr lvl="5" marL="2592000" indent="-216000">
+              <a:spcBef>
+                <a:spcPts val="283"/>
+              </a:spcBef>
+              <a:buClr>
+                <a:srgbClr val="000000"/>
+              </a:buClr>
+              <a:buSzPct val="45000"/>
+              <a:buFont typeface="Wingdings" charset="2"/>
+              <a:buChar char=""/>
+            </a:pPr>
+            <a:r>
+              <a:rPr b="0" lang="en-IN" sz="2000" spc="-1" strike="noStrike">
+                <a:latin typeface="Arial"/>
+              </a:rPr>
+              <a:t>Sixth Outline Level</a:t>
+            </a:r>
+            <a:endParaRPr b="0" lang="en-IN" sz="2000" spc="-1" strike="noStrike">
+              <a:latin typeface="Arial"/>
+            </a:endParaRPr>
+          </a:p>
+          <a:p>
+            <a:pPr lvl="6" marL="3024000" indent="-216000">
+              <a:spcBef>
+                <a:spcPts val="283"/>
+              </a:spcBef>
+              <a:buClr>
+                <a:srgbClr val="000000"/>
+              </a:buClr>
+              <a:buSzPct val="45000"/>
+              <a:buFont typeface="Wingdings" charset="2"/>
+              <a:buChar char=""/>
+            </a:pPr>
+            <a:r>
+              <a:rPr b="0" lang="en-IN" sz="2000" spc="-1" strike="noStrike">
+                <a:latin typeface="Arial"/>
+              </a:rPr>
+              <a:t>Seventh Outline Level</a:t>
+            </a:r>
+            <a:endParaRPr b="0" lang="en-IN" sz="2000" spc="-1" strike="noStrike">
+              <a:latin typeface="Arial"/>
+            </a:endParaRPr>
+          </a:p>
+        </p:txBody>
+      </p:sp>
+    </p:spTree>
+  </p:cSld>
+  <p:clrMap bg1="lt1" bg2="lt2" tx1="dk1" tx2="dk2" accent1="accent1" accent2="accent2" accent3="accent3" accent4="accent4" accent5="accent5" accent6="accent6" hlink="hlink" folHlink="folHlink"/>
+  <p:sldLayoutIdLst>
+    <p:sldLayoutId id="2147483662" r:id="rId2"/>
+    <p:sldLayoutId id="2147483663" r:id="rId3"/>
+    <p:sldLayoutId id="2147483664" r:id="rId4"/>
+    <p:sldLayoutId id="2147483665" r:id="rId5"/>
+    <p:sldLayoutId id="2147483666" r:id="rId6"/>
+    <p:sldLayoutId id="2147483667" r:id="rId7"/>
+    <p:sldLayoutId id="2147483668" r:id="rId8"/>
+    <p:sldLayoutId id="2147483669" r:id="rId9"/>
+    <p:sldLayoutId id="2147483670" r:id="rId10"/>
+    <p:sldLayoutId id="2147483671" r:id="rId11"/>
+    <p:sldLayoutId id="2147483672" r:id="rId12"/>
+    <p:sldLayoutId id="2147483673" r:id="rId13"/>
+  </p:sldLayoutIdLst>
+</p:sldMaster>
+</file>
+
+<file path=ppt/slideMasters/slideMaster3.xml><?xml version="1.0" encoding="utf-8"?>
+<p:sldMaster xmlns:a="http://schemas.openxmlformats.org/drawingml/2006/main" xmlns:p="http://schemas.openxmlformats.org/presentationml/2006/main" xmlns:r="http://schemas.openxmlformats.org/officeDocument/2006/relationships" xmlns:p14="http://schemas.microsoft.com/office/powerpoint/2010/main" xmlns:p15="http://schemas.microsoft.com/office/powerpoint/2012/main" xmlns:mc="http://schemas.openxmlformats.org/markup-compatibility/2006">
+  <p:cSld>
+    <p:bg>
+      <p:bgPr>
+        <a:solidFill>
+          <a:srgbClr val="ffffff"/>
+        </a:solidFill>
+      </p:bgPr>
+    </p:bg>
+    <p:spTree>
+      <p:nvGrpSpPr>
+        <p:cNvPr id="1" name=""/>
+        <p:cNvGrpSpPr/>
+        <p:nvPr/>
+      </p:nvGrpSpPr>
+      <p:grpSpPr>
+        <a:xfrm>
+          <a:off x="0" y="0"/>
+          <a:ext cx="0" cy="0"/>
+          <a:chOff x="0" y="0"/>
+          <a:chExt cx="0" cy="0"/>
+        </a:xfrm>
+      </p:grpSpPr>
+    </p:spTree>
+  </p:cSld>
+  <p:clrMap bg1="lt1" bg2="lt2" tx1="dk1" tx2="dk2" accent1="accent1" accent2="accent2" accent3="accent3" accent4="accent4" accent5="accent5" accent6="accent6" hlink="hlink" folHlink="folHlink"/>
+  <p:sldLayoutIdLst>
+    <p:sldLayoutId id="2147483675" r:id="rId2"/>
+    <p:sldLayoutId id="2147483676" r:id="rId3"/>
+    <p:sldLayoutId id="2147483677" r:id="rId4"/>
+    <p:sldLayoutId id="2147483678" r:id="rId5"/>
+    <p:sldLayoutId id="2147483679" r:id="rId6"/>
+    <p:sldLayoutId id="2147483680" r:id="rId7"/>
+    <p:sldLayoutId id="2147483681" r:id="rId8"/>
+    <p:sldLayoutId id="2147483682" r:id="rId9"/>
+    <p:sldLayoutId id="2147483683" r:id="rId10"/>
+    <p:sldLayoutId id="2147483684" r:id="rId11"/>
+    <p:sldLayoutId id="2147483685" r:id="rId12"/>
+    <p:sldLayoutId id="2147483686" r:id="rId13"/>
   </p:sldLayoutIdLst>
 </p:sldMaster>
 </file>
@@ -1645,16 +4695,39 @@
           <a:chExt cx="0" cy="0"/>
         </a:xfrm>
       </p:grpSpPr>
-      <p:sp>
-        <p:nvSpPr>
-          <p:cNvPr id="38" name="TextShape 1"/>
-          <p:cNvSpPr txBox="1"/>
+      <p:pic>
+        <p:nvPicPr>
+          <p:cNvPr id="112" name="object 2" descr=""/>
+          <p:cNvPicPr/>
           <p:nvPr/>
-        </p:nvSpPr>
-        <p:spPr>
-          <a:xfrm>
-            <a:off x="2832480" y="1224000"/>
-            <a:ext cx="4799520" cy="343800"/>
+        </p:nvPicPr>
+        <p:blipFill>
+          <a:blip r:embed="rId1"/>
+          <a:stretch/>
+        </p:blipFill>
+        <p:spPr>
+          <a:xfrm>
+            <a:off x="4779360" y="1170360"/>
+            <a:ext cx="2123280" cy="2125080"/>
+          </a:xfrm>
+          <a:prstGeom prst="rect">
+            <a:avLst/>
+          </a:prstGeom>
+          <a:ln>
+            <a:noFill/>
+          </a:ln>
+        </p:spPr>
+      </p:pic>
+      <p:sp>
+        <p:nvSpPr>
+          <p:cNvPr id="113" name="CustomShape 1"/>
+          <p:cNvSpPr/>
+          <p:nvPr/>
+        </p:nvSpPr>
+        <p:spPr>
+          <a:xfrm>
+            <a:off x="3439080" y="3679200"/>
+            <a:ext cx="4749840" cy="286560"/>
           </a:xfrm>
           <a:prstGeom prst="rect">
             <a:avLst/>
@@ -1664,170 +4737,3125 @@
             <a:noFill/>
           </a:ln>
         </p:spPr>
-        <p:txBody>
-          <a:bodyPr lIns="90000" rIns="90000" tIns="45000" bIns="45000">
+        <p:style>
+          <a:lnRef idx="0"/>
+          <a:fillRef idx="0"/>
+          <a:effectRef idx="0"/>
+          <a:fontRef idx="minor"/>
+        </p:style>
+        <p:txBody>
+          <a:bodyPr lIns="0" rIns="0" tIns="12600" bIns="0">
+            <a:spAutoFit/>
+          </a:bodyPr>
+          <a:p>
+            <a:pPr marL="12600">
+              <a:lnSpc>
+                <a:spcPct val="100000"/>
+              </a:lnSpc>
+              <a:spcBef>
+                <a:spcPts val="99"/>
+              </a:spcBef>
+            </a:pPr>
+            <a:r>
+              <a:rPr b="1" lang="en-IN" sz="1800" spc="32" strike="noStrike">
+                <a:solidFill>
+                  <a:srgbClr val="404040"/>
+                </a:solidFill>
+                <a:latin typeface="Times New Roman"/>
+                <a:ea typeface="DejaVu Sans"/>
+              </a:rPr>
+              <a:t>Find</a:t>
+            </a:r>
+            <a:r>
+              <a:rPr b="1" lang="en-IN" sz="1800" spc="143" strike="noStrike">
+                <a:solidFill>
+                  <a:srgbClr val="404040"/>
+                </a:solidFill>
+                <a:latin typeface="Times New Roman"/>
+                <a:ea typeface="DejaVu Sans"/>
+              </a:rPr>
+              <a:t> </a:t>
+            </a:r>
+            <a:r>
+              <a:rPr b="1" lang="en-IN" sz="1800" spc="-1" strike="noStrike">
+                <a:solidFill>
+                  <a:srgbClr val="c9211e"/>
+                </a:solidFill>
+                <a:latin typeface="Times New Roman"/>
+                <a:ea typeface="DejaVu Sans"/>
+              </a:rPr>
+              <a:t>a</a:t>
+            </a:r>
+            <a:r>
+              <a:rPr b="1" lang="en-IN" sz="1800" spc="-7" strike="noStrike">
+                <a:solidFill>
+                  <a:srgbClr val="c9211e"/>
+                </a:solidFill>
+                <a:latin typeface="Times New Roman"/>
+                <a:ea typeface="DejaVu Sans"/>
+              </a:rPr>
+              <a:t> </a:t>
+            </a:r>
+            <a:r>
+              <a:rPr b="1" lang="en-IN" sz="1800" spc="58" strike="noStrike">
+                <a:solidFill>
+                  <a:srgbClr val="c9211e"/>
+                </a:solidFill>
+                <a:latin typeface="Times New Roman"/>
+                <a:ea typeface="DejaVu Sans"/>
+              </a:rPr>
+              <a:t>friend.</a:t>
+            </a:r>
+            <a:r>
+              <a:rPr b="1" lang="en-IN" sz="1800" spc="131" strike="noStrike">
+                <a:solidFill>
+                  <a:srgbClr val="c9211e"/>
+                </a:solidFill>
+                <a:latin typeface="Times New Roman"/>
+                <a:ea typeface="DejaVu Sans"/>
+              </a:rPr>
+              <a:t> </a:t>
+            </a:r>
+            <a:r>
+              <a:rPr b="1" lang="en-IN" sz="1800" spc="26" strike="noStrike">
+                <a:solidFill>
+                  <a:srgbClr val="404040"/>
+                </a:solidFill>
+                <a:latin typeface="Times New Roman"/>
+                <a:ea typeface="DejaVu Sans"/>
+              </a:rPr>
+              <a:t>Date</a:t>
+            </a:r>
+            <a:r>
+              <a:rPr b="1" lang="en-IN" sz="1800" spc="157" strike="noStrike">
+                <a:solidFill>
+                  <a:srgbClr val="404040"/>
+                </a:solidFill>
+                <a:latin typeface="Times New Roman"/>
+                <a:ea typeface="DejaVu Sans"/>
+              </a:rPr>
+              <a:t> </a:t>
+            </a:r>
+            <a:r>
+              <a:rPr b="1" lang="en-IN" sz="1800" spc="-1" strike="noStrike">
+                <a:solidFill>
+                  <a:srgbClr val="404040"/>
+                </a:solidFill>
+                <a:latin typeface="Times New Roman"/>
+                <a:ea typeface="DejaVu Sans"/>
+              </a:rPr>
+              <a:t>a</a:t>
+            </a:r>
+            <a:r>
+              <a:rPr b="1" lang="en-IN" sz="1800" spc="-12" strike="noStrike">
+                <a:solidFill>
+                  <a:srgbClr val="404040"/>
+                </a:solidFill>
+                <a:latin typeface="Times New Roman"/>
+                <a:ea typeface="DejaVu Sans"/>
+              </a:rPr>
+              <a:t> </a:t>
+            </a:r>
+            <a:r>
+              <a:rPr b="1" lang="en-IN" sz="1800" spc="58" strike="noStrike">
+                <a:solidFill>
+                  <a:srgbClr val="404040"/>
+                </a:solidFill>
+                <a:latin typeface="Times New Roman"/>
+                <a:ea typeface="DejaVu Sans"/>
+              </a:rPr>
+              <a:t>friend.</a:t>
+            </a:r>
+            <a:r>
+              <a:rPr b="1" lang="en-IN" sz="1800" spc="103" strike="noStrike">
+                <a:solidFill>
+                  <a:srgbClr val="404040"/>
+                </a:solidFill>
+                <a:latin typeface="Times New Roman"/>
+                <a:ea typeface="DejaVu Sans"/>
+              </a:rPr>
+              <a:t> </a:t>
+            </a:r>
+            <a:r>
+              <a:rPr b="1" lang="en-IN" sz="1800" spc="24" strike="noStrike">
+                <a:solidFill>
+                  <a:srgbClr val="404040"/>
+                </a:solidFill>
+                <a:latin typeface="Times New Roman"/>
+                <a:ea typeface="DejaVu Sans"/>
+              </a:rPr>
+              <a:t>Why</a:t>
+            </a:r>
+            <a:r>
+              <a:rPr b="1" lang="en-IN" sz="1800" spc="208" strike="noStrike">
+                <a:solidFill>
+                  <a:srgbClr val="404040"/>
+                </a:solidFill>
+                <a:latin typeface="Times New Roman"/>
+                <a:ea typeface="DejaVu Sans"/>
+              </a:rPr>
+              <a:t> </a:t>
+            </a:r>
+            <a:r>
+              <a:rPr b="1" lang="en-IN" sz="1800" spc="63" strike="noStrike">
+                <a:solidFill>
+                  <a:srgbClr val="00a933"/>
+                </a:solidFill>
+                <a:latin typeface="Times New Roman"/>
+                <a:ea typeface="DejaVu Sans"/>
+              </a:rPr>
+              <a:t>strangers</a:t>
+            </a:r>
+            <a:r>
+              <a:rPr b="1" lang="en-IN" sz="1800" spc="63" strike="noStrike">
+                <a:solidFill>
+                  <a:srgbClr val="404040"/>
+                </a:solidFill>
+                <a:latin typeface="Times New Roman"/>
+                <a:ea typeface="DejaVu Sans"/>
+              </a:rPr>
+              <a:t>?</a:t>
+            </a:r>
+            <a:endParaRPr b="0" lang="en-IN" sz="1800" spc="-1" strike="noStrike">
+              <a:latin typeface="Arial"/>
+            </a:endParaRPr>
+          </a:p>
+        </p:txBody>
+      </p:sp>
+      <p:sp>
+        <p:nvSpPr>
+          <p:cNvPr id="114" name="CustomShape 2"/>
+          <p:cNvSpPr/>
+          <p:nvPr/>
+        </p:nvSpPr>
+        <p:spPr>
+          <a:xfrm>
+            <a:off x="0" y="4028040"/>
+            <a:ext cx="12191040" cy="2829240"/>
+          </a:xfrm>
+          <a:custGeom>
+            <a:avLst/>
+            <a:gdLst/>
+            <a:ahLst/>
+            <a:rect l="l" t="t" r="r" b="b"/>
+            <a:pathLst>
+              <a:path w="12192000" h="2830195">
+                <a:moveTo>
+                  <a:pt x="12192000" y="0"/>
+                </a:moveTo>
+                <a:lnTo>
+                  <a:pt x="86283" y="1644396"/>
+                </a:lnTo>
+                <a:lnTo>
+                  <a:pt x="0" y="1644396"/>
+                </a:lnTo>
+                <a:lnTo>
+                  <a:pt x="0" y="1656118"/>
+                </a:lnTo>
+                <a:lnTo>
+                  <a:pt x="0" y="1659636"/>
+                </a:lnTo>
+                <a:lnTo>
+                  <a:pt x="0" y="2830068"/>
+                </a:lnTo>
+                <a:lnTo>
+                  <a:pt x="12192000" y="2830068"/>
+                </a:lnTo>
+                <a:lnTo>
+                  <a:pt x="12192000" y="1659636"/>
+                </a:lnTo>
+                <a:lnTo>
+                  <a:pt x="12192000" y="1644396"/>
+                </a:lnTo>
+                <a:lnTo>
+                  <a:pt x="12192000" y="0"/>
+                </a:lnTo>
+                <a:close/>
+              </a:path>
+            </a:pathLst>
+          </a:custGeom>
+          <a:solidFill>
+            <a:srgbClr val="c61c43"/>
+          </a:solidFill>
+          <a:ln>
+            <a:noFill/>
+          </a:ln>
+        </p:spPr>
+        <p:style>
+          <a:lnRef idx="0"/>
+          <a:fillRef idx="0"/>
+          <a:effectRef idx="0"/>
+          <a:fontRef idx="minor"/>
+        </p:style>
+      </p:sp>
+    </p:spTree>
+  </p:cSld>
+  <mc:AlternateContent>
+    <mc:Choice Requires="p14">
+      <p:transition spd="slow" p14:dur="2000"/>
+    </mc:Choice>
+    <mc:Fallback>
+      <p:transition spd="slow"/>
+    </mc:Fallback>
+  </mc:AlternateContent>
+</p:sld>
+</file>
+
+<file path=ppt/slides/slide2.xml><?xml version="1.0" encoding="utf-8"?>
+<p:sld xmlns:a="http://schemas.openxmlformats.org/drawingml/2006/main" xmlns:p="http://schemas.openxmlformats.org/presentationml/2006/main" xmlns:r="http://schemas.openxmlformats.org/officeDocument/2006/relationships" xmlns:p14="http://schemas.microsoft.com/office/powerpoint/2010/main" xmlns:p15="http://schemas.microsoft.com/office/powerpoint/2012/main" xmlns:mc="http://schemas.openxmlformats.org/markup-compatibility/2006">
+  <p:cSld>
+    <p:spTree>
+      <p:nvGrpSpPr>
+        <p:cNvPr id="1" name=""/>
+        <p:cNvGrpSpPr/>
+        <p:nvPr/>
+      </p:nvGrpSpPr>
+      <p:grpSpPr>
+        <a:xfrm>
+          <a:off x="0" y="0"/>
+          <a:ext cx="0" cy="0"/>
+          <a:chOff x="0" y="0"/>
+          <a:chExt cx="0" cy="0"/>
+        </a:xfrm>
+      </p:grpSpPr>
+      <p:grpSp>
+        <p:nvGrpSpPr>
+          <p:cNvPr id="115" name="Group 1"/>
+          <p:cNvGrpSpPr/>
+          <p:nvPr/>
+        </p:nvGrpSpPr>
+        <p:grpSpPr>
+          <a:xfrm>
+            <a:off x="0" y="0"/>
+            <a:ext cx="6094800" cy="6856920"/>
+            <a:chOff x="0" y="0"/>
+            <a:chExt cx="6094800" cy="6856920"/>
+          </a:xfrm>
+        </p:grpSpPr>
+        <p:pic>
+          <p:nvPicPr>
+            <p:cNvPr id="116" name="object 3" descr=""/>
+            <p:cNvPicPr/>
+            <p:nvPr/>
+          </p:nvPicPr>
+          <p:blipFill>
+            <a:blip r:embed="rId1"/>
+            <a:stretch/>
+          </p:blipFill>
+          <p:spPr>
+            <a:xfrm>
+              <a:off x="0" y="0"/>
+              <a:ext cx="6094800" cy="6856920"/>
+            </a:xfrm>
+            <a:prstGeom prst="rect">
+              <a:avLst/>
+            </a:prstGeom>
+            <a:ln>
+              <a:noFill/>
+            </a:ln>
+          </p:spPr>
+        </p:pic>
+        <p:sp>
+          <p:nvSpPr>
+            <p:cNvPr id="117" name="CustomShape 2"/>
+            <p:cNvSpPr/>
+            <p:nvPr/>
+          </p:nvSpPr>
+          <p:spPr>
+            <a:xfrm>
+              <a:off x="0" y="0"/>
+              <a:ext cx="6094800" cy="6856920"/>
+            </a:xfrm>
+            <a:custGeom>
+              <a:avLst/>
+              <a:gdLst/>
+              <a:ahLst/>
+              <a:rect l="l" t="t" r="r" b="b"/>
+              <a:pathLst>
+                <a:path w="6096000" h="6858000">
+                  <a:moveTo>
+                    <a:pt x="0" y="6857996"/>
+                  </a:moveTo>
+                  <a:lnTo>
+                    <a:pt x="6096000" y="6857996"/>
+                  </a:lnTo>
+                  <a:lnTo>
+                    <a:pt x="6096000" y="0"/>
+                  </a:lnTo>
+                  <a:lnTo>
+                    <a:pt x="0" y="0"/>
+                  </a:lnTo>
+                  <a:lnTo>
+                    <a:pt x="0" y="6857996"/>
+                  </a:lnTo>
+                  <a:close/>
+                </a:path>
+              </a:pathLst>
+            </a:custGeom>
+            <a:solidFill>
+              <a:srgbClr val="000000">
+                <a:alpha val="62000"/>
+              </a:srgbClr>
+            </a:solidFill>
+            <a:ln>
+              <a:noFill/>
+            </a:ln>
+          </p:spPr>
+          <p:style>
+            <a:lnRef idx="0"/>
+            <a:fillRef idx="0"/>
+            <a:effectRef idx="0"/>
+            <a:fontRef idx="minor"/>
+          </p:style>
+        </p:sp>
+        <p:sp>
+          <p:nvSpPr>
+            <p:cNvPr id="118" name="CustomShape 3"/>
+            <p:cNvSpPr/>
+            <p:nvPr/>
+          </p:nvSpPr>
+          <p:spPr>
+            <a:xfrm>
+              <a:off x="0" y="0"/>
+              <a:ext cx="360" cy="6856920"/>
+            </a:xfrm>
+            <a:custGeom>
+              <a:avLst/>
+              <a:gdLst/>
+              <a:ahLst/>
+              <a:rect l="l" t="t" r="r" b="b"/>
+              <a:pathLst>
+                <a:path w="0" h="6858000">
+                  <a:moveTo>
+                    <a:pt x="0" y="0"/>
+                  </a:moveTo>
+                  <a:lnTo>
+                    <a:pt x="0" y="6857996"/>
+                  </a:lnTo>
+                </a:path>
+              </a:pathLst>
+            </a:custGeom>
+            <a:noFill/>
+            <a:ln w="12240">
+              <a:solidFill>
+                <a:srgbClr val="000000"/>
+              </a:solidFill>
+              <a:round/>
+            </a:ln>
+          </p:spPr>
+          <p:style>
+            <a:lnRef idx="0"/>
+            <a:fillRef idx="0"/>
+            <a:effectRef idx="0"/>
+            <a:fontRef idx="minor"/>
+          </p:style>
+        </p:sp>
+      </p:grpSp>
+      <p:sp>
+        <p:nvSpPr>
+          <p:cNvPr id="119" name="CustomShape 4"/>
+          <p:cNvSpPr/>
+          <p:nvPr/>
+        </p:nvSpPr>
+        <p:spPr>
+          <a:xfrm>
+            <a:off x="1043280" y="2001600"/>
+            <a:ext cx="3654000" cy="1841040"/>
+          </a:xfrm>
+          <a:prstGeom prst="rect">
+            <a:avLst/>
+          </a:prstGeom>
+          <a:noFill/>
+          <a:ln>
+            <a:noFill/>
+          </a:ln>
+        </p:spPr>
+        <p:style>
+          <a:lnRef idx="0"/>
+          <a:fillRef idx="0"/>
+          <a:effectRef idx="0"/>
+          <a:fontRef idx="minor"/>
+        </p:style>
+        <p:txBody>
+          <a:bodyPr lIns="0" rIns="0" tIns="12240" bIns="0">
+            <a:spAutoFit/>
+          </a:bodyPr>
+          <a:p>
+            <a:pPr algn="ctr">
+              <a:lnSpc>
+                <a:spcPct val="100000"/>
+              </a:lnSpc>
+              <a:spcBef>
+                <a:spcPts val="96"/>
+              </a:spcBef>
+            </a:pPr>
+            <a:r>
+              <a:rPr b="0" lang="en-IN" sz="4000" spc="-7" strike="noStrike">
+                <a:solidFill>
+                  <a:srgbClr val="ffffff"/>
+                </a:solidFill>
+                <a:latin typeface="Calibri"/>
+                <a:ea typeface="DejaVu Sans"/>
+              </a:rPr>
+              <a:t>The</a:t>
+            </a:r>
+            <a:r>
+              <a:rPr b="0" lang="en-IN" sz="4000" spc="-41" strike="noStrike">
+                <a:solidFill>
+                  <a:srgbClr val="ffffff"/>
+                </a:solidFill>
+                <a:latin typeface="Calibri"/>
+                <a:ea typeface="DejaVu Sans"/>
+              </a:rPr>
+              <a:t> </a:t>
+            </a:r>
+            <a:r>
+              <a:rPr b="0" lang="en-IN" sz="4000" spc="-35" strike="noStrike">
+                <a:solidFill>
+                  <a:srgbClr val="ffffff"/>
+                </a:solidFill>
+                <a:latin typeface="Calibri"/>
+                <a:ea typeface="DejaVu Sans"/>
+              </a:rPr>
+              <a:t>First</a:t>
+            </a:r>
+            <a:endParaRPr b="0" lang="en-IN" sz="4000" spc="-1" strike="noStrike">
+              <a:latin typeface="Arial"/>
+            </a:endParaRPr>
+          </a:p>
+          <a:p>
+            <a:pPr algn="ctr">
+              <a:lnSpc>
+                <a:spcPct val="100000"/>
+              </a:lnSpc>
+              <a:spcBef>
+                <a:spcPts val="6"/>
+              </a:spcBef>
+            </a:pPr>
+            <a:r>
+              <a:rPr b="1" lang="en-IN" sz="4000" spc="-12" strike="noStrike" u="heavy">
+                <a:solidFill>
+                  <a:srgbClr val="ffffff"/>
+                </a:solidFill>
+                <a:uFill>
+                  <a:solidFill>
+                    <a:srgbClr val="ffffff"/>
+                  </a:solidFill>
+                </a:uFill>
+                <a:latin typeface="Calibri"/>
+                <a:ea typeface="DejaVu Sans"/>
+              </a:rPr>
+              <a:t>Socio-Dating </a:t>
+            </a:r>
+            <a:r>
+              <a:rPr b="1" lang="en-IN" sz="4000" spc="-7" strike="noStrike" u="heavy">
+                <a:solidFill>
+                  <a:srgbClr val="ffffff"/>
+                </a:solidFill>
+                <a:uFill>
+                  <a:solidFill>
+                    <a:srgbClr val="ffffff"/>
+                  </a:solidFill>
+                </a:uFill>
+                <a:latin typeface="Calibri"/>
+                <a:ea typeface="DejaVu Sans"/>
+              </a:rPr>
+              <a:t>App</a:t>
+            </a:r>
+            <a:endParaRPr b="0" lang="en-IN" sz="4000" spc="-1" strike="noStrike">
+              <a:latin typeface="Arial"/>
+            </a:endParaRPr>
+          </a:p>
+        </p:txBody>
+      </p:sp>
+      <p:sp>
+        <p:nvSpPr>
+          <p:cNvPr id="120" name="CustomShape 5"/>
+          <p:cNvSpPr/>
+          <p:nvPr/>
+        </p:nvSpPr>
+        <p:spPr>
+          <a:xfrm>
+            <a:off x="1082880" y="912600"/>
+            <a:ext cx="3574080" cy="1841040"/>
+          </a:xfrm>
+          <a:prstGeom prst="rect">
+            <a:avLst/>
+          </a:prstGeom>
+          <a:noFill/>
+          <a:ln>
+            <a:noFill/>
+          </a:ln>
+        </p:spPr>
+        <p:style>
+          <a:lnRef idx="0"/>
+          <a:fillRef idx="0"/>
+          <a:effectRef idx="0"/>
+          <a:fontRef idx="minor"/>
+        </p:style>
+        <p:txBody>
+          <a:bodyPr lIns="0" rIns="0" tIns="12600" bIns="0">
             <a:noAutofit/>
           </a:bodyPr>
           <a:p>
-            <a:r>
-              <a:rPr b="1" lang="en-IN" sz="1800" spc="21" strike="noStrike">
-                <a:solidFill>
-                  <a:srgbClr val="404040"/>
-                </a:solidFill>
-                <a:latin typeface="Times New Roman"/>
-                <a:ea typeface="DejaVu Sans"/>
-              </a:rPr>
-              <a:t>Find</a:t>
-            </a:r>
-            <a:r>
-              <a:rPr b="1" lang="en-IN" sz="1800" spc="131" strike="noStrike">
-                <a:solidFill>
-                  <a:srgbClr val="404040"/>
-                </a:solidFill>
-                <a:latin typeface="Times New Roman"/>
+            <a:pPr marL="12600">
+              <a:lnSpc>
+                <a:spcPct val="100000"/>
+              </a:lnSpc>
+              <a:spcBef>
+                <a:spcPts val="99"/>
+              </a:spcBef>
+            </a:pPr>
+            <a:r>
+              <a:rPr b="0" lang="en-IN" sz="6000" spc="-21" strike="noStrike">
+                <a:solidFill>
+                  <a:srgbClr val="ffffff"/>
+                </a:solidFill>
+                <a:latin typeface="Calibri"/>
+                <a:ea typeface="DejaVu Sans"/>
+              </a:rPr>
+              <a:t>Introducing</a:t>
+            </a:r>
+            <a:endParaRPr b="0" lang="en-IN" sz="6000" spc="-1" strike="noStrike">
+              <a:latin typeface="Arial"/>
+            </a:endParaRPr>
+          </a:p>
+        </p:txBody>
+      </p:sp>
+      <p:sp>
+        <p:nvSpPr>
+          <p:cNvPr id="121" name="CustomShape 6"/>
+          <p:cNvSpPr/>
+          <p:nvPr/>
+        </p:nvSpPr>
+        <p:spPr>
+          <a:xfrm>
+            <a:off x="704880" y="3829680"/>
+            <a:ext cx="4683960" cy="2481120"/>
+          </a:xfrm>
+          <a:prstGeom prst="rect">
+            <a:avLst/>
+          </a:prstGeom>
+          <a:noFill/>
+          <a:ln>
+            <a:noFill/>
+          </a:ln>
+        </p:spPr>
+        <p:style>
+          <a:lnRef idx="0"/>
+          <a:fillRef idx="0"/>
+          <a:effectRef idx="0"/>
+          <a:fontRef idx="minor"/>
+        </p:style>
+        <p:txBody>
+          <a:bodyPr lIns="0" rIns="0" tIns="12600" bIns="0">
+            <a:spAutoFit/>
+          </a:bodyPr>
+          <a:p>
+            <a:pPr marL="12240" algn="ctr">
+              <a:lnSpc>
+                <a:spcPct val="100000"/>
+              </a:lnSpc>
+              <a:spcBef>
+                <a:spcPts val="99"/>
+              </a:spcBef>
+            </a:pPr>
+            <a:r>
+              <a:rPr b="0" lang="en-IN" sz="1800" spc="-26" strike="noStrike">
+                <a:solidFill>
+                  <a:srgbClr val="ffffff"/>
+                </a:solidFill>
+                <a:latin typeface="Calibri"/>
+                <a:ea typeface="DejaVu Sans"/>
+              </a:rPr>
+              <a:t>BeYu</a:t>
+            </a:r>
+            <a:r>
+              <a:rPr b="0" lang="en-IN" sz="1800" spc="-1" strike="noStrike">
+                <a:solidFill>
+                  <a:srgbClr val="ffffff"/>
+                </a:solidFill>
+                <a:latin typeface="Calibri"/>
                 <a:ea typeface="DejaVu Sans"/>
               </a:rPr>
               <a:t> </a:t>
             </a:r>
             <a:r>
+              <a:rPr b="0" lang="en-IN" sz="1800" spc="-7" strike="noStrike">
+                <a:solidFill>
+                  <a:srgbClr val="ffffff"/>
+                </a:solidFill>
+                <a:latin typeface="Calibri"/>
+                <a:ea typeface="DejaVu Sans"/>
+              </a:rPr>
+              <a:t>is </a:t>
+            </a:r>
+            <a:r>
+              <a:rPr b="0" lang="en-IN" sz="1800" spc="-1" strike="noStrike">
+                <a:solidFill>
+                  <a:srgbClr val="ffffff"/>
+                </a:solidFill>
+                <a:latin typeface="Calibri"/>
+                <a:ea typeface="DejaVu Sans"/>
+              </a:rPr>
+              <a:t>the</a:t>
+            </a:r>
+            <a:r>
+              <a:rPr b="0" lang="en-IN" sz="1800" spc="-7" strike="noStrike">
+                <a:solidFill>
+                  <a:srgbClr val="ffffff"/>
+                </a:solidFill>
+                <a:latin typeface="Calibri"/>
+                <a:ea typeface="DejaVu Sans"/>
+              </a:rPr>
+              <a:t> </a:t>
+            </a:r>
+            <a:r>
+              <a:rPr b="0" lang="en-IN" sz="1800" spc="-15" strike="noStrike">
+                <a:solidFill>
+                  <a:srgbClr val="ffffff"/>
+                </a:solidFill>
+                <a:latin typeface="Calibri"/>
+                <a:ea typeface="DejaVu Sans"/>
+              </a:rPr>
+              <a:t>first</a:t>
+            </a:r>
+            <a:r>
+              <a:rPr b="0" lang="en-IN" sz="1800" spc="-1" strike="noStrike">
+                <a:solidFill>
+                  <a:srgbClr val="ffffff"/>
+                </a:solidFill>
+                <a:latin typeface="Calibri"/>
+                <a:ea typeface="DejaVu Sans"/>
+              </a:rPr>
+              <a:t> </a:t>
+            </a:r>
+            <a:r>
+              <a:rPr b="0" lang="en-IN" sz="1800" spc="-7" strike="noStrike">
+                <a:solidFill>
+                  <a:srgbClr val="ffffff"/>
+                </a:solidFill>
+                <a:latin typeface="Calibri"/>
+                <a:ea typeface="DejaVu Sans"/>
+              </a:rPr>
+              <a:t>one</a:t>
+            </a:r>
+            <a:r>
+              <a:rPr b="0" lang="en-IN" sz="1800" spc="-1" strike="noStrike">
+                <a:solidFill>
+                  <a:srgbClr val="ffffff"/>
+                </a:solidFill>
+                <a:latin typeface="Calibri"/>
+                <a:ea typeface="DejaVu Sans"/>
+              </a:rPr>
+              <a:t> </a:t>
+            </a:r>
+            <a:r>
+              <a:rPr b="0" lang="en-IN" sz="1800" spc="-7" strike="noStrike">
+                <a:solidFill>
+                  <a:srgbClr val="ffffff"/>
+                </a:solidFill>
+                <a:latin typeface="Calibri"/>
+                <a:ea typeface="DejaVu Sans"/>
+              </a:rPr>
+              <a:t>of</a:t>
+            </a:r>
+            <a:r>
+              <a:rPr b="0" lang="en-IN" sz="1800" spc="-12" strike="noStrike">
+                <a:solidFill>
+                  <a:srgbClr val="ffffff"/>
+                </a:solidFill>
+                <a:latin typeface="Calibri"/>
+                <a:ea typeface="DejaVu Sans"/>
+              </a:rPr>
+              <a:t> </a:t>
+            </a:r>
+            <a:r>
+              <a:rPr b="0" lang="en-IN" sz="1800" spc="-7" strike="noStrike">
+                <a:solidFill>
+                  <a:srgbClr val="ffffff"/>
+                </a:solidFill>
+                <a:latin typeface="Calibri"/>
+                <a:ea typeface="DejaVu Sans"/>
+              </a:rPr>
+              <a:t>its</a:t>
+            </a:r>
+            <a:r>
+              <a:rPr b="0" lang="en-IN" sz="1800" spc="-1" strike="noStrike">
+                <a:solidFill>
+                  <a:srgbClr val="ffffff"/>
+                </a:solidFill>
+                <a:latin typeface="Calibri"/>
+                <a:ea typeface="DejaVu Sans"/>
+              </a:rPr>
+              <a:t> </a:t>
+            </a:r>
+            <a:r>
+              <a:rPr b="0" lang="en-IN" sz="1800" spc="-7" strike="noStrike">
+                <a:solidFill>
+                  <a:srgbClr val="ffffff"/>
+                </a:solidFill>
+                <a:latin typeface="Calibri"/>
+                <a:ea typeface="DejaVu Sans"/>
+              </a:rPr>
+              <a:t>kind</a:t>
+            </a:r>
+            <a:r>
+              <a:rPr b="0" lang="en-IN" sz="1800" spc="-1" strike="noStrike">
+                <a:solidFill>
+                  <a:srgbClr val="ffffff"/>
+                </a:solidFill>
+                <a:latin typeface="Calibri"/>
+                <a:ea typeface="DejaVu Sans"/>
+              </a:rPr>
+              <a:t> , a</a:t>
+            </a:r>
+            <a:r>
+              <a:rPr b="0" lang="en-IN" sz="1800" spc="7" strike="noStrike">
+                <a:solidFill>
+                  <a:srgbClr val="ffffff"/>
+                </a:solidFill>
+                <a:latin typeface="Calibri"/>
+                <a:ea typeface="DejaVu Sans"/>
+              </a:rPr>
+              <a:t> </a:t>
+            </a:r>
+            <a:r>
+              <a:rPr b="0" lang="en-IN" sz="1800" spc="-7" strike="noStrike">
+                <a:solidFill>
+                  <a:srgbClr val="ffffff"/>
+                </a:solidFill>
+                <a:latin typeface="Calibri"/>
+                <a:ea typeface="DejaVu Sans"/>
+              </a:rPr>
+              <a:t>socio-dating</a:t>
+            </a:r>
+            <a:r>
+              <a:rPr b="0" lang="en-IN" sz="1800" spc="7" strike="noStrike">
+                <a:solidFill>
+                  <a:srgbClr val="ffffff"/>
+                </a:solidFill>
+                <a:latin typeface="Calibri"/>
+                <a:ea typeface="DejaVu Sans"/>
+              </a:rPr>
+              <a:t> </a:t>
+            </a:r>
+            <a:r>
+              <a:rPr b="0" lang="en-IN" sz="1800" spc="-1" strike="noStrike">
+                <a:solidFill>
+                  <a:srgbClr val="ffffff"/>
+                </a:solidFill>
+                <a:latin typeface="Calibri"/>
+                <a:ea typeface="DejaVu Sans"/>
+              </a:rPr>
+              <a:t>app </a:t>
+            </a:r>
+            <a:r>
+              <a:rPr b="0" lang="en-IN" sz="1800" spc="-395" strike="noStrike">
+                <a:solidFill>
+                  <a:srgbClr val="ffffff"/>
+                </a:solidFill>
+                <a:latin typeface="Calibri"/>
+                <a:ea typeface="DejaVu Sans"/>
+              </a:rPr>
+              <a:t> </a:t>
+            </a:r>
+            <a:r>
+              <a:rPr b="0" lang="en-IN" sz="1800" spc="-7" strike="noStrike">
+                <a:solidFill>
+                  <a:srgbClr val="ffffff"/>
+                </a:solidFill>
+                <a:latin typeface="Calibri"/>
+                <a:ea typeface="DejaVu Sans"/>
+              </a:rPr>
+              <a:t>that</a:t>
+            </a:r>
+            <a:r>
+              <a:rPr b="0" lang="en-IN" sz="1800" spc="-12" strike="noStrike">
+                <a:solidFill>
+                  <a:srgbClr val="ffffff"/>
+                </a:solidFill>
+                <a:latin typeface="Calibri"/>
+                <a:ea typeface="DejaVu Sans"/>
+              </a:rPr>
+              <a:t> provides</a:t>
+            </a:r>
+            <a:r>
+              <a:rPr b="0" lang="en-IN" sz="1800" spc="-1" strike="noStrike">
+                <a:solidFill>
+                  <a:srgbClr val="ffffff"/>
+                </a:solidFill>
+                <a:latin typeface="Calibri"/>
+                <a:ea typeface="DejaVu Sans"/>
+              </a:rPr>
+              <a:t> </a:t>
+            </a:r>
+            <a:r>
+              <a:rPr b="0" lang="en-IN" sz="1800" spc="-12" strike="noStrike">
+                <a:solidFill>
+                  <a:srgbClr val="ffffff"/>
+                </a:solidFill>
+                <a:latin typeface="Calibri"/>
+                <a:ea typeface="DejaVu Sans"/>
+              </a:rPr>
+              <a:t>matches</a:t>
+            </a:r>
+            <a:r>
+              <a:rPr b="0" lang="en-IN" sz="1800" spc="-7" strike="noStrike">
+                <a:solidFill>
+                  <a:srgbClr val="ffffff"/>
+                </a:solidFill>
+                <a:latin typeface="Calibri"/>
+                <a:ea typeface="DejaVu Sans"/>
+              </a:rPr>
+              <a:t> with</a:t>
+            </a:r>
+            <a:r>
+              <a:rPr b="0" lang="en-IN" sz="1800" spc="4" strike="noStrike">
+                <a:solidFill>
+                  <a:srgbClr val="ffffff"/>
+                </a:solidFill>
+                <a:latin typeface="Calibri"/>
+                <a:ea typeface="DejaVu Sans"/>
+              </a:rPr>
+              <a:t> </a:t>
+            </a:r>
+            <a:r>
+              <a:rPr b="0" lang="en-IN" sz="1800" spc="-7" strike="noStrike">
+                <a:solidFill>
+                  <a:srgbClr val="ffffff"/>
+                </a:solidFill>
+                <a:latin typeface="Calibri"/>
+                <a:ea typeface="DejaVu Sans"/>
+              </a:rPr>
+              <a:t>friends</a:t>
+            </a:r>
+            <a:r>
+              <a:rPr b="0" lang="en-IN" sz="1800" spc="4" strike="noStrike">
+                <a:solidFill>
+                  <a:srgbClr val="ffffff"/>
+                </a:solidFill>
+                <a:latin typeface="Calibri"/>
+                <a:ea typeface="DejaVu Sans"/>
+              </a:rPr>
+              <a:t> </a:t>
+            </a:r>
+            <a:r>
+              <a:rPr b="0" lang="en-IN" sz="1800" spc="-7" strike="noStrike">
+                <a:solidFill>
+                  <a:srgbClr val="ffffff"/>
+                </a:solidFill>
+                <a:latin typeface="Calibri"/>
+                <a:ea typeface="DejaVu Sans"/>
+              </a:rPr>
+              <a:t>or with</a:t>
+            </a:r>
+            <a:r>
+              <a:rPr b="0" lang="en-IN" sz="1800" spc="12" strike="noStrike">
+                <a:solidFill>
+                  <a:srgbClr val="ffffff"/>
+                </a:solidFill>
+                <a:latin typeface="Calibri"/>
+                <a:ea typeface="DejaVu Sans"/>
+              </a:rPr>
+              <a:t> </a:t>
+            </a:r>
+            <a:r>
+              <a:rPr b="0" lang="en-IN" sz="1800" spc="-1" strike="noStrike">
+                <a:solidFill>
+                  <a:srgbClr val="ffffff"/>
+                </a:solidFill>
+                <a:latin typeface="Calibri"/>
+                <a:ea typeface="DejaVu Sans"/>
+              </a:rPr>
+              <a:t>mutual </a:t>
+            </a:r>
+            <a:r>
+              <a:rPr b="0" lang="en-IN" sz="1800" spc="-395" strike="noStrike">
+                <a:solidFill>
+                  <a:srgbClr val="ffffff"/>
+                </a:solidFill>
+                <a:latin typeface="Calibri"/>
+                <a:ea typeface="DejaVu Sans"/>
+              </a:rPr>
+              <a:t> </a:t>
+            </a:r>
+            <a:r>
+              <a:rPr b="0" lang="en-IN" sz="1800" spc="-7" strike="noStrike">
+                <a:solidFill>
+                  <a:srgbClr val="ffffff"/>
+                </a:solidFill>
+                <a:latin typeface="Calibri"/>
+                <a:ea typeface="DejaVu Sans"/>
+              </a:rPr>
+              <a:t>friends</a:t>
+            </a:r>
+            <a:r>
+              <a:rPr b="0" lang="en-IN" sz="1800" spc="-1" strike="noStrike">
+                <a:solidFill>
+                  <a:srgbClr val="ffffff"/>
+                </a:solidFill>
+                <a:latin typeface="Calibri"/>
+                <a:ea typeface="DejaVu Sans"/>
+              </a:rPr>
+              <a:t> </a:t>
+            </a:r>
+            <a:r>
+              <a:rPr b="0" lang="en-IN" sz="1800" spc="-7" strike="noStrike">
+                <a:solidFill>
+                  <a:srgbClr val="ffffff"/>
+                </a:solidFill>
+                <a:latin typeface="Calibri"/>
+                <a:ea typeface="DejaVu Sans"/>
+              </a:rPr>
+              <a:t>only</a:t>
+            </a:r>
+            <a:r>
+              <a:rPr b="0" lang="en-IN" sz="1800" spc="-1" strike="noStrike">
+                <a:solidFill>
+                  <a:srgbClr val="ffffff"/>
+                </a:solidFill>
+                <a:latin typeface="Calibri"/>
+                <a:ea typeface="DejaVu Sans"/>
+              </a:rPr>
+              <a:t> </a:t>
+            </a:r>
+            <a:r>
+              <a:rPr b="0" lang="en-IN" sz="1800" spc="-15" strike="noStrike">
+                <a:solidFill>
+                  <a:srgbClr val="ffffff"/>
+                </a:solidFill>
+                <a:latin typeface="Calibri"/>
+                <a:ea typeface="DejaVu Sans"/>
+              </a:rPr>
+              <a:t>therefore</a:t>
+            </a:r>
+            <a:r>
+              <a:rPr b="0" lang="en-IN" sz="1800" spc="-1" strike="noStrike">
+                <a:solidFill>
+                  <a:srgbClr val="ffffff"/>
+                </a:solidFill>
+                <a:latin typeface="Calibri"/>
+                <a:ea typeface="DejaVu Sans"/>
+              </a:rPr>
+              <a:t> no </a:t>
+            </a:r>
+            <a:r>
+              <a:rPr b="0" lang="en-IN" sz="1800" spc="-12" strike="noStrike">
+                <a:solidFill>
+                  <a:srgbClr val="ffffff"/>
+                </a:solidFill>
+                <a:latin typeface="Calibri"/>
+                <a:ea typeface="DejaVu Sans"/>
+              </a:rPr>
+              <a:t>matching</a:t>
+            </a:r>
+            <a:r>
+              <a:rPr b="0" lang="en-IN" sz="1800" spc="4" strike="noStrike">
+                <a:solidFill>
+                  <a:srgbClr val="ffffff"/>
+                </a:solidFill>
+                <a:latin typeface="Calibri"/>
+                <a:ea typeface="DejaVu Sans"/>
+              </a:rPr>
+              <a:t> </a:t>
+            </a:r>
+            <a:r>
+              <a:rPr b="0" lang="en-IN" sz="1800" spc="-7" strike="noStrike">
+                <a:solidFill>
+                  <a:srgbClr val="ffffff"/>
+                </a:solidFill>
+                <a:latin typeface="Calibri"/>
+                <a:ea typeface="DejaVu Sans"/>
+              </a:rPr>
+              <a:t>with</a:t>
+            </a:r>
+            <a:r>
+              <a:rPr b="0" lang="en-IN" sz="1800" spc="4" strike="noStrike">
+                <a:solidFill>
+                  <a:srgbClr val="ffffff"/>
+                </a:solidFill>
+                <a:latin typeface="Calibri"/>
+                <a:ea typeface="DejaVu Sans"/>
+              </a:rPr>
+              <a:t> </a:t>
+            </a:r>
+            <a:r>
+              <a:rPr b="0" lang="en-IN" sz="1800" spc="-15" strike="noStrike">
+                <a:solidFill>
+                  <a:srgbClr val="ffffff"/>
+                </a:solidFill>
+                <a:latin typeface="Calibri"/>
+                <a:ea typeface="DejaVu Sans"/>
+              </a:rPr>
+              <a:t>strangers </a:t>
+            </a:r>
+            <a:r>
+              <a:rPr b="0" lang="en-IN" sz="1800" spc="-12" strike="noStrike">
+                <a:solidFill>
+                  <a:srgbClr val="ffffff"/>
+                </a:solidFill>
+                <a:latin typeface="Calibri"/>
+                <a:ea typeface="DejaVu Sans"/>
+              </a:rPr>
+              <a:t> anymore </a:t>
+            </a:r>
+            <a:r>
+              <a:rPr b="1" lang="en-IN" sz="1800" spc="-7" strike="noStrike">
+                <a:solidFill>
+                  <a:srgbClr val="ffffff"/>
+                </a:solidFill>
+                <a:latin typeface="Calibri"/>
+                <a:ea typeface="DejaVu Sans"/>
+              </a:rPr>
+              <a:t>with </a:t>
+            </a:r>
+            <a:r>
               <a:rPr b="1" lang="en-IN" sz="1800" spc="-1" strike="noStrike">
                 <a:solidFill>
-                  <a:srgbClr val="404040"/>
-                </a:solidFill>
-                <a:latin typeface="Times New Roman"/>
+                  <a:srgbClr val="ffffff"/>
+                </a:solidFill>
+                <a:latin typeface="Calibri"/>
+                <a:ea typeface="DejaVu Sans"/>
+              </a:rPr>
+              <a:t>a </a:t>
+            </a:r>
+            <a:r>
+              <a:rPr b="1" lang="en-IN" sz="1800" spc="-7" strike="noStrike">
+                <a:solidFill>
+                  <a:srgbClr val="ffffff"/>
+                </a:solidFill>
+                <a:latin typeface="Calibri"/>
+                <a:ea typeface="DejaVu Sans"/>
+              </a:rPr>
+              <a:t>proper authenticity</a:t>
+            </a:r>
+            <a:r>
+              <a:rPr b="1" lang="en-IN" sz="1800" spc="-1" strike="noStrike">
+                <a:solidFill>
+                  <a:srgbClr val="ffffff"/>
+                </a:solidFill>
+                <a:latin typeface="Calibri"/>
+                <a:ea typeface="DejaVu Sans"/>
+              </a:rPr>
+              <a:t> of </a:t>
+            </a:r>
+            <a:r>
+              <a:rPr b="1" lang="en-IN" sz="1800" spc="-12" strike="noStrike">
+                <a:solidFill>
+                  <a:srgbClr val="ffffff"/>
+                </a:solidFill>
+                <a:latin typeface="Calibri"/>
+                <a:ea typeface="DejaVu Sans"/>
+              </a:rPr>
+              <a:t>data </a:t>
+            </a:r>
+            <a:r>
+              <a:rPr b="1" lang="en-IN" sz="1800" spc="-1" strike="noStrike">
+                <a:solidFill>
+                  <a:srgbClr val="ffffff"/>
+                </a:solidFill>
+                <a:latin typeface="Calibri"/>
+                <a:ea typeface="DejaVu Sans"/>
+              </a:rPr>
+              <a:t>and  one </a:t>
+            </a:r>
+            <a:r>
+              <a:rPr b="1" lang="en-IN" sz="1800" spc="-7" strike="noStrike">
+                <a:solidFill>
+                  <a:srgbClr val="ffffff"/>
+                </a:solidFill>
+                <a:latin typeface="Calibri"/>
+                <a:ea typeface="DejaVu Sans"/>
+              </a:rPr>
+              <a:t>can </a:t>
+            </a:r>
+            <a:r>
+              <a:rPr b="1" lang="en-IN" sz="1800" spc="-1" strike="noStrike">
+                <a:solidFill>
+                  <a:srgbClr val="ffffff"/>
+                </a:solidFill>
+                <a:latin typeface="Calibri"/>
+                <a:ea typeface="DejaVu Sans"/>
+              </a:rPr>
+              <a:t>see the </a:t>
+            </a:r>
+            <a:r>
+              <a:rPr b="1" lang="en-IN" sz="1800" spc="-7" strike="noStrike">
+                <a:solidFill>
+                  <a:srgbClr val="ffffff"/>
+                </a:solidFill>
+                <a:latin typeface="Calibri"/>
+                <a:ea typeface="DejaVu Sans"/>
+              </a:rPr>
+              <a:t>profile </a:t>
+            </a:r>
+            <a:r>
+              <a:rPr b="1" lang="en-IN" sz="1800" spc="-15" strike="noStrike">
+                <a:solidFill>
+                  <a:srgbClr val="ffffff"/>
+                </a:solidFill>
+                <a:latin typeface="Calibri"/>
+                <a:ea typeface="DejaVu Sans"/>
+              </a:rPr>
+              <a:t>before </a:t>
+            </a:r>
+            <a:r>
+              <a:rPr b="1" lang="en-IN" sz="1800" spc="-7" strike="noStrike">
+                <a:solidFill>
+                  <a:srgbClr val="ffffff"/>
+                </a:solidFill>
+                <a:latin typeface="Calibri"/>
+                <a:ea typeface="DejaVu Sans"/>
+              </a:rPr>
+              <a:t>sending </a:t>
+            </a:r>
+            <a:r>
+              <a:rPr b="1" lang="en-IN" sz="1800" spc="-1" strike="noStrike">
+                <a:solidFill>
+                  <a:srgbClr val="ffffff"/>
+                </a:solidFill>
+                <a:latin typeface="Calibri"/>
+                <a:ea typeface="DejaVu Sans"/>
+              </a:rPr>
+              <a:t>a </a:t>
+            </a:r>
+            <a:r>
+              <a:rPr b="1" lang="en-IN" sz="1800" spc="-15" strike="noStrike">
+                <a:solidFill>
+                  <a:srgbClr val="ffffff"/>
+                </a:solidFill>
+                <a:latin typeface="Calibri"/>
+                <a:ea typeface="DejaVu Sans"/>
+              </a:rPr>
+              <a:t>match </a:t>
+            </a:r>
+            <a:r>
+              <a:rPr b="1" lang="en-IN" sz="1800" spc="-12" strike="noStrike">
+                <a:solidFill>
+                  <a:srgbClr val="ffffff"/>
+                </a:solidFill>
+                <a:latin typeface="Calibri"/>
+                <a:ea typeface="DejaVu Sans"/>
+              </a:rPr>
+              <a:t> </a:t>
+            </a:r>
+            <a:r>
+              <a:rPr b="1" lang="en-IN" sz="1800" spc="-1" strike="noStrike">
+                <a:solidFill>
+                  <a:srgbClr val="ffffff"/>
+                </a:solidFill>
+                <a:latin typeface="Calibri"/>
+                <a:ea typeface="DejaVu Sans"/>
+              </a:rPr>
+              <a:t>and</a:t>
+            </a:r>
+            <a:r>
+              <a:rPr b="1" lang="en-IN" sz="1800" spc="-7" strike="noStrike">
+                <a:solidFill>
+                  <a:srgbClr val="ffffff"/>
+                </a:solidFill>
+                <a:latin typeface="Calibri"/>
+                <a:ea typeface="DejaVu Sans"/>
+              </a:rPr>
+              <a:t> </a:t>
+            </a:r>
+            <a:r>
+              <a:rPr b="0" lang="en-IN" sz="1800" spc="-12" strike="noStrike">
+                <a:solidFill>
+                  <a:srgbClr val="ffffff"/>
+                </a:solidFill>
+                <a:latin typeface="Calibri"/>
+                <a:ea typeface="DejaVu Sans"/>
+              </a:rPr>
+              <a:t>networking</a:t>
+            </a:r>
+            <a:r>
+              <a:rPr b="0" lang="en-IN" sz="1800" spc="7" strike="noStrike">
+                <a:solidFill>
+                  <a:srgbClr val="ffffff"/>
+                </a:solidFill>
+                <a:latin typeface="Calibri"/>
+                <a:ea typeface="DejaVu Sans"/>
+              </a:rPr>
+              <a:t> </a:t>
+            </a:r>
+            <a:r>
+              <a:rPr b="0" lang="en-IN" sz="1800" spc="-7" strike="noStrike">
+                <a:solidFill>
+                  <a:srgbClr val="ffffff"/>
+                </a:solidFill>
+                <a:latin typeface="Calibri"/>
+                <a:ea typeface="DejaVu Sans"/>
+              </a:rPr>
+              <a:t>socially</a:t>
+            </a:r>
+            <a:r>
+              <a:rPr b="0" lang="en-IN" sz="1800" spc="4" strike="noStrike">
+                <a:solidFill>
+                  <a:srgbClr val="ffffff"/>
+                </a:solidFill>
+                <a:latin typeface="Calibri"/>
+                <a:ea typeface="DejaVu Sans"/>
+              </a:rPr>
+              <a:t> </a:t>
+            </a:r>
+            <a:r>
+              <a:rPr b="0" lang="en-IN" sz="1800" spc="-12" strike="noStrike">
+                <a:solidFill>
+                  <a:srgbClr val="ffffff"/>
+                </a:solidFill>
+                <a:latin typeface="Calibri"/>
+                <a:ea typeface="DejaVu Sans"/>
+              </a:rPr>
+              <a:t>at</a:t>
+            </a:r>
+            <a:r>
+              <a:rPr b="0" lang="en-IN" sz="1800" spc="-7" strike="noStrike">
+                <a:solidFill>
+                  <a:srgbClr val="ffffff"/>
+                </a:solidFill>
+                <a:latin typeface="Calibri"/>
+                <a:ea typeface="DejaVu Sans"/>
+              </a:rPr>
+              <a:t> </a:t>
+            </a:r>
+            <a:r>
+              <a:rPr b="0" lang="en-IN" sz="1800" spc="-1" strike="noStrike">
+                <a:solidFill>
+                  <a:srgbClr val="ffffff"/>
+                </a:solidFill>
+                <a:latin typeface="Calibri"/>
+                <a:ea typeface="DejaVu Sans"/>
+              </a:rPr>
+              <a:t>the</a:t>
+            </a:r>
+            <a:r>
+              <a:rPr b="0" lang="en-IN" sz="1800" spc="-7" strike="noStrike">
+                <a:solidFill>
+                  <a:srgbClr val="ffffff"/>
+                </a:solidFill>
+                <a:latin typeface="Calibri"/>
+                <a:ea typeface="DejaVu Sans"/>
+              </a:rPr>
+              <a:t> </a:t>
+            </a:r>
+            <a:r>
+              <a:rPr b="0" lang="en-IN" sz="1800" spc="-1" strike="noStrike">
+                <a:solidFill>
+                  <a:srgbClr val="ffffff"/>
+                </a:solidFill>
+                <a:latin typeface="Calibri"/>
+                <a:ea typeface="DejaVu Sans"/>
+              </a:rPr>
+              <a:t>same </a:t>
+            </a:r>
+            <a:r>
+              <a:rPr b="0" lang="en-IN" sz="1800" spc="-7" strike="noStrike">
+                <a:solidFill>
+                  <a:srgbClr val="ffffff"/>
+                </a:solidFill>
+                <a:latin typeface="Calibri"/>
+                <a:ea typeface="DejaVu Sans"/>
+              </a:rPr>
+              <a:t>time</a:t>
+            </a:r>
+            <a:r>
+              <a:rPr b="0" lang="en-IN" sz="1800" spc="-1" strike="noStrike">
+                <a:solidFill>
+                  <a:srgbClr val="ffffff"/>
+                </a:solidFill>
+                <a:latin typeface="Calibri"/>
+                <a:ea typeface="DejaVu Sans"/>
+              </a:rPr>
+              <a:t> thus  </a:t>
+            </a:r>
+            <a:r>
+              <a:rPr b="0" lang="en-IN" sz="1800" spc="-7" strike="noStrike">
+                <a:solidFill>
+                  <a:srgbClr val="ffffff"/>
+                </a:solidFill>
+                <a:latin typeface="Calibri"/>
+                <a:ea typeface="DejaVu Sans"/>
+              </a:rPr>
+              <a:t>making </a:t>
+            </a:r>
+            <a:r>
+              <a:rPr b="0" lang="en-IN" sz="1800" spc="-12" strike="noStrike">
+                <a:solidFill>
+                  <a:srgbClr val="ffffff"/>
+                </a:solidFill>
+                <a:latin typeface="Calibri"/>
+                <a:ea typeface="DejaVu Sans"/>
+              </a:rPr>
+              <a:t>more</a:t>
+            </a:r>
+            <a:r>
+              <a:rPr b="0" lang="en-IN" sz="1800" spc="7" strike="noStrike">
+                <a:solidFill>
+                  <a:srgbClr val="ffffff"/>
+                </a:solidFill>
+                <a:latin typeface="Calibri"/>
+                <a:ea typeface="DejaVu Sans"/>
+              </a:rPr>
+              <a:t> </a:t>
+            </a:r>
+            <a:r>
+              <a:rPr b="0" lang="en-IN" sz="1800" spc="-7" strike="noStrike">
+                <a:solidFill>
+                  <a:srgbClr val="ffffff"/>
+                </a:solidFill>
+                <a:latin typeface="Calibri"/>
+                <a:ea typeface="DejaVu Sans"/>
+              </a:rPr>
+              <a:t>friends.</a:t>
+            </a:r>
+            <a:endParaRPr b="0" lang="en-IN" sz="1800" spc="-1" strike="noStrike">
+              <a:latin typeface="Arial"/>
+            </a:endParaRPr>
+          </a:p>
+        </p:txBody>
+      </p:sp>
+      <p:pic>
+        <p:nvPicPr>
+          <p:cNvPr id="122" name="object 9" descr=""/>
+          <p:cNvPicPr/>
+          <p:nvPr/>
+        </p:nvPicPr>
+        <p:blipFill>
+          <a:blip r:embed="rId2"/>
+          <a:stretch/>
+        </p:blipFill>
+        <p:spPr>
+          <a:xfrm>
+            <a:off x="6089760" y="0"/>
+            <a:ext cx="6100920" cy="6856920"/>
+          </a:xfrm>
+          <a:prstGeom prst="rect">
+            <a:avLst/>
+          </a:prstGeom>
+          <a:ln>
+            <a:noFill/>
+          </a:ln>
+        </p:spPr>
+      </p:pic>
+    </p:spTree>
+  </p:cSld>
+  <mc:AlternateContent>
+    <mc:Choice Requires="p14">
+      <p:transition spd="slow" p14:dur="2000"/>
+    </mc:Choice>
+    <mc:Fallback>
+      <p:transition spd="slow"/>
+    </mc:Fallback>
+  </mc:AlternateContent>
+</p:sld>
+</file>
+
+<file path=ppt/slides/slide3.xml><?xml version="1.0" encoding="utf-8"?>
+<p:sld xmlns:a="http://schemas.openxmlformats.org/drawingml/2006/main" xmlns:p="http://schemas.openxmlformats.org/presentationml/2006/main" xmlns:r="http://schemas.openxmlformats.org/officeDocument/2006/relationships" xmlns:p14="http://schemas.microsoft.com/office/powerpoint/2010/main" xmlns:p15="http://schemas.microsoft.com/office/powerpoint/2012/main" xmlns:mc="http://schemas.openxmlformats.org/markup-compatibility/2006">
+  <p:cSld>
+    <p:spTree>
+      <p:nvGrpSpPr>
+        <p:cNvPr id="1" name=""/>
+        <p:cNvGrpSpPr/>
+        <p:nvPr/>
+      </p:nvGrpSpPr>
+      <p:grpSpPr>
+        <a:xfrm>
+          <a:off x="0" y="0"/>
+          <a:ext cx="0" cy="0"/>
+          <a:chOff x="0" y="0"/>
+          <a:chExt cx="0" cy="0"/>
+        </a:xfrm>
+      </p:grpSpPr>
+      <p:pic>
+        <p:nvPicPr>
+          <p:cNvPr id="123" name="object 2" descr=""/>
+          <p:cNvPicPr/>
+          <p:nvPr/>
+        </p:nvPicPr>
+        <p:blipFill>
+          <a:blip r:embed="rId1"/>
+          <a:stretch/>
+        </p:blipFill>
+        <p:spPr>
+          <a:xfrm>
+            <a:off x="0" y="0"/>
+            <a:ext cx="12191040" cy="6856920"/>
+          </a:xfrm>
+          <a:prstGeom prst="rect">
+            <a:avLst/>
+          </a:prstGeom>
+          <a:ln>
+            <a:noFill/>
+          </a:ln>
+        </p:spPr>
+      </p:pic>
+      <p:sp>
+        <p:nvSpPr>
+          <p:cNvPr id="124" name="CustomShape 1"/>
+          <p:cNvSpPr/>
+          <p:nvPr/>
+        </p:nvSpPr>
+        <p:spPr>
+          <a:xfrm>
+            <a:off x="13680" y="696600"/>
+            <a:ext cx="12177720" cy="6161040"/>
+          </a:xfrm>
+          <a:custGeom>
+            <a:avLst/>
+            <a:gdLst/>
+            <a:ahLst/>
+            <a:rect l="l" t="t" r="r" b="b"/>
+            <a:pathLst>
+              <a:path w="12178665" h="6162040">
+                <a:moveTo>
+                  <a:pt x="0" y="6161530"/>
+                </a:moveTo>
+                <a:lnTo>
+                  <a:pt x="12178284" y="6161530"/>
+                </a:lnTo>
+                <a:lnTo>
+                  <a:pt x="12178284" y="0"/>
+                </a:lnTo>
+                <a:lnTo>
+                  <a:pt x="0" y="0"/>
+                </a:lnTo>
+                <a:lnTo>
+                  <a:pt x="0" y="6161530"/>
+                </a:lnTo>
+                <a:close/>
+              </a:path>
+            </a:pathLst>
+          </a:custGeom>
+          <a:solidFill>
+            <a:srgbClr val="000000">
+              <a:alpha val="65000"/>
+            </a:srgbClr>
+          </a:solidFill>
+          <a:ln>
+            <a:noFill/>
+          </a:ln>
+        </p:spPr>
+        <p:style>
+          <a:lnRef idx="0"/>
+          <a:fillRef idx="0"/>
+          <a:effectRef idx="0"/>
+          <a:fontRef idx="minor"/>
+        </p:style>
+      </p:sp>
+      <p:sp>
+        <p:nvSpPr>
+          <p:cNvPr id="125" name="CustomShape 2"/>
+          <p:cNvSpPr/>
+          <p:nvPr/>
+        </p:nvSpPr>
+        <p:spPr>
+          <a:xfrm>
+            <a:off x="0" y="0"/>
+            <a:ext cx="12191040" cy="2353680"/>
+          </a:xfrm>
+          <a:custGeom>
+            <a:avLst/>
+            <a:gdLst/>
+            <a:ahLst/>
+            <a:rect l="l" t="t" r="r" b="b"/>
+            <a:pathLst>
+              <a:path w="12192000" h="2354580">
+                <a:moveTo>
+                  <a:pt x="12192000" y="0"/>
+                </a:moveTo>
+                <a:lnTo>
+                  <a:pt x="0" y="0"/>
+                </a:lnTo>
+                <a:lnTo>
+                  <a:pt x="0" y="696468"/>
+                </a:lnTo>
+                <a:lnTo>
+                  <a:pt x="0" y="2354580"/>
+                </a:lnTo>
+                <a:lnTo>
+                  <a:pt x="12191987" y="699985"/>
+                </a:lnTo>
+                <a:lnTo>
+                  <a:pt x="12192000" y="696468"/>
+                </a:lnTo>
+                <a:lnTo>
+                  <a:pt x="12192000" y="0"/>
+                </a:lnTo>
+                <a:close/>
+              </a:path>
+            </a:pathLst>
+          </a:custGeom>
+          <a:solidFill>
+            <a:srgbClr val="c61c43"/>
+          </a:solidFill>
+          <a:ln>
+            <a:noFill/>
+          </a:ln>
+        </p:spPr>
+        <p:style>
+          <a:lnRef idx="0"/>
+          <a:fillRef idx="0"/>
+          <a:effectRef idx="0"/>
+          <a:fontRef idx="minor"/>
+        </p:style>
+      </p:sp>
+      <p:sp>
+        <p:nvSpPr>
+          <p:cNvPr id="126" name="CustomShape 3"/>
+          <p:cNvSpPr/>
+          <p:nvPr/>
+        </p:nvSpPr>
+        <p:spPr>
+          <a:xfrm>
+            <a:off x="1391760" y="465120"/>
+            <a:ext cx="4575960" cy="1230840"/>
+          </a:xfrm>
+          <a:prstGeom prst="rect">
+            <a:avLst/>
+          </a:prstGeom>
+          <a:noFill/>
+          <a:ln>
+            <a:noFill/>
+          </a:ln>
+        </p:spPr>
+        <p:style>
+          <a:lnRef idx="0"/>
+          <a:fillRef idx="0"/>
+          <a:effectRef idx="0"/>
+          <a:fontRef idx="minor"/>
+        </p:style>
+        <p:txBody>
+          <a:bodyPr lIns="0" rIns="0" tIns="12240" bIns="0">
+            <a:noAutofit/>
+          </a:bodyPr>
+          <a:p>
+            <a:pPr marL="12600">
+              <a:lnSpc>
+                <a:spcPct val="100000"/>
+              </a:lnSpc>
+              <a:spcBef>
+                <a:spcPts val="96"/>
+              </a:spcBef>
+            </a:pPr>
+            <a:r>
+              <a:rPr b="1" lang="en-IN" sz="4000" spc="-15" strike="noStrike">
+                <a:solidFill>
+                  <a:srgbClr val="ffffff"/>
+                </a:solidFill>
+                <a:latin typeface="Calibri"/>
+                <a:ea typeface="DejaVu Sans"/>
+              </a:rPr>
+              <a:t>What</a:t>
+            </a:r>
+            <a:r>
+              <a:rPr b="1" lang="en-IN" sz="4000" spc="-21" strike="noStrike">
+                <a:solidFill>
+                  <a:srgbClr val="ffffff"/>
+                </a:solidFill>
+                <a:latin typeface="Calibri"/>
+                <a:ea typeface="DejaVu Sans"/>
+              </a:rPr>
+              <a:t> </a:t>
+            </a:r>
+            <a:r>
+              <a:rPr b="1" lang="en-IN" sz="4000" spc="-7" strike="noStrike">
+                <a:solidFill>
+                  <a:srgbClr val="ffffff"/>
+                </a:solidFill>
+                <a:latin typeface="Calibri"/>
+                <a:ea typeface="DejaVu Sans"/>
+              </a:rPr>
+              <a:t>is</a:t>
+            </a:r>
+            <a:r>
+              <a:rPr b="1" lang="en-IN" sz="4000" spc="-21" strike="noStrike">
+                <a:solidFill>
+                  <a:srgbClr val="ffffff"/>
+                </a:solidFill>
+                <a:latin typeface="Calibri"/>
+                <a:ea typeface="DejaVu Sans"/>
+              </a:rPr>
+              <a:t> </a:t>
+            </a:r>
+            <a:r>
+              <a:rPr b="1" lang="en-IN" sz="4000" spc="-7" strike="noStrike">
+                <a:solidFill>
+                  <a:srgbClr val="ffffff"/>
+                </a:solidFill>
+                <a:latin typeface="Calibri"/>
+                <a:ea typeface="DejaVu Sans"/>
+              </a:rPr>
+              <a:t>the</a:t>
+            </a:r>
+            <a:r>
+              <a:rPr b="1" lang="en-IN" sz="4000" spc="-21" strike="noStrike">
+                <a:solidFill>
+                  <a:srgbClr val="ffffff"/>
+                </a:solidFill>
+                <a:latin typeface="Calibri"/>
+                <a:ea typeface="DejaVu Sans"/>
+              </a:rPr>
+              <a:t> </a:t>
+            </a:r>
+            <a:r>
+              <a:rPr b="1" lang="en-IN" sz="4000" spc="-12" strike="noStrike">
+                <a:solidFill>
+                  <a:srgbClr val="ffffff"/>
+                </a:solidFill>
+                <a:latin typeface="Calibri"/>
+                <a:ea typeface="DejaVu Sans"/>
+              </a:rPr>
+              <a:t>Problem?</a:t>
+            </a:r>
+            <a:endParaRPr b="0" lang="en-IN" sz="4000" spc="-1" strike="noStrike">
+              <a:latin typeface="Arial"/>
+            </a:endParaRPr>
+          </a:p>
+        </p:txBody>
+      </p:sp>
+      <p:pic>
+        <p:nvPicPr>
+          <p:cNvPr id="127" name="object 6" descr=""/>
+          <p:cNvPicPr/>
+          <p:nvPr/>
+        </p:nvPicPr>
+        <p:blipFill>
+          <a:blip r:embed="rId2"/>
+          <a:stretch/>
+        </p:blipFill>
+        <p:spPr>
+          <a:xfrm>
+            <a:off x="5547240" y="2120040"/>
+            <a:ext cx="6326640" cy="3850200"/>
+          </a:xfrm>
+          <a:prstGeom prst="rect">
+            <a:avLst/>
+          </a:prstGeom>
+          <a:ln>
+            <a:noFill/>
+          </a:ln>
+        </p:spPr>
+      </p:pic>
+      <p:sp>
+        <p:nvSpPr>
+          <p:cNvPr id="128" name="CustomShape 4"/>
+          <p:cNvSpPr/>
+          <p:nvPr/>
+        </p:nvSpPr>
+        <p:spPr>
+          <a:xfrm>
+            <a:off x="117000" y="2605680"/>
+            <a:ext cx="10647720" cy="3501720"/>
+          </a:xfrm>
+          <a:prstGeom prst="rect">
+            <a:avLst/>
+          </a:prstGeom>
+          <a:noFill/>
+          <a:ln>
+            <a:noFill/>
+          </a:ln>
+        </p:spPr>
+        <p:style>
+          <a:lnRef idx="0"/>
+          <a:fillRef idx="0"/>
+          <a:effectRef idx="0"/>
+          <a:fontRef idx="minor"/>
+        </p:style>
+        <p:txBody>
+          <a:bodyPr lIns="0" rIns="0" tIns="12600" bIns="0">
+            <a:spAutoFit/>
+          </a:bodyPr>
+          <a:p>
+            <a:pPr marL="325080" indent="301680">
+              <a:lnSpc>
+                <a:spcPct val="100000"/>
+              </a:lnSpc>
+              <a:spcBef>
+                <a:spcPts val="99"/>
+              </a:spcBef>
+              <a:tabLst>
+                <a:tab algn="l" pos="0"/>
+              </a:tabLst>
+            </a:pPr>
+            <a:r>
+              <a:rPr b="0" lang="en-IN" sz="1800" spc="-1" strike="noStrike">
+                <a:solidFill>
+                  <a:srgbClr val="ffffff"/>
+                </a:solidFill>
+                <a:latin typeface="Calibri"/>
+                <a:ea typeface="DejaVu Sans"/>
+              </a:rPr>
+              <a:t>Is</a:t>
+            </a:r>
+            <a:r>
+              <a:rPr b="0" lang="en-IN" sz="1800" spc="-15" strike="noStrike">
+                <a:solidFill>
+                  <a:srgbClr val="ffffff"/>
+                </a:solidFill>
+                <a:latin typeface="Calibri"/>
+                <a:ea typeface="DejaVu Sans"/>
+              </a:rPr>
+              <a:t> </a:t>
+            </a:r>
+            <a:r>
+              <a:rPr b="0" lang="en-IN" sz="1800" spc="-12" strike="noStrike">
+                <a:solidFill>
+                  <a:srgbClr val="ffffff"/>
+                </a:solidFill>
+                <a:latin typeface="Calibri"/>
+                <a:ea typeface="DejaVu Sans"/>
+              </a:rPr>
+              <a:t>there</a:t>
+            </a:r>
+            <a:r>
+              <a:rPr b="0" lang="en-IN" sz="1800" spc="4" strike="noStrike">
+                <a:solidFill>
+                  <a:srgbClr val="ffffff"/>
+                </a:solidFill>
+                <a:latin typeface="Calibri"/>
+                <a:ea typeface="DejaVu Sans"/>
+              </a:rPr>
+              <a:t> </a:t>
+            </a:r>
+            <a:r>
+              <a:rPr b="0" lang="en-IN" sz="1800" spc="-15" strike="noStrike">
+                <a:solidFill>
+                  <a:srgbClr val="ffffff"/>
+                </a:solidFill>
+                <a:latin typeface="Calibri"/>
+                <a:ea typeface="DejaVu Sans"/>
+              </a:rPr>
+              <a:t>any</a:t>
+            </a:r>
+            <a:r>
+              <a:rPr b="0" lang="en-IN" sz="1800" spc="-1" strike="noStrike">
+                <a:solidFill>
+                  <a:srgbClr val="ffffff"/>
+                </a:solidFill>
+                <a:latin typeface="Calibri"/>
+                <a:ea typeface="DejaVu Sans"/>
+              </a:rPr>
+              <a:t> </a:t>
+            </a:r>
+            <a:r>
+              <a:rPr b="0" lang="en-IN" sz="1800" spc="-12" strike="noStrike">
+                <a:solidFill>
+                  <a:srgbClr val="ffffff"/>
+                </a:solidFill>
+                <a:latin typeface="Calibri"/>
+                <a:ea typeface="DejaVu Sans"/>
+              </a:rPr>
+              <a:t>platform </a:t>
+            </a:r>
+            <a:r>
+              <a:rPr b="0" lang="en-IN" sz="1800" spc="-7" strike="noStrike">
+                <a:solidFill>
+                  <a:srgbClr val="ffffff"/>
+                </a:solidFill>
+                <a:latin typeface="Calibri"/>
+                <a:ea typeface="DejaVu Sans"/>
+              </a:rPr>
+              <a:t>that</a:t>
+            </a:r>
+            <a:r>
+              <a:rPr b="0" lang="en-IN" sz="1800" spc="-1" strike="noStrike">
+                <a:solidFill>
+                  <a:srgbClr val="ffffff"/>
+                </a:solidFill>
+                <a:latin typeface="Calibri"/>
+                <a:ea typeface="DejaVu Sans"/>
+              </a:rPr>
+              <a:t> </a:t>
+            </a:r>
+            <a:r>
+              <a:rPr b="0" lang="en-IN" sz="1800" spc="-7" strike="noStrike">
+                <a:solidFill>
+                  <a:srgbClr val="ffffff"/>
+                </a:solidFill>
+                <a:latin typeface="Calibri"/>
+                <a:ea typeface="DejaVu Sans"/>
+              </a:rPr>
+              <a:t>enables</a:t>
+            </a:r>
+            <a:r>
+              <a:rPr b="0" lang="en-IN" sz="1800" spc="-1" strike="noStrike">
+                <a:solidFill>
+                  <a:srgbClr val="ffffff"/>
+                </a:solidFill>
+                <a:latin typeface="Calibri"/>
+                <a:ea typeface="DejaVu Sans"/>
+              </a:rPr>
+              <a:t> </a:t>
+            </a:r>
+            <a:r>
+              <a:rPr b="0" lang="en-IN" sz="1800" spc="-12" strike="noStrike">
+                <a:solidFill>
+                  <a:srgbClr val="ffffff"/>
+                </a:solidFill>
+                <a:latin typeface="Calibri"/>
+                <a:ea typeface="DejaVu Sans"/>
+              </a:rPr>
+              <a:t>match </a:t>
+            </a:r>
+            <a:r>
+              <a:rPr b="0" lang="en-IN" sz="1800" spc="-7" strike="noStrike">
+                <a:solidFill>
+                  <a:srgbClr val="ffffff"/>
+                </a:solidFill>
+                <a:latin typeface="Calibri"/>
+                <a:ea typeface="DejaVu Sans"/>
+              </a:rPr>
+              <a:t> making within</a:t>
+            </a:r>
+            <a:r>
+              <a:rPr b="0" lang="en-IN" sz="1800" spc="12" strike="noStrike">
+                <a:solidFill>
+                  <a:srgbClr val="ffffff"/>
+                </a:solidFill>
+                <a:latin typeface="Calibri"/>
+                <a:ea typeface="DejaVu Sans"/>
+              </a:rPr>
+              <a:t> </a:t>
+            </a:r>
+            <a:r>
+              <a:rPr b="0" lang="en-IN" sz="1800" spc="-1" strike="noStrike">
+                <a:solidFill>
+                  <a:srgbClr val="ffffff"/>
+                </a:solidFill>
+                <a:latin typeface="Calibri"/>
+                <a:ea typeface="DejaVu Sans"/>
+              </a:rPr>
+              <a:t>the</a:t>
+            </a:r>
+            <a:r>
+              <a:rPr b="0" lang="en-IN" sz="1800" spc="-7" strike="noStrike">
+                <a:solidFill>
+                  <a:srgbClr val="ffffff"/>
+                </a:solidFill>
+                <a:latin typeface="Calibri"/>
+                <a:ea typeface="DejaVu Sans"/>
+              </a:rPr>
+              <a:t> </a:t>
+            </a:r>
+            <a:r>
+              <a:rPr b="0" lang="en-IN" sz="1800" spc="-1" strike="noStrike">
+                <a:solidFill>
+                  <a:srgbClr val="ffffff"/>
+                </a:solidFill>
+                <a:latin typeface="Calibri"/>
+                <a:ea typeface="DejaVu Sans"/>
+              </a:rPr>
+              <a:t>peer </a:t>
+            </a:r>
+            <a:r>
+              <a:rPr b="0" lang="en-IN" sz="1800" spc="-7" strike="noStrike">
+                <a:solidFill>
+                  <a:srgbClr val="ffffff"/>
+                </a:solidFill>
+                <a:latin typeface="Calibri"/>
+                <a:ea typeface="DejaVu Sans"/>
+              </a:rPr>
+              <a:t>or</a:t>
+            </a:r>
+            <a:r>
+              <a:rPr b="0" lang="en-IN" sz="1800" spc="-1" strike="noStrike">
+                <a:solidFill>
+                  <a:srgbClr val="ffffff"/>
+                </a:solidFill>
+                <a:latin typeface="Calibri"/>
+                <a:ea typeface="DejaVu Sans"/>
+              </a:rPr>
+              <a:t> mutual</a:t>
+            </a:r>
+            <a:r>
+              <a:rPr b="0" lang="en-IN" sz="1800" spc="-12" strike="noStrike">
+                <a:solidFill>
+                  <a:srgbClr val="ffffff"/>
+                </a:solidFill>
+                <a:latin typeface="Calibri"/>
+                <a:ea typeface="DejaVu Sans"/>
+              </a:rPr>
+              <a:t> </a:t>
+            </a:r>
+            <a:r>
+              <a:rPr b="0" lang="en-IN" sz="1800" spc="-7" strike="noStrike">
+                <a:solidFill>
+                  <a:srgbClr val="ffffff"/>
+                </a:solidFill>
+                <a:latin typeface="Calibri"/>
+                <a:ea typeface="DejaVu Sans"/>
+              </a:rPr>
+              <a:t>friend</a:t>
+            </a:r>
+            <a:r>
+              <a:rPr b="0" lang="en-IN" sz="1800" spc="-1" strike="noStrike">
+                <a:solidFill>
+                  <a:srgbClr val="ffffff"/>
+                </a:solidFill>
+                <a:latin typeface="Calibri"/>
+                <a:ea typeface="DejaVu Sans"/>
+              </a:rPr>
+              <a:t> </a:t>
+            </a:r>
+            <a:r>
+              <a:rPr b="0" lang="en-IN" sz="1800" spc="-12" strike="noStrike">
+                <a:solidFill>
+                  <a:srgbClr val="ffffff"/>
+                </a:solidFill>
+                <a:latin typeface="Calibri"/>
+                <a:ea typeface="DejaVu Sans"/>
+              </a:rPr>
+              <a:t>circle?</a:t>
+            </a:r>
+            <a:endParaRPr b="0" lang="en-IN" sz="1800" spc="-1" strike="noStrike">
+              <a:latin typeface="Arial"/>
+            </a:endParaRPr>
+          </a:p>
+          <a:p>
+            <a:pPr marL="12240" indent="301680" algn="ctr">
+              <a:lnSpc>
+                <a:spcPct val="100000"/>
+              </a:lnSpc>
+              <a:spcBef>
+                <a:spcPts val="1494"/>
+              </a:spcBef>
+              <a:tabLst>
+                <a:tab algn="l" pos="0"/>
+              </a:tabLst>
+            </a:pPr>
+            <a:r>
+              <a:rPr b="0" lang="en-IN" sz="1800" spc="-1" strike="noStrike">
+                <a:solidFill>
+                  <a:srgbClr val="ffffff"/>
+                </a:solidFill>
+                <a:latin typeface="Calibri"/>
+                <a:ea typeface="DejaVu Sans"/>
+              </a:rPr>
+              <a:t>-</a:t>
+            </a:r>
+            <a:r>
+              <a:rPr b="0" lang="en-IN" sz="1800" spc="-7" strike="noStrike">
+                <a:solidFill>
+                  <a:srgbClr val="ffffff"/>
+                </a:solidFill>
+                <a:latin typeface="Calibri"/>
+                <a:ea typeface="DejaVu Sans"/>
+              </a:rPr>
+              <a:t> </a:t>
+            </a:r>
+            <a:r>
+              <a:rPr b="0" lang="en-IN" sz="1800" spc="-12" strike="noStrike">
+                <a:solidFill>
+                  <a:srgbClr val="ffffff"/>
+                </a:solidFill>
+                <a:latin typeface="Calibri"/>
+                <a:ea typeface="DejaVu Sans"/>
+              </a:rPr>
+              <a:t>Users</a:t>
+            </a:r>
+            <a:r>
+              <a:rPr b="0" lang="en-IN" sz="1800" spc="-1" strike="noStrike">
+                <a:solidFill>
+                  <a:srgbClr val="ffffff"/>
+                </a:solidFill>
+                <a:latin typeface="Calibri"/>
+                <a:ea typeface="DejaVu Sans"/>
+              </a:rPr>
+              <a:t> </a:t>
+            </a:r>
+            <a:r>
+              <a:rPr b="0" lang="en-IN" sz="1800" spc="-7" strike="noStrike">
+                <a:solidFill>
+                  <a:srgbClr val="ffffff"/>
+                </a:solidFill>
+                <a:latin typeface="Calibri"/>
+                <a:ea typeface="DejaVu Sans"/>
+              </a:rPr>
+              <a:t>usually</a:t>
+            </a:r>
+            <a:r>
+              <a:rPr b="0" lang="en-IN" sz="1800" spc="-1" strike="noStrike">
+                <a:solidFill>
+                  <a:srgbClr val="ffffff"/>
+                </a:solidFill>
+                <a:latin typeface="Calibri"/>
+                <a:ea typeface="DejaVu Sans"/>
+              </a:rPr>
+              <a:t> land</a:t>
+            </a:r>
+            <a:r>
+              <a:rPr b="0" lang="en-IN" sz="1800" spc="4" strike="noStrike">
+                <a:solidFill>
+                  <a:srgbClr val="ffffff"/>
+                </a:solidFill>
+                <a:latin typeface="Calibri"/>
+                <a:ea typeface="DejaVu Sans"/>
+              </a:rPr>
+              <a:t> </a:t>
+            </a:r>
+            <a:r>
+              <a:rPr b="0" lang="en-IN" sz="1800" spc="-7" strike="noStrike">
+                <a:solidFill>
+                  <a:srgbClr val="ffffff"/>
+                </a:solidFill>
+                <a:latin typeface="Calibri"/>
+                <a:ea typeface="DejaVu Sans"/>
+              </a:rPr>
+              <a:t>up</a:t>
+            </a:r>
+            <a:r>
+              <a:rPr b="0" lang="en-IN" sz="1800" spc="-1" strike="noStrike">
+                <a:solidFill>
+                  <a:srgbClr val="ffffff"/>
+                </a:solidFill>
+                <a:latin typeface="Calibri"/>
+                <a:ea typeface="DejaVu Sans"/>
+              </a:rPr>
+              <a:t> </a:t>
+            </a:r>
+            <a:r>
+              <a:rPr b="0" lang="en-IN" sz="1800" spc="-7" strike="noStrike">
+                <a:solidFill>
+                  <a:srgbClr val="ffffff"/>
+                </a:solidFill>
+                <a:latin typeface="Calibri"/>
+                <a:ea typeface="DejaVu Sans"/>
+              </a:rPr>
+              <a:t>on online</a:t>
+            </a:r>
+            <a:r>
+              <a:rPr b="0" lang="en-IN" sz="1800" spc="12" strike="noStrike">
+                <a:solidFill>
+                  <a:srgbClr val="ffffff"/>
+                </a:solidFill>
+                <a:latin typeface="Calibri"/>
+                <a:ea typeface="DejaVu Sans"/>
+              </a:rPr>
+              <a:t> </a:t>
+            </a:r>
+            <a:r>
+              <a:rPr b="0" lang="en-IN" sz="1800" spc="-7" strike="noStrike">
+                <a:solidFill>
+                  <a:srgbClr val="ffffff"/>
+                </a:solidFill>
+                <a:latin typeface="Calibri"/>
+                <a:ea typeface="DejaVu Sans"/>
+              </a:rPr>
+              <a:t>dating</a:t>
+            </a:r>
+            <a:r>
+              <a:rPr b="0" lang="en-IN" sz="1800" spc="-1" strike="noStrike">
+                <a:solidFill>
+                  <a:srgbClr val="ffffff"/>
+                </a:solidFill>
+                <a:latin typeface="Calibri"/>
+                <a:ea typeface="DejaVu Sans"/>
+              </a:rPr>
+              <a:t> </a:t>
+            </a:r>
+            <a:r>
+              <a:rPr b="0" lang="en-IN" sz="1800" spc="-7" strike="noStrike">
+                <a:solidFill>
+                  <a:srgbClr val="ffffff"/>
+                </a:solidFill>
+                <a:latin typeface="Calibri"/>
+                <a:ea typeface="DejaVu Sans"/>
+              </a:rPr>
+              <a:t>apps</a:t>
+            </a:r>
+            <a:r>
+              <a:rPr b="0" lang="en-IN" sz="1800" spc="4" strike="noStrike">
+                <a:solidFill>
+                  <a:srgbClr val="ffffff"/>
+                </a:solidFill>
+                <a:latin typeface="Calibri"/>
+                <a:ea typeface="DejaVu Sans"/>
+              </a:rPr>
+              <a:t> </a:t>
+            </a:r>
+            <a:r>
+              <a:rPr b="0" lang="en-IN" sz="1800" spc="-12" strike="noStrike">
+                <a:solidFill>
+                  <a:srgbClr val="ffffff"/>
+                </a:solidFill>
+                <a:latin typeface="Calibri"/>
+                <a:ea typeface="DejaVu Sans"/>
+              </a:rPr>
+              <a:t>to </a:t>
+            </a:r>
+            <a:r>
+              <a:rPr b="0" lang="en-IN" sz="1800" spc="-7" strike="noStrike">
+                <a:solidFill>
+                  <a:srgbClr val="ffffff"/>
+                </a:solidFill>
+                <a:latin typeface="Calibri"/>
+                <a:ea typeface="DejaVu Sans"/>
+              </a:rPr>
+              <a:t>look </a:t>
+            </a:r>
+            <a:r>
+              <a:rPr b="0" lang="en-IN" sz="1800" spc="-21" strike="noStrike">
+                <a:solidFill>
+                  <a:srgbClr val="ffffff"/>
+                </a:solidFill>
+                <a:latin typeface="Calibri"/>
+                <a:ea typeface="DejaVu Sans"/>
+              </a:rPr>
+              <a:t>for </a:t>
+            </a:r>
+            <a:r>
+              <a:rPr b="0" lang="en-IN" sz="1800" spc="-395" strike="noStrike">
+                <a:solidFill>
+                  <a:srgbClr val="ffffff"/>
+                </a:solidFill>
+                <a:latin typeface="Calibri"/>
+                <a:ea typeface="DejaVu Sans"/>
+              </a:rPr>
+              <a:t> </a:t>
+            </a:r>
+            <a:r>
+              <a:rPr b="0" lang="en-IN" sz="1800" spc="-1" strike="noStrike">
+                <a:solidFill>
+                  <a:srgbClr val="ffffff"/>
+                </a:solidFill>
+                <a:latin typeface="Calibri"/>
                 <a:ea typeface="DejaVu Sans"/>
               </a:rPr>
               <a:t>a</a:t>
             </a:r>
             <a:r>
+              <a:rPr b="0" lang="en-IN" sz="1800" spc="-7" strike="noStrike">
+                <a:solidFill>
+                  <a:srgbClr val="ffffff"/>
+                </a:solidFill>
+                <a:latin typeface="Calibri"/>
+                <a:ea typeface="DejaVu Sans"/>
+              </a:rPr>
+              <a:t> meaningful</a:t>
+            </a:r>
+            <a:r>
+              <a:rPr b="0" lang="en-IN" sz="1800" spc="-1" strike="noStrike">
+                <a:solidFill>
+                  <a:srgbClr val="ffffff"/>
+                </a:solidFill>
+                <a:latin typeface="Calibri"/>
+                <a:ea typeface="DejaVu Sans"/>
+              </a:rPr>
+              <a:t> </a:t>
+            </a:r>
+            <a:r>
+              <a:rPr b="0" lang="en-IN" sz="1800" spc="-12" strike="noStrike">
+                <a:solidFill>
+                  <a:srgbClr val="ffffff"/>
+                </a:solidFill>
+                <a:latin typeface="Calibri"/>
+                <a:ea typeface="DejaVu Sans"/>
+              </a:rPr>
+              <a:t>relationships</a:t>
+            </a:r>
+            <a:r>
+              <a:rPr b="0" lang="en-IN" sz="1800" spc="12" strike="noStrike">
+                <a:solidFill>
+                  <a:srgbClr val="ffffff"/>
+                </a:solidFill>
+                <a:latin typeface="Calibri"/>
+                <a:ea typeface="DejaVu Sans"/>
+              </a:rPr>
+              <a:t> </a:t>
+            </a:r>
+            <a:r>
+              <a:rPr b="0" lang="en-IN" sz="1800" spc="-1" strike="noStrike">
+                <a:solidFill>
+                  <a:srgbClr val="ffffff"/>
+                </a:solidFill>
+                <a:latin typeface="Calibri"/>
+                <a:ea typeface="DejaVu Sans"/>
+              </a:rPr>
+              <a:t>and</a:t>
+            </a:r>
+            <a:r>
+              <a:rPr b="0" lang="en-IN" sz="1800" spc="7" strike="noStrike">
+                <a:solidFill>
+                  <a:srgbClr val="ffffff"/>
+                </a:solidFill>
+                <a:latin typeface="Calibri"/>
+                <a:ea typeface="DejaVu Sans"/>
+              </a:rPr>
+              <a:t> </a:t>
+            </a:r>
+            <a:r>
+              <a:rPr b="0" lang="en-IN" sz="1800" spc="-12" strike="noStrike">
+                <a:solidFill>
+                  <a:srgbClr val="ffffff"/>
+                </a:solidFill>
+                <a:latin typeface="Calibri"/>
+                <a:ea typeface="DejaVu Sans"/>
+              </a:rPr>
+              <a:t>to</a:t>
+            </a:r>
+            <a:r>
+              <a:rPr b="0" lang="en-IN" sz="1800" spc="-7" strike="noStrike">
+                <a:solidFill>
+                  <a:srgbClr val="ffffff"/>
+                </a:solidFill>
+                <a:latin typeface="Calibri"/>
+                <a:ea typeface="DejaVu Sans"/>
+              </a:rPr>
+              <a:t> </a:t>
+            </a:r>
+            <a:r>
+              <a:rPr b="0" lang="en-IN" sz="1800" spc="-12" strike="noStrike">
+                <a:solidFill>
+                  <a:srgbClr val="ffffff"/>
+                </a:solidFill>
+                <a:latin typeface="Calibri"/>
+                <a:ea typeface="DejaVu Sans"/>
+              </a:rPr>
+              <a:t>expand</a:t>
+            </a:r>
+            <a:r>
+              <a:rPr b="0" lang="en-IN" sz="1800" spc="-1" strike="noStrike">
+                <a:solidFill>
+                  <a:srgbClr val="ffffff"/>
+                </a:solidFill>
+                <a:latin typeface="Calibri"/>
+                <a:ea typeface="DejaVu Sans"/>
+              </a:rPr>
+              <a:t> their </a:t>
+            </a:r>
+            <a:r>
+              <a:rPr b="0" lang="en-IN" sz="1800" spc="-7" strike="noStrike">
+                <a:solidFill>
+                  <a:srgbClr val="ffffff"/>
+                </a:solidFill>
+                <a:latin typeface="Calibri"/>
+                <a:ea typeface="DejaVu Sans"/>
+              </a:rPr>
+              <a:t>social </a:t>
+            </a:r>
+            <a:r>
+              <a:rPr b="0" lang="en-IN" sz="1800" spc="-1" strike="noStrike">
+                <a:solidFill>
+                  <a:srgbClr val="ffffff"/>
+                </a:solidFill>
+                <a:latin typeface="Calibri"/>
+                <a:ea typeface="DejaVu Sans"/>
+              </a:rPr>
+              <a:t> </a:t>
+            </a:r>
+            <a:r>
+              <a:rPr b="0" lang="en-IN" sz="1800" spc="-12" strike="noStrike">
+                <a:solidFill>
+                  <a:srgbClr val="ffffff"/>
+                </a:solidFill>
+                <a:latin typeface="Calibri"/>
+                <a:ea typeface="DejaVu Sans"/>
+              </a:rPr>
+              <a:t>circles.</a:t>
+            </a:r>
+            <a:r>
+              <a:rPr b="0" lang="en-IN" sz="1800" spc="4" strike="noStrike">
+                <a:solidFill>
+                  <a:srgbClr val="ffffff"/>
+                </a:solidFill>
+                <a:latin typeface="Calibri"/>
+                <a:ea typeface="DejaVu Sans"/>
+              </a:rPr>
+              <a:t> </a:t>
+            </a:r>
+            <a:r>
+              <a:rPr b="0" lang="en-IN" sz="1800" spc="-1" strike="noStrike">
+                <a:solidFill>
+                  <a:srgbClr val="ffffff"/>
+                </a:solidFill>
+                <a:latin typeface="Calibri"/>
+                <a:ea typeface="DejaVu Sans"/>
+              </a:rPr>
+              <a:t>But</a:t>
+            </a:r>
+            <a:r>
+              <a:rPr b="0" lang="en-IN" sz="1800" spc="-7" strike="noStrike">
+                <a:solidFill>
+                  <a:srgbClr val="ffffff"/>
+                </a:solidFill>
+                <a:latin typeface="Calibri"/>
+                <a:ea typeface="DejaVu Sans"/>
+              </a:rPr>
+              <a:t> </a:t>
+            </a:r>
+            <a:r>
+              <a:rPr b="0" lang="en-IN" sz="1800" spc="-12" strike="noStrike">
+                <a:solidFill>
+                  <a:srgbClr val="ffffff"/>
+                </a:solidFill>
+                <a:latin typeface="Calibri"/>
+                <a:ea typeface="DejaVu Sans"/>
+              </a:rPr>
+              <a:t>are</a:t>
+            </a:r>
+            <a:r>
+              <a:rPr b="0" lang="en-IN" sz="1800" spc="-1" strike="noStrike">
+                <a:solidFill>
+                  <a:srgbClr val="ffffff"/>
+                </a:solidFill>
+                <a:latin typeface="Calibri"/>
+                <a:ea typeface="DejaVu Sans"/>
+              </a:rPr>
+              <a:t> the</a:t>
+            </a:r>
+            <a:r>
+              <a:rPr b="0" lang="en-IN" sz="1800" spc="4" strike="noStrike">
+                <a:solidFill>
+                  <a:srgbClr val="ffffff"/>
+                </a:solidFill>
+                <a:latin typeface="Calibri"/>
+                <a:ea typeface="DejaVu Sans"/>
+              </a:rPr>
+              <a:t> </a:t>
+            </a:r>
+            <a:r>
+              <a:rPr b="0" lang="en-IN" sz="1800" spc="-12" strike="noStrike">
+                <a:solidFill>
+                  <a:srgbClr val="ffffff"/>
+                </a:solidFill>
+                <a:latin typeface="Calibri"/>
+                <a:ea typeface="DejaVu Sans"/>
+              </a:rPr>
+              <a:t>existing</a:t>
+            </a:r>
+            <a:r>
+              <a:rPr b="0" lang="en-IN" sz="1800" spc="-1" strike="noStrike">
+                <a:solidFill>
+                  <a:srgbClr val="ffffff"/>
+                </a:solidFill>
+                <a:latin typeface="Calibri"/>
+                <a:ea typeface="DejaVu Sans"/>
+              </a:rPr>
+              <a:t> </a:t>
+            </a:r>
+            <a:r>
+              <a:rPr b="0" lang="en-IN" sz="1800" spc="-7" strike="noStrike">
+                <a:solidFill>
+                  <a:srgbClr val="ffffff"/>
+                </a:solidFill>
+                <a:latin typeface="Calibri"/>
+                <a:ea typeface="DejaVu Sans"/>
+              </a:rPr>
+              <a:t>dating </a:t>
+            </a:r>
+            <a:r>
+              <a:rPr b="0" lang="en-IN" sz="1800" spc="-12" strike="noStrike">
+                <a:solidFill>
+                  <a:srgbClr val="ffffff"/>
+                </a:solidFill>
+                <a:latin typeface="Calibri"/>
+                <a:ea typeface="DejaVu Sans"/>
+              </a:rPr>
+              <a:t>platforms</a:t>
+            </a:r>
+            <a:r>
+              <a:rPr b="0" lang="en-IN" sz="1800" spc="-7" strike="noStrike">
+                <a:solidFill>
+                  <a:srgbClr val="ffffff"/>
+                </a:solidFill>
+                <a:latin typeface="Calibri"/>
+                <a:ea typeface="DejaVu Sans"/>
+              </a:rPr>
+              <a:t> </a:t>
+            </a:r>
+            <a:r>
+              <a:rPr b="0" lang="en-IN" sz="1800" spc="-1" strike="noStrike">
+                <a:solidFill>
+                  <a:srgbClr val="ffffff"/>
+                </a:solidFill>
+                <a:latin typeface="Calibri"/>
+                <a:ea typeface="DejaVu Sans"/>
+              </a:rPr>
+              <a:t>the</a:t>
+            </a:r>
+            <a:r>
+              <a:rPr b="0" lang="en-IN" sz="1800" spc="-7" strike="noStrike">
+                <a:solidFill>
+                  <a:srgbClr val="ffffff"/>
+                </a:solidFill>
+                <a:latin typeface="Calibri"/>
+                <a:ea typeface="DejaVu Sans"/>
+              </a:rPr>
+              <a:t> right </a:t>
+            </a:r>
+            <a:r>
+              <a:rPr b="0" lang="en-IN" sz="1800" spc="-1" strike="noStrike">
+                <a:solidFill>
+                  <a:srgbClr val="ffffff"/>
+                </a:solidFill>
+                <a:latin typeface="Calibri"/>
+                <a:ea typeface="DejaVu Sans"/>
+              </a:rPr>
+              <a:t> </a:t>
+            </a:r>
+            <a:r>
+              <a:rPr b="0" lang="en-IN" sz="1800" spc="-7" strike="noStrike">
+                <a:solidFill>
+                  <a:srgbClr val="ffffff"/>
+                </a:solidFill>
+                <a:latin typeface="Calibri"/>
+                <a:ea typeface="DejaVu Sans"/>
+              </a:rPr>
+              <a:t>place</a:t>
+            </a:r>
+            <a:r>
+              <a:rPr b="0" lang="en-IN" sz="1800" spc="4" strike="noStrike">
+                <a:solidFill>
+                  <a:srgbClr val="ffffff"/>
+                </a:solidFill>
+                <a:latin typeface="Calibri"/>
+                <a:ea typeface="DejaVu Sans"/>
+              </a:rPr>
+              <a:t> </a:t>
+            </a:r>
+            <a:r>
+              <a:rPr b="0" lang="en-IN" sz="1800" spc="-12" strike="noStrike">
+                <a:solidFill>
+                  <a:srgbClr val="ffffff"/>
+                </a:solidFill>
+                <a:latin typeface="Calibri"/>
+                <a:ea typeface="DejaVu Sans"/>
+              </a:rPr>
+              <a:t>to</a:t>
+            </a:r>
+            <a:r>
+              <a:rPr b="0" lang="en-IN" sz="1800" spc="-7" strike="noStrike">
+                <a:solidFill>
+                  <a:srgbClr val="ffffff"/>
+                </a:solidFill>
+                <a:latin typeface="Calibri"/>
+                <a:ea typeface="DejaVu Sans"/>
+              </a:rPr>
+              <a:t> build</a:t>
+            </a:r>
+            <a:r>
+              <a:rPr b="0" lang="en-IN" sz="1800" spc="18" strike="noStrike">
+                <a:solidFill>
+                  <a:srgbClr val="ffffff"/>
+                </a:solidFill>
+                <a:latin typeface="Calibri"/>
+                <a:ea typeface="DejaVu Sans"/>
+              </a:rPr>
+              <a:t> </a:t>
+            </a:r>
+            <a:r>
+              <a:rPr b="0" lang="en-IN" sz="1800" spc="-7" strike="noStrike">
+                <a:solidFill>
+                  <a:srgbClr val="ffffff"/>
+                </a:solidFill>
+                <a:latin typeface="Calibri"/>
+                <a:ea typeface="DejaVu Sans"/>
+              </a:rPr>
+              <a:t>this socio</a:t>
+            </a:r>
+            <a:r>
+              <a:rPr b="0" lang="en-IN" sz="1800" spc="-1" strike="noStrike">
+                <a:solidFill>
+                  <a:srgbClr val="ffffff"/>
+                </a:solidFill>
+                <a:latin typeface="Calibri"/>
+                <a:ea typeface="DejaVu Sans"/>
+              </a:rPr>
+              <a:t> </a:t>
+            </a:r>
+            <a:r>
+              <a:rPr b="0" lang="en-IN" sz="1800" spc="-12" strike="noStrike">
+                <a:solidFill>
+                  <a:srgbClr val="ffffff"/>
+                </a:solidFill>
+                <a:latin typeface="Calibri"/>
+                <a:ea typeface="DejaVu Sans"/>
+              </a:rPr>
+              <a:t>circle?</a:t>
+            </a:r>
+            <a:endParaRPr b="0" lang="en-IN" sz="1800" spc="-1" strike="noStrike">
+              <a:latin typeface="Arial"/>
+            </a:endParaRPr>
+          </a:p>
+          <a:p>
+            <a:pPr marL="12240" indent="301680">
+              <a:lnSpc>
+                <a:spcPct val="100000"/>
+              </a:lnSpc>
+              <a:spcBef>
+                <a:spcPts val="26"/>
+              </a:spcBef>
+              <a:tabLst>
+                <a:tab algn="l" pos="0"/>
+              </a:tabLst>
+            </a:pPr>
+            <a:endParaRPr b="0" lang="en-IN" sz="1800" spc="-1" strike="noStrike">
+              <a:latin typeface="Arial"/>
+            </a:endParaRPr>
+          </a:p>
+          <a:p>
+            <a:pPr marL="41400" indent="1440" algn="ctr">
+              <a:lnSpc>
+                <a:spcPct val="100000"/>
+              </a:lnSpc>
+              <a:tabLst>
+                <a:tab algn="l" pos="0"/>
+              </a:tabLst>
+            </a:pPr>
+            <a:r>
+              <a:rPr b="0" lang="en-IN" sz="1800" spc="-1" strike="noStrike">
+                <a:solidFill>
+                  <a:srgbClr val="ffffff"/>
+                </a:solidFill>
+                <a:latin typeface="Calibri"/>
+                <a:ea typeface="DejaVu Sans"/>
+              </a:rPr>
+              <a:t>-</a:t>
+            </a:r>
+            <a:r>
+              <a:rPr b="0" lang="en-IN" sz="1800" spc="-7" strike="noStrike">
+                <a:solidFill>
+                  <a:srgbClr val="ffffff"/>
+                </a:solidFill>
+                <a:latin typeface="Calibri"/>
+                <a:ea typeface="DejaVu Sans"/>
+              </a:rPr>
+              <a:t> </a:t>
+            </a:r>
+            <a:r>
+              <a:rPr b="0" lang="en-IN" sz="1800" spc="-12" strike="noStrike">
+                <a:solidFill>
+                  <a:srgbClr val="ffffff"/>
+                </a:solidFill>
+                <a:latin typeface="Calibri"/>
+                <a:ea typeface="DejaVu Sans"/>
+              </a:rPr>
+              <a:t>Existing</a:t>
+            </a:r>
+            <a:r>
+              <a:rPr b="0" lang="en-IN" sz="1800" spc="4" strike="noStrike">
+                <a:solidFill>
+                  <a:srgbClr val="ffffff"/>
+                </a:solidFill>
+                <a:latin typeface="Calibri"/>
+                <a:ea typeface="DejaVu Sans"/>
+              </a:rPr>
+              <a:t> </a:t>
+            </a:r>
+            <a:r>
+              <a:rPr b="0" lang="en-IN" sz="1800" spc="-7" strike="noStrike">
+                <a:solidFill>
+                  <a:srgbClr val="ffffff"/>
+                </a:solidFill>
+                <a:latin typeface="Calibri"/>
+                <a:ea typeface="DejaVu Sans"/>
+              </a:rPr>
+              <a:t>Application</a:t>
+            </a:r>
+            <a:r>
+              <a:rPr b="0" lang="en-IN" sz="1800" spc="7" strike="noStrike">
+                <a:solidFill>
+                  <a:srgbClr val="ffffff"/>
+                </a:solidFill>
+                <a:latin typeface="Calibri"/>
+                <a:ea typeface="DejaVu Sans"/>
+              </a:rPr>
+              <a:t> </a:t>
+            </a:r>
+            <a:r>
+              <a:rPr b="0" lang="en-IN" sz="1800" spc="-7" strike="noStrike">
+                <a:solidFill>
+                  <a:srgbClr val="ffffff"/>
+                </a:solidFill>
+                <a:latin typeface="Calibri"/>
+                <a:ea typeface="DejaVu Sans"/>
+              </a:rPr>
+              <a:t>or</a:t>
+            </a:r>
+            <a:r>
+              <a:rPr b="0" lang="en-IN" sz="1800" spc="-1" strike="noStrike">
+                <a:solidFill>
+                  <a:srgbClr val="ffffff"/>
+                </a:solidFill>
+                <a:latin typeface="Calibri"/>
+                <a:ea typeface="DejaVu Sans"/>
+              </a:rPr>
+              <a:t> </a:t>
+            </a:r>
+            <a:r>
+              <a:rPr b="0" lang="en-IN" sz="1800" spc="-12" strike="noStrike">
+                <a:solidFill>
+                  <a:srgbClr val="ffffff"/>
+                </a:solidFill>
+                <a:latin typeface="Calibri"/>
+                <a:ea typeface="DejaVu Sans"/>
+              </a:rPr>
+              <a:t>platforms</a:t>
+            </a:r>
+            <a:r>
+              <a:rPr b="0" lang="en-IN" sz="1800" spc="-21" strike="noStrike">
+                <a:solidFill>
+                  <a:srgbClr val="ffffff"/>
+                </a:solidFill>
+                <a:latin typeface="Calibri"/>
+                <a:ea typeface="DejaVu Sans"/>
+              </a:rPr>
+              <a:t> </a:t>
+            </a:r>
+            <a:r>
+              <a:rPr b="0" lang="en-IN" sz="1800" spc="-12" strike="noStrike">
+                <a:solidFill>
+                  <a:srgbClr val="ffffff"/>
+                </a:solidFill>
+                <a:latin typeface="Calibri"/>
+                <a:ea typeface="DejaVu Sans"/>
+              </a:rPr>
+              <a:t>provide</a:t>
+            </a:r>
+            <a:r>
+              <a:rPr b="0" lang="en-IN" sz="1800" spc="7" strike="noStrike">
+                <a:solidFill>
+                  <a:srgbClr val="ffffff"/>
+                </a:solidFill>
+                <a:latin typeface="Calibri"/>
+                <a:ea typeface="DejaVu Sans"/>
+              </a:rPr>
+              <a:t> </a:t>
+            </a:r>
+            <a:r>
+              <a:rPr b="0" lang="en-IN" sz="1800" spc="-12" strike="noStrike">
+                <a:solidFill>
+                  <a:srgbClr val="ffffff"/>
+                </a:solidFill>
+                <a:latin typeface="Calibri"/>
+                <a:ea typeface="DejaVu Sans"/>
+              </a:rPr>
+              <a:t>match </a:t>
+            </a:r>
+            <a:r>
+              <a:rPr b="0" lang="en-IN" sz="1800" spc="-7" strike="noStrike">
+                <a:solidFill>
+                  <a:srgbClr val="ffffff"/>
+                </a:solidFill>
+                <a:latin typeface="Calibri"/>
+                <a:ea typeface="DejaVu Sans"/>
+              </a:rPr>
+              <a:t> making only</a:t>
+            </a:r>
+            <a:r>
+              <a:rPr b="0" lang="en-IN" sz="1800" spc="-1" strike="noStrike">
+                <a:solidFill>
+                  <a:srgbClr val="ffffff"/>
+                </a:solidFill>
+                <a:latin typeface="Calibri"/>
+                <a:ea typeface="DejaVu Sans"/>
+              </a:rPr>
+              <a:t> </a:t>
+            </a:r>
+            <a:r>
+              <a:rPr b="0" lang="en-IN" sz="1800" spc="-7" strike="noStrike">
+                <a:solidFill>
+                  <a:srgbClr val="ffffff"/>
+                </a:solidFill>
+                <a:latin typeface="Calibri"/>
+                <a:ea typeface="DejaVu Sans"/>
+              </a:rPr>
+              <a:t>with</a:t>
+            </a:r>
+            <a:r>
+              <a:rPr b="0" lang="en-IN" sz="1800" spc="4" strike="noStrike">
+                <a:solidFill>
+                  <a:srgbClr val="ffffff"/>
+                </a:solidFill>
+                <a:latin typeface="Calibri"/>
+                <a:ea typeface="DejaVu Sans"/>
+              </a:rPr>
+              <a:t> </a:t>
+            </a:r>
+            <a:r>
+              <a:rPr b="0" lang="en-IN" sz="1800" spc="-15" strike="noStrike">
+                <a:solidFill>
+                  <a:srgbClr val="ffffff"/>
+                </a:solidFill>
+                <a:latin typeface="Calibri"/>
+                <a:ea typeface="DejaVu Sans"/>
+              </a:rPr>
+              <a:t>strangers.</a:t>
+            </a:r>
+            <a:r>
+              <a:rPr b="0" lang="en-IN" sz="1800" spc="-12" strike="noStrike">
+                <a:solidFill>
+                  <a:srgbClr val="ffffff"/>
+                </a:solidFill>
+                <a:latin typeface="Calibri"/>
+                <a:ea typeface="DejaVu Sans"/>
+              </a:rPr>
+              <a:t> </a:t>
+            </a:r>
+            <a:r>
+              <a:rPr b="0" lang="en-IN" sz="1800" spc="-7" strike="noStrike">
+                <a:solidFill>
+                  <a:srgbClr val="ffffff"/>
+                </a:solidFill>
+                <a:latin typeface="Calibri"/>
+                <a:ea typeface="DejaVu Sans"/>
+              </a:rPr>
+              <a:t>What</a:t>
+            </a:r>
+            <a:r>
+              <a:rPr b="0" lang="en-IN" sz="1800" spc="-1" strike="noStrike">
+                <a:solidFill>
+                  <a:srgbClr val="ffffff"/>
+                </a:solidFill>
+                <a:latin typeface="Calibri"/>
+                <a:ea typeface="DejaVu Sans"/>
+              </a:rPr>
+              <a:t> </a:t>
+            </a:r>
+            <a:r>
+              <a:rPr b="0" lang="en-IN" sz="1800" spc="-7" strike="noStrike">
+                <a:solidFill>
+                  <a:srgbClr val="ffffff"/>
+                </a:solidFill>
+                <a:latin typeface="Calibri"/>
+                <a:ea typeface="DejaVu Sans"/>
+              </a:rPr>
+              <a:t>if one</a:t>
+            </a:r>
+            <a:r>
+              <a:rPr b="0" lang="en-IN" sz="1800" spc="7" strike="noStrike">
+                <a:solidFill>
+                  <a:srgbClr val="ffffff"/>
+                </a:solidFill>
+                <a:latin typeface="Calibri"/>
+                <a:ea typeface="DejaVu Sans"/>
+              </a:rPr>
+              <a:t> </a:t>
+            </a:r>
+            <a:r>
+              <a:rPr b="0" lang="en-IN" sz="1800" spc="-12" strike="noStrike">
+                <a:solidFill>
+                  <a:srgbClr val="ffffff"/>
+                </a:solidFill>
+                <a:latin typeface="Calibri"/>
+                <a:ea typeface="DejaVu Sans"/>
+              </a:rPr>
+              <a:t>wants</a:t>
+            </a:r>
+            <a:r>
+              <a:rPr b="0" lang="en-IN" sz="1800" spc="-1" strike="noStrike">
+                <a:solidFill>
+                  <a:srgbClr val="ffffff"/>
+                </a:solidFill>
+                <a:latin typeface="Calibri"/>
+                <a:ea typeface="DejaVu Sans"/>
+              </a:rPr>
+              <a:t> a </a:t>
+            </a:r>
+            <a:r>
+              <a:rPr b="0" lang="en-IN" sz="1800" spc="-12" strike="noStrike">
+                <a:solidFill>
+                  <a:srgbClr val="ffffff"/>
+                </a:solidFill>
+                <a:latin typeface="Calibri"/>
+                <a:ea typeface="DejaVu Sans"/>
+              </a:rPr>
+              <a:t>match </a:t>
+            </a:r>
+            <a:r>
+              <a:rPr b="0" lang="en-IN" sz="1800" spc="-395" strike="noStrike">
+                <a:solidFill>
+                  <a:srgbClr val="ffffff"/>
+                </a:solidFill>
+                <a:latin typeface="Calibri"/>
+                <a:ea typeface="DejaVu Sans"/>
+              </a:rPr>
+              <a:t> </a:t>
+            </a:r>
+            <a:r>
+              <a:rPr b="0" lang="en-IN" sz="1800" spc="-7" strike="noStrike">
+                <a:solidFill>
+                  <a:srgbClr val="ffffff"/>
+                </a:solidFill>
+                <a:latin typeface="Calibri"/>
+                <a:ea typeface="DejaVu Sans"/>
+              </a:rPr>
+              <a:t>within</a:t>
+            </a:r>
+            <a:r>
+              <a:rPr b="0" lang="en-IN" sz="1800" spc="12" strike="noStrike">
+                <a:solidFill>
+                  <a:srgbClr val="ffffff"/>
+                </a:solidFill>
+                <a:latin typeface="Calibri"/>
+                <a:ea typeface="DejaVu Sans"/>
+              </a:rPr>
+              <a:t> </a:t>
+            </a:r>
+            <a:r>
+              <a:rPr b="0" lang="en-IN" sz="1800" spc="-7" strike="noStrike">
+                <a:solidFill>
+                  <a:srgbClr val="ffffff"/>
+                </a:solidFill>
+                <a:latin typeface="Calibri"/>
+                <a:ea typeface="DejaVu Sans"/>
+              </a:rPr>
+              <a:t>his/her</a:t>
+            </a:r>
+            <a:r>
+              <a:rPr b="0" lang="en-IN" sz="1800" spc="-1" strike="noStrike">
+                <a:solidFill>
+                  <a:srgbClr val="ffffff"/>
+                </a:solidFill>
+                <a:latin typeface="Calibri"/>
+                <a:ea typeface="DejaVu Sans"/>
+              </a:rPr>
+              <a:t> </a:t>
+            </a:r>
+            <a:r>
+              <a:rPr b="0" lang="en-IN" sz="1800" spc="-7" strike="noStrike">
+                <a:solidFill>
+                  <a:srgbClr val="ffffff"/>
+                </a:solidFill>
+                <a:latin typeface="Calibri"/>
+                <a:ea typeface="DejaVu Sans"/>
+              </a:rPr>
+              <a:t>social</a:t>
+            </a:r>
+            <a:r>
+              <a:rPr b="0" lang="en-IN" sz="1800" spc="-1" strike="noStrike">
+                <a:solidFill>
+                  <a:srgbClr val="ffffff"/>
+                </a:solidFill>
+                <a:latin typeface="Calibri"/>
+                <a:ea typeface="DejaVu Sans"/>
+              </a:rPr>
+              <a:t> </a:t>
+            </a:r>
+            <a:r>
+              <a:rPr b="0" lang="en-IN" sz="1800" spc="-12" strike="noStrike">
+                <a:solidFill>
+                  <a:srgbClr val="ffffff"/>
+                </a:solidFill>
+                <a:latin typeface="Calibri"/>
+                <a:ea typeface="DejaVu Sans"/>
+              </a:rPr>
+              <a:t>circle!?</a:t>
+            </a:r>
+            <a:endParaRPr b="0" lang="en-IN" sz="1800" spc="-1" strike="noStrike">
+              <a:latin typeface="Arial"/>
+            </a:endParaRPr>
+          </a:p>
+          <a:p>
+            <a:pPr marL="41400" indent="1440">
+              <a:lnSpc>
+                <a:spcPct val="100000"/>
+              </a:lnSpc>
+              <a:tabLst>
+                <a:tab algn="l" pos="0"/>
+              </a:tabLst>
+            </a:pPr>
+            <a:endParaRPr b="0" lang="en-IN" sz="1800" spc="-1" strike="noStrike">
+              <a:latin typeface="Arial"/>
+            </a:endParaRPr>
+          </a:p>
+          <a:p>
+            <a:pPr marL="41400" indent="1440">
+              <a:lnSpc>
+                <a:spcPct val="100000"/>
+              </a:lnSpc>
+              <a:spcBef>
+                <a:spcPts val="34"/>
+              </a:spcBef>
+              <a:tabLst>
+                <a:tab algn="l" pos="0"/>
+              </a:tabLst>
+            </a:pPr>
+            <a:endParaRPr b="0" lang="en-IN" sz="1800" spc="-1" strike="noStrike">
+              <a:latin typeface="Arial"/>
+            </a:endParaRPr>
+          </a:p>
+          <a:p>
+            <a:pPr marL="6247800" indent="1440">
+              <a:lnSpc>
+                <a:spcPct val="100000"/>
+              </a:lnSpc>
+              <a:tabLst>
+                <a:tab algn="l" pos="0"/>
+              </a:tabLst>
+            </a:pPr>
+            <a:r>
               <a:rPr b="1" lang="en-IN" sz="1800" spc="-7" strike="noStrike">
                 <a:solidFill>
-                  <a:srgbClr val="404040"/>
-                </a:solidFill>
-                <a:latin typeface="Times New Roman"/>
+                  <a:srgbClr val="ffffff"/>
+                </a:solidFill>
+                <a:latin typeface="Calibri"/>
+                <a:ea typeface="DejaVu Sans"/>
+              </a:rPr>
+              <a:t>Friends</a:t>
+            </a:r>
+            <a:r>
+              <a:rPr b="1" lang="en-IN" sz="1800" spc="-55" strike="noStrike">
+                <a:solidFill>
+                  <a:srgbClr val="ffffff"/>
+                </a:solidFill>
+                <a:latin typeface="Calibri"/>
                 <a:ea typeface="DejaVu Sans"/>
               </a:rPr>
               <a:t> </a:t>
             </a:r>
             <a:r>
-              <a:rPr b="1" lang="en-IN" sz="1800" spc="46" strike="noStrike">
-                <a:solidFill>
-                  <a:srgbClr val="ff4000"/>
-                </a:solidFill>
-                <a:latin typeface="Times New Roman"/>
-                <a:ea typeface="DejaVu Sans"/>
-              </a:rPr>
-              <a:t>friend</a:t>
-            </a:r>
-            <a:r>
-              <a:rPr b="1" lang="en-IN" sz="1800" spc="46" strike="noStrike">
-                <a:solidFill>
-                  <a:srgbClr val="404040"/>
-                </a:solidFill>
-                <a:latin typeface="Times New Roman"/>
-                <a:ea typeface="DejaVu Sans"/>
-              </a:rPr>
-              <a:t>.</a:t>
-            </a:r>
-            <a:r>
-              <a:rPr b="1" lang="en-IN" sz="1800" spc="120" strike="noStrike">
-                <a:solidFill>
-                  <a:srgbClr val="404040"/>
-                </a:solidFill>
-                <a:latin typeface="Times New Roman"/>
+              <a:rPr b="1" lang="en-IN" sz="1800" spc="-7" strike="noStrike">
+                <a:solidFill>
+                  <a:srgbClr val="ffffff"/>
+                </a:solidFill>
+                <a:latin typeface="Calibri"/>
+                <a:ea typeface="DejaVu Sans"/>
+              </a:rPr>
+              <a:t>(58%)</a:t>
+            </a:r>
+            <a:r>
+              <a:rPr b="1" lang="en-IN" sz="1800" spc="-26" strike="noStrike">
+                <a:solidFill>
+                  <a:srgbClr val="ffffff"/>
+                </a:solidFill>
+                <a:latin typeface="Calibri"/>
                 <a:ea typeface="DejaVu Sans"/>
               </a:rPr>
               <a:t> </a:t>
             </a:r>
             <a:r>
-              <a:rPr b="1" lang="en-IN" sz="1800" spc="15" strike="noStrike">
-                <a:solidFill>
-                  <a:srgbClr val="404040"/>
-                </a:solidFill>
-                <a:latin typeface="Times New Roman"/>
-                <a:ea typeface="DejaVu Sans"/>
-              </a:rPr>
-              <a:t>Date</a:t>
-            </a:r>
-            <a:r>
-              <a:rPr b="1" lang="en-IN" sz="1800" spc="145" strike="noStrike">
-                <a:solidFill>
-                  <a:srgbClr val="404040"/>
-                </a:solidFill>
-                <a:latin typeface="Times New Roman"/>
+              <a:rPr b="1" lang="en-IN" sz="1800" spc="-1" strike="noStrike">
+                <a:solidFill>
+                  <a:srgbClr val="ffffff"/>
+                </a:solidFill>
+                <a:latin typeface="Calibri"/>
+                <a:ea typeface="DejaVu Sans"/>
+              </a:rPr>
+              <a:t>+</a:t>
+            </a:r>
+            <a:r>
+              <a:rPr b="1" lang="en-IN" sz="1800" spc="-7" strike="noStrike">
+                <a:solidFill>
+                  <a:srgbClr val="ffffff"/>
+                </a:solidFill>
+                <a:latin typeface="Calibri"/>
                 <a:ea typeface="DejaVu Sans"/>
               </a:rPr>
               <a:t> </a:t>
             </a:r>
             <a:r>
+              <a:rPr b="1" lang="en-IN" sz="1800" spc="-12" strike="noStrike">
+                <a:solidFill>
+                  <a:srgbClr val="ffffff"/>
+                </a:solidFill>
+                <a:latin typeface="Calibri"/>
+                <a:ea typeface="DejaVu Sans"/>
+              </a:rPr>
+              <a:t>Family</a:t>
+            </a:r>
+            <a:r>
+              <a:rPr b="1" lang="en-IN" sz="1800" spc="-46" strike="noStrike">
+                <a:solidFill>
+                  <a:srgbClr val="ffffff"/>
+                </a:solidFill>
+                <a:latin typeface="Calibri"/>
+                <a:ea typeface="DejaVu Sans"/>
+              </a:rPr>
+              <a:t> </a:t>
+            </a:r>
+            <a:r>
+              <a:rPr b="1" lang="en-IN" sz="1800" spc="-7" strike="noStrike">
+                <a:solidFill>
+                  <a:srgbClr val="ffffff"/>
+                </a:solidFill>
+                <a:latin typeface="Calibri"/>
+                <a:ea typeface="DejaVu Sans"/>
+              </a:rPr>
+              <a:t>(24%)</a:t>
+            </a:r>
+            <a:r>
+              <a:rPr b="1" lang="en-IN" sz="1800" spc="-21" strike="noStrike">
+                <a:solidFill>
+                  <a:srgbClr val="ffffff"/>
+                </a:solidFill>
+                <a:latin typeface="Calibri"/>
+                <a:ea typeface="DejaVu Sans"/>
+              </a:rPr>
+              <a:t> </a:t>
+            </a:r>
+            <a:r>
               <a:rPr b="1" lang="en-IN" sz="1800" spc="-1" strike="noStrike">
                 <a:solidFill>
-                  <a:srgbClr val="404040"/>
-                </a:solidFill>
-                <a:latin typeface="Times New Roman"/>
-                <a:ea typeface="DejaVu Sans"/>
-              </a:rPr>
-              <a:t>a</a:t>
-            </a:r>
-            <a:r>
-              <a:rPr b="1" lang="en-IN" sz="1800" spc="-12" strike="noStrike">
-                <a:solidFill>
-                  <a:srgbClr val="404040"/>
-                </a:solidFill>
-                <a:latin typeface="Times New Roman"/>
+                  <a:srgbClr val="ffffff"/>
+                </a:solidFill>
+                <a:latin typeface="Calibri"/>
+                <a:ea typeface="DejaVu Sans"/>
+              </a:rPr>
+              <a:t>=</a:t>
+            </a:r>
+            <a:r>
+              <a:rPr b="1" lang="en-IN" sz="1800" spc="-15" strike="noStrike">
+                <a:solidFill>
+                  <a:srgbClr val="ffffff"/>
+                </a:solidFill>
+                <a:latin typeface="Calibri"/>
                 <a:ea typeface="DejaVu Sans"/>
               </a:rPr>
               <a:t> </a:t>
             </a:r>
             <a:r>
-              <a:rPr b="1" lang="en-IN" sz="1800" spc="46" strike="noStrike">
-                <a:solidFill>
-                  <a:srgbClr val="404040"/>
-                </a:solidFill>
-                <a:latin typeface="Times New Roman"/>
-                <a:ea typeface="DejaVu Sans"/>
-              </a:rPr>
-              <a:t>friend.</a:t>
-            </a:r>
-            <a:r>
-              <a:rPr b="1" lang="en-IN" sz="1800" spc="92" strike="noStrike">
-                <a:solidFill>
-                  <a:srgbClr val="404040"/>
-                </a:solidFill>
-                <a:latin typeface="Times New Roman"/>
+              <a:rPr b="1" lang="en-IN" sz="1800" spc="-1" strike="noStrike">
+                <a:solidFill>
+                  <a:srgbClr val="ffffff"/>
+                </a:solidFill>
+                <a:latin typeface="Calibri"/>
+                <a:ea typeface="DejaVu Sans"/>
+              </a:rPr>
+              <a:t>82%</a:t>
+            </a:r>
+            <a:r>
+              <a:rPr b="1" lang="en-IN" sz="1800" spc="-26" strike="noStrike">
+                <a:solidFill>
+                  <a:srgbClr val="ffffff"/>
+                </a:solidFill>
+                <a:latin typeface="Calibri"/>
                 <a:ea typeface="DejaVu Sans"/>
               </a:rPr>
               <a:t> </a:t>
             </a:r>
             <a:r>
-              <a:rPr b="1" lang="en-IN" sz="1800" spc="12" strike="noStrike">
-                <a:solidFill>
-                  <a:srgbClr val="00a933"/>
-                </a:solidFill>
-                <a:latin typeface="Times New Roman"/>
-                <a:ea typeface="DejaVu Sans"/>
-              </a:rPr>
-              <a:t>Why</a:t>
-            </a:r>
-            <a:r>
-              <a:rPr b="1" lang="en-IN" sz="1800" spc="197" strike="noStrike">
-                <a:solidFill>
-                  <a:srgbClr val="00a933"/>
-                </a:solidFill>
-                <a:latin typeface="Times New Roman"/>
+              <a:rPr b="1" lang="en-IN" sz="1800" spc="-1" strike="noStrike">
+                <a:solidFill>
+                  <a:srgbClr val="ffffff"/>
+                </a:solidFill>
+                <a:latin typeface="Calibri"/>
+                <a:ea typeface="DejaVu Sans"/>
+              </a:rPr>
+              <a:t>Need</a:t>
+            </a:r>
+            <a:r>
+              <a:rPr b="1" lang="en-IN" sz="1800" spc="-52" strike="noStrike">
+                <a:solidFill>
+                  <a:srgbClr val="ffffff"/>
+                </a:solidFill>
+                <a:latin typeface="Calibri"/>
                 <a:ea typeface="DejaVu Sans"/>
               </a:rPr>
               <a:t> </a:t>
             </a:r>
             <a:r>
-              <a:rPr b="1" lang="en-IN" sz="1800" spc="52" strike="noStrike">
-                <a:solidFill>
-                  <a:srgbClr val="00a933"/>
-                </a:solidFill>
-                <a:latin typeface="Times New Roman"/>
-                <a:ea typeface="DejaVu Sans"/>
-              </a:rPr>
-              <a:t>strangers?</a:t>
+              <a:rPr b="1" lang="en-IN" sz="1800" spc="-21" strike="noStrike">
+                <a:solidFill>
+                  <a:srgbClr val="ffffff"/>
+                </a:solidFill>
+                <a:latin typeface="Calibri"/>
+                <a:ea typeface="DejaVu Sans"/>
+              </a:rPr>
+              <a:t>BeYu</a:t>
             </a:r>
             <a:endParaRPr b="0" lang="en-IN" sz="1800" spc="-1" strike="noStrike">
               <a:latin typeface="Arial"/>
@@ -1835,6 +7863,376 @@
           </a:p>
         </p:txBody>
       </p:sp>
+      <p:grpSp>
+        <p:nvGrpSpPr>
+          <p:cNvPr id="129" name="Group 5"/>
+          <p:cNvGrpSpPr/>
+          <p:nvPr/>
+        </p:nvGrpSpPr>
+        <p:grpSpPr>
+          <a:xfrm>
+            <a:off x="8679960" y="1039320"/>
+            <a:ext cx="3113280" cy="3463920"/>
+            <a:chOff x="8679960" y="1039320"/>
+            <a:chExt cx="3113280" cy="3463920"/>
+          </a:xfrm>
+        </p:grpSpPr>
+        <p:sp>
+          <p:nvSpPr>
+            <p:cNvPr id="130" name="CustomShape 6"/>
+            <p:cNvSpPr/>
+            <p:nvPr/>
+          </p:nvSpPr>
+          <p:spPr>
+            <a:xfrm>
+              <a:off x="9710280" y="2874960"/>
+              <a:ext cx="773640" cy="667080"/>
+            </a:xfrm>
+            <a:custGeom>
+              <a:avLst/>
+              <a:gdLst/>
+              <a:ahLst/>
+              <a:rect l="l" t="t" r="r" b="b"/>
+              <a:pathLst>
+                <a:path w="774700" h="668020">
+                  <a:moveTo>
+                    <a:pt x="0" y="333756"/>
+                  </a:moveTo>
+                  <a:lnTo>
+                    <a:pt x="3534" y="288478"/>
+                  </a:lnTo>
+                  <a:lnTo>
+                    <a:pt x="13830" y="245048"/>
+                  </a:lnTo>
+                  <a:lnTo>
+                    <a:pt x="30426" y="203864"/>
+                  </a:lnTo>
+                  <a:lnTo>
+                    <a:pt x="52860" y="165325"/>
+                  </a:lnTo>
+                  <a:lnTo>
+                    <a:pt x="80670" y="129829"/>
+                  </a:lnTo>
+                  <a:lnTo>
+                    <a:pt x="113395" y="97774"/>
+                  </a:lnTo>
+                  <a:lnTo>
+                    <a:pt x="150572" y="69557"/>
+                  </a:lnTo>
+                  <a:lnTo>
+                    <a:pt x="191741" y="45578"/>
+                  </a:lnTo>
+                  <a:lnTo>
+                    <a:pt x="236440" y="26235"/>
+                  </a:lnTo>
+                  <a:lnTo>
+                    <a:pt x="284206" y="11925"/>
+                  </a:lnTo>
+                  <a:lnTo>
+                    <a:pt x="334579" y="3047"/>
+                  </a:lnTo>
+                  <a:lnTo>
+                    <a:pt x="387095" y="0"/>
+                  </a:lnTo>
+                  <a:lnTo>
+                    <a:pt x="439612" y="3047"/>
+                  </a:lnTo>
+                  <a:lnTo>
+                    <a:pt x="489985" y="11925"/>
+                  </a:lnTo>
+                  <a:lnTo>
+                    <a:pt x="537751" y="26235"/>
+                  </a:lnTo>
+                  <a:lnTo>
+                    <a:pt x="582450" y="45578"/>
+                  </a:lnTo>
+                  <a:lnTo>
+                    <a:pt x="623619" y="69557"/>
+                  </a:lnTo>
+                  <a:lnTo>
+                    <a:pt x="660796" y="97774"/>
+                  </a:lnTo>
+                  <a:lnTo>
+                    <a:pt x="693521" y="129829"/>
+                  </a:lnTo>
+                  <a:lnTo>
+                    <a:pt x="721331" y="165325"/>
+                  </a:lnTo>
+                  <a:lnTo>
+                    <a:pt x="743765" y="203864"/>
+                  </a:lnTo>
+                  <a:lnTo>
+                    <a:pt x="760361" y="245048"/>
+                  </a:lnTo>
+                  <a:lnTo>
+                    <a:pt x="770657" y="288478"/>
+                  </a:lnTo>
+                  <a:lnTo>
+                    <a:pt x="774191" y="333756"/>
+                  </a:lnTo>
+                  <a:lnTo>
+                    <a:pt x="770657" y="379033"/>
+                  </a:lnTo>
+                  <a:lnTo>
+                    <a:pt x="760361" y="422463"/>
+                  </a:lnTo>
+                  <a:lnTo>
+                    <a:pt x="743765" y="463647"/>
+                  </a:lnTo>
+                  <a:lnTo>
+                    <a:pt x="721331" y="502186"/>
+                  </a:lnTo>
+                  <a:lnTo>
+                    <a:pt x="693521" y="537682"/>
+                  </a:lnTo>
+                  <a:lnTo>
+                    <a:pt x="660796" y="569737"/>
+                  </a:lnTo>
+                  <a:lnTo>
+                    <a:pt x="623619" y="597954"/>
+                  </a:lnTo>
+                  <a:lnTo>
+                    <a:pt x="582450" y="621933"/>
+                  </a:lnTo>
+                  <a:lnTo>
+                    <a:pt x="537751" y="641276"/>
+                  </a:lnTo>
+                  <a:lnTo>
+                    <a:pt x="489985" y="655586"/>
+                  </a:lnTo>
+                  <a:lnTo>
+                    <a:pt x="439612" y="664464"/>
+                  </a:lnTo>
+                  <a:lnTo>
+                    <a:pt x="387095" y="667512"/>
+                  </a:lnTo>
+                  <a:lnTo>
+                    <a:pt x="334579" y="664464"/>
+                  </a:lnTo>
+                  <a:lnTo>
+                    <a:pt x="284206" y="655586"/>
+                  </a:lnTo>
+                  <a:lnTo>
+                    <a:pt x="236440" y="641276"/>
+                  </a:lnTo>
+                  <a:lnTo>
+                    <a:pt x="191741" y="621933"/>
+                  </a:lnTo>
+                  <a:lnTo>
+                    <a:pt x="150572" y="597954"/>
+                  </a:lnTo>
+                  <a:lnTo>
+                    <a:pt x="113395" y="569737"/>
+                  </a:lnTo>
+                  <a:lnTo>
+                    <a:pt x="80670" y="537682"/>
+                  </a:lnTo>
+                  <a:lnTo>
+                    <a:pt x="52860" y="502186"/>
+                  </a:lnTo>
+                  <a:lnTo>
+                    <a:pt x="30426" y="463647"/>
+                  </a:lnTo>
+                  <a:lnTo>
+                    <a:pt x="13830" y="422463"/>
+                  </a:lnTo>
+                  <a:lnTo>
+                    <a:pt x="3534" y="379033"/>
+                  </a:lnTo>
+                  <a:lnTo>
+                    <a:pt x="0" y="333756"/>
+                  </a:lnTo>
+                  <a:close/>
+                </a:path>
+              </a:pathLst>
+            </a:custGeom>
+            <a:noFill/>
+            <a:ln w="34920">
+              <a:solidFill>
+                <a:srgbClr val="c61c43"/>
+              </a:solidFill>
+              <a:round/>
+            </a:ln>
+          </p:spPr>
+          <p:style>
+            <a:lnRef idx="0"/>
+            <a:fillRef idx="0"/>
+            <a:effectRef idx="0"/>
+            <a:fontRef idx="minor"/>
+          </p:style>
+        </p:sp>
+        <p:sp>
+          <p:nvSpPr>
+            <p:cNvPr id="131" name="CustomShape 7"/>
+            <p:cNvSpPr/>
+            <p:nvPr/>
+          </p:nvSpPr>
+          <p:spPr>
+            <a:xfrm>
+              <a:off x="8679960" y="4047120"/>
+              <a:ext cx="595080" cy="456120"/>
+            </a:xfrm>
+            <a:custGeom>
+              <a:avLst/>
+              <a:gdLst/>
+              <a:ahLst/>
+              <a:rect l="l" t="t" r="r" b="b"/>
+              <a:pathLst>
+                <a:path w="596265" h="457200">
+                  <a:moveTo>
+                    <a:pt x="0" y="228600"/>
+                  </a:moveTo>
+                  <a:lnTo>
+                    <a:pt x="4798" y="187512"/>
+                  </a:lnTo>
+                  <a:lnTo>
+                    <a:pt x="18635" y="148839"/>
+                  </a:lnTo>
+                  <a:lnTo>
+                    <a:pt x="40668" y="113227"/>
+                  </a:lnTo>
+                  <a:lnTo>
+                    <a:pt x="70058" y="81321"/>
+                  </a:lnTo>
+                  <a:lnTo>
+                    <a:pt x="105963" y="53768"/>
+                  </a:lnTo>
+                  <a:lnTo>
+                    <a:pt x="147545" y="31213"/>
+                  </a:lnTo>
+                  <a:lnTo>
+                    <a:pt x="193962" y="14303"/>
+                  </a:lnTo>
+                  <a:lnTo>
+                    <a:pt x="244375" y="3683"/>
+                  </a:lnTo>
+                  <a:lnTo>
+                    <a:pt x="297941" y="0"/>
+                  </a:lnTo>
+                  <a:lnTo>
+                    <a:pt x="351508" y="3683"/>
+                  </a:lnTo>
+                  <a:lnTo>
+                    <a:pt x="401921" y="14303"/>
+                  </a:lnTo>
+                  <a:lnTo>
+                    <a:pt x="448338" y="31213"/>
+                  </a:lnTo>
+                  <a:lnTo>
+                    <a:pt x="489920" y="53768"/>
+                  </a:lnTo>
+                  <a:lnTo>
+                    <a:pt x="525825" y="81321"/>
+                  </a:lnTo>
+                  <a:lnTo>
+                    <a:pt x="555215" y="113227"/>
+                  </a:lnTo>
+                  <a:lnTo>
+                    <a:pt x="577248" y="148839"/>
+                  </a:lnTo>
+                  <a:lnTo>
+                    <a:pt x="591085" y="187512"/>
+                  </a:lnTo>
+                  <a:lnTo>
+                    <a:pt x="595883" y="228600"/>
+                  </a:lnTo>
+                  <a:lnTo>
+                    <a:pt x="591085" y="269687"/>
+                  </a:lnTo>
+                  <a:lnTo>
+                    <a:pt x="577248" y="308360"/>
+                  </a:lnTo>
+                  <a:lnTo>
+                    <a:pt x="555215" y="343972"/>
+                  </a:lnTo>
+                  <a:lnTo>
+                    <a:pt x="525825" y="375878"/>
+                  </a:lnTo>
+                  <a:lnTo>
+                    <a:pt x="489920" y="403431"/>
+                  </a:lnTo>
+                  <a:lnTo>
+                    <a:pt x="448338" y="425986"/>
+                  </a:lnTo>
+                  <a:lnTo>
+                    <a:pt x="401921" y="442896"/>
+                  </a:lnTo>
+                  <a:lnTo>
+                    <a:pt x="351508" y="453516"/>
+                  </a:lnTo>
+                  <a:lnTo>
+                    <a:pt x="297941" y="457200"/>
+                  </a:lnTo>
+                  <a:lnTo>
+                    <a:pt x="244375" y="453516"/>
+                  </a:lnTo>
+                  <a:lnTo>
+                    <a:pt x="193962" y="442896"/>
+                  </a:lnTo>
+                  <a:lnTo>
+                    <a:pt x="147545" y="425986"/>
+                  </a:lnTo>
+                  <a:lnTo>
+                    <a:pt x="105963" y="403431"/>
+                  </a:lnTo>
+                  <a:lnTo>
+                    <a:pt x="70058" y="375878"/>
+                  </a:lnTo>
+                  <a:lnTo>
+                    <a:pt x="40668" y="343972"/>
+                  </a:lnTo>
+                  <a:lnTo>
+                    <a:pt x="18635" y="308360"/>
+                  </a:lnTo>
+                  <a:lnTo>
+                    <a:pt x="4798" y="269687"/>
+                  </a:lnTo>
+                  <a:lnTo>
+                    <a:pt x="0" y="228600"/>
+                  </a:lnTo>
+                  <a:close/>
+                </a:path>
+              </a:pathLst>
+            </a:custGeom>
+            <a:noFill/>
+            <a:ln w="34920">
+              <a:solidFill>
+                <a:srgbClr val="dd338e"/>
+              </a:solidFill>
+              <a:round/>
+            </a:ln>
+          </p:spPr>
+          <p:style>
+            <a:lnRef idx="0"/>
+            <a:fillRef idx="0"/>
+            <a:effectRef idx="0"/>
+            <a:fontRef idx="minor"/>
+          </p:style>
+        </p:sp>
+        <p:pic>
+          <p:nvPicPr>
+            <p:cNvPr id="132" name="object 11" descr=""/>
+            <p:cNvPicPr/>
+            <p:nvPr/>
+          </p:nvPicPr>
+          <p:blipFill>
+            <a:blip r:embed="rId3"/>
+            <a:stretch/>
+          </p:blipFill>
+          <p:spPr>
+            <a:xfrm>
+              <a:off x="11026080" y="1039320"/>
+              <a:ext cx="767160" cy="767160"/>
+            </a:xfrm>
+            <a:prstGeom prst="rect">
+              <a:avLst/>
+            </a:prstGeom>
+            <a:ln>
+              <a:noFill/>
+            </a:ln>
+          </p:spPr>
+        </p:pic>
+      </p:grpSp>
     </p:spTree>
   </p:cSld>
   <mc:AlternateContent>
@@ -2072,4 +8470,456 @@
     </a:fmtScheme>
   </a:themeElements>
 </a:theme>
+</file>
+
+<file path=ppt/theme/theme2.xml><?xml version="1.0" encoding="utf-8"?>
+<a:theme xmlns:a="http://schemas.openxmlformats.org/drawingml/2006/main" name="Office Theme">
+  <a:themeElements>
+    <a:clrScheme name="Office">
+      <a:dk1>
+        <a:sysClr val="windowText" lastClr="000000"/>
+      </a:dk1>
+      <a:lt1>
+        <a:sysClr val="window" lastClr="FFFFFF"/>
+      </a:lt1>
+      <a:dk2>
+        <a:srgbClr val="1f497d"/>
+      </a:dk2>
+      <a:lt2>
+        <a:srgbClr val="eeece1"/>
+      </a:lt2>
+      <a:accent1>
+        <a:srgbClr val="4f81bd"/>
+      </a:accent1>
+      <a:accent2>
+        <a:srgbClr val="c0504d"/>
+      </a:accent2>
+      <a:accent3>
+        <a:srgbClr val="9bbb59"/>
+      </a:accent3>
+      <a:accent4>
+        <a:srgbClr val="8064a2"/>
+      </a:accent4>
+      <a:accent5>
+        <a:srgbClr val="4bacc6"/>
+      </a:accent5>
+      <a:accent6>
+        <a:srgbClr val="f79646"/>
+      </a:accent6>
+      <a:hlink>
+        <a:srgbClr val="0000ff"/>
+      </a:hlink>
+      <a:folHlink>
+        <a:srgbClr val="800080"/>
+      </a:folHlink>
+    </a:clrScheme>
+    <a:fontScheme name="Office">
+      <a:majorFont>
+        <a:latin typeface="Arial"/>
+        <a:ea typeface="DejaVu Sans"/>
+        <a:cs typeface="DejaVu Sans"/>
+      </a:majorFont>
+      <a:minorFont>
+        <a:latin typeface="Arial"/>
+        <a:ea typeface="DejaVu Sans"/>
+        <a:cs typeface="DejaVu Sans"/>
+      </a:minorFont>
+    </a:fontScheme>
+    <a:fmtScheme name="Office">
+      <a:fillStyleLst>
+        <a:solidFill>
+          <a:schemeClr val="phClr"/>
+        </a:solidFill>
+        <a:gradFill rotWithShape="1">
+          <a:gsLst>
+            <a:gs pos="0">
+              <a:schemeClr val="phClr">
+                <a:tint val="50000"/>
+                <a:satMod val="300000"/>
+              </a:schemeClr>
+            </a:gs>
+            <a:gs pos="35000">
+              <a:schemeClr val="phClr">
+                <a:tint val="37000"/>
+                <a:satMod val="300000"/>
+              </a:schemeClr>
+            </a:gs>
+            <a:gs pos="100000">
+              <a:schemeClr val="phClr">
+                <a:tint val="15000"/>
+                <a:satMod val="350000"/>
+              </a:schemeClr>
+            </a:gs>
+          </a:gsLst>
+          <a:lin ang="16200000" scaled="1"/>
+        </a:gradFill>
+        <a:gradFill rotWithShape="1">
+          <a:gsLst>
+            <a:gs pos="0">
+              <a:schemeClr val="phClr">
+                <a:shade val="51000"/>
+                <a:satMod val="130000"/>
+              </a:schemeClr>
+            </a:gs>
+            <a:gs pos="80000">
+              <a:schemeClr val="phClr">
+                <a:shade val="93000"/>
+                <a:satMod val="130000"/>
+              </a:schemeClr>
+            </a:gs>
+            <a:gs pos="100000">
+              <a:schemeClr val="phClr">
+                <a:shade val="94000"/>
+                <a:satMod val="135000"/>
+              </a:schemeClr>
+            </a:gs>
+          </a:gsLst>
+          <a:lin ang="16200000" scaled="0"/>
+        </a:gradFill>
+      </a:fillStyleLst>
+      <a:lnStyleLst>
+        <a:ln w="9525" cap="flat" cmpd="sng" algn="ctr">
+          <a:solidFill>
+            <a:schemeClr val="phClr">
+              <a:shade val="95000"/>
+              <a:satMod val="105000"/>
+            </a:schemeClr>
+          </a:solidFill>
+          <a:prstDash val="solid"/>
+          <a:miter/>
+        </a:ln>
+        <a:ln w="25400" cap="flat" cmpd="sng" algn="ctr">
+          <a:solidFill>
+            <a:schemeClr val="phClr"/>
+          </a:solidFill>
+          <a:prstDash val="solid"/>
+          <a:miter/>
+        </a:ln>
+        <a:ln w="38100" cap="flat" cmpd="sng" algn="ctr">
+          <a:solidFill>
+            <a:schemeClr val="phClr"/>
+          </a:solidFill>
+          <a:prstDash val="solid"/>
+          <a:miter/>
+        </a:ln>
+      </a:lnStyleLst>
+      <a:effectStyleLst>
+        <a:effectStyle>
+          <a:effectLst>
+            <a:outerShdw blurRad="40000" dist="20000" dir="5400000" rotWithShape="0">
+              <a:srgbClr val="000000">
+                <a:alpha val="38000"/>
+              </a:srgbClr>
+            </a:outerShdw>
+          </a:effectLst>
+        </a:effectStyle>
+        <a:effectStyle>
+          <a:effectLst>
+            <a:outerShdw blurRad="40000" dist="23000" dir="5400000" rotWithShape="0">
+              <a:srgbClr val="000000">
+                <a:alpha val="35000"/>
+              </a:srgbClr>
+            </a:outerShdw>
+          </a:effectLst>
+        </a:effectStyle>
+        <a:effectStyle>
+          <a:effectLst>
+            <a:outerShdw blurRad="40000" dist="23000" dir="5400000" rotWithShape="0">
+              <a:srgbClr val="000000">
+                <a:alpha val="35000"/>
+              </a:srgbClr>
+            </a:outerShdw>
+          </a:effectLst>
+          <a:scene3d>
+            <a:camera prst="orthographicFront">
+              <a:rot lat="0" lon="0" rev="0"/>
+            </a:camera>
+            <a:lightRig rig="threePt" dir="t">
+              <a:rot lat="0" lon="0" rev="1200000"/>
+            </a:lightRig>
+          </a:scene3d>
+          <a:sp3d>
+            <a:bevelT w="63500" h="25400"/>
+          </a:sp3d>
+        </a:effectStyle>
+      </a:effectStyleLst>
+      <a:bgFillStyleLst>
+        <a:solidFill>
+          <a:schemeClr val="phClr"/>
+        </a:solidFill>
+        <a:gradFill rotWithShape="1">
+          <a:gsLst>
+            <a:gs pos="0">
+              <a:schemeClr val="phClr">
+                <a:tint val="40000"/>
+                <a:satMod val="350000"/>
+              </a:schemeClr>
+            </a:gs>
+            <a:gs pos="40000">
+              <a:schemeClr val="phClr">
+                <a:tint val="45000"/>
+                <a:shade val="99000"/>
+                <a:satMod val="350000"/>
+              </a:schemeClr>
+            </a:gs>
+            <a:gs pos="100000">
+              <a:schemeClr val="phClr">
+                <a:shade val="20000"/>
+                <a:satMod val="255000"/>
+              </a:schemeClr>
+            </a:gs>
+          </a:gsLst>
+          <a:path path="circle">
+            <a:fillToRect l="50000" t="-80000" r="50000" b="180000"/>
+          </a:path>
+        </a:gradFill>
+        <a:gradFill rotWithShape="1">
+          <a:gsLst>
+            <a:gs pos="0">
+              <a:schemeClr val="phClr">
+                <a:tint val="80000"/>
+                <a:satMod val="300000"/>
+              </a:schemeClr>
+            </a:gs>
+            <a:gs pos="100000">
+              <a:schemeClr val="phClr">
+                <a:shade val="30000"/>
+                <a:satMod val="200000"/>
+              </a:schemeClr>
+            </a:gs>
+          </a:gsLst>
+          <a:path path="circle">
+            <a:fillToRect l="50000" t="50000" r="50000" b="50000"/>
+          </a:path>
+        </a:gradFill>
+      </a:bgFillStyleLst>
+    </a:fmtScheme>
+  </a:themeElements>
+</a:theme>
+</file>
+
+<file path=ppt/theme/theme3.xml><?xml version="1.0" encoding="utf-8"?>
+<a:theme xmlns:a="http://schemas.openxmlformats.org/drawingml/2006/main" name="Office Theme">
+  <a:themeElements>
+    <a:clrScheme name="Office">
+      <a:dk1>
+        <a:sysClr val="windowText" lastClr="000000"/>
+      </a:dk1>
+      <a:lt1>
+        <a:sysClr val="window" lastClr="FFFFFF"/>
+      </a:lt1>
+      <a:dk2>
+        <a:srgbClr val="1f497d"/>
+      </a:dk2>
+      <a:lt2>
+        <a:srgbClr val="eeece1"/>
+      </a:lt2>
+      <a:accent1>
+        <a:srgbClr val="4f81bd"/>
+      </a:accent1>
+      <a:accent2>
+        <a:srgbClr val="c0504d"/>
+      </a:accent2>
+      <a:accent3>
+        <a:srgbClr val="9bbb59"/>
+      </a:accent3>
+      <a:accent4>
+        <a:srgbClr val="8064a2"/>
+      </a:accent4>
+      <a:accent5>
+        <a:srgbClr val="4bacc6"/>
+      </a:accent5>
+      <a:accent6>
+        <a:srgbClr val="f79646"/>
+      </a:accent6>
+      <a:hlink>
+        <a:srgbClr val="0000ff"/>
+      </a:hlink>
+      <a:folHlink>
+        <a:srgbClr val="800080"/>
+      </a:folHlink>
+    </a:clrScheme>
+    <a:fontScheme name="Office">
+      <a:majorFont>
+        <a:latin typeface="Arial"/>
+        <a:ea typeface="DejaVu Sans"/>
+        <a:cs typeface="DejaVu Sans"/>
+      </a:majorFont>
+      <a:minorFont>
+        <a:latin typeface="Arial"/>
+        <a:ea typeface="DejaVu Sans"/>
+        <a:cs typeface="DejaVu Sans"/>
+      </a:minorFont>
+    </a:fontScheme>
+    <a:fmtScheme name="Office">
+      <a:fillStyleLst>
+        <a:solidFill>
+          <a:schemeClr val="phClr"/>
+        </a:solidFill>
+        <a:gradFill rotWithShape="1">
+          <a:gsLst>
+            <a:gs pos="0">
+              <a:schemeClr val="phClr">
+                <a:tint val="50000"/>
+                <a:satMod val="300000"/>
+              </a:schemeClr>
+            </a:gs>
+            <a:gs pos="35000">
+              <a:schemeClr val="phClr">
+                <a:tint val="37000"/>
+                <a:satMod val="300000"/>
+              </a:schemeClr>
+            </a:gs>
+            <a:gs pos="100000">
+              <a:schemeClr val="phClr">
+                <a:tint val="15000"/>
+                <a:satMod val="350000"/>
+              </a:schemeClr>
+            </a:gs>
+          </a:gsLst>
+          <a:lin ang="16200000" scaled="1"/>
+        </a:gradFill>
+        <a:gradFill rotWithShape="1">
+          <a:gsLst>
+            <a:gs pos="0">
+              <a:schemeClr val="phClr">
+                <a:shade val="51000"/>
+                <a:satMod val="130000"/>
+              </a:schemeClr>
+            </a:gs>
+            <a:gs pos="80000">
+              <a:schemeClr val="phClr">
+                <a:shade val="93000"/>
+                <a:satMod val="130000"/>
+              </a:schemeClr>
+            </a:gs>
+            <a:gs pos="100000">
+              <a:schemeClr val="phClr">
+                <a:shade val="94000"/>
+                <a:satMod val="135000"/>
+              </a:schemeClr>
+            </a:gs>
+          </a:gsLst>
+          <a:lin ang="16200000" scaled="0"/>
+        </a:gradFill>
+      </a:fillStyleLst>
+      <a:lnStyleLst>
+        <a:ln w="9525" cap="flat" cmpd="sng" algn="ctr">
+          <a:solidFill>
+            <a:schemeClr val="phClr">
+              <a:shade val="95000"/>
+              <a:satMod val="105000"/>
+            </a:schemeClr>
+          </a:solidFill>
+          <a:prstDash val="solid"/>
+          <a:miter/>
+        </a:ln>
+        <a:ln w="25400" cap="flat" cmpd="sng" algn="ctr">
+          <a:solidFill>
+            <a:schemeClr val="phClr"/>
+          </a:solidFill>
+          <a:prstDash val="solid"/>
+          <a:miter/>
+        </a:ln>
+        <a:ln w="38100" cap="flat" cmpd="sng" algn="ctr">
+          <a:solidFill>
+            <a:schemeClr val="phClr"/>
+          </a:solidFill>
+          <a:prstDash val="solid"/>
+          <a:miter/>
+        </a:ln>
+      </a:lnStyleLst>
+      <a:effectStyleLst>
+        <a:effectStyle>
+          <a:effectLst>
+            <a:outerShdw blurRad="40000" dist="20000" dir="5400000" rotWithShape="0">
+              <a:srgbClr val="000000">
+                <a:alpha val="38000"/>
+              </a:srgbClr>
+            </a:outerShdw>
+          </a:effectLst>
+        </a:effectStyle>
+        <a:effectStyle>
+          <a:effectLst>
+            <a:outerShdw blurRad="40000" dist="23000" dir="5400000" rotWithShape="0">
+              <a:srgbClr val="000000">
+                <a:alpha val="35000"/>
+              </a:srgbClr>
+            </a:outerShdw>
+          </a:effectLst>
+        </a:effectStyle>
+        <a:effectStyle>
+          <a:effectLst>
+            <a:outerShdw blurRad="40000" dist="23000" dir="5400000" rotWithShape="0">
+              <a:srgbClr val="000000">
+                <a:alpha val="35000"/>
+              </a:srgbClr>
+            </a:outerShdw>
+          </a:effectLst>
+          <a:scene3d>
+            <a:camera prst="orthographicFront">
+              <a:rot lat="0" lon="0" rev="0"/>
+            </a:camera>
+            <a:lightRig rig="threePt" dir="t">
+              <a:rot lat="0" lon="0" rev="1200000"/>
+            </a:lightRig>
+          </a:scene3d>
+          <a:sp3d>
+            <a:bevelT w="63500" h="25400"/>
+          </a:sp3d>
+        </a:effectStyle>
+      </a:effectStyleLst>
+      <a:bgFillStyleLst>
+        <a:solidFill>
+          <a:schemeClr val="phClr"/>
+        </a:solidFill>
+        <a:gradFill rotWithShape="1">
+          <a:gsLst>
+            <a:gs pos="0">
+              <a:schemeClr val="phClr">
+                <a:tint val="40000"/>
+                <a:satMod val="350000"/>
+              </a:schemeClr>
+            </a:gs>
+            <a:gs pos="40000">
+              <a:schemeClr val="phClr">
+                <a:tint val="45000"/>
+                <a:shade val="99000"/>
+                <a:satMod val="350000"/>
+              </a:schemeClr>
+            </a:gs>
+            <a:gs pos="100000">
+              <a:schemeClr val="phClr">
+                <a:shade val="20000"/>
+                <a:satMod val="255000"/>
+              </a:schemeClr>
+            </a:gs>
+          </a:gsLst>
+          <a:path path="circle">
+            <a:fillToRect l="50000" t="-80000" r="50000" b="180000"/>
+          </a:path>
+        </a:gradFill>
+        <a:gradFill rotWithShape="1">
+          <a:gsLst>
+            <a:gs pos="0">
+              <a:schemeClr val="phClr">
+                <a:tint val="80000"/>
+                <a:satMod val="300000"/>
+              </a:schemeClr>
+            </a:gs>
+            <a:gs pos="100000">
+              <a:schemeClr val="phClr">
+                <a:shade val="30000"/>
+                <a:satMod val="200000"/>
+              </a:schemeClr>
+            </a:gs>
+          </a:gsLst>
+          <a:path path="circle">
+            <a:fillToRect l="50000" t="50000" r="50000" b="50000"/>
+          </a:path>
+        </a:gradFill>
+      </a:bgFillStyleLst>
+    </a:fmtScheme>
+  </a:themeElements>
+</a:theme>
 </file>
--- a/BeYu Pitch Deck_small.pptx
+++ b/BeYu Pitch Deck_small.pptx
@@ -4,12 +4,11 @@
   <p:sldMasterIdLst>
     <p:sldMasterId id="2147483648" r:id="rId2"/>
     <p:sldMasterId id="2147483661" r:id="rId3"/>
-    <p:sldMasterId id="2147483674" r:id="rId4"/>
   </p:sldMasterIdLst>
   <p:sldIdLst>
-    <p:sldId id="256" r:id="rId5"/>
-    <p:sldId id="257" r:id="rId6"/>
-    <p:sldId id="258" r:id="rId7"/>
+    <p:sldId id="256" r:id="rId4"/>
+    <p:sldId id="257" r:id="rId5"/>
+    <p:sldId id="258" r:id="rId6"/>
   </p:sldIdLst>
   <p:sldSz cx="12192000" cy="6858000"/>
   <p:notesSz cx="7559675" cy="10691812"/>
@@ -1997,361 +1996,6 @@
 </p:sldLayout>
 </file>
 
-<file path=ppt/slideLayouts/slideLayout25.xml><?xml version="1.0" encoding="utf-8"?>
-<p:sldLayout xmlns:a="http://schemas.openxmlformats.org/drawingml/2006/main" xmlns:p="http://schemas.openxmlformats.org/presentationml/2006/main" xmlns:r="http://schemas.openxmlformats.org/officeDocument/2006/relationships" xmlns:p14="http://schemas.microsoft.com/office/powerpoint/2010/main" xmlns:p15="http://schemas.microsoft.com/office/powerpoint/2012/main" xmlns:mc="http://schemas.openxmlformats.org/markup-compatibility/2006" type="blank" preserve="1">
-  <p:cSld name="Blank Slide">
-    <p:spTree>
-      <p:nvGrpSpPr>
-        <p:cNvPr id="1" name=""/>
-        <p:cNvGrpSpPr/>
-        <p:nvPr/>
-      </p:nvGrpSpPr>
-      <p:grpSpPr>
-        <a:xfrm>
-          <a:off x="0" y="0"/>
-          <a:ext cx="0" cy="0"/>
-          <a:chOff x="0" y="0"/>
-          <a:chExt cx="0" cy="0"/>
-        </a:xfrm>
-      </p:grpSpPr>
-    </p:spTree>
-  </p:cSld>
-</p:sldLayout>
-</file>
-
-<file path=ppt/slideLayouts/slideLayout26.xml><?xml version="1.0" encoding="utf-8"?>
-<p:sldLayout xmlns:a="http://schemas.openxmlformats.org/drawingml/2006/main" xmlns:p="http://schemas.openxmlformats.org/presentationml/2006/main" xmlns:r="http://schemas.openxmlformats.org/officeDocument/2006/relationships" xmlns:p14="http://schemas.microsoft.com/office/powerpoint/2010/main" xmlns:p15="http://schemas.microsoft.com/office/powerpoint/2012/main" xmlns:mc="http://schemas.openxmlformats.org/markup-compatibility/2006" type="tx" preserve="1">
-  <p:cSld name="Title Slide">
-    <p:spTree>
-      <p:nvGrpSpPr>
-        <p:cNvPr id="1" name=""/>
-        <p:cNvGrpSpPr/>
-        <p:nvPr/>
-      </p:nvGrpSpPr>
-      <p:grpSpPr>
-        <a:xfrm>
-          <a:off x="0" y="0"/>
-          <a:ext cx="0" cy="0"/>
-          <a:chOff x="0" y="0"/>
-          <a:chExt cx="0" cy="0"/>
-        </a:xfrm>
-      </p:grpSpPr>
-      <p:sp>
-        <p:nvSpPr>
-          <p:cNvPr id="76" name="PlaceHolder 1"/>
-          <p:cNvSpPr>
-            <a:spLocks noGrp="1"/>
-          </p:cNvSpPr>
-          <p:nvPr>
-            <p:ph type="title"/>
-          </p:nvPr>
-        </p:nvSpPr>
-        <p:spPr>
-          <a:xfrm>
-            <a:off x="609480" y="273600"/>
-            <a:ext cx="10972440" cy="1144800"/>
-          </a:xfrm>
-          <a:prstGeom prst="rect">
-            <a:avLst/>
-          </a:prstGeom>
-        </p:spPr>
-        <p:txBody>
-          <a:bodyPr lIns="0" rIns="0" tIns="0" bIns="0" anchor="ctr">
-            <a:noAutofit/>
-          </a:bodyPr>
-          <a:p>
-            <a:pPr algn="ctr"/>
-            <a:endParaRPr b="0" lang="en-IN" sz="4400" spc="-1" strike="noStrike">
-              <a:latin typeface="Arial"/>
-            </a:endParaRPr>
-          </a:p>
-        </p:txBody>
-      </p:sp>
-      <p:sp>
-        <p:nvSpPr>
-          <p:cNvPr id="77" name="PlaceHolder 2"/>
-          <p:cNvSpPr>
-            <a:spLocks noGrp="1"/>
-          </p:cNvSpPr>
-          <p:nvPr>
-            <p:ph type="subTitle"/>
-          </p:nvPr>
-        </p:nvSpPr>
-        <p:spPr>
-          <a:xfrm>
-            <a:off x="609480" y="1604520"/>
-            <a:ext cx="10972440" cy="3977280"/>
-          </a:xfrm>
-          <a:prstGeom prst="rect">
-            <a:avLst/>
-          </a:prstGeom>
-        </p:spPr>
-        <p:txBody>
-          <a:bodyPr lIns="0" rIns="0" tIns="0" bIns="0" anchor="ctr">
-            <a:noAutofit/>
-          </a:bodyPr>
-          <a:p>
-            <a:pPr algn="ctr"/>
-            <a:endParaRPr b="0" lang="en-IN" sz="3200" spc="-1" strike="noStrike">
-              <a:latin typeface="Arial"/>
-            </a:endParaRPr>
-          </a:p>
-        </p:txBody>
-      </p:sp>
-    </p:spTree>
-  </p:cSld>
-</p:sldLayout>
-</file>
-
-<file path=ppt/slideLayouts/slideLayout27.xml><?xml version="1.0" encoding="utf-8"?>
-<p:sldLayout xmlns:a="http://schemas.openxmlformats.org/drawingml/2006/main" xmlns:p="http://schemas.openxmlformats.org/presentationml/2006/main" xmlns:r="http://schemas.openxmlformats.org/officeDocument/2006/relationships" xmlns:p14="http://schemas.microsoft.com/office/powerpoint/2010/main" xmlns:p15="http://schemas.microsoft.com/office/powerpoint/2012/main" xmlns:mc="http://schemas.openxmlformats.org/markup-compatibility/2006" type="obj" preserve="1">
-  <p:cSld name="Title, Content">
-    <p:spTree>
-      <p:nvGrpSpPr>
-        <p:cNvPr id="1" name=""/>
-        <p:cNvGrpSpPr/>
-        <p:nvPr/>
-      </p:nvGrpSpPr>
-      <p:grpSpPr>
-        <a:xfrm>
-          <a:off x="0" y="0"/>
-          <a:ext cx="0" cy="0"/>
-          <a:chOff x="0" y="0"/>
-          <a:chExt cx="0" cy="0"/>
-        </a:xfrm>
-      </p:grpSpPr>
-      <p:sp>
-        <p:nvSpPr>
-          <p:cNvPr id="78" name="PlaceHolder 1"/>
-          <p:cNvSpPr>
-            <a:spLocks noGrp="1"/>
-          </p:cNvSpPr>
-          <p:nvPr>
-            <p:ph type="title"/>
-          </p:nvPr>
-        </p:nvSpPr>
-        <p:spPr>
-          <a:xfrm>
-            <a:off x="609480" y="273600"/>
-            <a:ext cx="10972440" cy="1144800"/>
-          </a:xfrm>
-          <a:prstGeom prst="rect">
-            <a:avLst/>
-          </a:prstGeom>
-        </p:spPr>
-        <p:txBody>
-          <a:bodyPr lIns="0" rIns="0" tIns="0" bIns="0" anchor="ctr">
-            <a:noAutofit/>
-          </a:bodyPr>
-          <a:p>
-            <a:pPr algn="ctr"/>
-            <a:endParaRPr b="0" lang="en-IN" sz="4400" spc="-1" strike="noStrike">
-              <a:latin typeface="Arial"/>
-            </a:endParaRPr>
-          </a:p>
-        </p:txBody>
-      </p:sp>
-      <p:sp>
-        <p:nvSpPr>
-          <p:cNvPr id="79" name="PlaceHolder 2"/>
-          <p:cNvSpPr>
-            <a:spLocks noGrp="1"/>
-          </p:cNvSpPr>
-          <p:nvPr>
-            <p:ph type="body"/>
-          </p:nvPr>
-        </p:nvSpPr>
-        <p:spPr>
-          <a:xfrm>
-            <a:off x="609480" y="1604520"/>
-            <a:ext cx="10972440" cy="3977280"/>
-          </a:xfrm>
-          <a:prstGeom prst="rect">
-            <a:avLst/>
-          </a:prstGeom>
-        </p:spPr>
-        <p:txBody>
-          <a:bodyPr lIns="0" rIns="0" tIns="0" bIns="0">
-            <a:normAutofit/>
-          </a:bodyPr>
-          <a:p>
-            <a:endParaRPr b="0" lang="en-IN" sz="3200" spc="-1" strike="noStrike">
-              <a:latin typeface="Arial"/>
-            </a:endParaRPr>
-          </a:p>
-        </p:txBody>
-      </p:sp>
-    </p:spTree>
-  </p:cSld>
-</p:sldLayout>
-</file>
-
-<file path=ppt/slideLayouts/slideLayout28.xml><?xml version="1.0" encoding="utf-8"?>
-<p:sldLayout xmlns:a="http://schemas.openxmlformats.org/drawingml/2006/main" xmlns:p="http://schemas.openxmlformats.org/presentationml/2006/main" xmlns:r="http://schemas.openxmlformats.org/officeDocument/2006/relationships" xmlns:p14="http://schemas.microsoft.com/office/powerpoint/2010/main" xmlns:p15="http://schemas.microsoft.com/office/powerpoint/2012/main" xmlns:mc="http://schemas.openxmlformats.org/markup-compatibility/2006" type="twoObj" preserve="1">
-  <p:cSld name="Title, 2 Content">
-    <p:spTree>
-      <p:nvGrpSpPr>
-        <p:cNvPr id="1" name=""/>
-        <p:cNvGrpSpPr/>
-        <p:nvPr/>
-      </p:nvGrpSpPr>
-      <p:grpSpPr>
-        <a:xfrm>
-          <a:off x="0" y="0"/>
-          <a:ext cx="0" cy="0"/>
-          <a:chOff x="0" y="0"/>
-          <a:chExt cx="0" cy="0"/>
-        </a:xfrm>
-      </p:grpSpPr>
-      <p:sp>
-        <p:nvSpPr>
-          <p:cNvPr id="80" name="PlaceHolder 1"/>
-          <p:cNvSpPr>
-            <a:spLocks noGrp="1"/>
-          </p:cNvSpPr>
-          <p:nvPr>
-            <p:ph type="title"/>
-          </p:nvPr>
-        </p:nvSpPr>
-        <p:spPr>
-          <a:xfrm>
-            <a:off x="609480" y="273600"/>
-            <a:ext cx="10972440" cy="1144800"/>
-          </a:xfrm>
-          <a:prstGeom prst="rect">
-            <a:avLst/>
-          </a:prstGeom>
-        </p:spPr>
-        <p:txBody>
-          <a:bodyPr lIns="0" rIns="0" tIns="0" bIns="0" anchor="ctr">
-            <a:noAutofit/>
-          </a:bodyPr>
-          <a:p>
-            <a:pPr algn="ctr"/>
-            <a:endParaRPr b="0" lang="en-IN" sz="4400" spc="-1" strike="noStrike">
-              <a:latin typeface="Arial"/>
-            </a:endParaRPr>
-          </a:p>
-        </p:txBody>
-      </p:sp>
-      <p:sp>
-        <p:nvSpPr>
-          <p:cNvPr id="81" name="PlaceHolder 2"/>
-          <p:cNvSpPr>
-            <a:spLocks noGrp="1"/>
-          </p:cNvSpPr>
-          <p:nvPr>
-            <p:ph type="body"/>
-          </p:nvPr>
-        </p:nvSpPr>
-        <p:spPr>
-          <a:xfrm>
-            <a:off x="609480" y="1604520"/>
-            <a:ext cx="5354280" cy="3977280"/>
-          </a:xfrm>
-          <a:prstGeom prst="rect">
-            <a:avLst/>
-          </a:prstGeom>
-        </p:spPr>
-        <p:txBody>
-          <a:bodyPr lIns="0" rIns="0" tIns="0" bIns="0">
-            <a:normAutofit/>
-          </a:bodyPr>
-          <a:p>
-            <a:endParaRPr b="0" lang="en-IN" sz="3200" spc="-1" strike="noStrike">
-              <a:latin typeface="Arial"/>
-            </a:endParaRPr>
-          </a:p>
-        </p:txBody>
-      </p:sp>
-      <p:sp>
-        <p:nvSpPr>
-          <p:cNvPr id="82" name="PlaceHolder 3"/>
-          <p:cNvSpPr>
-            <a:spLocks noGrp="1"/>
-          </p:cNvSpPr>
-          <p:nvPr>
-            <p:ph type="body"/>
-          </p:nvPr>
-        </p:nvSpPr>
-        <p:spPr>
-          <a:xfrm>
-            <a:off x="6231960" y="1604520"/>
-            <a:ext cx="5354280" cy="3977280"/>
-          </a:xfrm>
-          <a:prstGeom prst="rect">
-            <a:avLst/>
-          </a:prstGeom>
-        </p:spPr>
-        <p:txBody>
-          <a:bodyPr lIns="0" rIns="0" tIns="0" bIns="0">
-            <a:normAutofit/>
-          </a:bodyPr>
-          <a:p>
-            <a:endParaRPr b="0" lang="en-IN" sz="3200" spc="-1" strike="noStrike">
-              <a:latin typeface="Arial"/>
-            </a:endParaRPr>
-          </a:p>
-        </p:txBody>
-      </p:sp>
-    </p:spTree>
-  </p:cSld>
-</p:sldLayout>
-</file>
-
-<file path=ppt/slideLayouts/slideLayout29.xml><?xml version="1.0" encoding="utf-8"?>
-<p:sldLayout xmlns:a="http://schemas.openxmlformats.org/drawingml/2006/main" xmlns:p="http://schemas.openxmlformats.org/presentationml/2006/main" xmlns:r="http://schemas.openxmlformats.org/officeDocument/2006/relationships" xmlns:p14="http://schemas.microsoft.com/office/powerpoint/2010/main" xmlns:p15="http://schemas.microsoft.com/office/powerpoint/2012/main" xmlns:mc="http://schemas.openxmlformats.org/markup-compatibility/2006" type="titleOnly" preserve="1">
-  <p:cSld name="Title Only">
-    <p:spTree>
-      <p:nvGrpSpPr>
-        <p:cNvPr id="1" name=""/>
-        <p:cNvGrpSpPr/>
-        <p:nvPr/>
-      </p:nvGrpSpPr>
-      <p:grpSpPr>
-        <a:xfrm>
-          <a:off x="0" y="0"/>
-          <a:ext cx="0" cy="0"/>
-          <a:chOff x="0" y="0"/>
-          <a:chExt cx="0" cy="0"/>
-        </a:xfrm>
-      </p:grpSpPr>
-      <p:sp>
-        <p:nvSpPr>
-          <p:cNvPr id="83" name="PlaceHolder 1"/>
-          <p:cNvSpPr>
-            <a:spLocks noGrp="1"/>
-          </p:cNvSpPr>
-          <p:nvPr>
-            <p:ph type="title"/>
-          </p:nvPr>
-        </p:nvSpPr>
-        <p:spPr>
-          <a:xfrm>
-            <a:off x="609480" y="273600"/>
-            <a:ext cx="10972440" cy="1144800"/>
-          </a:xfrm>
-          <a:prstGeom prst="rect">
-            <a:avLst/>
-          </a:prstGeom>
-        </p:spPr>
-        <p:txBody>
-          <a:bodyPr lIns="0" rIns="0" tIns="0" bIns="0" anchor="ctr">
-            <a:noAutofit/>
-          </a:bodyPr>
-          <a:p>
-            <a:pPr algn="ctr"/>
-            <a:endParaRPr b="0" lang="en-IN" sz="4400" spc="-1" strike="noStrike">
-              <a:latin typeface="Arial"/>
-            </a:endParaRPr>
-          </a:p>
-        </p:txBody>
-      </p:sp>
-    </p:spTree>
-  </p:cSld>
-</p:sldLayout>
-</file>
-
 <file path=ppt/slideLayouts/slideLayout3.xml><?xml version="1.0" encoding="utf-8"?>
 <p:sldLayout xmlns:a="http://schemas.openxmlformats.org/drawingml/2006/main" xmlns:p="http://schemas.openxmlformats.org/presentationml/2006/main" xmlns:r="http://schemas.openxmlformats.org/officeDocument/2006/relationships" xmlns:p14="http://schemas.microsoft.com/office/powerpoint/2010/main" xmlns:p15="http://schemas.microsoft.com/office/powerpoint/2012/main" xmlns:mc="http://schemas.openxmlformats.org/markup-compatibility/2006" type="obj" preserve="1">
   <p:cSld name="Title, Content">
@@ -2414,1007 +2058,6 @@
           <a:xfrm>
             <a:off x="609480" y="1604520"/>
             <a:ext cx="10972440" cy="3977280"/>
-          </a:xfrm>
-          <a:prstGeom prst="rect">
-            <a:avLst/>
-          </a:prstGeom>
-        </p:spPr>
-        <p:txBody>
-          <a:bodyPr lIns="0" rIns="0" tIns="0" bIns="0">
-            <a:normAutofit/>
-          </a:bodyPr>
-          <a:p>
-            <a:endParaRPr b="0" lang="en-IN" sz="3200" spc="-1" strike="noStrike">
-              <a:latin typeface="Arial"/>
-            </a:endParaRPr>
-          </a:p>
-        </p:txBody>
-      </p:sp>
-    </p:spTree>
-  </p:cSld>
-</p:sldLayout>
-</file>
-
-<file path=ppt/slideLayouts/slideLayout30.xml><?xml version="1.0" encoding="utf-8"?>
-<p:sldLayout xmlns:a="http://schemas.openxmlformats.org/drawingml/2006/main" xmlns:p="http://schemas.openxmlformats.org/presentationml/2006/main" xmlns:r="http://schemas.openxmlformats.org/officeDocument/2006/relationships" xmlns:p14="http://schemas.microsoft.com/office/powerpoint/2010/main" xmlns:p15="http://schemas.microsoft.com/office/powerpoint/2012/main" xmlns:mc="http://schemas.openxmlformats.org/markup-compatibility/2006" type="objOnly" preserve="1">
-  <p:cSld name="Centered Text">
-    <p:spTree>
-      <p:nvGrpSpPr>
-        <p:cNvPr id="1" name=""/>
-        <p:cNvGrpSpPr/>
-        <p:nvPr/>
-      </p:nvGrpSpPr>
-      <p:grpSpPr>
-        <a:xfrm>
-          <a:off x="0" y="0"/>
-          <a:ext cx="0" cy="0"/>
-          <a:chOff x="0" y="0"/>
-          <a:chExt cx="0" cy="0"/>
-        </a:xfrm>
-      </p:grpSpPr>
-      <p:sp>
-        <p:nvSpPr>
-          <p:cNvPr id="84" name="PlaceHolder 1"/>
-          <p:cNvSpPr>
-            <a:spLocks noGrp="1"/>
-          </p:cNvSpPr>
-          <p:nvPr>
-            <p:ph type="subTitle"/>
-          </p:nvPr>
-        </p:nvSpPr>
-        <p:spPr>
-          <a:xfrm>
-            <a:off x="609480" y="273600"/>
-            <a:ext cx="10972440" cy="5307840"/>
-          </a:xfrm>
-          <a:prstGeom prst="rect">
-            <a:avLst/>
-          </a:prstGeom>
-        </p:spPr>
-        <p:txBody>
-          <a:bodyPr lIns="0" rIns="0" tIns="0" bIns="0" anchor="ctr">
-            <a:noAutofit/>
-          </a:bodyPr>
-          <a:p>
-            <a:pPr algn="ctr"/>
-            <a:endParaRPr b="0" lang="en-IN" sz="3200" spc="-1" strike="noStrike">
-              <a:latin typeface="Arial"/>
-            </a:endParaRPr>
-          </a:p>
-        </p:txBody>
-      </p:sp>
-    </p:spTree>
-  </p:cSld>
-</p:sldLayout>
-</file>
-
-<file path=ppt/slideLayouts/slideLayout31.xml><?xml version="1.0" encoding="utf-8"?>
-<p:sldLayout xmlns:a="http://schemas.openxmlformats.org/drawingml/2006/main" xmlns:p="http://schemas.openxmlformats.org/presentationml/2006/main" xmlns:r="http://schemas.openxmlformats.org/officeDocument/2006/relationships" xmlns:p14="http://schemas.microsoft.com/office/powerpoint/2010/main" xmlns:p15="http://schemas.microsoft.com/office/powerpoint/2012/main" xmlns:mc="http://schemas.openxmlformats.org/markup-compatibility/2006" type="twoObjAndObj" preserve="1">
-  <p:cSld name="Title, 2 Content and Content">
-    <p:spTree>
-      <p:nvGrpSpPr>
-        <p:cNvPr id="1" name=""/>
-        <p:cNvGrpSpPr/>
-        <p:nvPr/>
-      </p:nvGrpSpPr>
-      <p:grpSpPr>
-        <a:xfrm>
-          <a:off x="0" y="0"/>
-          <a:ext cx="0" cy="0"/>
-          <a:chOff x="0" y="0"/>
-          <a:chExt cx="0" cy="0"/>
-        </a:xfrm>
-      </p:grpSpPr>
-      <p:sp>
-        <p:nvSpPr>
-          <p:cNvPr id="85" name="PlaceHolder 1"/>
-          <p:cNvSpPr>
-            <a:spLocks noGrp="1"/>
-          </p:cNvSpPr>
-          <p:nvPr>
-            <p:ph type="title"/>
-          </p:nvPr>
-        </p:nvSpPr>
-        <p:spPr>
-          <a:xfrm>
-            <a:off x="609480" y="273600"/>
-            <a:ext cx="10972440" cy="1144800"/>
-          </a:xfrm>
-          <a:prstGeom prst="rect">
-            <a:avLst/>
-          </a:prstGeom>
-        </p:spPr>
-        <p:txBody>
-          <a:bodyPr lIns="0" rIns="0" tIns="0" bIns="0" anchor="ctr">
-            <a:noAutofit/>
-          </a:bodyPr>
-          <a:p>
-            <a:pPr algn="ctr"/>
-            <a:endParaRPr b="0" lang="en-IN" sz="4400" spc="-1" strike="noStrike">
-              <a:latin typeface="Arial"/>
-            </a:endParaRPr>
-          </a:p>
-        </p:txBody>
-      </p:sp>
-      <p:sp>
-        <p:nvSpPr>
-          <p:cNvPr id="86" name="PlaceHolder 2"/>
-          <p:cNvSpPr>
-            <a:spLocks noGrp="1"/>
-          </p:cNvSpPr>
-          <p:nvPr>
-            <p:ph type="body"/>
-          </p:nvPr>
-        </p:nvSpPr>
-        <p:spPr>
-          <a:xfrm>
-            <a:off x="609480" y="1604520"/>
-            <a:ext cx="5354280" cy="1896840"/>
-          </a:xfrm>
-          <a:prstGeom prst="rect">
-            <a:avLst/>
-          </a:prstGeom>
-        </p:spPr>
-        <p:txBody>
-          <a:bodyPr lIns="0" rIns="0" tIns="0" bIns="0">
-            <a:normAutofit/>
-          </a:bodyPr>
-          <a:p>
-            <a:endParaRPr b="0" lang="en-IN" sz="3200" spc="-1" strike="noStrike">
-              <a:latin typeface="Arial"/>
-            </a:endParaRPr>
-          </a:p>
-        </p:txBody>
-      </p:sp>
-      <p:sp>
-        <p:nvSpPr>
-          <p:cNvPr id="87" name="PlaceHolder 3"/>
-          <p:cNvSpPr>
-            <a:spLocks noGrp="1"/>
-          </p:cNvSpPr>
-          <p:nvPr>
-            <p:ph type="body"/>
-          </p:nvPr>
-        </p:nvSpPr>
-        <p:spPr>
-          <a:xfrm>
-            <a:off x="6231960" y="1604520"/>
-            <a:ext cx="5354280" cy="3977280"/>
-          </a:xfrm>
-          <a:prstGeom prst="rect">
-            <a:avLst/>
-          </a:prstGeom>
-        </p:spPr>
-        <p:txBody>
-          <a:bodyPr lIns="0" rIns="0" tIns="0" bIns="0">
-            <a:normAutofit/>
-          </a:bodyPr>
-          <a:p>
-            <a:endParaRPr b="0" lang="en-IN" sz="3200" spc="-1" strike="noStrike">
-              <a:latin typeface="Arial"/>
-            </a:endParaRPr>
-          </a:p>
-        </p:txBody>
-      </p:sp>
-      <p:sp>
-        <p:nvSpPr>
-          <p:cNvPr id="88" name="PlaceHolder 4"/>
-          <p:cNvSpPr>
-            <a:spLocks noGrp="1"/>
-          </p:cNvSpPr>
-          <p:nvPr>
-            <p:ph type="body"/>
-          </p:nvPr>
-        </p:nvSpPr>
-        <p:spPr>
-          <a:xfrm>
-            <a:off x="609480" y="3682080"/>
-            <a:ext cx="5354280" cy="1896840"/>
-          </a:xfrm>
-          <a:prstGeom prst="rect">
-            <a:avLst/>
-          </a:prstGeom>
-        </p:spPr>
-        <p:txBody>
-          <a:bodyPr lIns="0" rIns="0" tIns="0" bIns="0">
-            <a:normAutofit/>
-          </a:bodyPr>
-          <a:p>
-            <a:endParaRPr b="0" lang="en-IN" sz="3200" spc="-1" strike="noStrike">
-              <a:latin typeface="Arial"/>
-            </a:endParaRPr>
-          </a:p>
-        </p:txBody>
-      </p:sp>
-    </p:spTree>
-  </p:cSld>
-</p:sldLayout>
-</file>
-
-<file path=ppt/slideLayouts/slideLayout32.xml><?xml version="1.0" encoding="utf-8"?>
-<p:sldLayout xmlns:a="http://schemas.openxmlformats.org/drawingml/2006/main" xmlns:p="http://schemas.openxmlformats.org/presentationml/2006/main" xmlns:r="http://schemas.openxmlformats.org/officeDocument/2006/relationships" xmlns:p14="http://schemas.microsoft.com/office/powerpoint/2010/main" xmlns:p15="http://schemas.microsoft.com/office/powerpoint/2012/main" xmlns:mc="http://schemas.openxmlformats.org/markup-compatibility/2006" type="objAndTwoObj" preserve="1">
-  <p:cSld name="Title Content and 2 Content">
-    <p:spTree>
-      <p:nvGrpSpPr>
-        <p:cNvPr id="1" name=""/>
-        <p:cNvGrpSpPr/>
-        <p:nvPr/>
-      </p:nvGrpSpPr>
-      <p:grpSpPr>
-        <a:xfrm>
-          <a:off x="0" y="0"/>
-          <a:ext cx="0" cy="0"/>
-          <a:chOff x="0" y="0"/>
-          <a:chExt cx="0" cy="0"/>
-        </a:xfrm>
-      </p:grpSpPr>
-      <p:sp>
-        <p:nvSpPr>
-          <p:cNvPr id="89" name="PlaceHolder 1"/>
-          <p:cNvSpPr>
-            <a:spLocks noGrp="1"/>
-          </p:cNvSpPr>
-          <p:nvPr>
-            <p:ph type="title"/>
-          </p:nvPr>
-        </p:nvSpPr>
-        <p:spPr>
-          <a:xfrm>
-            <a:off x="609480" y="273600"/>
-            <a:ext cx="10972440" cy="1144800"/>
-          </a:xfrm>
-          <a:prstGeom prst="rect">
-            <a:avLst/>
-          </a:prstGeom>
-        </p:spPr>
-        <p:txBody>
-          <a:bodyPr lIns="0" rIns="0" tIns="0" bIns="0" anchor="ctr">
-            <a:noAutofit/>
-          </a:bodyPr>
-          <a:p>
-            <a:pPr algn="ctr"/>
-            <a:endParaRPr b="0" lang="en-IN" sz="4400" spc="-1" strike="noStrike">
-              <a:latin typeface="Arial"/>
-            </a:endParaRPr>
-          </a:p>
-        </p:txBody>
-      </p:sp>
-      <p:sp>
-        <p:nvSpPr>
-          <p:cNvPr id="90" name="PlaceHolder 2"/>
-          <p:cNvSpPr>
-            <a:spLocks noGrp="1"/>
-          </p:cNvSpPr>
-          <p:nvPr>
-            <p:ph type="body"/>
-          </p:nvPr>
-        </p:nvSpPr>
-        <p:spPr>
-          <a:xfrm>
-            <a:off x="609480" y="1604520"/>
-            <a:ext cx="5354280" cy="3977280"/>
-          </a:xfrm>
-          <a:prstGeom prst="rect">
-            <a:avLst/>
-          </a:prstGeom>
-        </p:spPr>
-        <p:txBody>
-          <a:bodyPr lIns="0" rIns="0" tIns="0" bIns="0">
-            <a:normAutofit/>
-          </a:bodyPr>
-          <a:p>
-            <a:endParaRPr b="0" lang="en-IN" sz="3200" spc="-1" strike="noStrike">
-              <a:latin typeface="Arial"/>
-            </a:endParaRPr>
-          </a:p>
-        </p:txBody>
-      </p:sp>
-      <p:sp>
-        <p:nvSpPr>
-          <p:cNvPr id="91" name="PlaceHolder 3"/>
-          <p:cNvSpPr>
-            <a:spLocks noGrp="1"/>
-          </p:cNvSpPr>
-          <p:nvPr>
-            <p:ph type="body"/>
-          </p:nvPr>
-        </p:nvSpPr>
-        <p:spPr>
-          <a:xfrm>
-            <a:off x="6231960" y="1604520"/>
-            <a:ext cx="5354280" cy="1896840"/>
-          </a:xfrm>
-          <a:prstGeom prst="rect">
-            <a:avLst/>
-          </a:prstGeom>
-        </p:spPr>
-        <p:txBody>
-          <a:bodyPr lIns="0" rIns="0" tIns="0" bIns="0">
-            <a:normAutofit/>
-          </a:bodyPr>
-          <a:p>
-            <a:endParaRPr b="0" lang="en-IN" sz="3200" spc="-1" strike="noStrike">
-              <a:latin typeface="Arial"/>
-            </a:endParaRPr>
-          </a:p>
-        </p:txBody>
-      </p:sp>
-      <p:sp>
-        <p:nvSpPr>
-          <p:cNvPr id="92" name="PlaceHolder 4"/>
-          <p:cNvSpPr>
-            <a:spLocks noGrp="1"/>
-          </p:cNvSpPr>
-          <p:nvPr>
-            <p:ph type="body"/>
-          </p:nvPr>
-        </p:nvSpPr>
-        <p:spPr>
-          <a:xfrm>
-            <a:off x="6231960" y="3682080"/>
-            <a:ext cx="5354280" cy="1896840"/>
-          </a:xfrm>
-          <a:prstGeom prst="rect">
-            <a:avLst/>
-          </a:prstGeom>
-        </p:spPr>
-        <p:txBody>
-          <a:bodyPr lIns="0" rIns="0" tIns="0" bIns="0">
-            <a:normAutofit/>
-          </a:bodyPr>
-          <a:p>
-            <a:endParaRPr b="0" lang="en-IN" sz="3200" spc="-1" strike="noStrike">
-              <a:latin typeface="Arial"/>
-            </a:endParaRPr>
-          </a:p>
-        </p:txBody>
-      </p:sp>
-    </p:spTree>
-  </p:cSld>
-</p:sldLayout>
-</file>
-
-<file path=ppt/slideLayouts/slideLayout33.xml><?xml version="1.0" encoding="utf-8"?>
-<p:sldLayout xmlns:a="http://schemas.openxmlformats.org/drawingml/2006/main" xmlns:p="http://schemas.openxmlformats.org/presentationml/2006/main" xmlns:r="http://schemas.openxmlformats.org/officeDocument/2006/relationships" xmlns:p14="http://schemas.microsoft.com/office/powerpoint/2010/main" xmlns:p15="http://schemas.microsoft.com/office/powerpoint/2012/main" xmlns:mc="http://schemas.openxmlformats.org/markup-compatibility/2006" type="twoObjOverTx" preserve="1">
-  <p:cSld name="Title, 2 Content over Content">
-    <p:spTree>
-      <p:nvGrpSpPr>
-        <p:cNvPr id="1" name=""/>
-        <p:cNvGrpSpPr/>
-        <p:nvPr/>
-      </p:nvGrpSpPr>
-      <p:grpSpPr>
-        <a:xfrm>
-          <a:off x="0" y="0"/>
-          <a:ext cx="0" cy="0"/>
-          <a:chOff x="0" y="0"/>
-          <a:chExt cx="0" cy="0"/>
-        </a:xfrm>
-      </p:grpSpPr>
-      <p:sp>
-        <p:nvSpPr>
-          <p:cNvPr id="93" name="PlaceHolder 1"/>
-          <p:cNvSpPr>
-            <a:spLocks noGrp="1"/>
-          </p:cNvSpPr>
-          <p:nvPr>
-            <p:ph type="title"/>
-          </p:nvPr>
-        </p:nvSpPr>
-        <p:spPr>
-          <a:xfrm>
-            <a:off x="609480" y="273600"/>
-            <a:ext cx="10972440" cy="1144800"/>
-          </a:xfrm>
-          <a:prstGeom prst="rect">
-            <a:avLst/>
-          </a:prstGeom>
-        </p:spPr>
-        <p:txBody>
-          <a:bodyPr lIns="0" rIns="0" tIns="0" bIns="0" anchor="ctr">
-            <a:noAutofit/>
-          </a:bodyPr>
-          <a:p>
-            <a:pPr algn="ctr"/>
-            <a:endParaRPr b="0" lang="en-IN" sz="4400" spc="-1" strike="noStrike">
-              <a:latin typeface="Arial"/>
-            </a:endParaRPr>
-          </a:p>
-        </p:txBody>
-      </p:sp>
-      <p:sp>
-        <p:nvSpPr>
-          <p:cNvPr id="94" name="PlaceHolder 2"/>
-          <p:cNvSpPr>
-            <a:spLocks noGrp="1"/>
-          </p:cNvSpPr>
-          <p:nvPr>
-            <p:ph type="body"/>
-          </p:nvPr>
-        </p:nvSpPr>
-        <p:spPr>
-          <a:xfrm>
-            <a:off x="609480" y="1604520"/>
-            <a:ext cx="5354280" cy="1896840"/>
-          </a:xfrm>
-          <a:prstGeom prst="rect">
-            <a:avLst/>
-          </a:prstGeom>
-        </p:spPr>
-        <p:txBody>
-          <a:bodyPr lIns="0" rIns="0" tIns="0" bIns="0">
-            <a:normAutofit/>
-          </a:bodyPr>
-          <a:p>
-            <a:endParaRPr b="0" lang="en-IN" sz="3200" spc="-1" strike="noStrike">
-              <a:latin typeface="Arial"/>
-            </a:endParaRPr>
-          </a:p>
-        </p:txBody>
-      </p:sp>
-      <p:sp>
-        <p:nvSpPr>
-          <p:cNvPr id="95" name="PlaceHolder 3"/>
-          <p:cNvSpPr>
-            <a:spLocks noGrp="1"/>
-          </p:cNvSpPr>
-          <p:nvPr>
-            <p:ph type="body"/>
-          </p:nvPr>
-        </p:nvSpPr>
-        <p:spPr>
-          <a:xfrm>
-            <a:off x="6231960" y="1604520"/>
-            <a:ext cx="5354280" cy="1896840"/>
-          </a:xfrm>
-          <a:prstGeom prst="rect">
-            <a:avLst/>
-          </a:prstGeom>
-        </p:spPr>
-        <p:txBody>
-          <a:bodyPr lIns="0" rIns="0" tIns="0" bIns="0">
-            <a:normAutofit/>
-          </a:bodyPr>
-          <a:p>
-            <a:endParaRPr b="0" lang="en-IN" sz="3200" spc="-1" strike="noStrike">
-              <a:latin typeface="Arial"/>
-            </a:endParaRPr>
-          </a:p>
-        </p:txBody>
-      </p:sp>
-      <p:sp>
-        <p:nvSpPr>
-          <p:cNvPr id="96" name="PlaceHolder 4"/>
-          <p:cNvSpPr>
-            <a:spLocks noGrp="1"/>
-          </p:cNvSpPr>
-          <p:nvPr>
-            <p:ph type="body"/>
-          </p:nvPr>
-        </p:nvSpPr>
-        <p:spPr>
-          <a:xfrm>
-            <a:off x="609480" y="3682080"/>
-            <a:ext cx="10972440" cy="1896840"/>
-          </a:xfrm>
-          <a:prstGeom prst="rect">
-            <a:avLst/>
-          </a:prstGeom>
-        </p:spPr>
-        <p:txBody>
-          <a:bodyPr lIns="0" rIns="0" tIns="0" bIns="0">
-            <a:normAutofit/>
-          </a:bodyPr>
-          <a:p>
-            <a:endParaRPr b="0" lang="en-IN" sz="3200" spc="-1" strike="noStrike">
-              <a:latin typeface="Arial"/>
-            </a:endParaRPr>
-          </a:p>
-        </p:txBody>
-      </p:sp>
-    </p:spTree>
-  </p:cSld>
-</p:sldLayout>
-</file>
-
-<file path=ppt/slideLayouts/slideLayout34.xml><?xml version="1.0" encoding="utf-8"?>
-<p:sldLayout xmlns:a="http://schemas.openxmlformats.org/drawingml/2006/main" xmlns:p="http://schemas.openxmlformats.org/presentationml/2006/main" xmlns:r="http://schemas.openxmlformats.org/officeDocument/2006/relationships" xmlns:p14="http://schemas.microsoft.com/office/powerpoint/2010/main" xmlns:p15="http://schemas.microsoft.com/office/powerpoint/2012/main" xmlns:mc="http://schemas.openxmlformats.org/markup-compatibility/2006" type="objOverTx" preserve="1">
-  <p:cSld name="Title, Content over Content">
-    <p:spTree>
-      <p:nvGrpSpPr>
-        <p:cNvPr id="1" name=""/>
-        <p:cNvGrpSpPr/>
-        <p:nvPr/>
-      </p:nvGrpSpPr>
-      <p:grpSpPr>
-        <a:xfrm>
-          <a:off x="0" y="0"/>
-          <a:ext cx="0" cy="0"/>
-          <a:chOff x="0" y="0"/>
-          <a:chExt cx="0" cy="0"/>
-        </a:xfrm>
-      </p:grpSpPr>
-      <p:sp>
-        <p:nvSpPr>
-          <p:cNvPr id="97" name="PlaceHolder 1"/>
-          <p:cNvSpPr>
-            <a:spLocks noGrp="1"/>
-          </p:cNvSpPr>
-          <p:nvPr>
-            <p:ph type="title"/>
-          </p:nvPr>
-        </p:nvSpPr>
-        <p:spPr>
-          <a:xfrm>
-            <a:off x="609480" y="273600"/>
-            <a:ext cx="10972440" cy="1144800"/>
-          </a:xfrm>
-          <a:prstGeom prst="rect">
-            <a:avLst/>
-          </a:prstGeom>
-        </p:spPr>
-        <p:txBody>
-          <a:bodyPr lIns="0" rIns="0" tIns="0" bIns="0" anchor="ctr">
-            <a:noAutofit/>
-          </a:bodyPr>
-          <a:p>
-            <a:pPr algn="ctr"/>
-            <a:endParaRPr b="0" lang="en-IN" sz="4400" spc="-1" strike="noStrike">
-              <a:latin typeface="Arial"/>
-            </a:endParaRPr>
-          </a:p>
-        </p:txBody>
-      </p:sp>
-      <p:sp>
-        <p:nvSpPr>
-          <p:cNvPr id="98" name="PlaceHolder 2"/>
-          <p:cNvSpPr>
-            <a:spLocks noGrp="1"/>
-          </p:cNvSpPr>
-          <p:nvPr>
-            <p:ph type="body"/>
-          </p:nvPr>
-        </p:nvSpPr>
-        <p:spPr>
-          <a:xfrm>
-            <a:off x="609480" y="1604520"/>
-            <a:ext cx="10972440" cy="1896840"/>
-          </a:xfrm>
-          <a:prstGeom prst="rect">
-            <a:avLst/>
-          </a:prstGeom>
-        </p:spPr>
-        <p:txBody>
-          <a:bodyPr lIns="0" rIns="0" tIns="0" bIns="0">
-            <a:normAutofit/>
-          </a:bodyPr>
-          <a:p>
-            <a:endParaRPr b="0" lang="en-IN" sz="3200" spc="-1" strike="noStrike">
-              <a:latin typeface="Arial"/>
-            </a:endParaRPr>
-          </a:p>
-        </p:txBody>
-      </p:sp>
-      <p:sp>
-        <p:nvSpPr>
-          <p:cNvPr id="99" name="PlaceHolder 3"/>
-          <p:cNvSpPr>
-            <a:spLocks noGrp="1"/>
-          </p:cNvSpPr>
-          <p:nvPr>
-            <p:ph type="body"/>
-          </p:nvPr>
-        </p:nvSpPr>
-        <p:spPr>
-          <a:xfrm>
-            <a:off x="609480" y="3682080"/>
-            <a:ext cx="10972440" cy="1896840"/>
-          </a:xfrm>
-          <a:prstGeom prst="rect">
-            <a:avLst/>
-          </a:prstGeom>
-        </p:spPr>
-        <p:txBody>
-          <a:bodyPr lIns="0" rIns="0" tIns="0" bIns="0">
-            <a:normAutofit/>
-          </a:bodyPr>
-          <a:p>
-            <a:endParaRPr b="0" lang="en-IN" sz="3200" spc="-1" strike="noStrike">
-              <a:latin typeface="Arial"/>
-            </a:endParaRPr>
-          </a:p>
-        </p:txBody>
-      </p:sp>
-    </p:spTree>
-  </p:cSld>
-</p:sldLayout>
-</file>
-
-<file path=ppt/slideLayouts/slideLayout35.xml><?xml version="1.0" encoding="utf-8"?>
-<p:sldLayout xmlns:a="http://schemas.openxmlformats.org/drawingml/2006/main" xmlns:p="http://schemas.openxmlformats.org/presentationml/2006/main" xmlns:r="http://schemas.openxmlformats.org/officeDocument/2006/relationships" xmlns:p14="http://schemas.microsoft.com/office/powerpoint/2010/main" xmlns:p15="http://schemas.microsoft.com/office/powerpoint/2012/main" xmlns:mc="http://schemas.openxmlformats.org/markup-compatibility/2006" type="fourObj" preserve="1">
-  <p:cSld name="Title, 4 Content">
-    <p:spTree>
-      <p:nvGrpSpPr>
-        <p:cNvPr id="1" name=""/>
-        <p:cNvGrpSpPr/>
-        <p:nvPr/>
-      </p:nvGrpSpPr>
-      <p:grpSpPr>
-        <a:xfrm>
-          <a:off x="0" y="0"/>
-          <a:ext cx="0" cy="0"/>
-          <a:chOff x="0" y="0"/>
-          <a:chExt cx="0" cy="0"/>
-        </a:xfrm>
-      </p:grpSpPr>
-      <p:sp>
-        <p:nvSpPr>
-          <p:cNvPr id="100" name="PlaceHolder 1"/>
-          <p:cNvSpPr>
-            <a:spLocks noGrp="1"/>
-          </p:cNvSpPr>
-          <p:nvPr>
-            <p:ph type="title"/>
-          </p:nvPr>
-        </p:nvSpPr>
-        <p:spPr>
-          <a:xfrm>
-            <a:off x="609480" y="273600"/>
-            <a:ext cx="10972440" cy="1144800"/>
-          </a:xfrm>
-          <a:prstGeom prst="rect">
-            <a:avLst/>
-          </a:prstGeom>
-        </p:spPr>
-        <p:txBody>
-          <a:bodyPr lIns="0" rIns="0" tIns="0" bIns="0" anchor="ctr">
-            <a:noAutofit/>
-          </a:bodyPr>
-          <a:p>
-            <a:pPr algn="ctr"/>
-            <a:endParaRPr b="0" lang="en-IN" sz="4400" spc="-1" strike="noStrike">
-              <a:latin typeface="Arial"/>
-            </a:endParaRPr>
-          </a:p>
-        </p:txBody>
-      </p:sp>
-      <p:sp>
-        <p:nvSpPr>
-          <p:cNvPr id="101" name="PlaceHolder 2"/>
-          <p:cNvSpPr>
-            <a:spLocks noGrp="1"/>
-          </p:cNvSpPr>
-          <p:nvPr>
-            <p:ph type="body"/>
-          </p:nvPr>
-        </p:nvSpPr>
-        <p:spPr>
-          <a:xfrm>
-            <a:off x="609480" y="1604520"/>
-            <a:ext cx="5354280" cy="1896840"/>
-          </a:xfrm>
-          <a:prstGeom prst="rect">
-            <a:avLst/>
-          </a:prstGeom>
-        </p:spPr>
-        <p:txBody>
-          <a:bodyPr lIns="0" rIns="0" tIns="0" bIns="0">
-            <a:normAutofit/>
-          </a:bodyPr>
-          <a:p>
-            <a:endParaRPr b="0" lang="en-IN" sz="3200" spc="-1" strike="noStrike">
-              <a:latin typeface="Arial"/>
-            </a:endParaRPr>
-          </a:p>
-        </p:txBody>
-      </p:sp>
-      <p:sp>
-        <p:nvSpPr>
-          <p:cNvPr id="102" name="PlaceHolder 3"/>
-          <p:cNvSpPr>
-            <a:spLocks noGrp="1"/>
-          </p:cNvSpPr>
-          <p:nvPr>
-            <p:ph type="body"/>
-          </p:nvPr>
-        </p:nvSpPr>
-        <p:spPr>
-          <a:xfrm>
-            <a:off x="6231960" y="1604520"/>
-            <a:ext cx="5354280" cy="1896840"/>
-          </a:xfrm>
-          <a:prstGeom prst="rect">
-            <a:avLst/>
-          </a:prstGeom>
-        </p:spPr>
-        <p:txBody>
-          <a:bodyPr lIns="0" rIns="0" tIns="0" bIns="0">
-            <a:normAutofit/>
-          </a:bodyPr>
-          <a:p>
-            <a:endParaRPr b="0" lang="en-IN" sz="3200" spc="-1" strike="noStrike">
-              <a:latin typeface="Arial"/>
-            </a:endParaRPr>
-          </a:p>
-        </p:txBody>
-      </p:sp>
-      <p:sp>
-        <p:nvSpPr>
-          <p:cNvPr id="103" name="PlaceHolder 4"/>
-          <p:cNvSpPr>
-            <a:spLocks noGrp="1"/>
-          </p:cNvSpPr>
-          <p:nvPr>
-            <p:ph type="body"/>
-          </p:nvPr>
-        </p:nvSpPr>
-        <p:spPr>
-          <a:xfrm>
-            <a:off x="609480" y="3682080"/>
-            <a:ext cx="5354280" cy="1896840"/>
-          </a:xfrm>
-          <a:prstGeom prst="rect">
-            <a:avLst/>
-          </a:prstGeom>
-        </p:spPr>
-        <p:txBody>
-          <a:bodyPr lIns="0" rIns="0" tIns="0" bIns="0">
-            <a:normAutofit/>
-          </a:bodyPr>
-          <a:p>
-            <a:endParaRPr b="0" lang="en-IN" sz="3200" spc="-1" strike="noStrike">
-              <a:latin typeface="Arial"/>
-            </a:endParaRPr>
-          </a:p>
-        </p:txBody>
-      </p:sp>
-      <p:sp>
-        <p:nvSpPr>
-          <p:cNvPr id="104" name="PlaceHolder 5"/>
-          <p:cNvSpPr>
-            <a:spLocks noGrp="1"/>
-          </p:cNvSpPr>
-          <p:nvPr>
-            <p:ph type="body"/>
-          </p:nvPr>
-        </p:nvSpPr>
-        <p:spPr>
-          <a:xfrm>
-            <a:off x="6231960" y="3682080"/>
-            <a:ext cx="5354280" cy="1896840"/>
-          </a:xfrm>
-          <a:prstGeom prst="rect">
-            <a:avLst/>
-          </a:prstGeom>
-        </p:spPr>
-        <p:txBody>
-          <a:bodyPr lIns="0" rIns="0" tIns="0" bIns="0">
-            <a:normAutofit/>
-          </a:bodyPr>
-          <a:p>
-            <a:endParaRPr b="0" lang="en-IN" sz="3200" spc="-1" strike="noStrike">
-              <a:latin typeface="Arial"/>
-            </a:endParaRPr>
-          </a:p>
-        </p:txBody>
-      </p:sp>
-    </p:spTree>
-  </p:cSld>
-</p:sldLayout>
-</file>
-
-<file path=ppt/slideLayouts/slideLayout36.xml><?xml version="1.0" encoding="utf-8"?>
-<p:sldLayout xmlns:a="http://schemas.openxmlformats.org/drawingml/2006/main" xmlns:p="http://schemas.openxmlformats.org/presentationml/2006/main" xmlns:r="http://schemas.openxmlformats.org/officeDocument/2006/relationships" xmlns:p14="http://schemas.microsoft.com/office/powerpoint/2010/main" xmlns:p15="http://schemas.microsoft.com/office/powerpoint/2012/main" xmlns:mc="http://schemas.openxmlformats.org/markup-compatibility/2006" type="blank" preserve="1">
-  <p:cSld name="Title, 6 Content">
-    <p:spTree>
-      <p:nvGrpSpPr>
-        <p:cNvPr id="1" name=""/>
-        <p:cNvGrpSpPr/>
-        <p:nvPr/>
-      </p:nvGrpSpPr>
-      <p:grpSpPr>
-        <a:xfrm>
-          <a:off x="0" y="0"/>
-          <a:ext cx="0" cy="0"/>
-          <a:chOff x="0" y="0"/>
-          <a:chExt cx="0" cy="0"/>
-        </a:xfrm>
-      </p:grpSpPr>
-      <p:sp>
-        <p:nvSpPr>
-          <p:cNvPr id="105" name="PlaceHolder 1"/>
-          <p:cNvSpPr>
-            <a:spLocks noGrp="1"/>
-          </p:cNvSpPr>
-          <p:nvPr>
-            <p:ph type="title"/>
-          </p:nvPr>
-        </p:nvSpPr>
-        <p:spPr>
-          <a:xfrm>
-            <a:off x="609480" y="273600"/>
-            <a:ext cx="10972440" cy="1144800"/>
-          </a:xfrm>
-          <a:prstGeom prst="rect">
-            <a:avLst/>
-          </a:prstGeom>
-        </p:spPr>
-        <p:txBody>
-          <a:bodyPr lIns="0" rIns="0" tIns="0" bIns="0" anchor="ctr">
-            <a:noAutofit/>
-          </a:bodyPr>
-          <a:p>
-            <a:pPr algn="ctr"/>
-            <a:endParaRPr b="0" lang="en-IN" sz="4400" spc="-1" strike="noStrike">
-              <a:latin typeface="Arial"/>
-            </a:endParaRPr>
-          </a:p>
-        </p:txBody>
-      </p:sp>
-      <p:sp>
-        <p:nvSpPr>
-          <p:cNvPr id="106" name="PlaceHolder 2"/>
-          <p:cNvSpPr>
-            <a:spLocks noGrp="1"/>
-          </p:cNvSpPr>
-          <p:nvPr>
-            <p:ph type="body"/>
-          </p:nvPr>
-        </p:nvSpPr>
-        <p:spPr>
-          <a:xfrm>
-            <a:off x="609480" y="1604520"/>
-            <a:ext cx="3533040" cy="1896840"/>
-          </a:xfrm>
-          <a:prstGeom prst="rect">
-            <a:avLst/>
-          </a:prstGeom>
-        </p:spPr>
-        <p:txBody>
-          <a:bodyPr lIns="0" rIns="0" tIns="0" bIns="0">
-            <a:normAutofit/>
-          </a:bodyPr>
-          <a:p>
-            <a:endParaRPr b="0" lang="en-IN" sz="3200" spc="-1" strike="noStrike">
-              <a:latin typeface="Arial"/>
-            </a:endParaRPr>
-          </a:p>
-        </p:txBody>
-      </p:sp>
-      <p:sp>
-        <p:nvSpPr>
-          <p:cNvPr id="107" name="PlaceHolder 3"/>
-          <p:cNvSpPr>
-            <a:spLocks noGrp="1"/>
-          </p:cNvSpPr>
-          <p:nvPr>
-            <p:ph type="body"/>
-          </p:nvPr>
-        </p:nvSpPr>
-        <p:spPr>
-          <a:xfrm>
-            <a:off x="4319640" y="1604520"/>
-            <a:ext cx="3533040" cy="1896840"/>
-          </a:xfrm>
-          <a:prstGeom prst="rect">
-            <a:avLst/>
-          </a:prstGeom>
-        </p:spPr>
-        <p:txBody>
-          <a:bodyPr lIns="0" rIns="0" tIns="0" bIns="0">
-            <a:normAutofit/>
-          </a:bodyPr>
-          <a:p>
-            <a:endParaRPr b="0" lang="en-IN" sz="3200" spc="-1" strike="noStrike">
-              <a:latin typeface="Arial"/>
-            </a:endParaRPr>
-          </a:p>
-        </p:txBody>
-      </p:sp>
-      <p:sp>
-        <p:nvSpPr>
-          <p:cNvPr id="108" name="PlaceHolder 4"/>
-          <p:cNvSpPr>
-            <a:spLocks noGrp="1"/>
-          </p:cNvSpPr>
-          <p:nvPr>
-            <p:ph type="body"/>
-          </p:nvPr>
-        </p:nvSpPr>
-        <p:spPr>
-          <a:xfrm>
-            <a:off x="8029800" y="1604520"/>
-            <a:ext cx="3533040" cy="1896840"/>
-          </a:xfrm>
-          <a:prstGeom prst="rect">
-            <a:avLst/>
-          </a:prstGeom>
-        </p:spPr>
-        <p:txBody>
-          <a:bodyPr lIns="0" rIns="0" tIns="0" bIns="0">
-            <a:normAutofit/>
-          </a:bodyPr>
-          <a:p>
-            <a:endParaRPr b="0" lang="en-IN" sz="3200" spc="-1" strike="noStrike">
-              <a:latin typeface="Arial"/>
-            </a:endParaRPr>
-          </a:p>
-        </p:txBody>
-      </p:sp>
-      <p:sp>
-        <p:nvSpPr>
-          <p:cNvPr id="109" name="PlaceHolder 5"/>
-          <p:cNvSpPr>
-            <a:spLocks noGrp="1"/>
-          </p:cNvSpPr>
-          <p:nvPr>
-            <p:ph type="body"/>
-          </p:nvPr>
-        </p:nvSpPr>
-        <p:spPr>
-          <a:xfrm>
-            <a:off x="609480" y="3682080"/>
-            <a:ext cx="3533040" cy="1896840"/>
-          </a:xfrm>
-          <a:prstGeom prst="rect">
-            <a:avLst/>
-          </a:prstGeom>
-        </p:spPr>
-        <p:txBody>
-          <a:bodyPr lIns="0" rIns="0" tIns="0" bIns="0">
-            <a:normAutofit/>
-          </a:bodyPr>
-          <a:p>
-            <a:endParaRPr b="0" lang="en-IN" sz="3200" spc="-1" strike="noStrike">
-              <a:latin typeface="Arial"/>
-            </a:endParaRPr>
-          </a:p>
-        </p:txBody>
-      </p:sp>
-      <p:sp>
-        <p:nvSpPr>
-          <p:cNvPr id="110" name="PlaceHolder 6"/>
-          <p:cNvSpPr>
-            <a:spLocks noGrp="1"/>
-          </p:cNvSpPr>
-          <p:nvPr>
-            <p:ph type="body"/>
-          </p:nvPr>
-        </p:nvSpPr>
-        <p:spPr>
-          <a:xfrm>
-            <a:off x="4319640" y="3682080"/>
-            <a:ext cx="3533040" cy="1896840"/>
-          </a:xfrm>
-          <a:prstGeom prst="rect">
-            <a:avLst/>
-          </a:prstGeom>
-        </p:spPr>
-        <p:txBody>
-          <a:bodyPr lIns="0" rIns="0" tIns="0" bIns="0">
-            <a:normAutofit/>
-          </a:bodyPr>
-          <a:p>
-            <a:endParaRPr b="0" lang="en-IN" sz="3200" spc="-1" strike="noStrike">
-              <a:latin typeface="Arial"/>
-            </a:endParaRPr>
-          </a:p>
-        </p:txBody>
-      </p:sp>
-      <p:sp>
-        <p:nvSpPr>
-          <p:cNvPr id="111" name="PlaceHolder 7"/>
-          <p:cNvSpPr>
-            <a:spLocks noGrp="1"/>
-          </p:cNvSpPr>
-          <p:nvPr>
-            <p:ph type="body"/>
-          </p:nvPr>
-        </p:nvSpPr>
-        <p:spPr>
-          <a:xfrm>
-            <a:off x="8029800" y="3682080"/>
-            <a:ext cx="3533040" cy="1896840"/>
           </a:xfrm>
           <a:prstGeom prst="rect">
             <a:avLst/>
@@ -4137,25 +2780,7 @@
               <a:rPr b="0" lang="en-IN" sz="4400" spc="-1" strike="noStrike">
                 <a:latin typeface="Arial"/>
               </a:rPr>
-              <a:t>Click to </a:t>
-            </a:r>
-            <a:r>
-              <a:rPr b="0" lang="en-IN" sz="4400" spc="-1" strike="noStrike">
-                <a:latin typeface="Arial"/>
-              </a:rPr>
-              <a:t>edit the </a:t>
-            </a:r>
-            <a:r>
-              <a:rPr b="0" lang="en-IN" sz="4400" spc="-1" strike="noStrike">
-                <a:latin typeface="Arial"/>
-              </a:rPr>
-              <a:t>title text </a:t>
-            </a:r>
-            <a:r>
-              <a:rPr b="0" lang="en-IN" sz="4400" spc="-1" strike="noStrike">
-                <a:latin typeface="Arial"/>
-              </a:rPr>
-              <a:t>format</a:t>
+              <a:t>Click to edit the title text format</a:t>
             </a:r>
             <a:endParaRPr b="0" lang="en-IN" sz="4400" spc="-1" strike="noStrike">
               <a:latin typeface="Arial"/>
@@ -4415,19 +3040,7 @@
               <a:rPr b="0" lang="en-IN" sz="4400" spc="-1" strike="noStrike">
                 <a:latin typeface="Arial"/>
               </a:rPr>
-              <a:t>Click to edit </a:t>
-            </a:r>
-            <a:r>
-              <a:rPr b="0" lang="en-IN" sz="4400" spc="-1" strike="noStrike">
-                <a:latin typeface="Arial"/>
-              </a:rPr>
-              <a:t>the title text </a:t>
-            </a:r>
-            <a:r>
-              <a:rPr b="0" lang="en-IN" sz="4400" spc="-1" strike="noStrike">
-                <a:latin typeface="Arial"/>
-              </a:rPr>
-              <a:t>format</a:t>
+              <a:t>Click to edit the title text format</a:t>
             </a:r>
             <a:endParaRPr b="0" lang="en-IN" sz="4400" spc="-1" strike="noStrike">
               <a:latin typeface="Arial"/>
@@ -4630,50 +3243,6 @@
     <p:sldLayoutId id="2147483671" r:id="rId11"/>
     <p:sldLayoutId id="2147483672" r:id="rId12"/>
     <p:sldLayoutId id="2147483673" r:id="rId13"/>
-  </p:sldLayoutIdLst>
-</p:sldMaster>
-</file>
-
-<file path=ppt/slideMasters/slideMaster3.xml><?xml version="1.0" encoding="utf-8"?>
-<p:sldMaster xmlns:a="http://schemas.openxmlformats.org/drawingml/2006/main" xmlns:p="http://schemas.openxmlformats.org/presentationml/2006/main" xmlns:r="http://schemas.openxmlformats.org/officeDocument/2006/relationships" xmlns:p14="http://schemas.microsoft.com/office/powerpoint/2010/main" xmlns:p15="http://schemas.microsoft.com/office/powerpoint/2012/main" xmlns:mc="http://schemas.openxmlformats.org/markup-compatibility/2006">
-  <p:cSld>
-    <p:bg>
-      <p:bgPr>
-        <a:solidFill>
-          <a:srgbClr val="ffffff"/>
-        </a:solidFill>
-      </p:bgPr>
-    </p:bg>
-    <p:spTree>
-      <p:nvGrpSpPr>
-        <p:cNvPr id="1" name=""/>
-        <p:cNvGrpSpPr/>
-        <p:nvPr/>
-      </p:nvGrpSpPr>
-      <p:grpSpPr>
-        <a:xfrm>
-          <a:off x="0" y="0"/>
-          <a:ext cx="0" cy="0"/>
-          <a:chOff x="0" y="0"/>
-          <a:chExt cx="0" cy="0"/>
-        </a:xfrm>
-      </p:grpSpPr>
-    </p:spTree>
-  </p:cSld>
-  <p:clrMap bg1="lt1" bg2="lt2" tx1="dk1" tx2="dk2" accent1="accent1" accent2="accent2" accent3="accent3" accent4="accent4" accent5="accent5" accent6="accent6" hlink="hlink" folHlink="folHlink"/>
-  <p:sldLayoutIdLst>
-    <p:sldLayoutId id="2147483675" r:id="rId2"/>
-    <p:sldLayoutId id="2147483676" r:id="rId3"/>
-    <p:sldLayoutId id="2147483677" r:id="rId4"/>
-    <p:sldLayoutId id="2147483678" r:id="rId5"/>
-    <p:sldLayoutId id="2147483679" r:id="rId6"/>
-    <p:sldLayoutId id="2147483680" r:id="rId7"/>
-    <p:sldLayoutId id="2147483681" r:id="rId8"/>
-    <p:sldLayoutId id="2147483682" r:id="rId9"/>
-    <p:sldLayoutId id="2147483683" r:id="rId10"/>
-    <p:sldLayoutId id="2147483684" r:id="rId11"/>
-    <p:sldLayoutId id="2147483685" r:id="rId12"/>
-    <p:sldLayoutId id="2147483686" r:id="rId13"/>
   </p:sldLayoutIdLst>
 </p:sldMaster>
 </file>
@@ -4697,7 +3266,7 @@
       </p:grpSpPr>
       <p:pic>
         <p:nvPicPr>
-          <p:cNvPr id="112" name="object 2" descr=""/>
+          <p:cNvPr id="76" name="object 2" descr=""/>
           <p:cNvPicPr/>
           <p:nvPr/>
         </p:nvPicPr>
@@ -4708,7 +3277,7 @@
         <p:spPr>
           <a:xfrm>
             <a:off x="4779360" y="1170360"/>
-            <a:ext cx="2123280" cy="2125080"/>
+            <a:ext cx="2122920" cy="2124720"/>
           </a:xfrm>
           <a:prstGeom prst="rect">
             <a:avLst/>
@@ -4720,14 +3289,14 @@
       </p:pic>
       <p:sp>
         <p:nvSpPr>
-          <p:cNvPr id="113" name="CustomShape 1"/>
+          <p:cNvPr id="77" name="CustomShape 1"/>
           <p:cNvSpPr/>
           <p:nvPr/>
         </p:nvSpPr>
         <p:spPr>
           <a:xfrm>
             <a:off x="3439080" y="3679200"/>
-            <a:ext cx="4749840" cy="286560"/>
+            <a:ext cx="4749480" cy="286560"/>
           </a:xfrm>
           <a:prstGeom prst="rect">
             <a:avLst/>
@@ -4757,7 +3326,7 @@
               </a:spcBef>
             </a:pPr>
             <a:r>
-              <a:rPr b="1" lang="en-IN" sz="1800" spc="32" strike="noStrike">
+              <a:rPr b="1" lang="en-IN" sz="1800" spc="29" strike="noStrike">
                 <a:solidFill>
                   <a:srgbClr val="404040"/>
                 </a:solidFill>
@@ -4767,7 +3336,7 @@
               <a:t>Find</a:t>
             </a:r>
             <a:r>
-              <a:rPr b="1" lang="en-IN" sz="1800" spc="143" strike="noStrike">
+              <a:rPr b="1" lang="en-IN" sz="1800" spc="140" strike="noStrike">
                 <a:solidFill>
                   <a:srgbClr val="404040"/>
                 </a:solidFill>
@@ -4797,7 +3366,7 @@
               <a:t> </a:t>
             </a:r>
             <a:r>
-              <a:rPr b="1" lang="en-IN" sz="1800" spc="58" strike="noStrike">
+              <a:rPr b="1" lang="en-IN" sz="1800" spc="55" strike="noStrike">
                 <a:solidFill>
                   <a:srgbClr val="c9211e"/>
                 </a:solidFill>
@@ -4807,7 +3376,7 @@
               <a:t>friend.</a:t>
             </a:r>
             <a:r>
-              <a:rPr b="1" lang="en-IN" sz="1800" spc="131" strike="noStrike">
+              <a:rPr b="1" lang="en-IN" sz="1800" spc="128" strike="noStrike">
                 <a:solidFill>
                   <a:srgbClr val="c9211e"/>
                 </a:solidFill>
@@ -4817,7 +3386,7 @@
               <a:t> </a:t>
             </a:r>
             <a:r>
-              <a:rPr b="1" lang="en-IN" sz="1800" spc="26" strike="noStrike">
+              <a:rPr b="1" lang="en-IN" sz="1800" spc="24" strike="noStrike">
                 <a:solidFill>
                   <a:srgbClr val="404040"/>
                 </a:solidFill>
@@ -4827,7 +3396,7 @@
               <a:t>Date</a:t>
             </a:r>
             <a:r>
-              <a:rPr b="1" lang="en-IN" sz="1800" spc="157" strike="noStrike">
+              <a:rPr b="1" lang="en-IN" sz="1800" spc="154" strike="noStrike">
                 <a:solidFill>
                   <a:srgbClr val="404040"/>
                 </a:solidFill>
@@ -4857,7 +3426,7 @@
               <a:t> </a:t>
             </a:r>
             <a:r>
-              <a:rPr b="1" lang="en-IN" sz="1800" spc="58" strike="noStrike">
+              <a:rPr b="1" lang="en-IN" sz="1800" spc="55" strike="noStrike">
                 <a:solidFill>
                   <a:srgbClr val="404040"/>
                 </a:solidFill>
@@ -4867,7 +3436,7 @@
               <a:t>friend.</a:t>
             </a:r>
             <a:r>
-              <a:rPr b="1" lang="en-IN" sz="1800" spc="103" strike="noStrike">
+              <a:rPr b="1" lang="en-IN" sz="1800" spc="100" strike="noStrike">
                 <a:solidFill>
                   <a:srgbClr val="404040"/>
                 </a:solidFill>
@@ -4877,7 +3446,7 @@
               <a:t> </a:t>
             </a:r>
             <a:r>
-              <a:rPr b="1" lang="en-IN" sz="1800" spc="24" strike="noStrike">
+              <a:rPr b="1" lang="en-IN" sz="1800" spc="21" strike="noStrike">
                 <a:solidFill>
                   <a:srgbClr val="404040"/>
                 </a:solidFill>
@@ -4887,7 +3456,7 @@
               <a:t>Why</a:t>
             </a:r>
             <a:r>
-              <a:rPr b="1" lang="en-IN" sz="1800" spc="208" strike="noStrike">
+              <a:rPr b="1" lang="en-IN" sz="1800" spc="205" strike="noStrike">
                 <a:solidFill>
                   <a:srgbClr val="404040"/>
                 </a:solidFill>
@@ -4897,7 +3466,7 @@
               <a:t> </a:t>
             </a:r>
             <a:r>
-              <a:rPr b="1" lang="en-IN" sz="1800" spc="63" strike="noStrike">
+              <a:rPr b="1" lang="en-IN" sz="1800" spc="60" strike="noStrike">
                 <a:solidFill>
                   <a:srgbClr val="00a933"/>
                 </a:solidFill>
@@ -4907,7 +3476,7 @@
               <a:t>strangers</a:t>
             </a:r>
             <a:r>
-              <a:rPr b="1" lang="en-IN" sz="1800" spc="63" strike="noStrike">
+              <a:rPr b="1" lang="en-IN" sz="1800" spc="60" strike="noStrike">
                 <a:solidFill>
                   <a:srgbClr val="404040"/>
                 </a:solidFill>
@@ -4924,14 +3493,14 @@
       </p:sp>
       <p:sp>
         <p:nvSpPr>
-          <p:cNvPr id="114" name="CustomShape 2"/>
+          <p:cNvPr id="78" name="CustomShape 2"/>
           <p:cNvSpPr/>
           <p:nvPr/>
         </p:nvSpPr>
         <p:spPr>
           <a:xfrm>
             <a:off x="0" y="4028040"/>
-            <a:ext cx="12191040" cy="2829240"/>
+            <a:ext cx="12190680" cy="2828880"/>
           </a:xfrm>
           <a:custGeom>
             <a:avLst/>
@@ -5020,21 +3589,21 @@
       </p:grpSpPr>
       <p:grpSp>
         <p:nvGrpSpPr>
-          <p:cNvPr id="115" name="Group 1"/>
+          <p:cNvPr id="79" name="Group 1"/>
           <p:cNvGrpSpPr/>
           <p:nvPr/>
         </p:nvGrpSpPr>
         <p:grpSpPr>
           <a:xfrm>
             <a:off x="0" y="0"/>
-            <a:ext cx="6094800" cy="6856920"/>
+            <a:ext cx="6094440" cy="6856560"/>
             <a:chOff x="0" y="0"/>
-            <a:chExt cx="6094800" cy="6856920"/>
+            <a:chExt cx="6094440" cy="6856560"/>
           </a:xfrm>
         </p:grpSpPr>
         <p:pic>
           <p:nvPicPr>
-            <p:cNvPr id="116" name="object 3" descr=""/>
+            <p:cNvPr id="80" name="object 3" descr=""/>
             <p:cNvPicPr/>
             <p:nvPr/>
           </p:nvPicPr>
@@ -5045,7 +3614,7 @@
           <p:spPr>
             <a:xfrm>
               <a:off x="0" y="0"/>
-              <a:ext cx="6094800" cy="6856920"/>
+              <a:ext cx="6094440" cy="6856560"/>
             </a:xfrm>
             <a:prstGeom prst="rect">
               <a:avLst/>
@@ -5057,14 +3626,14 @@
         </p:pic>
         <p:sp>
           <p:nvSpPr>
-            <p:cNvPr id="117" name="CustomShape 2"/>
+            <p:cNvPr id="81" name="CustomShape 2"/>
             <p:cNvSpPr/>
             <p:nvPr/>
           </p:nvSpPr>
           <p:spPr>
             <a:xfrm>
               <a:off x="0" y="0"/>
-              <a:ext cx="6094800" cy="6856920"/>
+              <a:ext cx="6094440" cy="6856560"/>
             </a:xfrm>
             <a:custGeom>
               <a:avLst/>
@@ -5110,14 +3679,14 @@
         </p:sp>
         <p:sp>
           <p:nvSpPr>
-            <p:cNvPr id="118" name="CustomShape 3"/>
+            <p:cNvPr id="82" name="CustomShape 3"/>
             <p:cNvSpPr/>
             <p:nvPr/>
           </p:nvSpPr>
           <p:spPr>
             <a:xfrm>
               <a:off x="0" y="0"/>
-              <a:ext cx="360" cy="6856920"/>
+              <a:ext cx="360" cy="6856560"/>
             </a:xfrm>
             <a:custGeom>
               <a:avLst/>
@@ -5153,14 +3722,14 @@
       </p:grpSp>
       <p:sp>
         <p:nvSpPr>
-          <p:cNvPr id="119" name="CustomShape 4"/>
+          <p:cNvPr id="83" name="CustomShape 4"/>
           <p:cNvSpPr/>
           <p:nvPr/>
         </p:nvSpPr>
         <p:spPr>
           <a:xfrm>
             <a:off x="1043280" y="2001600"/>
-            <a:ext cx="3654000" cy="1841040"/>
+            <a:ext cx="3653640" cy="1841040"/>
           </a:xfrm>
           <a:prstGeom prst="rect">
             <a:avLst/>
@@ -5270,14 +3839,14 @@
       </p:sp>
       <p:sp>
         <p:nvSpPr>
-          <p:cNvPr id="120" name="CustomShape 5"/>
+          <p:cNvPr id="84" name="CustomShape 5"/>
           <p:cNvSpPr/>
           <p:nvPr/>
         </p:nvSpPr>
         <p:spPr>
           <a:xfrm>
             <a:off x="1082880" y="912600"/>
-            <a:ext cx="3574080" cy="1841040"/>
+            <a:ext cx="3573720" cy="1840680"/>
           </a:xfrm>
           <a:prstGeom prst="rect">
             <a:avLst/>
@@ -5324,14 +3893,14 @@
       </p:sp>
       <p:sp>
         <p:nvSpPr>
-          <p:cNvPr id="121" name="CustomShape 6"/>
+          <p:cNvPr id="85" name="CustomShape 6"/>
           <p:cNvSpPr/>
           <p:nvPr/>
         </p:nvSpPr>
         <p:spPr>
           <a:xfrm>
             <a:off x="704880" y="3829680"/>
-            <a:ext cx="4683960" cy="2481120"/>
+            <a:ext cx="4683600" cy="2481120"/>
           </a:xfrm>
           <a:prstGeom prst="rect">
             <a:avLst/>
@@ -5511,7 +4080,7 @@
               <a:t> , a</a:t>
             </a:r>
             <a:r>
-              <a:rPr b="0" lang="en-IN" sz="1800" spc="7" strike="noStrike">
+              <a:rPr b="0" lang="en-IN" sz="1800" spc="4" strike="noStrike">
                 <a:solidFill>
                   <a:srgbClr val="ffffff"/>
                 </a:solidFill>
@@ -5531,7 +4100,7 @@
               <a:t>socio-dating</a:t>
             </a:r>
             <a:r>
-              <a:rPr b="0" lang="en-IN" sz="1800" spc="7" strike="noStrike">
+              <a:rPr b="0" lang="en-IN" sz="1800" spc="4" strike="noStrike">
                 <a:solidFill>
                   <a:srgbClr val="ffffff"/>
                 </a:solidFill>
@@ -5611,6 +4180,366 @@
               <a:t> with</a:t>
             </a:r>
             <a:r>
+              <a:rPr b="0" lang="en-IN" sz="1800" spc="1" strike="noStrike">
+                <a:solidFill>
+                  <a:srgbClr val="ffffff"/>
+                </a:solidFill>
+                <a:latin typeface="Calibri"/>
+                <a:ea typeface="DejaVu Sans"/>
+              </a:rPr>
+              <a:t> </a:t>
+            </a:r>
+            <a:r>
+              <a:rPr b="0" lang="en-IN" sz="1800" spc="-7" strike="noStrike">
+                <a:solidFill>
+                  <a:srgbClr val="ffffff"/>
+                </a:solidFill>
+                <a:latin typeface="Calibri"/>
+                <a:ea typeface="DejaVu Sans"/>
+              </a:rPr>
+              <a:t>friends</a:t>
+            </a:r>
+            <a:r>
+              <a:rPr b="0" lang="en-IN" sz="1800" spc="1" strike="noStrike">
+                <a:solidFill>
+                  <a:srgbClr val="ffffff"/>
+                </a:solidFill>
+                <a:latin typeface="Calibri"/>
+                <a:ea typeface="DejaVu Sans"/>
+              </a:rPr>
+              <a:t> </a:t>
+            </a:r>
+            <a:r>
+              <a:rPr b="0" lang="en-IN" sz="1800" spc="-7" strike="noStrike">
+                <a:solidFill>
+                  <a:srgbClr val="ffffff"/>
+                </a:solidFill>
+                <a:latin typeface="Calibri"/>
+                <a:ea typeface="DejaVu Sans"/>
+              </a:rPr>
+              <a:t>or with</a:t>
+            </a:r>
+            <a:r>
+              <a:rPr b="0" lang="en-IN" sz="1800" spc="9" strike="noStrike">
+                <a:solidFill>
+                  <a:srgbClr val="ffffff"/>
+                </a:solidFill>
+                <a:latin typeface="Calibri"/>
+                <a:ea typeface="DejaVu Sans"/>
+              </a:rPr>
+              <a:t> </a:t>
+            </a:r>
+            <a:r>
+              <a:rPr b="0" lang="en-IN" sz="1800" spc="-1" strike="noStrike">
+                <a:solidFill>
+                  <a:srgbClr val="ffffff"/>
+                </a:solidFill>
+                <a:latin typeface="Calibri"/>
+                <a:ea typeface="DejaVu Sans"/>
+              </a:rPr>
+              <a:t>mutual </a:t>
+            </a:r>
+            <a:r>
+              <a:rPr b="0" lang="en-IN" sz="1800" spc="-395" strike="noStrike">
+                <a:solidFill>
+                  <a:srgbClr val="ffffff"/>
+                </a:solidFill>
+                <a:latin typeface="Calibri"/>
+                <a:ea typeface="DejaVu Sans"/>
+              </a:rPr>
+              <a:t> </a:t>
+            </a:r>
+            <a:r>
+              <a:rPr b="0" lang="en-IN" sz="1800" spc="-7" strike="noStrike">
+                <a:solidFill>
+                  <a:srgbClr val="ffffff"/>
+                </a:solidFill>
+                <a:latin typeface="Calibri"/>
+                <a:ea typeface="DejaVu Sans"/>
+              </a:rPr>
+              <a:t>friends</a:t>
+            </a:r>
+            <a:r>
+              <a:rPr b="0" lang="en-IN" sz="1800" spc="-1" strike="noStrike">
+                <a:solidFill>
+                  <a:srgbClr val="ffffff"/>
+                </a:solidFill>
+                <a:latin typeface="Calibri"/>
+                <a:ea typeface="DejaVu Sans"/>
+              </a:rPr>
+              <a:t> </a:t>
+            </a:r>
+            <a:r>
+              <a:rPr b="0" lang="en-IN" sz="1800" spc="-7" strike="noStrike">
+                <a:solidFill>
+                  <a:srgbClr val="ffffff"/>
+                </a:solidFill>
+                <a:latin typeface="Calibri"/>
+                <a:ea typeface="DejaVu Sans"/>
+              </a:rPr>
+              <a:t>only</a:t>
+            </a:r>
+            <a:r>
+              <a:rPr b="0" lang="en-IN" sz="1800" spc="-1" strike="noStrike">
+                <a:solidFill>
+                  <a:srgbClr val="ffffff"/>
+                </a:solidFill>
+                <a:latin typeface="Calibri"/>
+                <a:ea typeface="DejaVu Sans"/>
+              </a:rPr>
+              <a:t> </a:t>
+            </a:r>
+            <a:r>
+              <a:rPr b="0" lang="en-IN" sz="1800" spc="-15" strike="noStrike">
+                <a:solidFill>
+                  <a:srgbClr val="ffffff"/>
+                </a:solidFill>
+                <a:latin typeface="Calibri"/>
+                <a:ea typeface="DejaVu Sans"/>
+              </a:rPr>
+              <a:t>therefore</a:t>
+            </a:r>
+            <a:r>
+              <a:rPr b="0" lang="en-IN" sz="1800" spc="-1" strike="noStrike">
+                <a:solidFill>
+                  <a:srgbClr val="ffffff"/>
+                </a:solidFill>
+                <a:latin typeface="Calibri"/>
+                <a:ea typeface="DejaVu Sans"/>
+              </a:rPr>
+              <a:t> no </a:t>
+            </a:r>
+            <a:r>
+              <a:rPr b="0" lang="en-IN" sz="1800" spc="-12" strike="noStrike">
+                <a:solidFill>
+                  <a:srgbClr val="ffffff"/>
+                </a:solidFill>
+                <a:latin typeface="Calibri"/>
+                <a:ea typeface="DejaVu Sans"/>
+              </a:rPr>
+              <a:t>matching</a:t>
+            </a:r>
+            <a:r>
+              <a:rPr b="0" lang="en-IN" sz="1800" spc="1" strike="noStrike">
+                <a:solidFill>
+                  <a:srgbClr val="ffffff"/>
+                </a:solidFill>
+                <a:latin typeface="Calibri"/>
+                <a:ea typeface="DejaVu Sans"/>
+              </a:rPr>
+              <a:t> </a:t>
+            </a:r>
+            <a:r>
+              <a:rPr b="0" lang="en-IN" sz="1800" spc="-7" strike="noStrike">
+                <a:solidFill>
+                  <a:srgbClr val="ffffff"/>
+                </a:solidFill>
+                <a:latin typeface="Calibri"/>
+                <a:ea typeface="DejaVu Sans"/>
+              </a:rPr>
+              <a:t>with</a:t>
+            </a:r>
+            <a:r>
+              <a:rPr b="0" lang="en-IN" sz="1800" spc="1" strike="noStrike">
+                <a:solidFill>
+                  <a:srgbClr val="ffffff"/>
+                </a:solidFill>
+                <a:latin typeface="Calibri"/>
+                <a:ea typeface="DejaVu Sans"/>
+              </a:rPr>
+              <a:t> </a:t>
+            </a:r>
+            <a:r>
+              <a:rPr b="0" lang="en-IN" sz="1800" spc="-15" strike="noStrike">
+                <a:solidFill>
+                  <a:srgbClr val="ffffff"/>
+                </a:solidFill>
+                <a:latin typeface="Calibri"/>
+                <a:ea typeface="DejaVu Sans"/>
+              </a:rPr>
+              <a:t>strangers </a:t>
+            </a:r>
+            <a:r>
+              <a:rPr b="0" lang="en-IN" sz="1800" spc="-12" strike="noStrike">
+                <a:solidFill>
+                  <a:srgbClr val="ffffff"/>
+                </a:solidFill>
+                <a:latin typeface="Calibri"/>
+                <a:ea typeface="DejaVu Sans"/>
+              </a:rPr>
+              <a:t> anymore </a:t>
+            </a:r>
+            <a:r>
+              <a:rPr b="1" lang="en-IN" sz="1800" spc="-7" strike="noStrike">
+                <a:solidFill>
+                  <a:srgbClr val="ffffff"/>
+                </a:solidFill>
+                <a:latin typeface="Calibri"/>
+                <a:ea typeface="DejaVu Sans"/>
+              </a:rPr>
+              <a:t>with </a:t>
+            </a:r>
+            <a:r>
+              <a:rPr b="1" lang="en-IN" sz="1800" spc="-1" strike="noStrike">
+                <a:solidFill>
+                  <a:srgbClr val="ffffff"/>
+                </a:solidFill>
+                <a:latin typeface="Calibri"/>
+                <a:ea typeface="DejaVu Sans"/>
+              </a:rPr>
+              <a:t>a </a:t>
+            </a:r>
+            <a:r>
+              <a:rPr b="1" lang="en-IN" sz="1800" spc="-7" strike="noStrike">
+                <a:solidFill>
+                  <a:srgbClr val="ffffff"/>
+                </a:solidFill>
+                <a:latin typeface="Calibri"/>
+                <a:ea typeface="DejaVu Sans"/>
+              </a:rPr>
+              <a:t>proper authenticity</a:t>
+            </a:r>
+            <a:r>
+              <a:rPr b="1" lang="en-IN" sz="1800" spc="-1" strike="noStrike">
+                <a:solidFill>
+                  <a:srgbClr val="ffffff"/>
+                </a:solidFill>
+                <a:latin typeface="Calibri"/>
+                <a:ea typeface="DejaVu Sans"/>
+              </a:rPr>
+              <a:t> of </a:t>
+            </a:r>
+            <a:r>
+              <a:rPr b="1" lang="en-IN" sz="1800" spc="-12" strike="noStrike">
+                <a:solidFill>
+                  <a:srgbClr val="ffffff"/>
+                </a:solidFill>
+                <a:latin typeface="Calibri"/>
+                <a:ea typeface="DejaVu Sans"/>
+              </a:rPr>
+              <a:t>data </a:t>
+            </a:r>
+            <a:r>
+              <a:rPr b="1" lang="en-IN" sz="1800" spc="-1" strike="noStrike">
+                <a:solidFill>
+                  <a:srgbClr val="ffffff"/>
+                </a:solidFill>
+                <a:latin typeface="Calibri"/>
+                <a:ea typeface="DejaVu Sans"/>
+              </a:rPr>
+              <a:t>and  one </a:t>
+            </a:r>
+            <a:r>
+              <a:rPr b="1" lang="en-IN" sz="1800" spc="-7" strike="noStrike">
+                <a:solidFill>
+                  <a:srgbClr val="ffffff"/>
+                </a:solidFill>
+                <a:latin typeface="Calibri"/>
+                <a:ea typeface="DejaVu Sans"/>
+              </a:rPr>
+              <a:t>can </a:t>
+            </a:r>
+            <a:r>
+              <a:rPr b="1" lang="en-IN" sz="1800" spc="-1" strike="noStrike">
+                <a:solidFill>
+                  <a:srgbClr val="ffffff"/>
+                </a:solidFill>
+                <a:latin typeface="Calibri"/>
+                <a:ea typeface="DejaVu Sans"/>
+              </a:rPr>
+              <a:t>see the </a:t>
+            </a:r>
+            <a:r>
+              <a:rPr b="1" lang="en-IN" sz="1800" spc="-7" strike="noStrike">
+                <a:solidFill>
+                  <a:srgbClr val="ffffff"/>
+                </a:solidFill>
+                <a:latin typeface="Calibri"/>
+                <a:ea typeface="DejaVu Sans"/>
+              </a:rPr>
+              <a:t>profile </a:t>
+            </a:r>
+            <a:r>
+              <a:rPr b="1" lang="en-IN" sz="1800" spc="-15" strike="noStrike">
+                <a:solidFill>
+                  <a:srgbClr val="ffffff"/>
+                </a:solidFill>
+                <a:latin typeface="Calibri"/>
+                <a:ea typeface="DejaVu Sans"/>
+              </a:rPr>
+              <a:t>before </a:t>
+            </a:r>
+            <a:r>
+              <a:rPr b="1" lang="en-IN" sz="1800" spc="-7" strike="noStrike">
+                <a:solidFill>
+                  <a:srgbClr val="ffffff"/>
+                </a:solidFill>
+                <a:latin typeface="Calibri"/>
+                <a:ea typeface="DejaVu Sans"/>
+              </a:rPr>
+              <a:t>sending </a:t>
+            </a:r>
+            <a:r>
+              <a:rPr b="1" lang="en-IN" sz="1800" spc="-1" strike="noStrike">
+                <a:solidFill>
+                  <a:srgbClr val="ffffff"/>
+                </a:solidFill>
+                <a:latin typeface="Calibri"/>
+                <a:ea typeface="DejaVu Sans"/>
+              </a:rPr>
+              <a:t>a </a:t>
+            </a:r>
+            <a:r>
+              <a:rPr b="1" lang="en-IN" sz="1800" spc="-15" strike="noStrike">
+                <a:solidFill>
+                  <a:srgbClr val="ffffff"/>
+                </a:solidFill>
+                <a:latin typeface="Calibri"/>
+                <a:ea typeface="DejaVu Sans"/>
+              </a:rPr>
+              <a:t>match </a:t>
+            </a:r>
+            <a:r>
+              <a:rPr b="1" lang="en-IN" sz="1800" spc="-12" strike="noStrike">
+                <a:solidFill>
+                  <a:srgbClr val="ffffff"/>
+                </a:solidFill>
+                <a:latin typeface="Calibri"/>
+                <a:ea typeface="DejaVu Sans"/>
+              </a:rPr>
+              <a:t> </a:t>
+            </a:r>
+            <a:r>
+              <a:rPr b="1" lang="en-IN" sz="1800" spc="-1" strike="noStrike">
+                <a:solidFill>
+                  <a:srgbClr val="ffffff"/>
+                </a:solidFill>
+                <a:latin typeface="Calibri"/>
+                <a:ea typeface="DejaVu Sans"/>
+              </a:rPr>
+              <a:t>and</a:t>
+            </a:r>
+            <a:r>
+              <a:rPr b="1" lang="en-IN" sz="1800" spc="-7" strike="noStrike">
+                <a:solidFill>
+                  <a:srgbClr val="ffffff"/>
+                </a:solidFill>
+                <a:latin typeface="Calibri"/>
+                <a:ea typeface="DejaVu Sans"/>
+              </a:rPr>
+              <a:t> </a:t>
+            </a:r>
+            <a:r>
+              <a:rPr b="0" lang="en-IN" sz="1800" spc="-12" strike="noStrike">
+                <a:solidFill>
+                  <a:srgbClr val="ffffff"/>
+                </a:solidFill>
+                <a:latin typeface="Calibri"/>
+                <a:ea typeface="DejaVu Sans"/>
+              </a:rPr>
+              <a:t>networking</a:t>
+            </a:r>
+            <a:r>
               <a:rPr b="0" lang="en-IN" sz="1800" spc="4" strike="noStrike">
                 <a:solidFill>
                   <a:srgbClr val="ffffff"/>
@@ -5628,470 +4557,110 @@
                 <a:latin typeface="Calibri"/>
                 <a:ea typeface="DejaVu Sans"/>
               </a:rPr>
-              <a:t>friends</a:t>
+              <a:t>socially</a:t>
+            </a:r>
+            <a:r>
+              <a:rPr b="0" lang="en-IN" sz="1800" spc="1" strike="noStrike">
+                <a:solidFill>
+                  <a:srgbClr val="ffffff"/>
+                </a:solidFill>
+                <a:latin typeface="Calibri"/>
+                <a:ea typeface="DejaVu Sans"/>
+              </a:rPr>
+              <a:t> </a:t>
+            </a:r>
+            <a:r>
+              <a:rPr b="0" lang="en-IN" sz="1800" spc="-12" strike="noStrike">
+                <a:solidFill>
+                  <a:srgbClr val="ffffff"/>
+                </a:solidFill>
+                <a:latin typeface="Calibri"/>
+                <a:ea typeface="DejaVu Sans"/>
+              </a:rPr>
+              <a:t>at</a:t>
+            </a:r>
+            <a:r>
+              <a:rPr b="0" lang="en-IN" sz="1800" spc="-7" strike="noStrike">
+                <a:solidFill>
+                  <a:srgbClr val="ffffff"/>
+                </a:solidFill>
+                <a:latin typeface="Calibri"/>
+                <a:ea typeface="DejaVu Sans"/>
+              </a:rPr>
+              <a:t> </a:t>
+            </a:r>
+            <a:r>
+              <a:rPr b="0" lang="en-IN" sz="1800" spc="-1" strike="noStrike">
+                <a:solidFill>
+                  <a:srgbClr val="ffffff"/>
+                </a:solidFill>
+                <a:latin typeface="Calibri"/>
+                <a:ea typeface="DejaVu Sans"/>
+              </a:rPr>
+              <a:t>the</a:t>
+            </a:r>
+            <a:r>
+              <a:rPr b="0" lang="en-IN" sz="1800" spc="-7" strike="noStrike">
+                <a:solidFill>
+                  <a:srgbClr val="ffffff"/>
+                </a:solidFill>
+                <a:latin typeface="Calibri"/>
+                <a:ea typeface="DejaVu Sans"/>
+              </a:rPr>
+              <a:t> </a:t>
+            </a:r>
+            <a:r>
+              <a:rPr b="0" lang="en-IN" sz="1800" spc="-1" strike="noStrike">
+                <a:solidFill>
+                  <a:srgbClr val="ffffff"/>
+                </a:solidFill>
+                <a:latin typeface="Calibri"/>
+                <a:ea typeface="DejaVu Sans"/>
+              </a:rPr>
+              <a:t>same </a:t>
+            </a:r>
+            <a:r>
+              <a:rPr b="0" lang="en-IN" sz="1800" spc="-7" strike="noStrike">
+                <a:solidFill>
+                  <a:srgbClr val="ffffff"/>
+                </a:solidFill>
+                <a:latin typeface="Calibri"/>
+                <a:ea typeface="DejaVu Sans"/>
+              </a:rPr>
+              <a:t>time</a:t>
+            </a:r>
+            <a:r>
+              <a:rPr b="0" lang="en-IN" sz="1800" spc="-1" strike="noStrike">
+                <a:solidFill>
+                  <a:srgbClr val="ffffff"/>
+                </a:solidFill>
+                <a:latin typeface="Calibri"/>
+                <a:ea typeface="DejaVu Sans"/>
+              </a:rPr>
+              <a:t> thus  </a:t>
+            </a:r>
+            <a:r>
+              <a:rPr b="0" lang="en-IN" sz="1800" spc="-7" strike="noStrike">
+                <a:solidFill>
+                  <a:srgbClr val="ffffff"/>
+                </a:solidFill>
+                <a:latin typeface="Calibri"/>
+                <a:ea typeface="DejaVu Sans"/>
+              </a:rPr>
+              <a:t>making </a:t>
+            </a:r>
+            <a:r>
+              <a:rPr b="0" lang="en-IN" sz="1800" spc="-12" strike="noStrike">
+                <a:solidFill>
+                  <a:srgbClr val="ffffff"/>
+                </a:solidFill>
+                <a:latin typeface="Calibri"/>
+                <a:ea typeface="DejaVu Sans"/>
+              </a:rPr>
+              <a:t>more</a:t>
             </a:r>
             <a:r>
               <a:rPr b="0" lang="en-IN" sz="1800" spc="4" strike="noStrike">
-                <a:solidFill>
-                  <a:srgbClr val="ffffff"/>
-                </a:solidFill>
-                <a:latin typeface="Calibri"/>
-                <a:ea typeface="DejaVu Sans"/>
-              </a:rPr>
-              <a:t> </a:t>
-            </a:r>
-            <a:r>
-              <a:rPr b="0" lang="en-IN" sz="1800" spc="-7" strike="noStrike">
-                <a:solidFill>
-                  <a:srgbClr val="ffffff"/>
-                </a:solidFill>
-                <a:latin typeface="Calibri"/>
-                <a:ea typeface="DejaVu Sans"/>
-              </a:rPr>
-              <a:t>or with</a:t>
-            </a:r>
-            <a:r>
-              <a:rPr b="0" lang="en-IN" sz="1800" spc="12" strike="noStrike">
-                <a:solidFill>
-                  <a:srgbClr val="ffffff"/>
-                </a:solidFill>
-                <a:latin typeface="Calibri"/>
-                <a:ea typeface="DejaVu Sans"/>
-              </a:rPr>
-              <a:t> </a:t>
-            </a:r>
-            <a:r>
-              <a:rPr b="0" lang="en-IN" sz="1800" spc="-1" strike="noStrike">
-                <a:solidFill>
-                  <a:srgbClr val="ffffff"/>
-                </a:solidFill>
-                <a:latin typeface="Calibri"/>
-                <a:ea typeface="DejaVu Sans"/>
-              </a:rPr>
-              <a:t>mutual </a:t>
-            </a:r>
-            <a:r>
-              <a:rPr b="0" lang="en-IN" sz="1800" spc="-395" strike="noStrike">
-                <a:solidFill>
-                  <a:srgbClr val="ffffff"/>
-                </a:solidFill>
-                <a:latin typeface="Calibri"/>
-                <a:ea typeface="DejaVu Sans"/>
-              </a:rPr>
-              <a:t> </a:t>
-            </a:r>
-            <a:r>
-              <a:rPr b="0" lang="en-IN" sz="1800" spc="-7" strike="noStrike">
-                <a:solidFill>
-                  <a:srgbClr val="ffffff"/>
-                </a:solidFill>
-                <a:latin typeface="Calibri"/>
-                <a:ea typeface="DejaVu Sans"/>
-              </a:rPr>
-              <a:t>friends</a:t>
-            </a:r>
-            <a:r>
-              <a:rPr b="0" lang="en-IN" sz="1800" spc="-1" strike="noStrike">
-                <a:solidFill>
-                  <a:srgbClr val="ffffff"/>
-                </a:solidFill>
-                <a:latin typeface="Calibri"/>
-                <a:ea typeface="DejaVu Sans"/>
-              </a:rPr>
-              <a:t> </a:t>
-            </a:r>
-            <a:r>
-              <a:rPr b="0" lang="en-IN" sz="1800" spc="-7" strike="noStrike">
-                <a:solidFill>
-                  <a:srgbClr val="ffffff"/>
-                </a:solidFill>
-                <a:latin typeface="Calibri"/>
-                <a:ea typeface="DejaVu Sans"/>
-              </a:rPr>
-              <a:t>only</a:t>
-            </a:r>
-            <a:r>
-              <a:rPr b="0" lang="en-IN" sz="1800" spc="-1" strike="noStrike">
-                <a:solidFill>
-                  <a:srgbClr val="ffffff"/>
-                </a:solidFill>
-                <a:latin typeface="Calibri"/>
-                <a:ea typeface="DejaVu Sans"/>
-              </a:rPr>
-              <a:t> </a:t>
-            </a:r>
-            <a:r>
-              <a:rPr b="0" lang="en-IN" sz="1800" spc="-15" strike="noStrike">
-                <a:solidFill>
-                  <a:srgbClr val="ffffff"/>
-                </a:solidFill>
-                <a:latin typeface="Calibri"/>
-                <a:ea typeface="DejaVu Sans"/>
-              </a:rPr>
-              <a:t>therefore</a:t>
-            </a:r>
-            <a:r>
-              <a:rPr b="0" lang="en-IN" sz="1800" spc="-1" strike="noStrike">
-                <a:solidFill>
-                  <a:srgbClr val="ffffff"/>
-                </a:solidFill>
-                <a:latin typeface="Calibri"/>
-                <a:ea typeface="DejaVu Sans"/>
-              </a:rPr>
-              <a:t> no </a:t>
-            </a:r>
-            <a:r>
-              <a:rPr b="0" lang="en-IN" sz="1800" spc="-12" strike="noStrike">
-                <a:solidFill>
-                  <a:srgbClr val="ffffff"/>
-                </a:solidFill>
-                <a:latin typeface="Calibri"/>
-                <a:ea typeface="DejaVu Sans"/>
-              </a:rPr>
-              <a:t>matching</a:t>
-            </a:r>
-            <a:r>
-              <a:rPr b="0" lang="en-IN" sz="1800" spc="4" strike="noStrike">
-                <a:solidFill>
-                  <a:srgbClr val="ffffff"/>
-                </a:solidFill>
-                <a:latin typeface="Calibri"/>
-                <a:ea typeface="DejaVu Sans"/>
-              </a:rPr>
-              <a:t> </a:t>
-            </a:r>
-            <a:r>
-              <a:rPr b="0" lang="en-IN" sz="1800" spc="-7" strike="noStrike">
-                <a:solidFill>
-                  <a:srgbClr val="ffffff"/>
-                </a:solidFill>
-                <a:latin typeface="Calibri"/>
-                <a:ea typeface="DejaVu Sans"/>
-              </a:rPr>
-              <a:t>with</a:t>
-            </a:r>
-            <a:r>
-              <a:rPr b="0" lang="en-IN" sz="1800" spc="4" strike="noStrike">
-                <a:solidFill>
-                  <a:srgbClr val="ffffff"/>
-                </a:solidFill>
-                <a:latin typeface="Calibri"/>
-                <a:ea typeface="DejaVu Sans"/>
-              </a:rPr>
-              <a:t> </a:t>
-            </a:r>
-            <a:r>
-              <a:rPr b="0" lang="en-IN" sz="1800" spc="-15" strike="noStrike">
-                <a:solidFill>
-                  <a:srgbClr val="ffffff"/>
-                </a:solidFill>
-                <a:latin typeface="Calibri"/>
-                <a:ea typeface="DejaVu Sans"/>
-              </a:rPr>
-              <a:t>strangers </a:t>
-            </a:r>
-            <a:r>
-              <a:rPr b="0" lang="en-IN" sz="1800" spc="-12" strike="noStrike">
-                <a:solidFill>
-                  <a:srgbClr val="ffffff"/>
-                </a:solidFill>
-                <a:latin typeface="Calibri"/>
-                <a:ea typeface="DejaVu Sans"/>
-              </a:rPr>
-              <a:t> anymore </a:t>
-            </a:r>
-            <a:r>
-              <a:rPr b="1" lang="en-IN" sz="1800" spc="-7" strike="noStrike">
-                <a:solidFill>
-                  <a:srgbClr val="ffffff"/>
-                </a:solidFill>
-                <a:latin typeface="Calibri"/>
-                <a:ea typeface="DejaVu Sans"/>
-              </a:rPr>
-              <a:t>with </a:t>
-            </a:r>
-            <a:r>
-              <a:rPr b="1" lang="en-IN" sz="1800" spc="-1" strike="noStrike">
-                <a:solidFill>
-                  <a:srgbClr val="ffffff"/>
-                </a:solidFill>
-                <a:latin typeface="Calibri"/>
-                <a:ea typeface="DejaVu Sans"/>
-              </a:rPr>
-              <a:t>a </a:t>
-            </a:r>
-            <a:r>
-              <a:rPr b="1" lang="en-IN" sz="1800" spc="-7" strike="noStrike">
-                <a:solidFill>
-                  <a:srgbClr val="ffffff"/>
-                </a:solidFill>
-                <a:latin typeface="Calibri"/>
-                <a:ea typeface="DejaVu Sans"/>
-              </a:rPr>
-              <a:t>proper authenticity</a:t>
-            </a:r>
-            <a:r>
-              <a:rPr b="1" lang="en-IN" sz="1800" spc="-1" strike="noStrike">
-                <a:solidFill>
-                  <a:srgbClr val="ffffff"/>
-                </a:solidFill>
-                <a:latin typeface="Calibri"/>
-                <a:ea typeface="DejaVu Sans"/>
-              </a:rPr>
-              <a:t> of </a:t>
-            </a:r>
-            <a:r>
-              <a:rPr b="1" lang="en-IN" sz="1800" spc="-12" strike="noStrike">
-                <a:solidFill>
-                  <a:srgbClr val="ffffff"/>
-                </a:solidFill>
-                <a:latin typeface="Calibri"/>
-                <a:ea typeface="DejaVu Sans"/>
-              </a:rPr>
-              <a:t>data </a:t>
-            </a:r>
-            <a:r>
-              <a:rPr b="1" lang="en-IN" sz="1800" spc="-1" strike="noStrike">
-                <a:solidFill>
-                  <a:srgbClr val="ffffff"/>
-                </a:solidFill>
-                <a:latin typeface="Calibri"/>
-                <a:ea typeface="DejaVu Sans"/>
-              </a:rPr>
-              <a:t>and  one </a:t>
-            </a:r>
-            <a:r>
-              <a:rPr b="1" lang="en-IN" sz="1800" spc="-7" strike="noStrike">
-                <a:solidFill>
-                  <a:srgbClr val="ffffff"/>
-                </a:solidFill>
-                <a:latin typeface="Calibri"/>
-                <a:ea typeface="DejaVu Sans"/>
-              </a:rPr>
-              <a:t>can </a:t>
-            </a:r>
-            <a:r>
-              <a:rPr b="1" lang="en-IN" sz="1800" spc="-1" strike="noStrike">
-                <a:solidFill>
-                  <a:srgbClr val="ffffff"/>
-                </a:solidFill>
-                <a:latin typeface="Calibri"/>
-                <a:ea typeface="DejaVu Sans"/>
-              </a:rPr>
-              <a:t>see the </a:t>
-            </a:r>
-            <a:r>
-              <a:rPr b="1" lang="en-IN" sz="1800" spc="-7" strike="noStrike">
-                <a:solidFill>
-                  <a:srgbClr val="ffffff"/>
-                </a:solidFill>
-                <a:latin typeface="Calibri"/>
-                <a:ea typeface="DejaVu Sans"/>
-              </a:rPr>
-              <a:t>profile </a:t>
-            </a:r>
-            <a:r>
-              <a:rPr b="1" lang="en-IN" sz="1800" spc="-15" strike="noStrike">
-                <a:solidFill>
-                  <a:srgbClr val="ffffff"/>
-                </a:solidFill>
-                <a:latin typeface="Calibri"/>
-                <a:ea typeface="DejaVu Sans"/>
-              </a:rPr>
-              <a:t>before </a:t>
-            </a:r>
-            <a:r>
-              <a:rPr b="1" lang="en-IN" sz="1800" spc="-7" strike="noStrike">
-                <a:solidFill>
-                  <a:srgbClr val="ffffff"/>
-                </a:solidFill>
-                <a:latin typeface="Calibri"/>
-                <a:ea typeface="DejaVu Sans"/>
-              </a:rPr>
-              <a:t>sending </a:t>
-            </a:r>
-            <a:r>
-              <a:rPr b="1" lang="en-IN" sz="1800" spc="-1" strike="noStrike">
-                <a:solidFill>
-                  <a:srgbClr val="ffffff"/>
-                </a:solidFill>
-                <a:latin typeface="Calibri"/>
-                <a:ea typeface="DejaVu Sans"/>
-              </a:rPr>
-              <a:t>a </a:t>
-            </a:r>
-            <a:r>
-              <a:rPr b="1" lang="en-IN" sz="1800" spc="-15" strike="noStrike">
-                <a:solidFill>
-                  <a:srgbClr val="ffffff"/>
-                </a:solidFill>
-                <a:latin typeface="Calibri"/>
-                <a:ea typeface="DejaVu Sans"/>
-              </a:rPr>
-              <a:t>match </a:t>
-            </a:r>
-            <a:r>
-              <a:rPr b="1" lang="en-IN" sz="1800" spc="-12" strike="noStrike">
-                <a:solidFill>
-                  <a:srgbClr val="ffffff"/>
-                </a:solidFill>
-                <a:latin typeface="Calibri"/>
-                <a:ea typeface="DejaVu Sans"/>
-              </a:rPr>
-              <a:t> </a:t>
-            </a:r>
-            <a:r>
-              <a:rPr b="1" lang="en-IN" sz="1800" spc="-1" strike="noStrike">
-                <a:solidFill>
-                  <a:srgbClr val="ffffff"/>
-                </a:solidFill>
-                <a:latin typeface="Calibri"/>
-                <a:ea typeface="DejaVu Sans"/>
-              </a:rPr>
-              <a:t>and</a:t>
-            </a:r>
-            <a:r>
-              <a:rPr b="1" lang="en-IN" sz="1800" spc="-7" strike="noStrike">
-                <a:solidFill>
-                  <a:srgbClr val="ffffff"/>
-                </a:solidFill>
-                <a:latin typeface="Calibri"/>
-                <a:ea typeface="DejaVu Sans"/>
-              </a:rPr>
-              <a:t> </a:t>
-            </a:r>
-            <a:r>
-              <a:rPr b="0" lang="en-IN" sz="1800" spc="-12" strike="noStrike">
-                <a:solidFill>
-                  <a:srgbClr val="ffffff"/>
-                </a:solidFill>
-                <a:latin typeface="Calibri"/>
-                <a:ea typeface="DejaVu Sans"/>
-              </a:rPr>
-              <a:t>networking</a:t>
-            </a:r>
-            <a:r>
-              <a:rPr b="0" lang="en-IN" sz="1800" spc="7" strike="noStrike">
-                <a:solidFill>
-                  <a:srgbClr val="ffffff"/>
-                </a:solidFill>
-                <a:latin typeface="Calibri"/>
-                <a:ea typeface="DejaVu Sans"/>
-              </a:rPr>
-              <a:t> </a:t>
-            </a:r>
-            <a:r>
-              <a:rPr b="0" lang="en-IN" sz="1800" spc="-7" strike="noStrike">
-                <a:solidFill>
-                  <a:srgbClr val="ffffff"/>
-                </a:solidFill>
-                <a:latin typeface="Calibri"/>
-                <a:ea typeface="DejaVu Sans"/>
-              </a:rPr>
-              <a:t>socially</a:t>
-            </a:r>
-            <a:r>
-              <a:rPr b="0" lang="en-IN" sz="1800" spc="4" strike="noStrike">
-                <a:solidFill>
-                  <a:srgbClr val="ffffff"/>
-                </a:solidFill>
-                <a:latin typeface="Calibri"/>
-                <a:ea typeface="DejaVu Sans"/>
-              </a:rPr>
-              <a:t> </a:t>
-            </a:r>
-            <a:r>
-              <a:rPr b="0" lang="en-IN" sz="1800" spc="-12" strike="noStrike">
-                <a:solidFill>
-                  <a:srgbClr val="ffffff"/>
-                </a:solidFill>
-                <a:latin typeface="Calibri"/>
-                <a:ea typeface="DejaVu Sans"/>
-              </a:rPr>
-              <a:t>at</a:t>
-            </a:r>
-            <a:r>
-              <a:rPr b="0" lang="en-IN" sz="1800" spc="-7" strike="noStrike">
-                <a:solidFill>
-                  <a:srgbClr val="ffffff"/>
-                </a:solidFill>
-                <a:latin typeface="Calibri"/>
-                <a:ea typeface="DejaVu Sans"/>
-              </a:rPr>
-              <a:t> </a:t>
-            </a:r>
-            <a:r>
-              <a:rPr b="0" lang="en-IN" sz="1800" spc="-1" strike="noStrike">
-                <a:solidFill>
-                  <a:srgbClr val="ffffff"/>
-                </a:solidFill>
-                <a:latin typeface="Calibri"/>
-                <a:ea typeface="DejaVu Sans"/>
-              </a:rPr>
-              <a:t>the</a:t>
-            </a:r>
-            <a:r>
-              <a:rPr b="0" lang="en-IN" sz="1800" spc="-7" strike="noStrike">
-                <a:solidFill>
-                  <a:srgbClr val="ffffff"/>
-                </a:solidFill>
-                <a:latin typeface="Calibri"/>
-                <a:ea typeface="DejaVu Sans"/>
-              </a:rPr>
-              <a:t> </a:t>
-            </a:r>
-            <a:r>
-              <a:rPr b="0" lang="en-IN" sz="1800" spc="-1" strike="noStrike">
-                <a:solidFill>
-                  <a:srgbClr val="ffffff"/>
-                </a:solidFill>
-                <a:latin typeface="Calibri"/>
-                <a:ea typeface="DejaVu Sans"/>
-              </a:rPr>
-              <a:t>same </a:t>
-            </a:r>
-            <a:r>
-              <a:rPr b="0" lang="en-IN" sz="1800" spc="-7" strike="noStrike">
-                <a:solidFill>
-                  <a:srgbClr val="ffffff"/>
-                </a:solidFill>
-                <a:latin typeface="Calibri"/>
-                <a:ea typeface="DejaVu Sans"/>
-              </a:rPr>
-              <a:t>time</a:t>
-            </a:r>
-            <a:r>
-              <a:rPr b="0" lang="en-IN" sz="1800" spc="-1" strike="noStrike">
-                <a:solidFill>
-                  <a:srgbClr val="ffffff"/>
-                </a:solidFill>
-                <a:latin typeface="Calibri"/>
-                <a:ea typeface="DejaVu Sans"/>
-              </a:rPr>
-              <a:t> thus  </a:t>
-            </a:r>
-            <a:r>
-              <a:rPr b="0" lang="en-IN" sz="1800" spc="-7" strike="noStrike">
-                <a:solidFill>
-                  <a:srgbClr val="ffffff"/>
-                </a:solidFill>
-                <a:latin typeface="Calibri"/>
-                <a:ea typeface="DejaVu Sans"/>
-              </a:rPr>
-              <a:t>making </a:t>
-            </a:r>
-            <a:r>
-              <a:rPr b="0" lang="en-IN" sz="1800" spc="-12" strike="noStrike">
-                <a:solidFill>
-                  <a:srgbClr val="ffffff"/>
-                </a:solidFill>
-                <a:latin typeface="Calibri"/>
-                <a:ea typeface="DejaVu Sans"/>
-              </a:rPr>
-              <a:t>more</a:t>
-            </a:r>
-            <a:r>
-              <a:rPr b="0" lang="en-IN" sz="1800" spc="7" strike="noStrike">
                 <a:solidFill>
                   <a:srgbClr val="ffffff"/>
                 </a:solidFill>
@@ -6118,7 +4687,7 @@
       </p:sp>
       <p:pic>
         <p:nvPicPr>
-          <p:cNvPr id="122" name="object 9" descr=""/>
+          <p:cNvPr id="86" name="object 9" descr=""/>
           <p:cNvPicPr/>
           <p:nvPr/>
         </p:nvPicPr>
@@ -6129,7 +4698,7 @@
         <p:spPr>
           <a:xfrm>
             <a:off x="6089760" y="0"/>
-            <a:ext cx="6100920" cy="6856920"/>
+            <a:ext cx="6100560" cy="6856560"/>
           </a:xfrm>
           <a:prstGeom prst="rect">
             <a:avLst/>
@@ -6171,7 +4740,7 @@
       </p:grpSpPr>
       <p:pic>
         <p:nvPicPr>
-          <p:cNvPr id="123" name="object 2" descr=""/>
+          <p:cNvPr id="87" name="object 2" descr=""/>
           <p:cNvPicPr/>
           <p:nvPr/>
         </p:nvPicPr>
@@ -6182,7 +4751,7 @@
         <p:spPr>
           <a:xfrm>
             <a:off x="0" y="0"/>
-            <a:ext cx="12191040" cy="6856920"/>
+            <a:ext cx="12190680" cy="6856560"/>
           </a:xfrm>
           <a:prstGeom prst="rect">
             <a:avLst/>
@@ -6194,14 +4763,14 @@
       </p:pic>
       <p:sp>
         <p:nvSpPr>
-          <p:cNvPr id="124" name="CustomShape 1"/>
+          <p:cNvPr id="88" name="CustomShape 1"/>
           <p:cNvSpPr/>
           <p:nvPr/>
         </p:nvSpPr>
         <p:spPr>
           <a:xfrm>
             <a:off x="13680" y="696600"/>
-            <a:ext cx="12177720" cy="6161040"/>
+            <a:ext cx="12177360" cy="6160680"/>
           </a:xfrm>
           <a:custGeom>
             <a:avLst/>
@@ -6247,14 +4816,14 @@
       </p:sp>
       <p:sp>
         <p:nvSpPr>
-          <p:cNvPr id="125" name="CustomShape 2"/>
+          <p:cNvPr id="89" name="CustomShape 2"/>
           <p:cNvSpPr/>
           <p:nvPr/>
         </p:nvSpPr>
         <p:spPr>
           <a:xfrm>
             <a:off x="0" y="0"/>
-            <a:ext cx="12191040" cy="2353680"/>
+            <a:ext cx="12190680" cy="2353320"/>
           </a:xfrm>
           <a:custGeom>
             <a:avLst/>
@@ -6304,14 +4873,14 @@
       </p:sp>
       <p:sp>
         <p:nvSpPr>
-          <p:cNvPr id="126" name="CustomShape 3"/>
+          <p:cNvPr id="90" name="CustomShape 3"/>
           <p:cNvSpPr/>
           <p:nvPr/>
         </p:nvSpPr>
         <p:spPr>
           <a:xfrm>
             <a:off x="1391760" y="465120"/>
-            <a:ext cx="4575960" cy="1230840"/>
+            <a:ext cx="4575600" cy="1230480"/>
           </a:xfrm>
           <a:prstGeom prst="rect">
             <a:avLst/>
@@ -6418,7 +4987,7 @@
       </p:sp>
       <p:pic>
         <p:nvPicPr>
-          <p:cNvPr id="127" name="object 6" descr=""/>
+          <p:cNvPr id="91" name="object 6" descr=""/>
           <p:cNvPicPr/>
           <p:nvPr/>
         </p:nvPicPr>
@@ -6429,7 +4998,7 @@
         <p:spPr>
           <a:xfrm>
             <a:off x="5547240" y="2120040"/>
-            <a:ext cx="6326640" cy="3850200"/>
+            <a:ext cx="6326280" cy="3849840"/>
           </a:xfrm>
           <a:prstGeom prst="rect">
             <a:avLst/>
@@ -6441,14 +5010,14 @@
       </p:pic>
       <p:sp>
         <p:nvSpPr>
-          <p:cNvPr id="128" name="CustomShape 4"/>
+          <p:cNvPr id="92" name="CustomShape 4"/>
           <p:cNvSpPr/>
           <p:nvPr/>
         </p:nvSpPr>
         <p:spPr>
-          <a:xfrm>
-            <a:off x="117000" y="2605680"/>
-            <a:ext cx="10647720" cy="3501720"/>
+          <a:xfrm rot="1200">
+            <a:off x="114480" y="2606400"/>
+            <a:ext cx="5211000" cy="13727160"/>
           </a:xfrm>
           <a:prstGeom prst="rect">
             <a:avLst/>
@@ -6511,7 +5080,7 @@
               <a:t>there</a:t>
             </a:r>
             <a:r>
-              <a:rPr b="0" lang="en-IN" sz="1800" spc="4" strike="noStrike">
+              <a:rPr b="0" lang="en-IN" sz="1800" spc="1" strike="noStrike">
                 <a:solidFill>
                   <a:srgbClr val="ffffff"/>
                 </a:solidFill>
@@ -6611,7 +5180,7 @@
               <a:t> making within</a:t>
             </a:r>
             <a:r>
-              <a:rPr b="0" lang="en-IN" sz="1800" spc="12" strike="noStrike">
+              <a:rPr b="0" lang="en-IN" sz="1800" spc="9" strike="noStrike">
                 <a:solidFill>
                   <a:srgbClr val="ffffff"/>
                 </a:solidFill>
@@ -6787,6 +5356,196 @@
               <a:t> land</a:t>
             </a:r>
             <a:r>
+              <a:rPr b="0" lang="en-IN" sz="1800" spc="1" strike="noStrike">
+                <a:solidFill>
+                  <a:srgbClr val="ffffff"/>
+                </a:solidFill>
+                <a:latin typeface="Calibri"/>
+                <a:ea typeface="DejaVu Sans"/>
+              </a:rPr>
+              <a:t> </a:t>
+            </a:r>
+            <a:r>
+              <a:rPr b="0" lang="en-IN" sz="1800" spc="-7" strike="noStrike">
+                <a:solidFill>
+                  <a:srgbClr val="ffffff"/>
+                </a:solidFill>
+                <a:latin typeface="Calibri"/>
+                <a:ea typeface="DejaVu Sans"/>
+              </a:rPr>
+              <a:t>up</a:t>
+            </a:r>
+            <a:r>
+              <a:rPr b="0" lang="en-IN" sz="1800" spc="-1" strike="noStrike">
+                <a:solidFill>
+                  <a:srgbClr val="ffffff"/>
+                </a:solidFill>
+                <a:latin typeface="Calibri"/>
+                <a:ea typeface="DejaVu Sans"/>
+              </a:rPr>
+              <a:t> </a:t>
+            </a:r>
+            <a:r>
+              <a:rPr b="0" lang="en-IN" sz="1800" spc="-7" strike="noStrike">
+                <a:solidFill>
+                  <a:srgbClr val="ffffff"/>
+                </a:solidFill>
+                <a:latin typeface="Calibri"/>
+                <a:ea typeface="DejaVu Sans"/>
+              </a:rPr>
+              <a:t>on online</a:t>
+            </a:r>
+            <a:r>
+              <a:rPr b="0" lang="en-IN" sz="1800" spc="9" strike="noStrike">
+                <a:solidFill>
+                  <a:srgbClr val="ffffff"/>
+                </a:solidFill>
+                <a:latin typeface="Calibri"/>
+                <a:ea typeface="DejaVu Sans"/>
+              </a:rPr>
+              <a:t> </a:t>
+            </a:r>
+            <a:r>
+              <a:rPr b="0" lang="en-IN" sz="1800" spc="-7" strike="noStrike">
+                <a:solidFill>
+                  <a:srgbClr val="ffffff"/>
+                </a:solidFill>
+                <a:latin typeface="Calibri"/>
+                <a:ea typeface="DejaVu Sans"/>
+              </a:rPr>
+              <a:t>dating</a:t>
+            </a:r>
+            <a:r>
+              <a:rPr b="0" lang="en-IN" sz="1800" spc="-1" strike="noStrike">
+                <a:solidFill>
+                  <a:srgbClr val="ffffff"/>
+                </a:solidFill>
+                <a:latin typeface="Calibri"/>
+                <a:ea typeface="DejaVu Sans"/>
+              </a:rPr>
+              <a:t> </a:t>
+            </a:r>
+            <a:r>
+              <a:rPr b="0" lang="en-IN" sz="1800" spc="-7" strike="noStrike">
+                <a:solidFill>
+                  <a:srgbClr val="ffffff"/>
+                </a:solidFill>
+                <a:latin typeface="Calibri"/>
+                <a:ea typeface="DejaVu Sans"/>
+              </a:rPr>
+              <a:t>apps</a:t>
+            </a:r>
+            <a:r>
+              <a:rPr b="0" lang="en-IN" sz="1800" spc="1" strike="noStrike">
+                <a:solidFill>
+                  <a:srgbClr val="ffffff"/>
+                </a:solidFill>
+                <a:latin typeface="Calibri"/>
+                <a:ea typeface="DejaVu Sans"/>
+              </a:rPr>
+              <a:t> </a:t>
+            </a:r>
+            <a:r>
+              <a:rPr b="0" lang="en-IN" sz="1800" spc="-12" strike="noStrike">
+                <a:solidFill>
+                  <a:srgbClr val="ffffff"/>
+                </a:solidFill>
+                <a:latin typeface="Calibri"/>
+                <a:ea typeface="DejaVu Sans"/>
+              </a:rPr>
+              <a:t>to </a:t>
+            </a:r>
+            <a:r>
+              <a:rPr b="0" lang="en-IN" sz="1800" spc="-7" strike="noStrike">
+                <a:solidFill>
+                  <a:srgbClr val="ffffff"/>
+                </a:solidFill>
+                <a:latin typeface="Calibri"/>
+                <a:ea typeface="DejaVu Sans"/>
+              </a:rPr>
+              <a:t>look </a:t>
+            </a:r>
+            <a:r>
+              <a:rPr b="0" lang="en-IN" sz="1800" spc="-21" strike="noStrike">
+                <a:solidFill>
+                  <a:srgbClr val="ffffff"/>
+                </a:solidFill>
+                <a:latin typeface="Calibri"/>
+                <a:ea typeface="DejaVu Sans"/>
+              </a:rPr>
+              <a:t>for </a:t>
+            </a:r>
+            <a:r>
+              <a:rPr b="0" lang="en-IN" sz="1800" spc="-395" strike="noStrike">
+                <a:solidFill>
+                  <a:srgbClr val="ffffff"/>
+                </a:solidFill>
+                <a:latin typeface="Calibri"/>
+                <a:ea typeface="DejaVu Sans"/>
+              </a:rPr>
+              <a:t> </a:t>
+            </a:r>
+            <a:r>
+              <a:rPr b="0" lang="en-IN" sz="1800" spc="-1" strike="noStrike">
+                <a:solidFill>
+                  <a:srgbClr val="ffffff"/>
+                </a:solidFill>
+                <a:latin typeface="Calibri"/>
+                <a:ea typeface="DejaVu Sans"/>
+              </a:rPr>
+              <a:t>a</a:t>
+            </a:r>
+            <a:r>
+              <a:rPr b="0" lang="en-IN" sz="1800" spc="-7" strike="noStrike">
+                <a:solidFill>
+                  <a:srgbClr val="ffffff"/>
+                </a:solidFill>
+                <a:latin typeface="Calibri"/>
+                <a:ea typeface="DejaVu Sans"/>
+              </a:rPr>
+              <a:t> meaningful</a:t>
+            </a:r>
+            <a:r>
+              <a:rPr b="0" lang="en-IN" sz="1800" spc="-1" strike="noStrike">
+                <a:solidFill>
+                  <a:srgbClr val="ffffff"/>
+                </a:solidFill>
+                <a:latin typeface="Calibri"/>
+                <a:ea typeface="DejaVu Sans"/>
+              </a:rPr>
+              <a:t> </a:t>
+            </a:r>
+            <a:r>
+              <a:rPr b="0" lang="en-IN" sz="1800" spc="-12" strike="noStrike">
+                <a:solidFill>
+                  <a:srgbClr val="ffffff"/>
+                </a:solidFill>
+                <a:latin typeface="Calibri"/>
+                <a:ea typeface="DejaVu Sans"/>
+              </a:rPr>
+              <a:t>relationships</a:t>
+            </a:r>
+            <a:r>
+              <a:rPr b="0" lang="en-IN" sz="1800" spc="9" strike="noStrike">
+                <a:solidFill>
+                  <a:srgbClr val="ffffff"/>
+                </a:solidFill>
+                <a:latin typeface="Calibri"/>
+                <a:ea typeface="DejaVu Sans"/>
+              </a:rPr>
+              <a:t> </a:t>
+            </a:r>
+            <a:r>
+              <a:rPr b="0" lang="en-IN" sz="1800" spc="-1" strike="noStrike">
+                <a:solidFill>
+                  <a:srgbClr val="ffffff"/>
+                </a:solidFill>
+                <a:latin typeface="Calibri"/>
+                <a:ea typeface="DejaVu Sans"/>
+              </a:rPr>
+              <a:t>and</a:t>
+            </a:r>
+            <a:r>
               <a:rPr b="0" lang="en-IN" sz="1800" spc="4" strike="noStrike">
                 <a:solidFill>
                   <a:srgbClr val="ffffff"/>
@@ -6797,6 +5556,16 @@
               <a:t> </a:t>
             </a:r>
             <a:r>
+              <a:rPr b="0" lang="en-IN" sz="1800" spc="-12" strike="noStrike">
+                <a:solidFill>
+                  <a:srgbClr val="ffffff"/>
+                </a:solidFill>
+                <a:latin typeface="Calibri"/>
+                <a:ea typeface="DejaVu Sans"/>
+              </a:rPr>
+              <a:t>to</a:t>
+            </a:r>
+            <a:r>
               <a:rPr b="0" lang="en-IN" sz="1800" spc="-7" strike="noStrike">
                 <a:solidFill>
                   <a:srgbClr val="ffffff"/>
@@ -6804,7 +5573,17 @@
                 <a:latin typeface="Calibri"/>
                 <a:ea typeface="DejaVu Sans"/>
               </a:rPr>
-              <a:t>up</a:t>
+              <a:t> </a:t>
+            </a:r>
+            <a:r>
+              <a:rPr b="0" lang="en-IN" sz="1800" spc="-12" strike="noStrike">
+                <a:solidFill>
+                  <a:srgbClr val="ffffff"/>
+                </a:solidFill>
+                <a:latin typeface="Calibri"/>
+                <a:ea typeface="DejaVu Sans"/>
+              </a:rPr>
+              <a:t>expand</a:t>
             </a:r>
             <a:r>
               <a:rPr b="0" lang="en-IN" sz="1800" spc="-1" strike="noStrike">
@@ -6814,7 +5593,7 @@
                 <a:latin typeface="Calibri"/>
                 <a:ea typeface="DejaVu Sans"/>
               </a:rPr>
-              <a:t> </a:t>
+              <a:t> their </a:t>
             </a:r>
             <a:r>
               <a:rPr b="0" lang="en-IN" sz="1800" spc="-7" strike="noStrike">
@@ -6824,17 +5603,47 @@
                 <a:latin typeface="Calibri"/>
                 <a:ea typeface="DejaVu Sans"/>
               </a:rPr>
-              <a:t>on online</a:t>
-            </a:r>
-            <a:r>
-              <a:rPr b="0" lang="en-IN" sz="1800" spc="12" strike="noStrike">
-                <a:solidFill>
-                  <a:srgbClr val="ffffff"/>
-                </a:solidFill>
-                <a:latin typeface="Calibri"/>
-                <a:ea typeface="DejaVu Sans"/>
-              </a:rPr>
-              <a:t> </a:t>
+              <a:t>social </a:t>
+            </a:r>
+            <a:r>
+              <a:rPr b="0" lang="en-IN" sz="1800" spc="-1" strike="noStrike">
+                <a:solidFill>
+                  <a:srgbClr val="ffffff"/>
+                </a:solidFill>
+                <a:latin typeface="Calibri"/>
+                <a:ea typeface="DejaVu Sans"/>
+              </a:rPr>
+              <a:t> </a:t>
+            </a:r>
+            <a:r>
+              <a:rPr b="0" lang="en-IN" sz="1800" spc="-12" strike="noStrike">
+                <a:solidFill>
+                  <a:srgbClr val="ffffff"/>
+                </a:solidFill>
+                <a:latin typeface="Calibri"/>
+                <a:ea typeface="DejaVu Sans"/>
+              </a:rPr>
+              <a:t>circles.</a:t>
+            </a:r>
+            <a:r>
+              <a:rPr b="0" lang="en-IN" sz="1800" spc="1" strike="noStrike">
+                <a:solidFill>
+                  <a:srgbClr val="ffffff"/>
+                </a:solidFill>
+                <a:latin typeface="Calibri"/>
+                <a:ea typeface="DejaVu Sans"/>
+              </a:rPr>
+              <a:t> </a:t>
+            </a:r>
+            <a:r>
+              <a:rPr b="0" lang="en-IN" sz="1800" spc="-1" strike="noStrike">
+                <a:solidFill>
+                  <a:srgbClr val="ffffff"/>
+                </a:solidFill>
+                <a:latin typeface="Calibri"/>
+                <a:ea typeface="DejaVu Sans"/>
+              </a:rPr>
+              <a:t>But</a:t>
             </a:r>
             <a:r>
               <a:rPr b="0" lang="en-IN" sz="1800" spc="-7" strike="noStrike">
@@ -6844,7 +5653,17 @@
                 <a:latin typeface="Calibri"/>
                 <a:ea typeface="DejaVu Sans"/>
               </a:rPr>
-              <a:t>dating</a:t>
+              <a:t> </a:t>
+            </a:r>
+            <a:r>
+              <a:rPr b="0" lang="en-IN" sz="1800" spc="-12" strike="noStrike">
+                <a:solidFill>
+                  <a:srgbClr val="ffffff"/>
+                </a:solidFill>
+                <a:latin typeface="Calibri"/>
+                <a:ea typeface="DejaVu Sans"/>
+              </a:rPr>
+              <a:t>are</a:t>
             </a:r>
             <a:r>
               <a:rPr b="0" lang="en-IN" sz="1800" spc="-1" strike="noStrike">
@@ -6854,6 +5673,36 @@
                 <a:latin typeface="Calibri"/>
                 <a:ea typeface="DejaVu Sans"/>
               </a:rPr>
+              <a:t> the</a:t>
+            </a:r>
+            <a:r>
+              <a:rPr b="0" lang="en-IN" sz="1800" spc="1" strike="noStrike">
+                <a:solidFill>
+                  <a:srgbClr val="ffffff"/>
+                </a:solidFill>
+                <a:latin typeface="Calibri"/>
+                <a:ea typeface="DejaVu Sans"/>
+              </a:rPr>
+              <a:t> </a:t>
+            </a:r>
+            <a:r>
+              <a:rPr b="0" lang="en-IN" sz="1800" spc="-12" strike="noStrike">
+                <a:solidFill>
+                  <a:srgbClr val="ffffff"/>
+                </a:solidFill>
+                <a:latin typeface="Calibri"/>
+                <a:ea typeface="DejaVu Sans"/>
+              </a:rPr>
+              <a:t>existing</a:t>
+            </a:r>
+            <a:r>
+              <a:rPr b="0" lang="en-IN" sz="1800" spc="-1" strike="noStrike">
+                <a:solidFill>
+                  <a:srgbClr val="ffffff"/>
+                </a:solidFill>
+                <a:latin typeface="Calibri"/>
+                <a:ea typeface="DejaVu Sans"/>
+              </a:rPr>
               <a:t> </a:t>
             </a:r>
             <a:r>
@@ -6864,17 +5713,7 @@
                 <a:latin typeface="Calibri"/>
                 <a:ea typeface="DejaVu Sans"/>
               </a:rPr>
-              <a:t>apps</a:t>
-            </a:r>
-            <a:r>
-              <a:rPr b="0" lang="en-IN" sz="1800" spc="4" strike="noStrike">
-                <a:solidFill>
-                  <a:srgbClr val="ffffff"/>
-                </a:solidFill>
-                <a:latin typeface="Calibri"/>
-                <a:ea typeface="DejaVu Sans"/>
-              </a:rPr>
-              <a:t> </a:t>
+              <a:t>dating </a:t>
             </a:r>
             <a:r>
               <a:rPr b="0" lang="en-IN" sz="1800" spc="-12" strike="noStrike">
@@ -6884,7 +5723,7 @@
                 <a:latin typeface="Calibri"/>
                 <a:ea typeface="DejaVu Sans"/>
               </a:rPr>
-              <a:t>to </a:t>
+              <a:t>platforms</a:t>
             </a:r>
             <a:r>
               <a:rPr b="0" lang="en-IN" sz="1800" spc="-7" strike="noStrike">
@@ -6894,26 +5733,6 @@
                 <a:latin typeface="Calibri"/>
                 <a:ea typeface="DejaVu Sans"/>
               </a:rPr>
-              <a:t>look </a:t>
-            </a:r>
-            <a:r>
-              <a:rPr b="0" lang="en-IN" sz="1800" spc="-21" strike="noStrike">
-                <a:solidFill>
-                  <a:srgbClr val="ffffff"/>
-                </a:solidFill>
-                <a:latin typeface="Calibri"/>
-                <a:ea typeface="DejaVu Sans"/>
-              </a:rPr>
-              <a:t>for </a:t>
-            </a:r>
-            <a:r>
-              <a:rPr b="0" lang="en-IN" sz="1800" spc="-395" strike="noStrike">
-                <a:solidFill>
-                  <a:srgbClr val="ffffff"/>
-                </a:solidFill>
-                <a:latin typeface="Calibri"/>
-                <a:ea typeface="DejaVu Sans"/>
-              </a:rPr>
               <a:t> </a:t>
             </a:r>
             <a:r>
@@ -6924,7 +5743,7 @@
                 <a:latin typeface="Calibri"/>
                 <a:ea typeface="DejaVu Sans"/>
               </a:rPr>
-              <a:t>a</a:t>
+              <a:t>the</a:t>
             </a:r>
             <a:r>
               <a:rPr b="0" lang="en-IN" sz="1800" spc="-7" strike="noStrike">
@@ -6934,7 +5753,7 @@
                 <a:latin typeface="Calibri"/>
                 <a:ea typeface="DejaVu Sans"/>
               </a:rPr>
-              <a:t> meaningful</a:t>
+              <a:t> right </a:t>
             </a:r>
             <a:r>
               <a:rPr b="0" lang="en-IN" sz="1800" spc="-1" strike="noStrike">
@@ -6947,6 +5766,26 @@
               <a:t> </a:t>
             </a:r>
             <a:r>
+              <a:rPr b="0" lang="en-IN" sz="1800" spc="-7" strike="noStrike">
+                <a:solidFill>
+                  <a:srgbClr val="ffffff"/>
+                </a:solidFill>
+                <a:latin typeface="Calibri"/>
+                <a:ea typeface="DejaVu Sans"/>
+              </a:rPr>
+              <a:t>place</a:t>
+            </a:r>
+            <a:r>
+              <a:rPr b="0" lang="en-IN" sz="1800" spc="1" strike="noStrike">
+                <a:solidFill>
+                  <a:srgbClr val="ffffff"/>
+                </a:solidFill>
+                <a:latin typeface="Calibri"/>
+                <a:ea typeface="DejaVu Sans"/>
+              </a:rPr>
+              <a:t> </a:t>
+            </a:r>
+            <a:r>
               <a:rPr b="0" lang="en-IN" sz="1800" spc="-12" strike="noStrike">
                 <a:solidFill>
                   <a:srgbClr val="ffffff"/>
@@ -6954,46 +5793,6 @@
                 <a:latin typeface="Calibri"/>
                 <a:ea typeface="DejaVu Sans"/>
               </a:rPr>
-              <a:t>relationships</a:t>
-            </a:r>
-            <a:r>
-              <a:rPr b="0" lang="en-IN" sz="1800" spc="12" strike="noStrike">
-                <a:solidFill>
-                  <a:srgbClr val="ffffff"/>
-                </a:solidFill>
-                <a:latin typeface="Calibri"/>
-                <a:ea typeface="DejaVu Sans"/>
-              </a:rPr>
-              <a:t> </a:t>
-            </a:r>
-            <a:r>
-              <a:rPr b="0" lang="en-IN" sz="1800" spc="-1" strike="noStrike">
-                <a:solidFill>
-                  <a:srgbClr val="ffffff"/>
-                </a:solidFill>
-                <a:latin typeface="Calibri"/>
-                <a:ea typeface="DejaVu Sans"/>
-              </a:rPr>
-              <a:t>and</a:t>
-            </a:r>
-            <a:r>
-              <a:rPr b="0" lang="en-IN" sz="1800" spc="7" strike="noStrike">
-                <a:solidFill>
-                  <a:srgbClr val="ffffff"/>
-                </a:solidFill>
-                <a:latin typeface="Calibri"/>
-                <a:ea typeface="DejaVu Sans"/>
-              </a:rPr>
-              <a:t> </a:t>
-            </a:r>
-            <a:r>
-              <a:rPr b="0" lang="en-IN" sz="1800" spc="-12" strike="noStrike">
-                <a:solidFill>
-                  <a:srgbClr val="ffffff"/>
-                </a:solidFill>
-                <a:latin typeface="Calibri"/>
-                <a:ea typeface="DejaVu Sans"/>
-              </a:rPr>
               <a:t>to</a:t>
             </a:r>
             <a:r>
@@ -7004,240 +5803,10 @@
                 <a:latin typeface="Calibri"/>
                 <a:ea typeface="DejaVu Sans"/>
               </a:rPr>
-              <a:t> </a:t>
-            </a:r>
-            <a:r>
-              <a:rPr b="0" lang="en-IN" sz="1800" spc="-12" strike="noStrike">
-                <a:solidFill>
-                  <a:srgbClr val="ffffff"/>
-                </a:solidFill>
-                <a:latin typeface="Calibri"/>
-                <a:ea typeface="DejaVu Sans"/>
-              </a:rPr>
-              <a:t>expand</a:t>
-            </a:r>
-            <a:r>
-              <a:rPr b="0" lang="en-IN" sz="1800" spc="-1" strike="noStrike">
-                <a:solidFill>
-                  <a:srgbClr val="ffffff"/>
-                </a:solidFill>
-                <a:latin typeface="Calibri"/>
-                <a:ea typeface="DejaVu Sans"/>
-              </a:rPr>
-              <a:t> their </a:t>
-            </a:r>
-            <a:r>
-              <a:rPr b="0" lang="en-IN" sz="1800" spc="-7" strike="noStrike">
-                <a:solidFill>
-                  <a:srgbClr val="ffffff"/>
-                </a:solidFill>
-                <a:latin typeface="Calibri"/>
-                <a:ea typeface="DejaVu Sans"/>
-              </a:rPr>
-              <a:t>social </a:t>
-            </a:r>
-            <a:r>
-              <a:rPr b="0" lang="en-IN" sz="1800" spc="-1" strike="noStrike">
-                <a:solidFill>
-                  <a:srgbClr val="ffffff"/>
-                </a:solidFill>
-                <a:latin typeface="Calibri"/>
-                <a:ea typeface="DejaVu Sans"/>
-              </a:rPr>
-              <a:t> </a:t>
-            </a:r>
-            <a:r>
-              <a:rPr b="0" lang="en-IN" sz="1800" spc="-12" strike="noStrike">
-                <a:solidFill>
-                  <a:srgbClr val="ffffff"/>
-                </a:solidFill>
-                <a:latin typeface="Calibri"/>
-                <a:ea typeface="DejaVu Sans"/>
-              </a:rPr>
-              <a:t>circles.</a:t>
-            </a:r>
-            <a:r>
-              <a:rPr b="0" lang="en-IN" sz="1800" spc="4" strike="noStrike">
-                <a:solidFill>
-                  <a:srgbClr val="ffffff"/>
-                </a:solidFill>
-                <a:latin typeface="Calibri"/>
-                <a:ea typeface="DejaVu Sans"/>
-              </a:rPr>
-              <a:t> </a:t>
-            </a:r>
-            <a:r>
-              <a:rPr b="0" lang="en-IN" sz="1800" spc="-1" strike="noStrike">
-                <a:solidFill>
-                  <a:srgbClr val="ffffff"/>
-                </a:solidFill>
-                <a:latin typeface="Calibri"/>
-                <a:ea typeface="DejaVu Sans"/>
-              </a:rPr>
-              <a:t>But</a:t>
-            </a:r>
-            <a:r>
-              <a:rPr b="0" lang="en-IN" sz="1800" spc="-7" strike="noStrike">
-                <a:solidFill>
-                  <a:srgbClr val="ffffff"/>
-                </a:solidFill>
-                <a:latin typeface="Calibri"/>
-                <a:ea typeface="DejaVu Sans"/>
-              </a:rPr>
-              <a:t> </a:t>
-            </a:r>
-            <a:r>
-              <a:rPr b="0" lang="en-IN" sz="1800" spc="-12" strike="noStrike">
-                <a:solidFill>
-                  <a:srgbClr val="ffffff"/>
-                </a:solidFill>
-                <a:latin typeface="Calibri"/>
-                <a:ea typeface="DejaVu Sans"/>
-              </a:rPr>
-              <a:t>are</a:t>
-            </a:r>
-            <a:r>
-              <a:rPr b="0" lang="en-IN" sz="1800" spc="-1" strike="noStrike">
-                <a:solidFill>
-                  <a:srgbClr val="ffffff"/>
-                </a:solidFill>
-                <a:latin typeface="Calibri"/>
-                <a:ea typeface="DejaVu Sans"/>
-              </a:rPr>
-              <a:t> the</a:t>
-            </a:r>
-            <a:r>
-              <a:rPr b="0" lang="en-IN" sz="1800" spc="4" strike="noStrike">
-                <a:solidFill>
-                  <a:srgbClr val="ffffff"/>
-                </a:solidFill>
-                <a:latin typeface="Calibri"/>
-                <a:ea typeface="DejaVu Sans"/>
-              </a:rPr>
-              <a:t> </a:t>
-            </a:r>
-            <a:r>
-              <a:rPr b="0" lang="en-IN" sz="1800" spc="-12" strike="noStrike">
-                <a:solidFill>
-                  <a:srgbClr val="ffffff"/>
-                </a:solidFill>
-                <a:latin typeface="Calibri"/>
-                <a:ea typeface="DejaVu Sans"/>
-              </a:rPr>
-              <a:t>existing</a:t>
-            </a:r>
-            <a:r>
-              <a:rPr b="0" lang="en-IN" sz="1800" spc="-1" strike="noStrike">
-                <a:solidFill>
-                  <a:srgbClr val="ffffff"/>
-                </a:solidFill>
-                <a:latin typeface="Calibri"/>
-                <a:ea typeface="DejaVu Sans"/>
-              </a:rPr>
-              <a:t> </a:t>
-            </a:r>
-            <a:r>
-              <a:rPr b="0" lang="en-IN" sz="1800" spc="-7" strike="noStrike">
-                <a:solidFill>
-                  <a:srgbClr val="ffffff"/>
-                </a:solidFill>
-                <a:latin typeface="Calibri"/>
-                <a:ea typeface="DejaVu Sans"/>
-              </a:rPr>
-              <a:t>dating </a:t>
-            </a:r>
-            <a:r>
-              <a:rPr b="0" lang="en-IN" sz="1800" spc="-12" strike="noStrike">
-                <a:solidFill>
-                  <a:srgbClr val="ffffff"/>
-                </a:solidFill>
-                <a:latin typeface="Calibri"/>
-                <a:ea typeface="DejaVu Sans"/>
-              </a:rPr>
-              <a:t>platforms</a:t>
-            </a:r>
-            <a:r>
-              <a:rPr b="0" lang="en-IN" sz="1800" spc="-7" strike="noStrike">
-                <a:solidFill>
-                  <a:srgbClr val="ffffff"/>
-                </a:solidFill>
-                <a:latin typeface="Calibri"/>
-                <a:ea typeface="DejaVu Sans"/>
-              </a:rPr>
-              <a:t> </a:t>
-            </a:r>
-            <a:r>
-              <a:rPr b="0" lang="en-IN" sz="1800" spc="-1" strike="noStrike">
-                <a:solidFill>
-                  <a:srgbClr val="ffffff"/>
-                </a:solidFill>
-                <a:latin typeface="Calibri"/>
-                <a:ea typeface="DejaVu Sans"/>
-              </a:rPr>
-              <a:t>the</a:t>
-            </a:r>
-            <a:r>
-              <a:rPr b="0" lang="en-IN" sz="1800" spc="-7" strike="noStrike">
-                <a:solidFill>
-                  <a:srgbClr val="ffffff"/>
-                </a:solidFill>
-                <a:latin typeface="Calibri"/>
-                <a:ea typeface="DejaVu Sans"/>
-              </a:rPr>
-              <a:t> right </a:t>
-            </a:r>
-            <a:r>
-              <a:rPr b="0" lang="en-IN" sz="1800" spc="-1" strike="noStrike">
-                <a:solidFill>
-                  <a:srgbClr val="ffffff"/>
-                </a:solidFill>
-                <a:latin typeface="Calibri"/>
-                <a:ea typeface="DejaVu Sans"/>
-              </a:rPr>
-              <a:t> </a:t>
-            </a:r>
-            <a:r>
-              <a:rPr b="0" lang="en-IN" sz="1800" spc="-7" strike="noStrike">
-                <a:solidFill>
-                  <a:srgbClr val="ffffff"/>
-                </a:solidFill>
-                <a:latin typeface="Calibri"/>
-                <a:ea typeface="DejaVu Sans"/>
-              </a:rPr>
-              <a:t>place</a:t>
-            </a:r>
-            <a:r>
-              <a:rPr b="0" lang="en-IN" sz="1800" spc="4" strike="noStrike">
-                <a:solidFill>
-                  <a:srgbClr val="ffffff"/>
-                </a:solidFill>
-                <a:latin typeface="Calibri"/>
-                <a:ea typeface="DejaVu Sans"/>
-              </a:rPr>
-              <a:t> </a:t>
-            </a:r>
-            <a:r>
-              <a:rPr b="0" lang="en-IN" sz="1800" spc="-12" strike="noStrike">
-                <a:solidFill>
-                  <a:srgbClr val="ffffff"/>
-                </a:solidFill>
-                <a:latin typeface="Calibri"/>
-                <a:ea typeface="DejaVu Sans"/>
-              </a:rPr>
-              <a:t>to</a:t>
-            </a:r>
-            <a:r>
-              <a:rPr b="0" lang="en-IN" sz="1800" spc="-7" strike="noStrike">
-                <a:solidFill>
-                  <a:srgbClr val="ffffff"/>
-                </a:solidFill>
-                <a:latin typeface="Calibri"/>
-                <a:ea typeface="DejaVu Sans"/>
-              </a:rPr>
               <a:t> build</a:t>
             </a:r>
             <a:r>
-              <a:rPr b="0" lang="en-IN" sz="1800" spc="18" strike="noStrike">
+              <a:rPr b="0" lang="en-IN" sz="1800" spc="15" strike="noStrike">
                 <a:solidFill>
                   <a:srgbClr val="ffffff"/>
                 </a:solidFill>
@@ -7336,6 +5905,26 @@
               <a:t>Existing</a:t>
             </a:r>
             <a:r>
+              <a:rPr b="0" lang="en-IN" sz="1800" spc="1" strike="noStrike">
+                <a:solidFill>
+                  <a:srgbClr val="ffffff"/>
+                </a:solidFill>
+                <a:latin typeface="Calibri"/>
+                <a:ea typeface="DejaVu Sans"/>
+              </a:rPr>
+              <a:t> </a:t>
+            </a:r>
+            <a:r>
+              <a:rPr b="0" lang="en-IN" sz="1800" spc="-7" strike="noStrike">
+                <a:solidFill>
+                  <a:srgbClr val="ffffff"/>
+                </a:solidFill>
+                <a:latin typeface="Calibri"/>
+                <a:ea typeface="DejaVu Sans"/>
+              </a:rPr>
+              <a:t>Application</a:t>
+            </a:r>
+            <a:r>
               <a:rPr b="0" lang="en-IN" sz="1800" spc="4" strike="noStrike">
                 <a:solidFill>
                   <a:srgbClr val="ffffff"/>
@@ -7353,17 +5942,67 @@
                 <a:latin typeface="Calibri"/>
                 <a:ea typeface="DejaVu Sans"/>
               </a:rPr>
-              <a:t>Application</a:t>
-            </a:r>
-            <a:r>
-              <a:rPr b="0" lang="en-IN" sz="1800" spc="7" strike="noStrike">
-                <a:solidFill>
-                  <a:srgbClr val="ffffff"/>
-                </a:solidFill>
-                <a:latin typeface="Calibri"/>
-                <a:ea typeface="DejaVu Sans"/>
-              </a:rPr>
-              <a:t> </a:t>
+              <a:t>or</a:t>
+            </a:r>
+            <a:r>
+              <a:rPr b="0" lang="en-IN" sz="1800" spc="-1" strike="noStrike">
+                <a:solidFill>
+                  <a:srgbClr val="ffffff"/>
+                </a:solidFill>
+                <a:latin typeface="Calibri"/>
+                <a:ea typeface="DejaVu Sans"/>
+              </a:rPr>
+              <a:t> </a:t>
+            </a:r>
+            <a:r>
+              <a:rPr b="0" lang="en-IN" sz="1800" spc="-12" strike="noStrike">
+                <a:solidFill>
+                  <a:srgbClr val="ffffff"/>
+                </a:solidFill>
+                <a:latin typeface="Calibri"/>
+                <a:ea typeface="DejaVu Sans"/>
+              </a:rPr>
+              <a:t>platforms</a:t>
+            </a:r>
+            <a:r>
+              <a:rPr b="0" lang="en-IN" sz="1800" spc="-21" strike="noStrike">
+                <a:solidFill>
+                  <a:srgbClr val="ffffff"/>
+                </a:solidFill>
+                <a:latin typeface="Calibri"/>
+                <a:ea typeface="DejaVu Sans"/>
+              </a:rPr>
+              <a:t> </a:t>
+            </a:r>
+            <a:r>
+              <a:rPr b="0" lang="en-IN" sz="1800" spc="-12" strike="noStrike">
+                <a:solidFill>
+                  <a:srgbClr val="ffffff"/>
+                </a:solidFill>
+                <a:latin typeface="Calibri"/>
+                <a:ea typeface="DejaVu Sans"/>
+              </a:rPr>
+              <a:t>provide</a:t>
+            </a:r>
+            <a:r>
+              <a:rPr b="0" lang="en-IN" sz="1800" spc="4" strike="noStrike">
+                <a:solidFill>
+                  <a:srgbClr val="ffffff"/>
+                </a:solidFill>
+                <a:latin typeface="Calibri"/>
+                <a:ea typeface="DejaVu Sans"/>
+              </a:rPr>
+              <a:t> </a:t>
+            </a:r>
+            <a:r>
+              <a:rPr b="0" lang="en-IN" sz="1800" spc="-12" strike="noStrike">
+                <a:solidFill>
+                  <a:srgbClr val="ffffff"/>
+                </a:solidFill>
+                <a:latin typeface="Calibri"/>
+                <a:ea typeface="DejaVu Sans"/>
+              </a:rPr>
+              <a:t>match </a:t>
             </a:r>
             <a:r>
               <a:rPr b="0" lang="en-IN" sz="1800" spc="-7" strike="noStrike">
@@ -7373,7 +6012,7 @@
                 <a:latin typeface="Calibri"/>
                 <a:ea typeface="DejaVu Sans"/>
               </a:rPr>
-              <a:t>or</a:t>
+              <a:t> making only</a:t>
             </a:r>
             <a:r>
               <a:rPr b="0" lang="en-IN" sz="1800" spc="-1" strike="noStrike">
@@ -7386,6 +6025,36 @@
               <a:t> </a:t>
             </a:r>
             <a:r>
+              <a:rPr b="0" lang="en-IN" sz="1800" spc="-7" strike="noStrike">
+                <a:solidFill>
+                  <a:srgbClr val="ffffff"/>
+                </a:solidFill>
+                <a:latin typeface="Calibri"/>
+                <a:ea typeface="DejaVu Sans"/>
+              </a:rPr>
+              <a:t>with</a:t>
+            </a:r>
+            <a:r>
+              <a:rPr b="0" lang="en-IN" sz="1800" spc="1" strike="noStrike">
+                <a:solidFill>
+                  <a:srgbClr val="ffffff"/>
+                </a:solidFill>
+                <a:latin typeface="Calibri"/>
+                <a:ea typeface="DejaVu Sans"/>
+              </a:rPr>
+              <a:t> </a:t>
+            </a:r>
+            <a:r>
+              <a:rPr b="0" lang="en-IN" sz="1800" spc="-15" strike="noStrike">
+                <a:solidFill>
+                  <a:srgbClr val="ffffff"/>
+                </a:solidFill>
+                <a:latin typeface="Calibri"/>
+                <a:ea typeface="DejaVu Sans"/>
+              </a:rPr>
+              <a:t>strangers.</a:t>
+            </a:r>
+            <a:r>
               <a:rPr b="0" lang="en-IN" sz="1800" spc="-12" strike="noStrike">
                 <a:solidFill>
                   <a:srgbClr val="ffffff"/>
@@ -7393,10 +6062,40 @@
                 <a:latin typeface="Calibri"/>
                 <a:ea typeface="DejaVu Sans"/>
               </a:rPr>
-              <a:t>platforms</a:t>
-            </a:r>
-            <a:r>
-              <a:rPr b="0" lang="en-IN" sz="1800" spc="-21" strike="noStrike">
+              <a:t> </a:t>
+            </a:r>
+            <a:r>
+              <a:rPr b="0" lang="en-IN" sz="1800" spc="-7" strike="noStrike">
+                <a:solidFill>
+                  <a:srgbClr val="ffffff"/>
+                </a:solidFill>
+                <a:latin typeface="Calibri"/>
+                <a:ea typeface="DejaVu Sans"/>
+              </a:rPr>
+              <a:t>What</a:t>
+            </a:r>
+            <a:r>
+              <a:rPr b="0" lang="en-IN" sz="1800" spc="-1" strike="noStrike">
+                <a:solidFill>
+                  <a:srgbClr val="ffffff"/>
+                </a:solidFill>
+                <a:latin typeface="Calibri"/>
+                <a:ea typeface="DejaVu Sans"/>
+              </a:rPr>
+              <a:t> </a:t>
+            </a:r>
+            <a:r>
+              <a:rPr b="0" lang="en-IN" sz="1800" spc="-7" strike="noStrike">
+                <a:solidFill>
+                  <a:srgbClr val="ffffff"/>
+                </a:solidFill>
+                <a:latin typeface="Calibri"/>
+                <a:ea typeface="DejaVu Sans"/>
+              </a:rPr>
+              <a:t>if one</a:t>
+            </a:r>
+            <a:r>
+              <a:rPr b="0" lang="en-IN" sz="1800" spc="4" strike="noStrike">
                 <a:solidFill>
                   <a:srgbClr val="ffffff"/>
                 </a:solidFill>
@@ -7413,17 +6112,17 @@
                 <a:latin typeface="Calibri"/>
                 <a:ea typeface="DejaVu Sans"/>
               </a:rPr>
-              <a:t>provide</a:t>
-            </a:r>
-            <a:r>
-              <a:rPr b="0" lang="en-IN" sz="1800" spc="7" strike="noStrike">
-                <a:solidFill>
-                  <a:srgbClr val="ffffff"/>
-                </a:solidFill>
-                <a:latin typeface="Calibri"/>
-                <a:ea typeface="DejaVu Sans"/>
-              </a:rPr>
-              <a:t> </a:t>
+              <a:t>wants</a:t>
+            </a:r>
+            <a:r>
+              <a:rPr b="0" lang="en-IN" sz="1800" spc="-1" strike="noStrike">
+                <a:solidFill>
+                  <a:srgbClr val="ffffff"/>
+                </a:solidFill>
+                <a:latin typeface="Calibri"/>
+                <a:ea typeface="DejaVu Sans"/>
+              </a:rPr>
+              <a:t> a </a:t>
             </a:r>
             <a:r>
               <a:rPr b="0" lang="en-IN" sz="1800" spc="-12" strike="noStrike">
@@ -7436,6 +6135,16 @@
               <a:t>match </a:t>
             </a:r>
             <a:r>
+              <a:rPr b="0" lang="en-IN" sz="1800" spc="-395" strike="noStrike">
+                <a:solidFill>
+                  <a:srgbClr val="ffffff"/>
+                </a:solidFill>
+                <a:latin typeface="Calibri"/>
+                <a:ea typeface="DejaVu Sans"/>
+              </a:rPr>
+              <a:t> </a:t>
+            </a:r>
+            <a:r>
               <a:rPr b="0" lang="en-IN" sz="1800" spc="-7" strike="noStrike">
                 <a:solidFill>
                   <a:srgbClr val="ffffff"/>
@@ -7443,150 +6152,10 @@
                 <a:latin typeface="Calibri"/>
                 <a:ea typeface="DejaVu Sans"/>
               </a:rPr>
-              <a:t> making only</a:t>
-            </a:r>
-            <a:r>
-              <a:rPr b="0" lang="en-IN" sz="1800" spc="-1" strike="noStrike">
-                <a:solidFill>
-                  <a:srgbClr val="ffffff"/>
-                </a:solidFill>
-                <a:latin typeface="Calibri"/>
-                <a:ea typeface="DejaVu Sans"/>
-              </a:rPr>
-              <a:t> </a:t>
-            </a:r>
-            <a:r>
-              <a:rPr b="0" lang="en-IN" sz="1800" spc="-7" strike="noStrike">
-                <a:solidFill>
-                  <a:srgbClr val="ffffff"/>
-                </a:solidFill>
-                <a:latin typeface="Calibri"/>
-                <a:ea typeface="DejaVu Sans"/>
-              </a:rPr>
-              <a:t>with</a:t>
-            </a:r>
-            <a:r>
-              <a:rPr b="0" lang="en-IN" sz="1800" spc="4" strike="noStrike">
-                <a:solidFill>
-                  <a:srgbClr val="ffffff"/>
-                </a:solidFill>
-                <a:latin typeface="Calibri"/>
-                <a:ea typeface="DejaVu Sans"/>
-              </a:rPr>
-              <a:t> </a:t>
-            </a:r>
-            <a:r>
-              <a:rPr b="0" lang="en-IN" sz="1800" spc="-15" strike="noStrike">
-                <a:solidFill>
-                  <a:srgbClr val="ffffff"/>
-                </a:solidFill>
-                <a:latin typeface="Calibri"/>
-                <a:ea typeface="DejaVu Sans"/>
-              </a:rPr>
-              <a:t>strangers.</a:t>
-            </a:r>
-            <a:r>
-              <a:rPr b="0" lang="en-IN" sz="1800" spc="-12" strike="noStrike">
-                <a:solidFill>
-                  <a:srgbClr val="ffffff"/>
-                </a:solidFill>
-                <a:latin typeface="Calibri"/>
-                <a:ea typeface="DejaVu Sans"/>
-              </a:rPr>
-              <a:t> </a:t>
-            </a:r>
-            <a:r>
-              <a:rPr b="0" lang="en-IN" sz="1800" spc="-7" strike="noStrike">
-                <a:solidFill>
-                  <a:srgbClr val="ffffff"/>
-                </a:solidFill>
-                <a:latin typeface="Calibri"/>
-                <a:ea typeface="DejaVu Sans"/>
-              </a:rPr>
-              <a:t>What</a:t>
-            </a:r>
-            <a:r>
-              <a:rPr b="0" lang="en-IN" sz="1800" spc="-1" strike="noStrike">
-                <a:solidFill>
-                  <a:srgbClr val="ffffff"/>
-                </a:solidFill>
-                <a:latin typeface="Calibri"/>
-                <a:ea typeface="DejaVu Sans"/>
-              </a:rPr>
-              <a:t> </a:t>
-            </a:r>
-            <a:r>
-              <a:rPr b="0" lang="en-IN" sz="1800" spc="-7" strike="noStrike">
-                <a:solidFill>
-                  <a:srgbClr val="ffffff"/>
-                </a:solidFill>
-                <a:latin typeface="Calibri"/>
-                <a:ea typeface="DejaVu Sans"/>
-              </a:rPr>
-              <a:t>if one</a:t>
-            </a:r>
-            <a:r>
-              <a:rPr b="0" lang="en-IN" sz="1800" spc="7" strike="noStrike">
-                <a:solidFill>
-                  <a:srgbClr val="ffffff"/>
-                </a:solidFill>
-                <a:latin typeface="Calibri"/>
-                <a:ea typeface="DejaVu Sans"/>
-              </a:rPr>
-              <a:t> </a:t>
-            </a:r>
-            <a:r>
-              <a:rPr b="0" lang="en-IN" sz="1800" spc="-12" strike="noStrike">
-                <a:solidFill>
-                  <a:srgbClr val="ffffff"/>
-                </a:solidFill>
-                <a:latin typeface="Calibri"/>
-                <a:ea typeface="DejaVu Sans"/>
-              </a:rPr>
-              <a:t>wants</a:t>
-            </a:r>
-            <a:r>
-              <a:rPr b="0" lang="en-IN" sz="1800" spc="-1" strike="noStrike">
-                <a:solidFill>
-                  <a:srgbClr val="ffffff"/>
-                </a:solidFill>
-                <a:latin typeface="Calibri"/>
-                <a:ea typeface="DejaVu Sans"/>
-              </a:rPr>
-              <a:t> a </a:t>
-            </a:r>
-            <a:r>
-              <a:rPr b="0" lang="en-IN" sz="1800" spc="-12" strike="noStrike">
-                <a:solidFill>
-                  <a:srgbClr val="ffffff"/>
-                </a:solidFill>
-                <a:latin typeface="Calibri"/>
-                <a:ea typeface="DejaVu Sans"/>
-              </a:rPr>
-              <a:t>match </a:t>
-            </a:r>
-            <a:r>
-              <a:rPr b="0" lang="en-IN" sz="1800" spc="-395" strike="noStrike">
-                <a:solidFill>
-                  <a:srgbClr val="ffffff"/>
-                </a:solidFill>
-                <a:latin typeface="Calibri"/>
-                <a:ea typeface="DejaVu Sans"/>
-              </a:rPr>
-              <a:t> </a:t>
-            </a:r>
-            <a:r>
-              <a:rPr b="0" lang="en-IN" sz="1800" spc="-7" strike="noStrike">
-                <a:solidFill>
-                  <a:srgbClr val="ffffff"/>
-                </a:solidFill>
-                <a:latin typeface="Calibri"/>
-                <a:ea typeface="DejaVu Sans"/>
-              </a:rPr>
               <a:t>within</a:t>
             </a:r>
             <a:r>
-              <a:rPr b="0" lang="en-IN" sz="1800" spc="12" strike="noStrike">
+              <a:rPr b="0" lang="en-IN" sz="1800" spc="9" strike="noStrike">
                 <a:solidFill>
                   <a:srgbClr val="ffffff"/>
                 </a:solidFill>
@@ -7865,28 +6434,28 @@
       </p:sp>
       <p:grpSp>
         <p:nvGrpSpPr>
-          <p:cNvPr id="129" name="Group 5"/>
+          <p:cNvPr id="93" name="Group 5"/>
           <p:cNvGrpSpPr/>
           <p:nvPr/>
         </p:nvGrpSpPr>
         <p:grpSpPr>
           <a:xfrm>
             <a:off x="8679960" y="1039320"/>
-            <a:ext cx="3113280" cy="3463920"/>
+            <a:ext cx="3112920" cy="3463560"/>
             <a:chOff x="8679960" y="1039320"/>
-            <a:chExt cx="3113280" cy="3463920"/>
+            <a:chExt cx="3112920" cy="3463560"/>
           </a:xfrm>
         </p:grpSpPr>
         <p:sp>
           <p:nvSpPr>
-            <p:cNvPr id="130" name="CustomShape 6"/>
+            <p:cNvPr id="94" name="CustomShape 6"/>
             <p:cNvSpPr/>
             <p:nvPr/>
           </p:nvSpPr>
           <p:spPr>
             <a:xfrm>
               <a:off x="9710280" y="2874960"/>
-              <a:ext cx="773640" cy="667080"/>
+              <a:ext cx="773280" cy="666720"/>
             </a:xfrm>
             <a:custGeom>
               <a:avLst/>
@@ -8063,14 +6632,14 @@
         </p:sp>
         <p:sp>
           <p:nvSpPr>
-            <p:cNvPr id="131" name="CustomShape 7"/>
+            <p:cNvPr id="95" name="CustomShape 7"/>
             <p:cNvSpPr/>
             <p:nvPr/>
           </p:nvSpPr>
           <p:spPr>
             <a:xfrm>
               <a:off x="8679960" y="4047120"/>
-              <a:ext cx="595080" cy="456120"/>
+              <a:ext cx="594720" cy="455760"/>
             </a:xfrm>
             <a:custGeom>
               <a:avLst/>
@@ -8211,7 +6780,7 @@
         </p:sp>
         <p:pic>
           <p:nvPicPr>
-            <p:cNvPr id="132" name="object 11" descr=""/>
+            <p:cNvPr id="96" name="object 11" descr=""/>
             <p:cNvPicPr/>
             <p:nvPr/>
           </p:nvPicPr>
@@ -8222,7 +6791,7 @@
           <p:spPr>
             <a:xfrm>
               <a:off x="11026080" y="1039320"/>
-              <a:ext cx="767160" cy="767160"/>
+              <a:ext cx="766800" cy="766800"/>
             </a:xfrm>
             <a:prstGeom prst="rect">
               <a:avLst/>
@@ -8696,230 +7265,4 @@
     </a:fmtScheme>
   </a:themeElements>
 </a:theme>
-</file>
-
-<file path=ppt/theme/theme3.xml><?xml version="1.0" encoding="utf-8"?>
-<a:theme xmlns:a="http://schemas.openxmlformats.org/drawingml/2006/main" name="Office Theme">
-  <a:themeElements>
-    <a:clrScheme name="Office">
-      <a:dk1>
-        <a:sysClr val="windowText" lastClr="000000"/>
-      </a:dk1>
-      <a:lt1>
-        <a:sysClr val="window" lastClr="FFFFFF"/>
-      </a:lt1>
-      <a:dk2>
-        <a:srgbClr val="1f497d"/>
-      </a:dk2>
-      <a:lt2>
-        <a:srgbClr val="eeece1"/>
-      </a:lt2>
-      <a:accent1>
-        <a:srgbClr val="4f81bd"/>
-      </a:accent1>
-      <a:accent2>
-        <a:srgbClr val="c0504d"/>
-      </a:accent2>
-      <a:accent3>
-        <a:srgbClr val="9bbb59"/>
-      </a:accent3>
-      <a:accent4>
-        <a:srgbClr val="8064a2"/>
-      </a:accent4>
-      <a:accent5>
-        <a:srgbClr val="4bacc6"/>
-      </a:accent5>
-      <a:accent6>
-        <a:srgbClr val="f79646"/>
-      </a:accent6>
-      <a:hlink>
-        <a:srgbClr val="0000ff"/>
-      </a:hlink>
-      <a:folHlink>
-        <a:srgbClr val="800080"/>
-      </a:folHlink>
-    </a:clrScheme>
-    <a:fontScheme name="Office">
-      <a:majorFont>
-        <a:latin typeface="Arial"/>
-        <a:ea typeface="DejaVu Sans"/>
-        <a:cs typeface="DejaVu Sans"/>
-      </a:majorFont>
-      <a:minorFont>
-        <a:latin typeface="Arial"/>
-        <a:ea typeface="DejaVu Sans"/>
-        <a:cs typeface="DejaVu Sans"/>
-      </a:minorFont>
-    </a:fontScheme>
-    <a:fmtScheme name="Office">
-      <a:fillStyleLst>
-        <a:solidFill>
-          <a:schemeClr val="phClr"/>
-        </a:solidFill>
-        <a:gradFill rotWithShape="1">
-          <a:gsLst>
-            <a:gs pos="0">
-              <a:schemeClr val="phClr">
-                <a:tint val="50000"/>
-                <a:satMod val="300000"/>
-              </a:schemeClr>
-            </a:gs>
-            <a:gs pos="35000">
-              <a:schemeClr val="phClr">
-                <a:tint val="37000"/>
-                <a:satMod val="300000"/>
-              </a:schemeClr>
-            </a:gs>
-            <a:gs pos="100000">
-              <a:schemeClr val="phClr">
-                <a:tint val="15000"/>
-                <a:satMod val="350000"/>
-              </a:schemeClr>
-            </a:gs>
-          </a:gsLst>
-          <a:lin ang="16200000" scaled="1"/>
-        </a:gradFill>
-        <a:gradFill rotWithShape="1">
-          <a:gsLst>
-            <a:gs pos="0">
-              <a:schemeClr val="phClr">
-                <a:shade val="51000"/>
-                <a:satMod val="130000"/>
-              </a:schemeClr>
-            </a:gs>
-            <a:gs pos="80000">
-              <a:schemeClr val="phClr">
-                <a:shade val="93000"/>
-                <a:satMod val="130000"/>
-              </a:schemeClr>
-            </a:gs>
-            <a:gs pos="100000">
-              <a:schemeClr val="phClr">
-                <a:shade val="94000"/>
-                <a:satMod val="135000"/>
-              </a:schemeClr>
-            </a:gs>
-          </a:gsLst>
-          <a:lin ang="16200000" scaled="0"/>
-        </a:gradFill>
-      </a:fillStyleLst>
-      <a:lnStyleLst>
-        <a:ln w="9525" cap="flat" cmpd="sng" algn="ctr">
-          <a:solidFill>
-            <a:schemeClr val="phClr">
-              <a:shade val="95000"/>
-              <a:satMod val="105000"/>
-            </a:schemeClr>
-          </a:solidFill>
-          <a:prstDash val="solid"/>
-          <a:miter/>
-        </a:ln>
-        <a:ln w="25400" cap="flat" cmpd="sng" algn="ctr">
-          <a:solidFill>
-            <a:schemeClr val="phClr"/>
-          </a:solidFill>
-          <a:prstDash val="solid"/>
-          <a:miter/>
-        </a:ln>
-        <a:ln w="38100" cap="flat" cmpd="sng" algn="ctr">
-          <a:solidFill>
-            <a:schemeClr val="phClr"/>
-          </a:solidFill>
-          <a:prstDash val="solid"/>
-          <a:miter/>
-        </a:ln>
-      </a:lnStyleLst>
-      <a:effectStyleLst>
-        <a:effectStyle>
-          <a:effectLst>
-            <a:outerShdw blurRad="40000" dist="20000" dir="5400000" rotWithShape="0">
-              <a:srgbClr val="000000">
-                <a:alpha val="38000"/>
-              </a:srgbClr>
-            </a:outerShdw>
-          </a:effectLst>
-        </a:effectStyle>
-        <a:effectStyle>
-          <a:effectLst>
-            <a:outerShdw blurRad="40000" dist="23000" dir="5400000" rotWithShape="0">
-              <a:srgbClr val="000000">
-                <a:alpha val="35000"/>
-              </a:srgbClr>
-            </a:outerShdw>
-          </a:effectLst>
-        </a:effectStyle>
-        <a:effectStyle>
-          <a:effectLst>
-            <a:outerShdw blurRad="40000" dist="23000" dir="5400000" rotWithShape="0">
-              <a:srgbClr val="000000">
-                <a:alpha val="35000"/>
-              </a:srgbClr>
-            </a:outerShdw>
-          </a:effectLst>
-          <a:scene3d>
-            <a:camera prst="orthographicFront">
-              <a:rot lat="0" lon="0" rev="0"/>
-            </a:camera>
-            <a:lightRig rig="threePt" dir="t">
-              <a:rot lat="0" lon="0" rev="1200000"/>
-            </a:lightRig>
-          </a:scene3d>
-          <a:sp3d>
-            <a:bevelT w="63500" h="25400"/>
-          </a:sp3d>
-        </a:effectStyle>
-      </a:effectStyleLst>
-      <a:bgFillStyleLst>
-        <a:solidFill>
-          <a:schemeClr val="phClr"/>
-        </a:solidFill>
-        <a:gradFill rotWithShape="1">
-          <a:gsLst>
-            <a:gs pos="0">
-              <a:schemeClr val="phClr">
-                <a:tint val="40000"/>
-                <a:satMod val="350000"/>
-              </a:schemeClr>
-            </a:gs>
-            <a:gs pos="40000">
-              <a:schemeClr val="phClr">
-                <a:tint val="45000"/>
-                <a:shade val="99000"/>
-                <a:satMod val="350000"/>
-              </a:schemeClr>
-            </a:gs>
-            <a:gs pos="100000">
-              <a:schemeClr val="phClr">
-                <a:shade val="20000"/>
-                <a:satMod val="255000"/>
-              </a:schemeClr>
-            </a:gs>
-          </a:gsLst>
-          <a:path path="circle">
-            <a:fillToRect l="50000" t="-80000" r="50000" b="180000"/>
-          </a:path>
-        </a:gradFill>
-        <a:gradFill rotWithShape="1">
-          <a:gsLst>
-            <a:gs pos="0">
-              <a:schemeClr val="phClr">
-                <a:tint val="80000"/>
-                <a:satMod val="300000"/>
-              </a:schemeClr>
-            </a:gs>
-            <a:gs pos="100000">
-              <a:schemeClr val="phClr">
-                <a:shade val="30000"/>
-                <a:satMod val="200000"/>
-              </a:schemeClr>
-            </a:gs>
-          </a:gsLst>
-          <a:path path="circle">
-            <a:fillToRect l="50000" t="50000" r="50000" b="50000"/>
-          </a:path>
-        </a:gradFill>
-      </a:bgFillStyleLst>
-    </a:fmtScheme>
-  </a:themeElements>
-</a:theme>
 </file>